--- a/final_project/N03-DevelopmentLog/SoC_Final_project.pptx
+++ b/final_project/N03-DevelopmentLog/SoC_Final_project.pptx
@@ -5,24 +5,25 @@
     <p:sldMasterId id="2147483660" r:id="rId1"/>
   </p:sldMasterIdLst>
   <p:notesMasterIdLst>
-    <p:notesMasterId r:id="rId17"/>
+    <p:notesMasterId r:id="rId18"/>
   </p:notesMasterIdLst>
   <p:sldIdLst>
     <p:sldId id="1398" r:id="rId2"/>
     <p:sldId id="1393" r:id="rId3"/>
     <p:sldId id="1397" r:id="rId4"/>
     <p:sldId id="1721" r:id="rId5"/>
-    <p:sldId id="1399" r:id="rId6"/>
-    <p:sldId id="1394" r:id="rId7"/>
-    <p:sldId id="1722" r:id="rId8"/>
-    <p:sldId id="1723" r:id="rId9"/>
-    <p:sldId id="1724" r:id="rId10"/>
-    <p:sldId id="1725" r:id="rId11"/>
-    <p:sldId id="1726" r:id="rId12"/>
-    <p:sldId id="1728" r:id="rId13"/>
-    <p:sldId id="1729" r:id="rId14"/>
-    <p:sldId id="1727" r:id="rId15"/>
-    <p:sldId id="1396" r:id="rId16"/>
+    <p:sldId id="1731" r:id="rId6"/>
+    <p:sldId id="1399" r:id="rId7"/>
+    <p:sldId id="1394" r:id="rId8"/>
+    <p:sldId id="1722" r:id="rId9"/>
+    <p:sldId id="1723" r:id="rId10"/>
+    <p:sldId id="1724" r:id="rId11"/>
+    <p:sldId id="1725" r:id="rId12"/>
+    <p:sldId id="1726" r:id="rId13"/>
+    <p:sldId id="1728" r:id="rId14"/>
+    <p:sldId id="1729" r:id="rId15"/>
+    <p:sldId id="1727" r:id="rId16"/>
+    <p:sldId id="1396" r:id="rId17"/>
   </p:sldIdLst>
   <p:sldSz cx="12192000" cy="6858000"/>
   <p:notesSz cx="6858000" cy="9144000"/>
@@ -138,6 +139,7 @@
         <p14:section name="需求分析" id="{331EAEBC-E252-4F4D-BB23-F301CCEB181C}">
           <p14:sldIdLst>
             <p14:sldId id="1721"/>
+            <p14:sldId id="1731"/>
           </p14:sldIdLst>
         </p14:section>
         <p14:section name="系統分析" id="{BB5AE70D-D0D1-499A-BED9-DA03C5E180F1}">
@@ -250,7 +252,7 @@
           <a:p>
             <a:fld id="{5B76B9C2-8CBA-466A-AF0E-975D77387BB5}" type="datetimeFigureOut">
               <a:rPr lang="zh-TW" altLang="en-US" smtClean="0"/>
-              <a:t>2023/11/16</a:t>
+              <a:t>2023/11/23</a:t>
             </a:fld>
             <a:endParaRPr lang="zh-TW" altLang="en-US"/>
           </a:p>
@@ -653,7 +655,7 @@
           <a:p>
             <a:fld id="{76DB1E62-041B-47B5-8407-B11F18F7E90B}" type="datetimeFigureOut">
               <a:rPr lang="zh-TW" altLang="en-US" smtClean="0"/>
-              <a:t>2023/11/16</a:t>
+              <a:t>2023/11/23</a:t>
             </a:fld>
             <a:endParaRPr lang="zh-TW" altLang="en-US"/>
           </a:p>
@@ -821,7 +823,7 @@
           <a:p>
             <a:fld id="{76DB1E62-041B-47B5-8407-B11F18F7E90B}" type="datetimeFigureOut">
               <a:rPr lang="zh-TW" altLang="en-US" smtClean="0"/>
-              <a:t>2023/11/16</a:t>
+              <a:t>2023/11/23</a:t>
             </a:fld>
             <a:endParaRPr lang="zh-TW" altLang="en-US"/>
           </a:p>
@@ -999,7 +1001,7 @@
           <a:p>
             <a:fld id="{76DB1E62-041B-47B5-8407-B11F18F7E90B}" type="datetimeFigureOut">
               <a:rPr lang="zh-TW" altLang="en-US" smtClean="0"/>
-              <a:t>2023/11/16</a:t>
+              <a:t>2023/11/23</a:t>
             </a:fld>
             <a:endParaRPr lang="zh-TW" altLang="en-US"/>
           </a:p>
@@ -1196,7 +1198,7 @@
           <a:p>
             <a:fld id="{76DB1E62-041B-47B5-8407-B11F18F7E90B}" type="datetimeFigureOut">
               <a:rPr lang="zh-TW" altLang="en-US" smtClean="0"/>
-              <a:t>2023/11/16</a:t>
+              <a:t>2023/11/23</a:t>
             </a:fld>
             <a:endParaRPr lang="zh-TW" altLang="en-US"/>
           </a:p>
@@ -1441,7 +1443,7 @@
           <a:p>
             <a:fld id="{76DB1E62-041B-47B5-8407-B11F18F7E90B}" type="datetimeFigureOut">
               <a:rPr lang="zh-TW" altLang="en-US" smtClean="0"/>
-              <a:t>2023/11/16</a:t>
+              <a:t>2023/11/23</a:t>
             </a:fld>
             <a:endParaRPr lang="zh-TW" altLang="en-US"/>
           </a:p>
@@ -1670,7 +1672,7 @@
           <a:p>
             <a:fld id="{76DB1E62-041B-47B5-8407-B11F18F7E90B}" type="datetimeFigureOut">
               <a:rPr lang="zh-TW" altLang="en-US" smtClean="0"/>
-              <a:t>2023/11/16</a:t>
+              <a:t>2023/11/23</a:t>
             </a:fld>
             <a:endParaRPr lang="zh-TW" altLang="en-US"/>
           </a:p>
@@ -2034,7 +2036,7 @@
           <a:p>
             <a:fld id="{76DB1E62-041B-47B5-8407-B11F18F7E90B}" type="datetimeFigureOut">
               <a:rPr lang="zh-TW" altLang="en-US" smtClean="0"/>
-              <a:t>2023/11/16</a:t>
+              <a:t>2023/11/23</a:t>
             </a:fld>
             <a:endParaRPr lang="zh-TW" altLang="en-US"/>
           </a:p>
@@ -2151,7 +2153,7 @@
           <a:p>
             <a:fld id="{76DB1E62-041B-47B5-8407-B11F18F7E90B}" type="datetimeFigureOut">
               <a:rPr lang="zh-TW" altLang="en-US" smtClean="0"/>
-              <a:t>2023/11/16</a:t>
+              <a:t>2023/11/23</a:t>
             </a:fld>
             <a:endParaRPr lang="zh-TW" altLang="en-US"/>
           </a:p>
@@ -2246,7 +2248,7 @@
           <a:p>
             <a:fld id="{76DB1E62-041B-47B5-8407-B11F18F7E90B}" type="datetimeFigureOut">
               <a:rPr lang="zh-TW" altLang="en-US" smtClean="0"/>
-              <a:t>2023/11/16</a:t>
+              <a:t>2023/11/23</a:t>
             </a:fld>
             <a:endParaRPr lang="zh-TW" altLang="en-US"/>
           </a:p>
@@ -2521,7 +2523,7 @@
           <a:p>
             <a:fld id="{76DB1E62-041B-47B5-8407-B11F18F7E90B}" type="datetimeFigureOut">
               <a:rPr lang="zh-TW" altLang="en-US" smtClean="0"/>
-              <a:t>2023/11/16</a:t>
+              <a:t>2023/11/23</a:t>
             </a:fld>
             <a:endParaRPr lang="zh-TW" altLang="en-US"/>
           </a:p>
@@ -2776,7 +2778,7 @@
           <a:p>
             <a:fld id="{76DB1E62-041B-47B5-8407-B11F18F7E90B}" type="datetimeFigureOut">
               <a:rPr lang="zh-TW" altLang="en-US" smtClean="0"/>
-              <a:t>2023/11/16</a:t>
+              <a:t>2023/11/23</a:t>
             </a:fld>
             <a:endParaRPr lang="zh-TW" altLang="en-US"/>
           </a:p>
@@ -2989,7 +2991,7 @@
           <a:p>
             <a:fld id="{76DB1E62-041B-47B5-8407-B11F18F7E90B}" type="datetimeFigureOut">
               <a:rPr lang="zh-TW" altLang="en-US" smtClean="0"/>
-              <a:t>2023/11/16</a:t>
+              <a:t>2023/11/23</a:t>
             </a:fld>
             <a:endParaRPr lang="zh-TW" altLang="en-US"/>
           </a:p>
@@ -3747,6 +3749,136 @@
           <a:chExt cx="0" cy="0"/>
         </a:xfrm>
       </p:grpSpPr>
+      <p:grpSp>
+        <p:nvGrpSpPr>
+          <p:cNvPr id="11" name="群組 10">
+            <a:extLst>
+              <a:ext uri="{FF2B5EF4-FFF2-40B4-BE49-F238E27FC236}">
+                <a16:creationId xmlns:a16="http://schemas.microsoft.com/office/drawing/2014/main" id="{976AED21-7A37-678E-ED84-B14262B822DE}"/>
+              </a:ext>
+            </a:extLst>
+          </p:cNvPr>
+          <p:cNvGrpSpPr/>
+          <p:nvPr/>
+        </p:nvGrpSpPr>
+        <p:grpSpPr>
+          <a:xfrm>
+            <a:off x="5310914" y="1260212"/>
+            <a:ext cx="5905499" cy="5096138"/>
+            <a:chOff x="3250043" y="1753766"/>
+            <a:chExt cx="5691913" cy="4787250"/>
+          </a:xfrm>
+        </p:grpSpPr>
+        <p:pic>
+          <p:nvPicPr>
+            <p:cNvPr id="9" name="圖片 8" descr="一張含有 鮮豔, 螢幕擷取畫面, 圓形 的圖片&#10;&#10;自動產生的描述">
+              <a:extLst>
+                <a:ext uri="{FF2B5EF4-FFF2-40B4-BE49-F238E27FC236}">
+                  <a16:creationId xmlns:a16="http://schemas.microsoft.com/office/drawing/2014/main" id="{DDBF6F24-0E2A-9877-DA23-16E19627560A}"/>
+                </a:ext>
+              </a:extLst>
+            </p:cNvPr>
+            <p:cNvPicPr>
+              <a:picLocks noChangeAspect="1"/>
+            </p:cNvPicPr>
+            <p:nvPr/>
+          </p:nvPicPr>
+          <p:blipFill rotWithShape="1">
+            <a:blip r:embed="rId2">
+              <a:extLst>
+                <a:ext uri="{28A0092B-C50C-407E-A947-70E740481C1C}">
+                  <a14:useLocalDpi xmlns:a14="http://schemas.microsoft.com/office/drawing/2010/main" val="0"/>
+                </a:ext>
+              </a:extLst>
+            </a:blip>
+            <a:srcRect l="1" t="9016" r="-1666" b="10859"/>
+            <a:stretch/>
+          </p:blipFill>
+          <p:spPr>
+            <a:xfrm>
+              <a:off x="3250043" y="1753766"/>
+              <a:ext cx="5691913" cy="4485860"/>
+            </a:xfrm>
+            <a:prstGeom prst="rect">
+              <a:avLst/>
+            </a:prstGeom>
+          </p:spPr>
+        </p:pic>
+        <p:sp>
+          <p:nvSpPr>
+            <p:cNvPr id="10" name="文字方塊 9">
+              <a:extLst>
+                <a:ext uri="{FF2B5EF4-FFF2-40B4-BE49-F238E27FC236}">
+                  <a16:creationId xmlns:a16="http://schemas.microsoft.com/office/drawing/2014/main" id="{B8B22BBA-173A-F03C-90E8-BB562AD7F416}"/>
+                </a:ext>
+              </a:extLst>
+            </p:cNvPr>
+            <p:cNvSpPr txBox="1"/>
+            <p:nvPr/>
+          </p:nvSpPr>
+          <p:spPr>
+            <a:xfrm>
+              <a:off x="5282314" y="6171684"/>
+              <a:ext cx="1627369" cy="369332"/>
+            </a:xfrm>
+            <a:prstGeom prst="rect">
+              <a:avLst/>
+            </a:prstGeom>
+            <a:noFill/>
+          </p:spPr>
+          <p:txBody>
+            <a:bodyPr wrap="none" rtlCol="0">
+              <a:spAutoFit/>
+            </a:bodyPr>
+            <a:lstStyle/>
+            <a:p>
+              <a:r>
+                <a:rPr lang="zh-TW" altLang="en-US" dirty="0">
+                  <a:latin typeface="標楷體" panose="03000509000000000000" pitchFamily="65" charset="-120"/>
+                  <a:ea typeface="標楷體" panose="03000509000000000000" pitchFamily="65" charset="-120"/>
+                </a:rPr>
+                <a:t>圖</a:t>
+              </a:r>
+              <a:r>
+                <a:rPr lang="en-US" altLang="zh-TW" dirty="0">
+                  <a:latin typeface="標楷體" panose="03000509000000000000" pitchFamily="65" charset="-120"/>
+                  <a:ea typeface="標楷體" panose="03000509000000000000" pitchFamily="65" charset="-120"/>
+                </a:rPr>
+                <a:t>6</a:t>
+              </a:r>
+              <a:r>
+                <a:rPr lang="en-US" altLang="zh-TW" dirty="0">
+                  <a:latin typeface="Times New Roman" panose="02020603050405020304" pitchFamily="18" charset="0"/>
+                  <a:ea typeface="標楷體" panose="03000509000000000000" pitchFamily="65" charset="-120"/>
+                  <a:cs typeface="Times New Roman" panose="02020603050405020304" pitchFamily="18" charset="0"/>
+                </a:rPr>
+                <a:t>.</a:t>
+              </a:r>
+              <a:r>
+                <a:rPr lang="zh-TW" altLang="en-US" dirty="0">
+                  <a:latin typeface="Times New Roman" panose="02020603050405020304" pitchFamily="18" charset="0"/>
+                  <a:ea typeface="標楷體" panose="03000509000000000000" pitchFamily="65" charset="-120"/>
+                  <a:cs typeface="Times New Roman" panose="02020603050405020304" pitchFamily="18" charset="0"/>
+                </a:rPr>
+                <a:t>測試結果</a:t>
+              </a:r>
+              <a:r>
+                <a:rPr lang="en-US" altLang="zh-TW" dirty="0">
+                  <a:latin typeface="Times New Roman" panose="02020603050405020304" pitchFamily="18" charset="0"/>
+                  <a:ea typeface="標楷體" panose="03000509000000000000" pitchFamily="65" charset="-120"/>
+                  <a:cs typeface="Times New Roman" panose="02020603050405020304" pitchFamily="18" charset="0"/>
+                </a:rPr>
+                <a:t>2</a:t>
+              </a:r>
+              <a:endParaRPr lang="zh-TW" altLang="en-US" dirty="0">
+                <a:latin typeface="Times New Roman" panose="02020603050405020304" pitchFamily="18" charset="0"/>
+                <a:ea typeface="標楷體" panose="03000509000000000000" pitchFamily="65" charset="-120"/>
+                <a:cs typeface="Times New Roman" panose="02020603050405020304" pitchFamily="18" charset="0"/>
+              </a:endParaRPr>
+            </a:p>
+          </p:txBody>
+        </p:sp>
+      </p:grpSp>
       <p:sp>
         <p:nvSpPr>
           <p:cNvPr id="2" name="內容版面配置區 1">
@@ -3786,7 +3918,7 @@
             </a:r>
             <a:r>
               <a:rPr lang="en-US" altLang="zh-TW" sz="1800" b="1" dirty="0"/>
-              <a:t>: Test_3</a:t>
+              <a:t>: Test_2</a:t>
             </a:r>
             <a:r>
               <a:rPr lang="zh-TW" altLang="en-US" sz="1800" b="1" dirty="0"/>
@@ -3802,7 +3934,7 @@
             </a:r>
             <a:r>
               <a:rPr lang="en-US" altLang="zh-TW" sz="1800" b="1" dirty="0"/>
-              <a:t>input image : 600x450</a:t>
+              <a:t>input image : 300x195</a:t>
             </a:r>
           </a:p>
         </p:txBody>
@@ -3859,6 +3991,276 @@
             <a:fld id="{90F9E983-480B-48C5-9E0F-D21C0DFBB5C0}" type="slidenum">
               <a:rPr lang="zh-TW" altLang="en-US" smtClean="0"/>
               <a:t>10</a:t>
+            </a:fld>
+            <a:endParaRPr lang="zh-TW" altLang="en-US"/>
+          </a:p>
+        </p:txBody>
+      </p:sp>
+      <p:grpSp>
+        <p:nvGrpSpPr>
+          <p:cNvPr id="12" name="群組 11">
+            <a:extLst>
+              <a:ext uri="{FF2B5EF4-FFF2-40B4-BE49-F238E27FC236}">
+                <a16:creationId xmlns:a16="http://schemas.microsoft.com/office/drawing/2014/main" id="{31DA0AC6-8BDB-B75E-999B-8BC6BB5D3858}"/>
+              </a:ext>
+            </a:extLst>
+          </p:cNvPr>
+          <p:cNvGrpSpPr/>
+          <p:nvPr/>
+        </p:nvGrpSpPr>
+        <p:grpSpPr>
+          <a:xfrm>
+            <a:off x="4151621" y="3814354"/>
+            <a:ext cx="7064791" cy="2182244"/>
+            <a:chOff x="2022058" y="3989440"/>
+            <a:chExt cx="7064791" cy="2182244"/>
+          </a:xfrm>
+        </p:grpSpPr>
+        <p:sp>
+          <p:nvSpPr>
+            <p:cNvPr id="13" name="矩形 12">
+              <a:extLst>
+                <a:ext uri="{FF2B5EF4-FFF2-40B4-BE49-F238E27FC236}">
+                  <a16:creationId xmlns:a16="http://schemas.microsoft.com/office/drawing/2014/main" id="{83D1C6A3-6210-770D-3175-8F9756BD582C}"/>
+                </a:ext>
+              </a:extLst>
+            </p:cNvPr>
+            <p:cNvSpPr/>
+            <p:nvPr/>
+          </p:nvSpPr>
+          <p:spPr>
+            <a:xfrm>
+              <a:off x="3181350" y="3989440"/>
+              <a:ext cx="5905499" cy="2182244"/>
+            </a:xfrm>
+            <a:prstGeom prst="rect">
+              <a:avLst/>
+            </a:prstGeom>
+            <a:noFill/>
+            <a:ln w="38100">
+              <a:solidFill>
+                <a:srgbClr val="FF0000"/>
+              </a:solidFill>
+            </a:ln>
+          </p:spPr>
+          <p:style>
+            <a:lnRef idx="2">
+              <a:schemeClr val="accent1">
+                <a:shade val="15000"/>
+              </a:schemeClr>
+            </a:lnRef>
+            <a:fillRef idx="1">
+              <a:schemeClr val="accent1"/>
+            </a:fillRef>
+            <a:effectRef idx="0">
+              <a:schemeClr val="accent1"/>
+            </a:effectRef>
+            <a:fontRef idx="minor">
+              <a:schemeClr val="lt1"/>
+            </a:fontRef>
+          </p:style>
+          <p:txBody>
+            <a:bodyPr rtlCol="0" anchor="ctr"/>
+            <a:lstStyle/>
+            <a:p>
+              <a:pPr algn="ctr"/>
+              <a:endParaRPr lang="zh-TW" altLang="en-US"/>
+            </a:p>
+          </p:txBody>
+        </p:sp>
+        <p:sp>
+          <p:nvSpPr>
+            <p:cNvPr id="14" name="文字方塊 13">
+              <a:extLst>
+                <a:ext uri="{FF2B5EF4-FFF2-40B4-BE49-F238E27FC236}">
+                  <a16:creationId xmlns:a16="http://schemas.microsoft.com/office/drawing/2014/main" id="{7D6663BA-C5B2-90D4-E613-9A0A4A05577B}"/>
+                </a:ext>
+              </a:extLst>
+            </p:cNvPr>
+            <p:cNvSpPr txBox="1"/>
+            <p:nvPr/>
+          </p:nvSpPr>
+          <p:spPr>
+            <a:xfrm>
+              <a:off x="2022058" y="4911209"/>
+              <a:ext cx="1159292" cy="369332"/>
+            </a:xfrm>
+            <a:prstGeom prst="rect">
+              <a:avLst/>
+            </a:prstGeom>
+            <a:noFill/>
+          </p:spPr>
+          <p:txBody>
+            <a:bodyPr wrap="none" rtlCol="0">
+              <a:spAutoFit/>
+            </a:bodyPr>
+            <a:lstStyle/>
+            <a:p>
+              <a:r>
+                <a:rPr lang="en-US" altLang="zh-TW" dirty="0">
+                  <a:solidFill>
+                    <a:srgbClr val="FF0000"/>
+                  </a:solidFill>
+                  <a:latin typeface="Times New Roman" panose="02020603050405020304" pitchFamily="18" charset="0"/>
+                  <a:ea typeface="標楷體" panose="03000509000000000000" pitchFamily="65" charset="-120"/>
+                  <a:cs typeface="Times New Roman" panose="02020603050405020304" pitchFamily="18" charset="0"/>
+                </a:rPr>
+                <a:t>simulation</a:t>
+              </a:r>
+              <a:endParaRPr lang="zh-TW" altLang="en-US" dirty="0">
+                <a:solidFill>
+                  <a:srgbClr val="FF0000"/>
+                </a:solidFill>
+                <a:latin typeface="Times New Roman" panose="02020603050405020304" pitchFamily="18" charset="0"/>
+                <a:ea typeface="標楷體" panose="03000509000000000000" pitchFamily="65" charset="-120"/>
+                <a:cs typeface="Times New Roman" panose="02020603050405020304" pitchFamily="18" charset="0"/>
+              </a:endParaRPr>
+            </a:p>
+          </p:txBody>
+        </p:sp>
+      </p:grpSp>
+    </p:spTree>
+    <p:extLst>
+      <p:ext uri="{BB962C8B-B14F-4D97-AF65-F5344CB8AC3E}">
+        <p14:creationId xmlns:p14="http://schemas.microsoft.com/office/powerpoint/2010/main" val="2690142602"/>
+      </p:ext>
+    </p:extLst>
+  </p:cSld>
+  <p:clrMapOvr>
+    <a:masterClrMapping/>
+  </p:clrMapOvr>
+</p:sld>
+</file>
+
+<file path=ppt/slides/slide11.xml><?xml version="1.0" encoding="utf-8"?>
+<p:sld xmlns:a="http://schemas.openxmlformats.org/drawingml/2006/main" xmlns:r="http://schemas.openxmlformats.org/officeDocument/2006/relationships" xmlns:p="http://schemas.openxmlformats.org/presentationml/2006/main">
+  <p:cSld>
+    <p:spTree>
+      <p:nvGrpSpPr>
+        <p:cNvPr id="1" name=""/>
+        <p:cNvGrpSpPr/>
+        <p:nvPr/>
+      </p:nvGrpSpPr>
+      <p:grpSpPr>
+        <a:xfrm>
+          <a:off x="0" y="0"/>
+          <a:ext cx="0" cy="0"/>
+          <a:chOff x="0" y="0"/>
+          <a:chExt cx="0" cy="0"/>
+        </a:xfrm>
+      </p:grpSpPr>
+      <p:sp>
+        <p:nvSpPr>
+          <p:cNvPr id="2" name="內容版面配置區 1">
+            <a:extLst>
+              <a:ext uri="{FF2B5EF4-FFF2-40B4-BE49-F238E27FC236}">
+                <a16:creationId xmlns:a16="http://schemas.microsoft.com/office/drawing/2014/main" id="{8B9255F6-E79B-4294-834D-6D4140D1CF07}"/>
+              </a:ext>
+            </a:extLst>
+          </p:cNvPr>
+          <p:cNvSpPr>
+            <a:spLocks noGrp="1"/>
+          </p:cNvSpPr>
+          <p:nvPr>
+            <p:ph idx="1"/>
+          </p:nvPr>
+        </p:nvSpPr>
+        <p:spPr/>
+        <p:txBody>
+          <a:bodyPr>
+            <a:normAutofit/>
+          </a:bodyPr>
+          <a:lstStyle/>
+          <a:p>
+            <a:pPr marL="372600" indent="-457200">
+              <a:buFont typeface="+mj-lt"/>
+              <a:buAutoNum type="arabicPeriod"/>
+            </a:pPr>
+            <a:r>
+              <a:rPr lang="en-US" altLang="zh-TW" sz="2400" b="1" dirty="0"/>
+              <a:t>contours label</a:t>
+            </a:r>
+          </a:p>
+          <a:p>
+            <a:r>
+              <a:rPr lang="zh-TW" altLang="en-US" sz="1800" b="1" dirty="0"/>
+              <a:t>實驗結果 </a:t>
+            </a:r>
+            <a:r>
+              <a:rPr lang="en-US" altLang="zh-TW" sz="1800" b="1" dirty="0"/>
+              <a:t>: Test_3</a:t>
+            </a:r>
+            <a:r>
+              <a:rPr lang="zh-TW" altLang="en-US" sz="1800" b="1" dirty="0"/>
+              <a:t> </a:t>
+            </a:r>
+            <a:r>
+              <a:rPr lang="en-US" altLang="zh-TW" sz="1800" b="1" dirty="0"/>
+              <a:t>:</a:t>
+            </a:r>
+            <a:r>
+              <a:rPr lang="zh-TW" altLang="en-US" sz="1800" b="1" dirty="0"/>
+              <a:t> </a:t>
+            </a:r>
+            <a:r>
+              <a:rPr lang="en-US" altLang="zh-TW" sz="1800" b="1" dirty="0"/>
+              <a:t>input image : 600x450</a:t>
+            </a:r>
+          </a:p>
+        </p:txBody>
+      </p:sp>
+      <p:sp>
+        <p:nvSpPr>
+          <p:cNvPr id="3" name="標題 2">
+            <a:extLst>
+              <a:ext uri="{FF2B5EF4-FFF2-40B4-BE49-F238E27FC236}">
+                <a16:creationId xmlns:a16="http://schemas.microsoft.com/office/drawing/2014/main" id="{D7232380-22D4-47E6-A40E-ABF38AB200C3}"/>
+              </a:ext>
+            </a:extLst>
+          </p:cNvPr>
+          <p:cNvSpPr>
+            <a:spLocks noGrp="1"/>
+          </p:cNvSpPr>
+          <p:nvPr>
+            <p:ph type="title"/>
+          </p:nvPr>
+        </p:nvSpPr>
+        <p:spPr/>
+        <p:txBody>
+          <a:bodyPr/>
+          <a:lstStyle/>
+          <a:p>
+            <a:r>
+              <a:rPr lang="zh-TW" altLang="en-US" dirty="0"/>
+              <a:t>當週進度</a:t>
+            </a:r>
+          </a:p>
+        </p:txBody>
+      </p:sp>
+      <p:sp>
+        <p:nvSpPr>
+          <p:cNvPr id="4" name="投影片編號版面配置區 3">
+            <a:extLst>
+              <a:ext uri="{FF2B5EF4-FFF2-40B4-BE49-F238E27FC236}">
+                <a16:creationId xmlns:a16="http://schemas.microsoft.com/office/drawing/2014/main" id="{CC364F06-FBAE-41F1-9123-C093E43ADC15}"/>
+              </a:ext>
+            </a:extLst>
+          </p:cNvPr>
+          <p:cNvSpPr>
+            <a:spLocks noGrp="1"/>
+          </p:cNvSpPr>
+          <p:nvPr>
+            <p:ph type="sldNum" sz="quarter" idx="12"/>
+          </p:nvPr>
+        </p:nvSpPr>
+        <p:spPr/>
+        <p:txBody>
+          <a:bodyPr/>
+          <a:lstStyle/>
+          <a:p>
+            <a:fld id="{90F9E983-480B-48C5-9E0F-D21C0DFBB5C0}" type="slidenum">
+              <a:rPr lang="zh-TW" altLang="en-US" smtClean="0"/>
+              <a:t>11</a:t>
             </a:fld>
             <a:endParaRPr lang="zh-TW" altLang="en-US"/>
           </a:p>
@@ -4130,7 +4532,7 @@
 </p:sld>
 </file>
 
-<file path=ppt/slides/slide11.xml><?xml version="1.0" encoding="utf-8"?>
+<file path=ppt/slides/slide12.xml><?xml version="1.0" encoding="utf-8"?>
 <p:sld xmlns:a="http://schemas.openxmlformats.org/drawingml/2006/main" xmlns:r="http://schemas.openxmlformats.org/officeDocument/2006/relationships" xmlns:p="http://schemas.openxmlformats.org/presentationml/2006/main">
   <p:cSld>
     <p:spTree>
@@ -4310,7 +4712,7 @@
           <a:p>
             <a:fld id="{90F9E983-480B-48C5-9E0F-D21C0DFBB5C0}" type="slidenum">
               <a:rPr lang="zh-TW" altLang="en-US" smtClean="0"/>
-              <a:t>11</a:t>
+              <a:t>12</a:t>
             </a:fld>
             <a:endParaRPr lang="zh-TW" altLang="en-US"/>
           </a:p>
@@ -4609,7 +5011,7 @@
 </p:sld>
 </file>
 
-<file path=ppt/slides/slide12.xml><?xml version="1.0" encoding="utf-8"?>
+<file path=ppt/slides/slide13.xml><?xml version="1.0" encoding="utf-8"?>
 <p:sld xmlns:a="http://schemas.openxmlformats.org/drawingml/2006/main" xmlns:r="http://schemas.openxmlformats.org/officeDocument/2006/relationships" xmlns:p="http://schemas.openxmlformats.org/presentationml/2006/main">
   <p:cSld>
     <p:spTree>
@@ -4736,7 +5138,7 @@
           <a:p>
             <a:fld id="{90F9E983-480B-48C5-9E0F-D21C0DFBB5C0}" type="slidenum">
               <a:rPr lang="zh-TW" altLang="en-US" smtClean="0"/>
-              <a:t>12</a:t>
+              <a:t>13</a:t>
             </a:fld>
             <a:endParaRPr lang="zh-TW" altLang="en-US"/>
           </a:p>
@@ -5008,7 +5410,7 @@
 </p:sld>
 </file>
 
-<file path=ppt/slides/slide13.xml><?xml version="1.0" encoding="utf-8"?>
+<file path=ppt/slides/slide14.xml><?xml version="1.0" encoding="utf-8"?>
 <p:sld xmlns:a="http://schemas.openxmlformats.org/drawingml/2006/main" xmlns:r="http://schemas.openxmlformats.org/officeDocument/2006/relationships" xmlns:p="http://schemas.openxmlformats.org/presentationml/2006/main">
   <p:cSld>
     <p:spTree>
@@ -5257,7 +5659,7 @@
           <a:p>
             <a:fld id="{90F9E983-480B-48C5-9E0F-D21C0DFBB5C0}" type="slidenum">
               <a:rPr lang="zh-TW" altLang="en-US" smtClean="0"/>
-              <a:t>13</a:t>
+              <a:t>14</a:t>
             </a:fld>
             <a:endParaRPr lang="zh-TW" altLang="en-US"/>
           </a:p>
@@ -5399,7 +5801,7 @@
 </p:sld>
 </file>
 
-<file path=ppt/slides/slide14.xml><?xml version="1.0" encoding="utf-8"?>
+<file path=ppt/slides/slide15.xml><?xml version="1.0" encoding="utf-8"?>
 <p:sld xmlns:a="http://schemas.openxmlformats.org/drawingml/2006/main" xmlns:r="http://schemas.openxmlformats.org/officeDocument/2006/relationships" xmlns:p="http://schemas.openxmlformats.org/presentationml/2006/main">
   <p:cSld>
     <p:spTree>
@@ -5526,7 +5928,7 @@
           <a:p>
             <a:fld id="{90F9E983-480B-48C5-9E0F-D21C0DFBB5C0}" type="slidenum">
               <a:rPr lang="zh-TW" altLang="en-US" smtClean="0"/>
-              <a:t>14</a:t>
+              <a:t>15</a:t>
             </a:fld>
             <a:endParaRPr lang="zh-TW" altLang="en-US"/>
           </a:p>
@@ -5798,7 +6200,7 @@
 </p:sld>
 </file>
 
-<file path=ppt/slides/slide15.xml><?xml version="1.0" encoding="utf-8"?>
+<file path=ppt/slides/slide16.xml><?xml version="1.0" encoding="utf-8"?>
 <p:sld xmlns:a="http://schemas.openxmlformats.org/drawingml/2006/main" xmlns:r="http://schemas.openxmlformats.org/officeDocument/2006/relationships" xmlns:p="http://schemas.openxmlformats.org/presentationml/2006/main">
   <p:cSld>
     <p:spTree>
@@ -5946,7 +6348,7 @@
           <a:p>
             <a:fld id="{90F9E983-480B-48C5-9E0F-D21C0DFBB5C0}" type="slidenum">
               <a:rPr lang="zh-TW" altLang="en-US" smtClean="0"/>
-              <a:t>15</a:t>
+              <a:t>16</a:t>
             </a:fld>
             <a:endParaRPr lang="zh-TW" altLang="en-US"/>
           </a:p>
@@ -6093,7 +6495,88 @@
               <a:rPr lang="en-US" altLang="zh-TW" dirty="0"/>
               <a:t>IP(CCL)</a:t>
             </a:r>
+          </a:p>
+          <a:p>
+            <a:pPr lvl="1"/>
+            <a:endParaRPr lang="en-US" altLang="zh-TW" dirty="0"/>
+          </a:p>
+          <a:p>
+            <a:r>
+              <a:rPr lang="en-US" altLang="zh-TW" sz="1800" b="1" dirty="0"/>
+              <a:t>2023/11/17~2023/11/23</a:t>
+            </a:r>
+          </a:p>
+          <a:p>
+            <a:pPr lvl="1"/>
+            <a:r>
+              <a:rPr lang="zh-TW" altLang="en-US" dirty="0"/>
+              <a:t>專案需求分析 </a:t>
+            </a:r>
+            <a:r>
+              <a:rPr lang="en-US" altLang="zh-TW" dirty="0"/>
+              <a:t>:</a:t>
+            </a:r>
+            <a:r>
+              <a:rPr lang="zh-TW" altLang="en-US" dirty="0"/>
+              <a:t> </a:t>
+            </a:r>
+            <a:r>
+              <a:rPr lang="en-US" altLang="zh-TW" dirty="0"/>
+              <a:t>(1)</a:t>
+            </a:r>
+            <a:r>
+              <a:rPr lang="zh-TW" altLang="en-US" dirty="0"/>
+              <a:t>功能 </a:t>
+            </a:r>
+            <a:r>
+              <a:rPr lang="en-US" altLang="zh-TW" dirty="0"/>
+              <a:t>(2)</a:t>
+            </a:r>
+            <a:r>
+              <a:rPr lang="zh-TW" altLang="en-US" dirty="0"/>
+              <a:t>效能 </a:t>
+            </a:r>
+            <a:r>
+              <a:rPr lang="en-US" altLang="zh-TW" dirty="0"/>
+              <a:t>(3)</a:t>
+            </a:r>
+            <a:r>
+              <a:rPr lang="zh-TW" altLang="en-US" dirty="0"/>
+              <a:t>介面 </a:t>
+            </a:r>
+            <a:r>
+              <a:rPr lang="en-US" altLang="zh-TW" dirty="0"/>
+              <a:t>(4)</a:t>
+            </a:r>
+            <a:r>
+              <a:rPr lang="zh-TW" altLang="en-US" dirty="0"/>
+              <a:t>限制 </a:t>
+            </a:r>
+            <a:r>
+              <a:rPr lang="en-US" altLang="zh-TW" dirty="0"/>
+              <a:t>(5)</a:t>
+            </a:r>
+            <a:r>
+              <a:rPr lang="zh-TW" altLang="en-US" dirty="0"/>
+              <a:t>驗收方法</a:t>
+            </a:r>
+            <a:endParaRPr lang="en-US" altLang="zh-TW" dirty="0"/>
+          </a:p>
+          <a:p>
+            <a:pPr lvl="1"/>
+            <a:r>
+              <a:rPr lang="zh-TW" altLang="en-US" dirty="0"/>
+              <a:t>設計</a:t>
+            </a:r>
+            <a:r>
+              <a:rPr lang="en-US" altLang="zh-TW" dirty="0"/>
+              <a:t>IP(CCL)</a:t>
+            </a:r>
             <a:endParaRPr lang="zh-TW" altLang="en-US" dirty="0"/>
+          </a:p>
+          <a:p>
+            <a:pPr lvl="1"/>
+            <a:endParaRPr lang="en-US" altLang="zh-TW" dirty="0"/>
           </a:p>
         </p:txBody>
       </p:sp>
@@ -6690,6 +7173,8 @@
           </a:p>
           <a:p>
             <a:pPr marL="999000" lvl="1" indent="-457200">
+              <a:buFont typeface="+mj-lt"/>
+              <a:buAutoNum type="arabicPeriod"/>
               <a:defRPr/>
             </a:pPr>
             <a:r>
@@ -6706,6 +7191,42 @@
                   <a:prstClr val="black"/>
                 </a:solidFill>
               </a:rPr>
+              <a:t>SD</a:t>
+            </a:r>
+            <a:r>
+              <a:rPr lang="zh-TW" altLang="en-US" sz="1800" dirty="0">
+                <a:solidFill>
+                  <a:prstClr val="black"/>
+                </a:solidFill>
+              </a:rPr>
+              <a:t>卡儲存輸入影像</a:t>
+            </a:r>
+            <a:endParaRPr lang="en-US" altLang="zh-TW" sz="1800" dirty="0">
+              <a:solidFill>
+                <a:prstClr val="black"/>
+              </a:solidFill>
+            </a:endParaRPr>
+          </a:p>
+          <a:p>
+            <a:pPr marL="999000" lvl="1" indent="-457200">
+              <a:buFont typeface="+mj-lt"/>
+              <a:buAutoNum type="arabicPeriod"/>
+              <a:defRPr/>
+            </a:pPr>
+            <a:r>
+              <a:rPr lang="zh-TW" altLang="en-US" sz="1800" dirty="0">
+                <a:solidFill>
+                  <a:prstClr val="black"/>
+                </a:solidFill>
+              </a:rPr>
+              <a:t>透過</a:t>
+            </a:r>
+            <a:r>
+              <a:rPr lang="en-US" altLang="zh-TW" sz="1800" dirty="0">
+                <a:solidFill>
+                  <a:prstClr val="black"/>
+                </a:solidFill>
+              </a:rPr>
               <a:t>PC</a:t>
             </a:r>
             <a:r>
@@ -6714,7 +7235,7 @@
                   <a:prstClr val="black"/>
                 </a:solidFill>
               </a:rPr>
-              <a:t>端設定</a:t>
+              <a:t>端設定中斷條件</a:t>
             </a:r>
             <a:r>
               <a:rPr lang="en-US" altLang="zh-TW" sz="1800" dirty="0">
@@ -6722,7 +7243,7 @@
                   <a:prstClr val="black"/>
                 </a:solidFill>
               </a:rPr>
-              <a:t>contours</a:t>
+              <a:t>(contours</a:t>
             </a:r>
             <a:r>
               <a:rPr lang="zh-TW" altLang="en-US" sz="1800" dirty="0">
@@ -6730,7 +7251,35 @@
                   <a:prstClr val="black"/>
                 </a:solidFill>
               </a:rPr>
-              <a:t>條件後，由硬體端執行影像前處理和連通域分析並於</a:t>
+              <a:t>面積</a:t>
+            </a:r>
+            <a:r>
+              <a:rPr lang="en-US" altLang="zh-TW" sz="1800" dirty="0">
+                <a:solidFill>
+                  <a:prstClr val="black"/>
+                </a:solidFill>
+              </a:rPr>
+              <a:t>…)</a:t>
+            </a:r>
+            <a:endParaRPr lang="en-US" altLang="zh-TW" sz="1800" b="1" dirty="0">
+              <a:solidFill>
+                <a:prstClr val="black"/>
+              </a:solidFill>
+            </a:endParaRPr>
+          </a:p>
+          <a:p>
+            <a:pPr marL="999000" lvl="1" indent="-457200">
+              <a:buFont typeface="+mj-lt"/>
+              <a:buAutoNum type="arabicPeriod"/>
+              <a:defRPr/>
+            </a:pPr>
+            <a:r>
+              <a:rPr lang="zh-TW" altLang="en-US" sz="1800" dirty="0">
+                <a:solidFill>
+                  <a:prstClr val="black"/>
+                </a:solidFill>
+              </a:rPr>
+              <a:t>硬體實現影像前處理、連通域分析，並由</a:t>
             </a:r>
             <a:r>
               <a:rPr lang="en-US" altLang="zh-TW" sz="1800" dirty="0">
@@ -6746,8 +7295,40 @@
                   <a:prstClr val="black"/>
                 </a:solidFill>
               </a:rPr>
-              <a:t>上顯示結果，當檢測出符合條件之圖像時，透過硬體中斷回傳至</a:t>
-            </a:r>
+              <a:t>同步顯示結果</a:t>
+            </a:r>
+            <a:endParaRPr lang="en-US" altLang="zh-TW" sz="1800" dirty="0">
+              <a:solidFill>
+                <a:prstClr val="black"/>
+              </a:solidFill>
+            </a:endParaRPr>
+          </a:p>
+          <a:p>
+            <a:pPr marL="999000" lvl="1" indent="-457200">
+              <a:buFont typeface="+mj-lt"/>
+              <a:buAutoNum type="arabicPeriod"/>
+              <a:defRPr/>
+            </a:pPr>
+            <a:r>
+              <a:rPr lang="zh-TW" altLang="en-US" sz="1800" dirty="0">
+                <a:solidFill>
+                  <a:prstClr val="black"/>
+                </a:solidFill>
+              </a:rPr>
+              <a:t>達成中斷條件後，硬體發送中斷，並回傳此幀影像</a:t>
+            </a:r>
+            <a:endParaRPr lang="en-US" altLang="zh-TW" sz="1800" dirty="0">
+              <a:solidFill>
+                <a:prstClr val="black"/>
+              </a:solidFill>
+            </a:endParaRPr>
+          </a:p>
+          <a:p>
+            <a:pPr marL="999000" lvl="1" indent="-457200">
+              <a:buFont typeface="+mj-lt"/>
+              <a:buAutoNum type="arabicPeriod"/>
+              <a:defRPr/>
+            </a:pPr>
             <a:r>
               <a:rPr lang="en-US" altLang="zh-TW" sz="1800" dirty="0">
                 <a:solidFill>
@@ -6762,7 +7343,23 @@
                   <a:prstClr val="black"/>
                 </a:solidFill>
               </a:rPr>
-              <a:t>端，並於網頁上呈現結果</a:t>
+              <a:t>端儲存影像並透過</a:t>
+            </a:r>
+            <a:r>
+              <a:rPr lang="en-US" altLang="zh-TW" sz="1800" dirty="0">
+                <a:solidFill>
+                  <a:prstClr val="black"/>
+                </a:solidFill>
+              </a:rPr>
+              <a:t>Web</a:t>
+            </a:r>
+            <a:r>
+              <a:rPr lang="zh-TW" altLang="en-US" sz="1800" dirty="0">
+                <a:solidFill>
+                  <a:prstClr val="black"/>
+                </a:solidFill>
+              </a:rPr>
+              <a:t>呈現最終結果</a:t>
             </a:r>
             <a:endParaRPr lang="en-US" altLang="zh-TW" sz="1800" dirty="0">
               <a:solidFill>
@@ -6949,7 +7546,7 @@
               <a:defRPr/>
             </a:pPr>
             <a:r>
-              <a:rPr lang="en-US" altLang="zh-TW" sz="2000" dirty="0">
+              <a:rPr lang="en-US" altLang="zh-TW" sz="1800" dirty="0">
                 <a:solidFill>
                   <a:prstClr val="black"/>
                 </a:solidFill>
@@ -6957,7 +7554,7 @@
               <a:t>UART (115200,8,N,1)</a:t>
             </a:r>
             <a:r>
-              <a:rPr lang="zh-TW" altLang="en-US" sz="2000" dirty="0">
+              <a:rPr lang="zh-TW" altLang="en-US" sz="1800" dirty="0">
                 <a:solidFill>
                   <a:prstClr val="black"/>
                 </a:solidFill>
@@ -6965,7 +7562,7 @@
               <a:t>、</a:t>
             </a:r>
             <a:r>
-              <a:rPr lang="en-US" altLang="zh-TW" sz="2000" dirty="0">
+              <a:rPr lang="en-US" altLang="zh-TW" sz="1800" dirty="0">
                 <a:solidFill>
                   <a:prstClr val="black"/>
                 </a:solidFill>
@@ -6973,7 +7570,7 @@
               <a:t>AXI</a:t>
             </a:r>
             <a:r>
-              <a:rPr lang="zh-TW" altLang="en-US" sz="2000" dirty="0">
+              <a:rPr lang="zh-TW" altLang="en-US" sz="1800" dirty="0">
                 <a:solidFill>
                   <a:prstClr val="black"/>
                 </a:solidFill>
@@ -6981,7 +7578,7 @@
               <a:t>、</a:t>
             </a:r>
             <a:r>
-              <a:rPr lang="en-US" altLang="zh-TW" sz="2000" dirty="0">
+              <a:rPr lang="en-US" altLang="zh-TW" sz="1800" dirty="0">
                 <a:solidFill>
                   <a:prstClr val="black"/>
                 </a:solidFill>
@@ -7029,74 +7626,18 @@
               <a:defRPr/>
             </a:pPr>
             <a:r>
-              <a:rPr lang="zh-TW" altLang="en-US" sz="2000" dirty="0">
+              <a:rPr lang="zh-TW" altLang="en-US" sz="1800" dirty="0">
                 <a:solidFill>
                   <a:prstClr val="black"/>
                 </a:solidFill>
               </a:rPr>
               <a:t>影像大小、傳輸速率</a:t>
             </a:r>
-            <a:endParaRPr lang="en-US" altLang="zh-TW" sz="2000" dirty="0">
+            <a:endParaRPr lang="en-US" altLang="zh-TW" sz="1800" dirty="0">
               <a:solidFill>
                 <a:prstClr val="black"/>
               </a:solidFill>
             </a:endParaRPr>
-          </a:p>
-          <a:p>
-            <a:pPr marL="457200" marR="0" lvl="0" indent="-457200" algn="l" defTabSz="914400" rtl="0" eaLnBrk="1" fontAlgn="auto" latinLnBrk="0" hangingPunct="0">
-              <a:lnSpc>
-                <a:spcPct val="90000"/>
-              </a:lnSpc>
-              <a:spcBef>
-                <a:spcPts val="300"/>
-              </a:spcBef>
-              <a:spcAft>
-                <a:spcPts val="0"/>
-              </a:spcAft>
-              <a:buClrTx/>
-              <a:buSzTx/>
-              <a:buFont typeface="+mj-lt"/>
-              <a:buAutoNum type="arabicPeriod"/>
-              <a:tabLst/>
-              <a:defRPr/>
-            </a:pPr>
-            <a:r>
-              <a:rPr lang="zh-TW" altLang="en-US" sz="2000" b="1" dirty="0">
-                <a:solidFill>
-                  <a:prstClr val="black"/>
-                </a:solidFill>
-              </a:rPr>
-              <a:t>驗收</a:t>
-            </a:r>
-            <a:r>
-              <a:rPr lang="en-US" altLang="zh-TW" sz="2000" b="1" dirty="0">
-                <a:solidFill>
-                  <a:prstClr val="black"/>
-                </a:solidFill>
-              </a:rPr>
-              <a:t>:</a:t>
-            </a:r>
-          </a:p>
-          <a:p>
-            <a:pPr marL="999000" lvl="1" indent="-457200">
-              <a:defRPr/>
-            </a:pPr>
-            <a:r>
-              <a:rPr lang="zh-TW" altLang="en-US" sz="2000" dirty="0">
-                <a:solidFill>
-                  <a:prstClr val="black"/>
-                </a:solidFill>
-              </a:rPr>
-              <a:t>軟硬體比較、硬體</a:t>
-            </a:r>
-            <a:r>
-              <a:rPr lang="en-US" altLang="zh-TW" sz="2000" dirty="0">
-                <a:solidFill>
-                  <a:prstClr val="black"/>
-                </a:solidFill>
-              </a:rPr>
-              <a:t>FPS</a:t>
-            </a:r>
           </a:p>
         </p:txBody>
       </p:sp>
@@ -7144,6 +7685,679 @@
       </p:grpSpPr>
       <p:sp>
         <p:nvSpPr>
+          <p:cNvPr id="3" name="標題 2">
+            <a:extLst>
+              <a:ext uri="{FF2B5EF4-FFF2-40B4-BE49-F238E27FC236}">
+                <a16:creationId xmlns:a16="http://schemas.microsoft.com/office/drawing/2014/main" id="{D7232380-22D4-47E6-A40E-ABF38AB200C3}"/>
+              </a:ext>
+            </a:extLst>
+          </p:cNvPr>
+          <p:cNvSpPr>
+            <a:spLocks noGrp="1"/>
+          </p:cNvSpPr>
+          <p:nvPr>
+            <p:ph type="title"/>
+          </p:nvPr>
+        </p:nvSpPr>
+        <p:spPr/>
+        <p:txBody>
+          <a:bodyPr/>
+          <a:lstStyle/>
+          <a:p>
+            <a:r>
+              <a:rPr lang="zh-TW" altLang="en-US" dirty="0"/>
+              <a:t>專案需求</a:t>
+            </a:r>
+          </a:p>
+        </p:txBody>
+      </p:sp>
+      <p:sp>
+        <p:nvSpPr>
+          <p:cNvPr id="4" name="投影片編號版面配置區 3">
+            <a:extLst>
+              <a:ext uri="{FF2B5EF4-FFF2-40B4-BE49-F238E27FC236}">
+                <a16:creationId xmlns:a16="http://schemas.microsoft.com/office/drawing/2014/main" id="{CC364F06-FBAE-41F1-9123-C093E43ADC15}"/>
+              </a:ext>
+            </a:extLst>
+          </p:cNvPr>
+          <p:cNvSpPr>
+            <a:spLocks noGrp="1"/>
+          </p:cNvSpPr>
+          <p:nvPr>
+            <p:ph type="sldNum" sz="quarter" idx="12"/>
+          </p:nvPr>
+        </p:nvSpPr>
+        <p:spPr/>
+        <p:txBody>
+          <a:bodyPr/>
+          <a:lstStyle/>
+          <a:p>
+            <a:pPr marL="0" marR="0" lvl="0" indent="0" algn="r" defTabSz="914400" rtl="0" eaLnBrk="1" fontAlgn="auto" latinLnBrk="0" hangingPunct="1">
+              <a:lnSpc>
+                <a:spcPct val="100000"/>
+              </a:lnSpc>
+              <a:spcBef>
+                <a:spcPts val="0"/>
+              </a:spcBef>
+              <a:spcAft>
+                <a:spcPts val="0"/>
+              </a:spcAft>
+              <a:buClrTx/>
+              <a:buSzTx/>
+              <a:buFontTx/>
+              <a:buNone/>
+              <a:tabLst/>
+              <a:defRPr/>
+            </a:pPr>
+            <a:fld id="{90F9E983-480B-48C5-9E0F-D21C0DFBB5C0}" type="slidenum">
+              <a:rPr kumimoji="0" lang="zh-TW" altLang="en-US" sz="1200" b="0" i="0" u="none" strike="noStrike" kern="1200" cap="none" spc="0" normalizeH="0" baseline="0" noProof="0" smtClean="0">
+                <a:ln>
+                  <a:noFill/>
+                </a:ln>
+                <a:solidFill>
+                  <a:prstClr val="black">
+                    <a:tint val="75000"/>
+                  </a:prstClr>
+                </a:solidFill>
+                <a:effectLst/>
+                <a:uLnTx/>
+                <a:uFillTx/>
+                <a:latin typeface="Times New Roman" panose="02020603050405020304" pitchFamily="18" charset="0"/>
+                <a:ea typeface="標楷體" panose="03000509000000000000" pitchFamily="65" charset="-120"/>
+                <a:cs typeface="+mn-cs"/>
+              </a:rPr>
+              <a:pPr marL="0" marR="0" lvl="0" indent="0" algn="r" defTabSz="914400" rtl="0" eaLnBrk="1" fontAlgn="auto" latinLnBrk="0" hangingPunct="1">
+                <a:lnSpc>
+                  <a:spcPct val="100000"/>
+                </a:lnSpc>
+                <a:spcBef>
+                  <a:spcPts val="0"/>
+                </a:spcBef>
+                <a:spcAft>
+                  <a:spcPts val="0"/>
+                </a:spcAft>
+                <a:buClrTx/>
+                <a:buSzTx/>
+                <a:buFontTx/>
+                <a:buNone/>
+                <a:tabLst/>
+                <a:defRPr/>
+              </a:pPr>
+              <a:t>5</a:t>
+            </a:fld>
+            <a:endParaRPr kumimoji="0" lang="zh-TW" altLang="en-US" sz="1200" b="0" i="0" u="none" strike="noStrike" kern="1200" cap="none" spc="0" normalizeH="0" baseline="0" noProof="0">
+              <a:ln>
+                <a:noFill/>
+              </a:ln>
+              <a:solidFill>
+                <a:prstClr val="black">
+                  <a:tint val="75000"/>
+                </a:prstClr>
+              </a:solidFill>
+              <a:effectLst/>
+              <a:uLnTx/>
+              <a:uFillTx/>
+              <a:latin typeface="Times New Roman" panose="02020603050405020304" pitchFamily="18" charset="0"/>
+              <a:ea typeface="標楷體" panose="03000509000000000000" pitchFamily="65" charset="-120"/>
+              <a:cs typeface="+mn-cs"/>
+            </a:endParaRPr>
+          </a:p>
+        </p:txBody>
+      </p:sp>
+      <p:sp>
+        <p:nvSpPr>
+          <p:cNvPr id="7" name="內容版面配置區 1">
+            <a:extLst>
+              <a:ext uri="{FF2B5EF4-FFF2-40B4-BE49-F238E27FC236}">
+                <a16:creationId xmlns:a16="http://schemas.microsoft.com/office/drawing/2014/main" id="{58EF35FD-E8AA-443D-9B5C-27CAAB2641F6}"/>
+              </a:ext>
+            </a:extLst>
+          </p:cNvPr>
+          <p:cNvSpPr>
+            <a:spLocks noGrp="1"/>
+          </p:cNvSpPr>
+          <p:nvPr>
+            <p:ph idx="1"/>
+          </p:nvPr>
+        </p:nvSpPr>
+        <p:spPr>
+          <a:xfrm>
+            <a:off x="838199" y="1201850"/>
+            <a:ext cx="3507377" cy="357320"/>
+          </a:xfrm>
+        </p:spPr>
+        <p:txBody>
+          <a:bodyPr>
+            <a:noAutofit/>
+          </a:bodyPr>
+          <a:lstStyle/>
+          <a:p>
+            <a:r>
+              <a:rPr lang="zh-TW" altLang="en-US" sz="2400" b="1" dirty="0"/>
+              <a:t>影像處理之軟硬體協同</a:t>
+            </a:r>
+            <a:endParaRPr lang="en-US" altLang="zh-TW" sz="2400" b="1" dirty="0"/>
+          </a:p>
+        </p:txBody>
+      </p:sp>
+      <p:sp>
+        <p:nvSpPr>
+          <p:cNvPr id="52" name="內容版面配置區 1">
+            <a:extLst>
+              <a:ext uri="{FF2B5EF4-FFF2-40B4-BE49-F238E27FC236}">
+                <a16:creationId xmlns:a16="http://schemas.microsoft.com/office/drawing/2014/main" id="{4C4D88A8-83A5-D301-08C0-D5750A1611FF}"/>
+              </a:ext>
+            </a:extLst>
+          </p:cNvPr>
+          <p:cNvSpPr txBox="1">
+            <a:spLocks/>
+          </p:cNvSpPr>
+          <p:nvPr/>
+        </p:nvSpPr>
+        <p:spPr>
+          <a:xfrm>
+            <a:off x="838200" y="1559170"/>
+            <a:ext cx="10802416" cy="4680456"/>
+          </a:xfrm>
+          <a:prstGeom prst="rect">
+            <a:avLst/>
+          </a:prstGeom>
+        </p:spPr>
+        <p:txBody>
+          <a:bodyPr vert="horz" lIns="91440" tIns="45720" rIns="91440" bIns="45720" rtlCol="0">
+            <a:normAutofit/>
+          </a:bodyPr>
+          <a:lstStyle>
+            <a:lvl1pPr marL="144000" indent="-144000" algn="l" defTabSz="914400" rtl="0" eaLnBrk="1" latinLnBrk="0" hangingPunct="0">
+              <a:lnSpc>
+                <a:spcPct val="90000"/>
+              </a:lnSpc>
+              <a:spcBef>
+                <a:spcPts val="300"/>
+              </a:spcBef>
+              <a:buFont typeface="Arial" panose="020B0604020202020204" pitchFamily="34" charset="0"/>
+              <a:buChar char="•"/>
+              <a:defRPr sz="1600" kern="1200" baseline="0">
+                <a:solidFill>
+                  <a:schemeClr val="tx1"/>
+                </a:solidFill>
+                <a:latin typeface="Times New Roman" panose="02020603050405020304" pitchFamily="18" charset="0"/>
+                <a:ea typeface="標楷體" panose="03000509000000000000" pitchFamily="65" charset="-120"/>
+                <a:cs typeface="+mn-cs"/>
+              </a:defRPr>
+            </a:lvl1pPr>
+            <a:lvl2pPr marL="685800" indent="-228600" algn="l" defTabSz="914400" rtl="0" eaLnBrk="1" latinLnBrk="0" hangingPunct="0">
+              <a:lnSpc>
+                <a:spcPct val="90000"/>
+              </a:lnSpc>
+              <a:spcBef>
+                <a:spcPts val="300"/>
+              </a:spcBef>
+              <a:buFont typeface="Arial" panose="020B0604020202020204" pitchFamily="34" charset="0"/>
+              <a:buChar char="•"/>
+              <a:defRPr sz="1600" kern="1200" baseline="0">
+                <a:solidFill>
+                  <a:schemeClr val="tx1"/>
+                </a:solidFill>
+                <a:latin typeface="Times New Roman" panose="02020603050405020304" pitchFamily="18" charset="0"/>
+                <a:ea typeface="標楷體" panose="03000509000000000000" pitchFamily="65" charset="-120"/>
+                <a:cs typeface="+mn-cs"/>
+              </a:defRPr>
+            </a:lvl2pPr>
+            <a:lvl3pPr marL="1143000" indent="-228600" algn="l" defTabSz="914400" rtl="0" eaLnBrk="1" latinLnBrk="0" hangingPunct="0">
+              <a:lnSpc>
+                <a:spcPct val="90000"/>
+              </a:lnSpc>
+              <a:spcBef>
+                <a:spcPts val="300"/>
+              </a:spcBef>
+              <a:buFont typeface="Arial" panose="020B0604020202020204" pitchFamily="34" charset="0"/>
+              <a:buChar char="•"/>
+              <a:defRPr sz="1600" kern="1200" baseline="0">
+                <a:solidFill>
+                  <a:schemeClr val="tx1"/>
+                </a:solidFill>
+                <a:latin typeface="Times New Roman" panose="02020603050405020304" pitchFamily="18" charset="0"/>
+                <a:ea typeface="標楷體" panose="03000509000000000000" pitchFamily="65" charset="-120"/>
+                <a:cs typeface="+mn-cs"/>
+              </a:defRPr>
+            </a:lvl3pPr>
+            <a:lvl4pPr marL="1600200" indent="-228600" algn="l" defTabSz="914400" rtl="0" eaLnBrk="1" latinLnBrk="0" hangingPunct="0">
+              <a:lnSpc>
+                <a:spcPct val="90000"/>
+              </a:lnSpc>
+              <a:spcBef>
+                <a:spcPts val="300"/>
+              </a:spcBef>
+              <a:buFont typeface="Arial" panose="020B0604020202020204" pitchFamily="34" charset="0"/>
+              <a:buChar char="•"/>
+              <a:defRPr sz="1600" kern="1200" baseline="0">
+                <a:solidFill>
+                  <a:schemeClr val="tx1"/>
+                </a:solidFill>
+                <a:latin typeface="Times New Roman" panose="02020603050405020304" pitchFamily="18" charset="0"/>
+                <a:ea typeface="標楷體" panose="03000509000000000000" pitchFamily="65" charset="-120"/>
+                <a:cs typeface="+mn-cs"/>
+              </a:defRPr>
+            </a:lvl4pPr>
+            <a:lvl5pPr marL="2057400" indent="-228600" algn="l" defTabSz="914400" rtl="0" eaLnBrk="1" latinLnBrk="0" hangingPunct="0">
+              <a:lnSpc>
+                <a:spcPct val="90000"/>
+              </a:lnSpc>
+              <a:spcBef>
+                <a:spcPts val="300"/>
+              </a:spcBef>
+              <a:buFont typeface="Arial" panose="020B0604020202020204" pitchFamily="34" charset="0"/>
+              <a:buChar char="•"/>
+              <a:defRPr sz="1600" kern="1200" baseline="0">
+                <a:solidFill>
+                  <a:schemeClr val="tx1"/>
+                </a:solidFill>
+                <a:latin typeface="Times New Roman" panose="02020603050405020304" pitchFamily="18" charset="0"/>
+                <a:ea typeface="標楷體" panose="03000509000000000000" pitchFamily="65" charset="-120"/>
+                <a:cs typeface="+mn-cs"/>
+              </a:defRPr>
+            </a:lvl5pPr>
+            <a:lvl6pPr marL="2514600" indent="-228600" algn="l" defTabSz="914400" rtl="0" eaLnBrk="1" latinLnBrk="0" hangingPunct="1">
+              <a:lnSpc>
+                <a:spcPct val="90000"/>
+              </a:lnSpc>
+              <a:spcBef>
+                <a:spcPts val="500"/>
+              </a:spcBef>
+              <a:buFont typeface="Arial" panose="020B0604020202020204" pitchFamily="34" charset="0"/>
+              <a:buChar char="•"/>
+              <a:defRPr sz="1800" kern="1200">
+                <a:solidFill>
+                  <a:schemeClr val="tx1"/>
+                </a:solidFill>
+                <a:latin typeface="+mn-lt"/>
+                <a:ea typeface="+mn-ea"/>
+                <a:cs typeface="+mn-cs"/>
+              </a:defRPr>
+            </a:lvl6pPr>
+            <a:lvl7pPr marL="2971800" indent="-228600" algn="l" defTabSz="914400" rtl="0" eaLnBrk="1" latinLnBrk="0" hangingPunct="1">
+              <a:lnSpc>
+                <a:spcPct val="90000"/>
+              </a:lnSpc>
+              <a:spcBef>
+                <a:spcPts val="500"/>
+              </a:spcBef>
+              <a:buFont typeface="Arial" panose="020B0604020202020204" pitchFamily="34" charset="0"/>
+              <a:buChar char="•"/>
+              <a:defRPr sz="1800" kern="1200">
+                <a:solidFill>
+                  <a:schemeClr val="tx1"/>
+                </a:solidFill>
+                <a:latin typeface="+mn-lt"/>
+                <a:ea typeface="+mn-ea"/>
+                <a:cs typeface="+mn-cs"/>
+              </a:defRPr>
+            </a:lvl7pPr>
+            <a:lvl8pPr marL="3429000" indent="-228600" algn="l" defTabSz="914400" rtl="0" eaLnBrk="1" latinLnBrk="0" hangingPunct="1">
+              <a:lnSpc>
+                <a:spcPct val="90000"/>
+              </a:lnSpc>
+              <a:spcBef>
+                <a:spcPts val="500"/>
+              </a:spcBef>
+              <a:buFont typeface="Arial" panose="020B0604020202020204" pitchFamily="34" charset="0"/>
+              <a:buChar char="•"/>
+              <a:defRPr sz="1800" kern="1200">
+                <a:solidFill>
+                  <a:schemeClr val="tx1"/>
+                </a:solidFill>
+                <a:latin typeface="+mn-lt"/>
+                <a:ea typeface="+mn-ea"/>
+                <a:cs typeface="+mn-cs"/>
+              </a:defRPr>
+            </a:lvl8pPr>
+            <a:lvl9pPr marL="3886200" indent="-228600" algn="l" defTabSz="914400" rtl="0" eaLnBrk="1" latinLnBrk="0" hangingPunct="1">
+              <a:lnSpc>
+                <a:spcPct val="90000"/>
+              </a:lnSpc>
+              <a:spcBef>
+                <a:spcPts val="500"/>
+              </a:spcBef>
+              <a:buFont typeface="Arial" panose="020B0604020202020204" pitchFamily="34" charset="0"/>
+              <a:buChar char="•"/>
+              <a:defRPr sz="1800" kern="1200">
+                <a:solidFill>
+                  <a:schemeClr val="tx1"/>
+                </a:solidFill>
+                <a:latin typeface="+mn-lt"/>
+                <a:ea typeface="+mn-ea"/>
+                <a:cs typeface="+mn-cs"/>
+              </a:defRPr>
+            </a:lvl9pPr>
+          </a:lstStyle>
+          <a:p>
+            <a:pPr marL="0" marR="0" lvl="0" indent="0" algn="l" defTabSz="914400" rtl="0" eaLnBrk="1" fontAlgn="auto" latinLnBrk="0" hangingPunct="0">
+              <a:lnSpc>
+                <a:spcPct val="90000"/>
+              </a:lnSpc>
+              <a:spcBef>
+                <a:spcPts val="300"/>
+              </a:spcBef>
+              <a:spcAft>
+                <a:spcPts val="0"/>
+              </a:spcAft>
+              <a:buClrTx/>
+              <a:buSzTx/>
+              <a:buNone/>
+              <a:tabLst/>
+              <a:defRPr/>
+            </a:pPr>
+            <a:r>
+              <a:rPr lang="en-US" altLang="zh-TW" sz="2000" b="1" dirty="0">
+                <a:solidFill>
+                  <a:prstClr val="black"/>
+                </a:solidFill>
+              </a:rPr>
+              <a:t>5.    </a:t>
+            </a:r>
+            <a:r>
+              <a:rPr lang="zh-TW" altLang="en-US" sz="2000" b="1" dirty="0">
+                <a:solidFill>
+                  <a:prstClr val="black"/>
+                </a:solidFill>
+              </a:rPr>
+              <a:t>驗收</a:t>
+            </a:r>
+            <a:r>
+              <a:rPr lang="en-US" altLang="zh-TW" sz="2000" b="1" dirty="0">
+                <a:solidFill>
+                  <a:prstClr val="black"/>
+                </a:solidFill>
+              </a:rPr>
+              <a:t>:</a:t>
+            </a:r>
+          </a:p>
+          <a:p>
+            <a:pPr marL="999000" lvl="1" indent="-457200">
+              <a:buFont typeface="+mj-lt"/>
+              <a:buAutoNum type="arabicPeriod"/>
+              <a:defRPr/>
+            </a:pPr>
+            <a:r>
+              <a:rPr lang="en-US" altLang="zh-TW" sz="1800" dirty="0">
+                <a:solidFill>
+                  <a:prstClr val="black"/>
+                </a:solidFill>
+              </a:rPr>
+              <a:t>SD</a:t>
+            </a:r>
+            <a:r>
+              <a:rPr lang="zh-TW" altLang="en-US" sz="1800" dirty="0">
+                <a:solidFill>
+                  <a:prstClr val="black"/>
+                </a:solidFill>
+              </a:rPr>
+              <a:t>卡中影像可以正常輸入到</a:t>
+            </a:r>
+            <a:r>
+              <a:rPr lang="en-US" altLang="zh-TW" sz="1800" dirty="0">
+                <a:solidFill>
+                  <a:prstClr val="black"/>
+                </a:solidFill>
+              </a:rPr>
+              <a:t>PL</a:t>
+            </a:r>
+            <a:r>
+              <a:rPr lang="zh-TW" altLang="en-US" sz="1800" dirty="0">
+                <a:solidFill>
+                  <a:prstClr val="black"/>
+                </a:solidFill>
+              </a:rPr>
+              <a:t>端</a:t>
+            </a:r>
+            <a:endParaRPr lang="en-US" altLang="zh-TW" sz="1800" dirty="0">
+              <a:solidFill>
+                <a:prstClr val="black"/>
+              </a:solidFill>
+            </a:endParaRPr>
+          </a:p>
+          <a:p>
+            <a:pPr marL="999000" lvl="1" indent="-457200">
+              <a:buFont typeface="+mj-lt"/>
+              <a:buAutoNum type="arabicPeriod"/>
+              <a:defRPr/>
+            </a:pPr>
+            <a:r>
+              <a:rPr lang="en-US" altLang="zh-TW" sz="1800" dirty="0">
+                <a:solidFill>
+                  <a:prstClr val="black"/>
+                </a:solidFill>
+              </a:rPr>
+              <a:t>PC-PL</a:t>
+            </a:r>
+            <a:r>
+              <a:rPr lang="zh-TW" altLang="en-US" sz="1800" dirty="0">
+                <a:solidFill>
+                  <a:prstClr val="black"/>
+                </a:solidFill>
+              </a:rPr>
+              <a:t>間透過</a:t>
+            </a:r>
+            <a:r>
+              <a:rPr lang="en-US" altLang="zh-TW" sz="1800" dirty="0">
+                <a:solidFill>
+                  <a:prstClr val="black"/>
+                </a:solidFill>
+              </a:rPr>
+              <a:t>UART</a:t>
+            </a:r>
+            <a:r>
+              <a:rPr lang="zh-TW" altLang="en-US" sz="1800" dirty="0">
+                <a:solidFill>
+                  <a:prstClr val="black"/>
+                </a:solidFill>
+              </a:rPr>
+              <a:t>可以正常動作</a:t>
+            </a:r>
+            <a:r>
+              <a:rPr lang="en-US" altLang="zh-TW" sz="1800" dirty="0">
+                <a:solidFill>
+                  <a:prstClr val="black"/>
+                </a:solidFill>
+              </a:rPr>
+              <a:t>(PC</a:t>
+            </a:r>
+            <a:r>
+              <a:rPr lang="zh-TW" altLang="en-US" sz="1800" dirty="0">
+                <a:solidFill>
+                  <a:prstClr val="black"/>
+                </a:solidFill>
+              </a:rPr>
+              <a:t>輸入參數、</a:t>
+            </a:r>
+            <a:r>
+              <a:rPr lang="en-US" altLang="zh-TW" sz="1800" dirty="0">
+                <a:solidFill>
+                  <a:prstClr val="black"/>
+                </a:solidFill>
+              </a:rPr>
+              <a:t>PL</a:t>
+            </a:r>
+            <a:r>
+              <a:rPr lang="zh-TW" altLang="en-US" sz="1800" dirty="0">
+                <a:solidFill>
+                  <a:prstClr val="black"/>
+                </a:solidFill>
+              </a:rPr>
+              <a:t>回傳</a:t>
+            </a:r>
+            <a:r>
+              <a:rPr lang="en-US" altLang="zh-TW" sz="1800" dirty="0">
+                <a:solidFill>
+                  <a:prstClr val="black"/>
+                </a:solidFill>
+              </a:rPr>
+              <a:t>FPGA</a:t>
+            </a:r>
+            <a:r>
+              <a:rPr lang="zh-TW" altLang="en-US" sz="1800" dirty="0">
+                <a:solidFill>
+                  <a:prstClr val="black"/>
+                </a:solidFill>
+              </a:rPr>
+              <a:t>狀態等</a:t>
+            </a:r>
+            <a:r>
+              <a:rPr lang="en-US" altLang="zh-TW" sz="1800" dirty="0">
+                <a:solidFill>
+                  <a:prstClr val="black"/>
+                </a:solidFill>
+              </a:rPr>
+              <a:t>…)</a:t>
+            </a:r>
+          </a:p>
+          <a:p>
+            <a:pPr marL="999000" lvl="1" indent="-457200">
+              <a:buFont typeface="+mj-lt"/>
+              <a:buAutoNum type="arabicPeriod"/>
+              <a:defRPr/>
+            </a:pPr>
+            <a:r>
+              <a:rPr lang="zh-TW" altLang="en-US" sz="1800" dirty="0">
+                <a:solidFill>
+                  <a:prstClr val="black"/>
+                </a:solidFill>
+              </a:rPr>
+              <a:t>驗證軟硬體之間差異、硬體處理速度等</a:t>
+            </a:r>
+            <a:endParaRPr lang="en-US" altLang="zh-TW" sz="1800" dirty="0">
+              <a:solidFill>
+                <a:prstClr val="black"/>
+              </a:solidFill>
+            </a:endParaRPr>
+          </a:p>
+          <a:p>
+            <a:pPr marL="999000" lvl="1" indent="-457200">
+              <a:buFont typeface="+mj-lt"/>
+              <a:buAutoNum type="arabicPeriod"/>
+              <a:defRPr/>
+            </a:pPr>
+            <a:r>
+              <a:rPr lang="zh-TW" altLang="en-US" sz="1800" dirty="0">
+                <a:solidFill>
+                  <a:prstClr val="black"/>
+                </a:solidFill>
+              </a:rPr>
+              <a:t>確認中斷發生時，是否滿足所設定的條件、</a:t>
+            </a:r>
+            <a:r>
+              <a:rPr lang="en-US" altLang="zh-TW" sz="1800" dirty="0">
+                <a:solidFill>
+                  <a:prstClr val="black"/>
+                </a:solidFill>
+              </a:rPr>
+              <a:t>ISR</a:t>
+            </a:r>
+            <a:r>
+              <a:rPr lang="zh-TW" altLang="en-US" sz="1800" dirty="0">
+                <a:solidFill>
+                  <a:prstClr val="black"/>
+                </a:solidFill>
+              </a:rPr>
+              <a:t>有無正確執行</a:t>
+            </a:r>
+            <a:endParaRPr lang="en-US" altLang="zh-TW" sz="1800" dirty="0">
+              <a:solidFill>
+                <a:prstClr val="black"/>
+              </a:solidFill>
+            </a:endParaRPr>
+          </a:p>
+          <a:p>
+            <a:pPr marL="999000" lvl="1" indent="-457200">
+              <a:buFont typeface="+mj-lt"/>
+              <a:buAutoNum type="arabicPeriod"/>
+              <a:defRPr/>
+            </a:pPr>
+            <a:r>
+              <a:rPr lang="en-US" altLang="zh-TW" sz="1800" dirty="0">
+                <a:solidFill>
+                  <a:prstClr val="black"/>
+                </a:solidFill>
+              </a:rPr>
+              <a:t>PC</a:t>
+            </a:r>
+            <a:r>
+              <a:rPr lang="zh-TW" altLang="en-US" sz="1800" dirty="0">
+                <a:solidFill>
+                  <a:prstClr val="black"/>
+                </a:solidFill>
+              </a:rPr>
+              <a:t>端儲存後的影像和硬體端的影像有無差異，並於</a:t>
+            </a:r>
+            <a:r>
+              <a:rPr lang="en-US" altLang="zh-TW" sz="1800" dirty="0">
+                <a:solidFill>
+                  <a:prstClr val="black"/>
+                </a:solidFill>
+              </a:rPr>
+              <a:t>Web</a:t>
+            </a:r>
+            <a:r>
+              <a:rPr lang="zh-TW" altLang="en-US" sz="1800" dirty="0">
+                <a:solidFill>
+                  <a:prstClr val="black"/>
+                </a:solidFill>
+              </a:rPr>
+              <a:t>呈現正確的結果</a:t>
+            </a:r>
+            <a:endParaRPr lang="en-US" altLang="zh-TW" sz="1800" dirty="0">
+              <a:solidFill>
+                <a:prstClr val="black"/>
+              </a:solidFill>
+            </a:endParaRPr>
+          </a:p>
+        </p:txBody>
+      </p:sp>
+    </p:spTree>
+    <p:extLst>
+      <p:ext uri="{BB962C8B-B14F-4D97-AF65-F5344CB8AC3E}">
+        <p14:creationId xmlns:p14="http://schemas.microsoft.com/office/powerpoint/2010/main" val="2784641877"/>
+      </p:ext>
+    </p:extLst>
+  </p:cSld>
+  <p:clrMapOvr>
+    <a:masterClrMapping/>
+  </p:clrMapOvr>
+  <mc:AlternateContent xmlns:mc="http://schemas.openxmlformats.org/markup-compatibility/2006" xmlns:p159="http://schemas.microsoft.com/office/powerpoint/2015/09/main">
+    <mc:Choice Requires="p159">
+      <p:transition xmlns:p14="http://schemas.microsoft.com/office/powerpoint/2010/main" spd="slow" p14:dur="2000">
+        <p159:morph option="byObject"/>
+      </p:transition>
+    </mc:Choice>
+    <mc:Fallback xmlns="">
+      <p:transition spd="slow">
+        <p:fade/>
+      </p:transition>
+    </mc:Fallback>
+  </mc:AlternateContent>
+</p:sld>
+</file>
+
+<file path=ppt/slides/slide6.xml><?xml version="1.0" encoding="utf-8"?>
+<p:sld xmlns:a="http://schemas.openxmlformats.org/drawingml/2006/main" xmlns:r="http://schemas.openxmlformats.org/officeDocument/2006/relationships" xmlns:p="http://schemas.openxmlformats.org/presentationml/2006/main">
+  <p:cSld>
+    <p:spTree>
+      <p:nvGrpSpPr>
+        <p:cNvPr id="1" name=""/>
+        <p:cNvGrpSpPr/>
+        <p:nvPr/>
+      </p:nvGrpSpPr>
+      <p:grpSpPr>
+        <a:xfrm>
+          <a:off x="0" y="0"/>
+          <a:ext cx="0" cy="0"/>
+          <a:chOff x="0" y="0"/>
+          <a:chExt cx="0" cy="0"/>
+        </a:xfrm>
+      </p:grpSpPr>
+      <p:sp>
+        <p:nvSpPr>
           <p:cNvPr id="2" name="內容版面配置區 1">
             <a:extLst>
               <a:ext uri="{FF2B5EF4-FFF2-40B4-BE49-F238E27FC236}">
@@ -7222,7 +8436,7 @@
           <a:p>
             <a:fld id="{90F9E983-480B-48C5-9E0F-D21C0DFBB5C0}" type="slidenum">
               <a:rPr lang="zh-TW" altLang="en-US" smtClean="0"/>
-              <a:t>5</a:t>
+              <a:t>6</a:t>
             </a:fld>
             <a:endParaRPr lang="zh-TW" altLang="en-US"/>
           </a:p>
@@ -7288,199 +8502,6 @@
 </p:sld>
 </file>
 
-<file path=ppt/slides/slide6.xml><?xml version="1.0" encoding="utf-8"?>
-<p:sld xmlns:a="http://schemas.openxmlformats.org/drawingml/2006/main" xmlns:r="http://schemas.openxmlformats.org/officeDocument/2006/relationships" xmlns:p="http://schemas.openxmlformats.org/presentationml/2006/main">
-  <p:cSld>
-    <p:spTree>
-      <p:nvGrpSpPr>
-        <p:cNvPr id="1" name=""/>
-        <p:cNvGrpSpPr/>
-        <p:nvPr/>
-      </p:nvGrpSpPr>
-      <p:grpSpPr>
-        <a:xfrm>
-          <a:off x="0" y="0"/>
-          <a:ext cx="0" cy="0"/>
-          <a:chOff x="0" y="0"/>
-          <a:chExt cx="0" cy="0"/>
-        </a:xfrm>
-      </p:grpSpPr>
-      <p:sp>
-        <p:nvSpPr>
-          <p:cNvPr id="2" name="內容版面配置區 1">
-            <a:extLst>
-              <a:ext uri="{FF2B5EF4-FFF2-40B4-BE49-F238E27FC236}">
-                <a16:creationId xmlns:a16="http://schemas.microsoft.com/office/drawing/2014/main" id="{8B9255F6-E79B-4294-834D-6D4140D1CF07}"/>
-              </a:ext>
-            </a:extLst>
-          </p:cNvPr>
-          <p:cNvSpPr>
-            <a:spLocks noGrp="1"/>
-          </p:cNvSpPr>
-          <p:nvPr>
-            <p:ph idx="1"/>
-          </p:nvPr>
-        </p:nvSpPr>
-        <p:spPr/>
-        <p:txBody>
-          <a:bodyPr>
-            <a:normAutofit/>
-          </a:bodyPr>
-          <a:lstStyle/>
-          <a:p>
-            <a:pPr marL="372600" indent="-457200"/>
-            <a:r>
-              <a:rPr lang="zh-TW" altLang="en-US" sz="2400" b="1" dirty="0"/>
-              <a:t>開發</a:t>
-            </a:r>
-            <a:r>
-              <a:rPr lang="en-US" altLang="zh-TW" sz="2400" b="1" dirty="0"/>
-              <a:t>CCL</a:t>
-            </a:r>
-            <a:r>
-              <a:rPr lang="zh-TW" altLang="en-US" sz="2400" b="1" dirty="0"/>
-              <a:t> </a:t>
-            </a:r>
-            <a:r>
-              <a:rPr lang="en-US" altLang="zh-TW" sz="2400" b="1" dirty="0"/>
-              <a:t>:</a:t>
-            </a:r>
-            <a:r>
-              <a:rPr lang="zh-TW" altLang="en-US" sz="2400" b="1" dirty="0"/>
-              <a:t> </a:t>
-            </a:r>
-            <a:endParaRPr lang="en-US" altLang="zh-TW" sz="2400" b="1" dirty="0"/>
-          </a:p>
-          <a:p>
-            <a:pPr marL="914400" lvl="1" indent="-457200">
-              <a:buFont typeface="+mj-lt"/>
-              <a:buAutoNum type="arabicPeriod"/>
-            </a:pPr>
-            <a:r>
-              <a:rPr lang="en-US" altLang="zh-TW" sz="1800" dirty="0"/>
-              <a:t>contours label </a:t>
-            </a:r>
-          </a:p>
-          <a:p>
-            <a:pPr marL="914400" lvl="1" indent="-457200">
-              <a:buFont typeface="+mj-lt"/>
-              <a:buAutoNum type="arabicPeriod"/>
-            </a:pPr>
-            <a:r>
-              <a:rPr lang="en-US" altLang="zh-TW" sz="1800" dirty="0"/>
-              <a:t>contours stats(Top</a:t>
-            </a:r>
-            <a:r>
-              <a:rPr lang="zh-TW" altLang="en-US" sz="1800" dirty="0"/>
-              <a:t>、</a:t>
-            </a:r>
-            <a:r>
-              <a:rPr lang="en-US" altLang="zh-TW" sz="1800" dirty="0"/>
-              <a:t>Bottom</a:t>
-            </a:r>
-            <a:r>
-              <a:rPr lang="zh-TW" altLang="en-US" sz="1800" dirty="0"/>
-              <a:t>、</a:t>
-            </a:r>
-            <a:r>
-              <a:rPr lang="en-US" altLang="zh-TW" sz="1800" dirty="0"/>
-              <a:t>Left</a:t>
-            </a:r>
-            <a:r>
-              <a:rPr lang="zh-TW" altLang="en-US" sz="1800" dirty="0"/>
-              <a:t>、</a:t>
-            </a:r>
-            <a:r>
-              <a:rPr lang="en-US" altLang="zh-TW" sz="1800" dirty="0"/>
-              <a:t>Right</a:t>
-            </a:r>
-            <a:r>
-              <a:rPr lang="zh-TW" altLang="en-US" sz="1800" dirty="0"/>
-              <a:t>、</a:t>
-            </a:r>
-            <a:r>
-              <a:rPr lang="en-US" altLang="zh-TW" sz="1800" dirty="0"/>
-              <a:t>Area)</a:t>
-            </a:r>
-          </a:p>
-          <a:p>
-            <a:pPr marL="0" indent="0">
-              <a:buNone/>
-            </a:pPr>
-            <a:endParaRPr lang="zh-TW" altLang="en-US" sz="2400" dirty="0"/>
-          </a:p>
-        </p:txBody>
-      </p:sp>
-      <p:sp>
-        <p:nvSpPr>
-          <p:cNvPr id="3" name="標題 2">
-            <a:extLst>
-              <a:ext uri="{FF2B5EF4-FFF2-40B4-BE49-F238E27FC236}">
-                <a16:creationId xmlns:a16="http://schemas.microsoft.com/office/drawing/2014/main" id="{D7232380-22D4-47E6-A40E-ABF38AB200C3}"/>
-              </a:ext>
-            </a:extLst>
-          </p:cNvPr>
-          <p:cNvSpPr>
-            <a:spLocks noGrp="1"/>
-          </p:cNvSpPr>
-          <p:nvPr>
-            <p:ph type="title"/>
-          </p:nvPr>
-        </p:nvSpPr>
-        <p:spPr/>
-        <p:txBody>
-          <a:bodyPr/>
-          <a:lstStyle/>
-          <a:p>
-            <a:r>
-              <a:rPr lang="zh-TW" altLang="en-US" dirty="0"/>
-              <a:t>當週進度</a:t>
-            </a:r>
-          </a:p>
-        </p:txBody>
-      </p:sp>
-      <p:sp>
-        <p:nvSpPr>
-          <p:cNvPr id="4" name="投影片編號版面配置區 3">
-            <a:extLst>
-              <a:ext uri="{FF2B5EF4-FFF2-40B4-BE49-F238E27FC236}">
-                <a16:creationId xmlns:a16="http://schemas.microsoft.com/office/drawing/2014/main" id="{CC364F06-FBAE-41F1-9123-C093E43ADC15}"/>
-              </a:ext>
-            </a:extLst>
-          </p:cNvPr>
-          <p:cNvSpPr>
-            <a:spLocks noGrp="1"/>
-          </p:cNvSpPr>
-          <p:nvPr>
-            <p:ph type="sldNum" sz="quarter" idx="12"/>
-          </p:nvPr>
-        </p:nvSpPr>
-        <p:spPr/>
-        <p:txBody>
-          <a:bodyPr/>
-          <a:lstStyle/>
-          <a:p>
-            <a:fld id="{90F9E983-480B-48C5-9E0F-D21C0DFBB5C0}" type="slidenum">
-              <a:rPr lang="zh-TW" altLang="en-US" smtClean="0"/>
-              <a:t>6</a:t>
-            </a:fld>
-            <a:endParaRPr lang="zh-TW" altLang="en-US"/>
-          </a:p>
-        </p:txBody>
-      </p:sp>
-    </p:spTree>
-    <p:extLst>
-      <p:ext uri="{BB962C8B-B14F-4D97-AF65-F5344CB8AC3E}">
-        <p14:creationId xmlns:p14="http://schemas.microsoft.com/office/powerpoint/2010/main" val="1138845298"/>
-      </p:ext>
-    </p:extLst>
-  </p:cSld>
-  <p:clrMapOvr>
-    <a:masterClrMapping/>
-  </p:clrMapOvr>
-</p:sld>
-</file>
-
 <file path=ppt/slides/slide7.xml><?xml version="1.0" encoding="utf-8"?>
 <p:sld xmlns:a="http://schemas.openxmlformats.org/drawingml/2006/main" xmlns:r="http://schemas.openxmlformats.org/officeDocument/2006/relationships" xmlns:p="http://schemas.openxmlformats.org/presentationml/2006/main">
   <p:cSld>
@@ -7521,71 +8542,86 @@
           </a:bodyPr>
           <a:lstStyle/>
           <a:p>
-            <a:pPr marL="372600" indent="-457200">
+            <a:pPr marL="372600" indent="-457200"/>
+            <a:r>
+              <a:rPr lang="zh-TW" altLang="en-US" sz="2400" b="1" dirty="0"/>
+              <a:t>開發</a:t>
+            </a:r>
+            <a:r>
+              <a:rPr lang="en-US" altLang="zh-TW" sz="2400" b="1" dirty="0"/>
+              <a:t>CCL</a:t>
+            </a:r>
+            <a:r>
+              <a:rPr lang="zh-TW" altLang="en-US" sz="2400" b="1" dirty="0"/>
+              <a:t> </a:t>
+            </a:r>
+            <a:r>
+              <a:rPr lang="en-US" altLang="zh-TW" sz="2400" b="1" dirty="0"/>
+              <a:t>:</a:t>
+            </a:r>
+            <a:r>
+              <a:rPr lang="zh-TW" altLang="en-US" sz="2400" b="1" dirty="0"/>
+              <a:t> </a:t>
+            </a:r>
+            <a:endParaRPr lang="en-US" altLang="zh-TW" sz="2400" b="1" dirty="0"/>
+          </a:p>
+          <a:p>
+            <a:pPr marL="914400" lvl="1" indent="-457200">
               <a:buFont typeface="+mj-lt"/>
               <a:buAutoNum type="arabicPeriod"/>
             </a:pPr>
             <a:r>
-              <a:rPr lang="en-US" altLang="zh-TW" sz="2400" b="1" dirty="0"/>
-              <a:t>Contours label</a:t>
-            </a:r>
-          </a:p>
-          <a:p>
-            <a:r>
-              <a:rPr lang="zh-TW" altLang="en-US" sz="1800" b="1" dirty="0"/>
-              <a:t>測試方法 </a:t>
-            </a:r>
-            <a:r>
-              <a:rPr lang="en-US" altLang="zh-TW" sz="1800" b="1" dirty="0"/>
-              <a:t>:</a:t>
-            </a:r>
-            <a:r>
-              <a:rPr lang="zh-TW" altLang="en-US" sz="1800" b="1" dirty="0"/>
-              <a:t> </a:t>
-            </a:r>
-            <a:endParaRPr lang="en-US" altLang="zh-TW" sz="1800" b="1" dirty="0"/>
-          </a:p>
-          <a:p>
-            <a:pPr marL="457200" lvl="1" indent="0">
+              <a:rPr lang="en-US" altLang="zh-TW" sz="1800" dirty="0"/>
+              <a:t>contours label </a:t>
+            </a:r>
+          </a:p>
+          <a:p>
+            <a:pPr marL="914400" lvl="1" indent="-457200">
+              <a:buFont typeface="+mj-lt"/>
+              <a:buAutoNum type="arabicPeriod"/>
+            </a:pPr>
+            <a:r>
+              <a:rPr lang="en-US" altLang="zh-TW" sz="1800" dirty="0"/>
+              <a:t>contours stats(Top</a:t>
+            </a:r>
+            <a:r>
+              <a:rPr lang="zh-TW" altLang="en-US" sz="1800" dirty="0"/>
+              <a:t>、</a:t>
+            </a:r>
+            <a:r>
+              <a:rPr lang="en-US" altLang="zh-TW" sz="1800" dirty="0"/>
+              <a:t>Bottom</a:t>
+            </a:r>
+            <a:r>
+              <a:rPr lang="zh-TW" altLang="en-US" sz="1800" dirty="0"/>
+              <a:t>、</a:t>
+            </a:r>
+            <a:r>
+              <a:rPr lang="en-US" altLang="zh-TW" sz="1800" dirty="0"/>
+              <a:t>Left</a:t>
+            </a:r>
+            <a:r>
+              <a:rPr lang="zh-TW" altLang="en-US" sz="1800" dirty="0"/>
+              <a:t>、</a:t>
+            </a:r>
+            <a:r>
+              <a:rPr lang="en-US" altLang="zh-TW" sz="1800" dirty="0"/>
+              <a:t>Right</a:t>
+            </a:r>
+            <a:r>
+              <a:rPr lang="zh-TW" altLang="en-US" sz="1800" dirty="0"/>
+              <a:t>、</a:t>
+            </a:r>
+            <a:r>
+              <a:rPr lang="en-US" altLang="zh-TW" sz="1800" dirty="0"/>
+              <a:t>Area)</a:t>
+            </a:r>
+          </a:p>
+          <a:p>
+            <a:pPr marL="0" indent="0">
               <a:buNone/>
             </a:pPr>
-            <a:r>
-              <a:rPr lang="zh-TW" altLang="en-US" sz="1800" dirty="0"/>
-              <a:t>使用</a:t>
-            </a:r>
-            <a:r>
-              <a:rPr lang="en-US" altLang="zh-TW" sz="1800" dirty="0"/>
-              <a:t>Vivado</a:t>
-            </a:r>
-            <a:r>
-              <a:rPr lang="zh-TW" altLang="en-US" sz="1800" dirty="0"/>
-              <a:t>於</a:t>
-            </a:r>
-            <a:r>
-              <a:rPr lang="en-US" altLang="zh-TW" sz="1800" dirty="0"/>
-              <a:t>simulation</a:t>
-            </a:r>
-            <a:r>
-              <a:rPr lang="zh-TW" altLang="en-US" sz="1800" dirty="0"/>
-              <a:t>中讀取</a:t>
-            </a:r>
-            <a:r>
-              <a:rPr lang="en-US" altLang="zh-TW" sz="1800" dirty="0"/>
-              <a:t>txt</a:t>
-            </a:r>
-            <a:r>
-              <a:rPr lang="zh-TW" altLang="en-US" sz="1800" dirty="0"/>
-              <a:t>資料當成輸入影像，接著將模擬結果寫回</a:t>
-            </a:r>
-            <a:r>
-              <a:rPr lang="en-US" altLang="zh-TW" sz="1800" dirty="0"/>
-              <a:t>txt</a:t>
-            </a:r>
-            <a:r>
-              <a:rPr lang="zh-TW" altLang="en-US" sz="1800" dirty="0"/>
-              <a:t>觀察結果，並和軟體進行比較</a:t>
-            </a:r>
-            <a:endParaRPr lang="en-US" altLang="zh-TW" sz="1800" dirty="0"/>
+            <a:endParaRPr lang="zh-TW" altLang="en-US" sz="2400" dirty="0"/>
           </a:p>
         </p:txBody>
       </p:sp>
@@ -7641,6 +8677,184 @@
             <a:fld id="{90F9E983-480B-48C5-9E0F-D21C0DFBB5C0}" type="slidenum">
               <a:rPr lang="zh-TW" altLang="en-US" smtClean="0"/>
               <a:t>7</a:t>
+            </a:fld>
+            <a:endParaRPr lang="zh-TW" altLang="en-US"/>
+          </a:p>
+        </p:txBody>
+      </p:sp>
+    </p:spTree>
+    <p:extLst>
+      <p:ext uri="{BB962C8B-B14F-4D97-AF65-F5344CB8AC3E}">
+        <p14:creationId xmlns:p14="http://schemas.microsoft.com/office/powerpoint/2010/main" val="1138845298"/>
+      </p:ext>
+    </p:extLst>
+  </p:cSld>
+  <p:clrMapOvr>
+    <a:masterClrMapping/>
+  </p:clrMapOvr>
+</p:sld>
+</file>
+
+<file path=ppt/slides/slide8.xml><?xml version="1.0" encoding="utf-8"?>
+<p:sld xmlns:a="http://schemas.openxmlformats.org/drawingml/2006/main" xmlns:r="http://schemas.openxmlformats.org/officeDocument/2006/relationships" xmlns:p="http://schemas.openxmlformats.org/presentationml/2006/main">
+  <p:cSld>
+    <p:spTree>
+      <p:nvGrpSpPr>
+        <p:cNvPr id="1" name=""/>
+        <p:cNvGrpSpPr/>
+        <p:nvPr/>
+      </p:nvGrpSpPr>
+      <p:grpSpPr>
+        <a:xfrm>
+          <a:off x="0" y="0"/>
+          <a:ext cx="0" cy="0"/>
+          <a:chOff x="0" y="0"/>
+          <a:chExt cx="0" cy="0"/>
+        </a:xfrm>
+      </p:grpSpPr>
+      <p:sp>
+        <p:nvSpPr>
+          <p:cNvPr id="2" name="內容版面配置區 1">
+            <a:extLst>
+              <a:ext uri="{FF2B5EF4-FFF2-40B4-BE49-F238E27FC236}">
+                <a16:creationId xmlns:a16="http://schemas.microsoft.com/office/drawing/2014/main" id="{8B9255F6-E79B-4294-834D-6D4140D1CF07}"/>
+              </a:ext>
+            </a:extLst>
+          </p:cNvPr>
+          <p:cNvSpPr>
+            <a:spLocks noGrp="1"/>
+          </p:cNvSpPr>
+          <p:nvPr>
+            <p:ph idx="1"/>
+          </p:nvPr>
+        </p:nvSpPr>
+        <p:spPr/>
+        <p:txBody>
+          <a:bodyPr>
+            <a:normAutofit/>
+          </a:bodyPr>
+          <a:lstStyle/>
+          <a:p>
+            <a:pPr marL="372600" indent="-457200">
+              <a:buFont typeface="+mj-lt"/>
+              <a:buAutoNum type="arabicPeriod"/>
+            </a:pPr>
+            <a:r>
+              <a:rPr lang="en-US" altLang="zh-TW" sz="2400" b="1" dirty="0"/>
+              <a:t>Contours label</a:t>
+            </a:r>
+          </a:p>
+          <a:p>
+            <a:r>
+              <a:rPr lang="zh-TW" altLang="en-US" sz="1800" b="1" dirty="0"/>
+              <a:t>測試方法 </a:t>
+            </a:r>
+            <a:r>
+              <a:rPr lang="en-US" altLang="zh-TW" sz="1800" b="1" dirty="0"/>
+              <a:t>:</a:t>
+            </a:r>
+            <a:r>
+              <a:rPr lang="zh-TW" altLang="en-US" sz="1800" b="1" dirty="0"/>
+              <a:t> </a:t>
+            </a:r>
+            <a:endParaRPr lang="en-US" altLang="zh-TW" sz="1800" b="1" dirty="0"/>
+          </a:p>
+          <a:p>
+            <a:pPr marL="457200" lvl="1" indent="0">
+              <a:buNone/>
+            </a:pPr>
+            <a:r>
+              <a:rPr lang="zh-TW" altLang="en-US" sz="1800" dirty="0"/>
+              <a:t>使用</a:t>
+            </a:r>
+            <a:r>
+              <a:rPr lang="en-US" altLang="zh-TW" sz="1800" dirty="0"/>
+              <a:t>Vivado</a:t>
+            </a:r>
+            <a:r>
+              <a:rPr lang="zh-TW" altLang="en-US" sz="1800" dirty="0"/>
+              <a:t>於</a:t>
+            </a:r>
+            <a:r>
+              <a:rPr lang="en-US" altLang="zh-TW" sz="1800" dirty="0"/>
+              <a:t>simulation</a:t>
+            </a:r>
+            <a:r>
+              <a:rPr lang="zh-TW" altLang="en-US" sz="1800" dirty="0"/>
+              <a:t>中讀取</a:t>
+            </a:r>
+            <a:r>
+              <a:rPr lang="en-US" altLang="zh-TW" sz="1800" dirty="0"/>
+              <a:t>txt</a:t>
+            </a:r>
+            <a:r>
+              <a:rPr lang="zh-TW" altLang="en-US" sz="1800" dirty="0"/>
+              <a:t>資料當成輸入影像，接著將模擬結果寫回</a:t>
+            </a:r>
+            <a:r>
+              <a:rPr lang="en-US" altLang="zh-TW" sz="1800" dirty="0"/>
+              <a:t>txt</a:t>
+            </a:r>
+            <a:r>
+              <a:rPr lang="zh-TW" altLang="en-US" sz="1800" dirty="0"/>
+              <a:t>觀察結果，並和軟體進行比較</a:t>
+            </a:r>
+            <a:endParaRPr lang="en-US" altLang="zh-TW" sz="1800" dirty="0"/>
+          </a:p>
+        </p:txBody>
+      </p:sp>
+      <p:sp>
+        <p:nvSpPr>
+          <p:cNvPr id="3" name="標題 2">
+            <a:extLst>
+              <a:ext uri="{FF2B5EF4-FFF2-40B4-BE49-F238E27FC236}">
+                <a16:creationId xmlns:a16="http://schemas.microsoft.com/office/drawing/2014/main" id="{D7232380-22D4-47E6-A40E-ABF38AB200C3}"/>
+              </a:ext>
+            </a:extLst>
+          </p:cNvPr>
+          <p:cNvSpPr>
+            <a:spLocks noGrp="1"/>
+          </p:cNvSpPr>
+          <p:nvPr>
+            <p:ph type="title"/>
+          </p:nvPr>
+        </p:nvSpPr>
+        <p:spPr/>
+        <p:txBody>
+          <a:bodyPr/>
+          <a:lstStyle/>
+          <a:p>
+            <a:r>
+              <a:rPr lang="zh-TW" altLang="en-US" dirty="0"/>
+              <a:t>當週進度</a:t>
+            </a:r>
+          </a:p>
+        </p:txBody>
+      </p:sp>
+      <p:sp>
+        <p:nvSpPr>
+          <p:cNvPr id="4" name="投影片編號版面配置區 3">
+            <a:extLst>
+              <a:ext uri="{FF2B5EF4-FFF2-40B4-BE49-F238E27FC236}">
+                <a16:creationId xmlns:a16="http://schemas.microsoft.com/office/drawing/2014/main" id="{CC364F06-FBAE-41F1-9123-C093E43ADC15}"/>
+              </a:ext>
+            </a:extLst>
+          </p:cNvPr>
+          <p:cNvSpPr>
+            <a:spLocks noGrp="1"/>
+          </p:cNvSpPr>
+          <p:nvPr>
+            <p:ph type="sldNum" sz="quarter" idx="12"/>
+          </p:nvPr>
+        </p:nvSpPr>
+        <p:spPr/>
+        <p:txBody>
+          <a:bodyPr/>
+          <a:lstStyle/>
+          <a:p>
+            <a:fld id="{90F9E983-480B-48C5-9E0F-D21C0DFBB5C0}" type="slidenum">
+              <a:rPr lang="zh-TW" altLang="en-US" smtClean="0"/>
+              <a:t>8</a:t>
             </a:fld>
             <a:endParaRPr lang="zh-TW" altLang="en-US"/>
           </a:p>
@@ -8514,7 +9728,7 @@
 </p:sld>
 </file>
 
-<file path=ppt/slides/slide8.xml><?xml version="1.0" encoding="utf-8"?>
+<file path=ppt/slides/slide9.xml><?xml version="1.0" encoding="utf-8"?>
 <p:sld xmlns:a="http://schemas.openxmlformats.org/drawingml/2006/main" xmlns:r="http://schemas.openxmlformats.org/officeDocument/2006/relationships" xmlns:p="http://schemas.openxmlformats.org/presentationml/2006/main">
   <p:cSld>
     <p:spTree>
@@ -8642,7 +9856,7 @@
           <a:p>
             <a:fld id="{90F9E983-480B-48C5-9E0F-D21C0DFBB5C0}" type="slidenum">
               <a:rPr lang="zh-TW" altLang="en-US" smtClean="0"/>
-              <a:t>8</a:t>
+              <a:t>9</a:t>
             </a:fld>
             <a:endParaRPr lang="zh-TW" altLang="en-US"/>
           </a:p>
@@ -8905,406 +10119,6 @@
     <p:extLst>
       <p:ext uri="{BB962C8B-B14F-4D97-AF65-F5344CB8AC3E}">
         <p14:creationId xmlns:p14="http://schemas.microsoft.com/office/powerpoint/2010/main" val="2800467895"/>
-      </p:ext>
-    </p:extLst>
-  </p:cSld>
-  <p:clrMapOvr>
-    <a:masterClrMapping/>
-  </p:clrMapOvr>
-</p:sld>
-</file>
-
-<file path=ppt/slides/slide9.xml><?xml version="1.0" encoding="utf-8"?>
-<p:sld xmlns:a="http://schemas.openxmlformats.org/drawingml/2006/main" xmlns:r="http://schemas.openxmlformats.org/officeDocument/2006/relationships" xmlns:p="http://schemas.openxmlformats.org/presentationml/2006/main">
-  <p:cSld>
-    <p:spTree>
-      <p:nvGrpSpPr>
-        <p:cNvPr id="1" name=""/>
-        <p:cNvGrpSpPr/>
-        <p:nvPr/>
-      </p:nvGrpSpPr>
-      <p:grpSpPr>
-        <a:xfrm>
-          <a:off x="0" y="0"/>
-          <a:ext cx="0" cy="0"/>
-          <a:chOff x="0" y="0"/>
-          <a:chExt cx="0" cy="0"/>
-        </a:xfrm>
-      </p:grpSpPr>
-      <p:grpSp>
-        <p:nvGrpSpPr>
-          <p:cNvPr id="11" name="群組 10">
-            <a:extLst>
-              <a:ext uri="{FF2B5EF4-FFF2-40B4-BE49-F238E27FC236}">
-                <a16:creationId xmlns:a16="http://schemas.microsoft.com/office/drawing/2014/main" id="{976AED21-7A37-678E-ED84-B14262B822DE}"/>
-              </a:ext>
-            </a:extLst>
-          </p:cNvPr>
-          <p:cNvGrpSpPr/>
-          <p:nvPr/>
-        </p:nvGrpSpPr>
-        <p:grpSpPr>
-          <a:xfrm>
-            <a:off x="5310914" y="1260212"/>
-            <a:ext cx="5905499" cy="5096138"/>
-            <a:chOff x="3250043" y="1753766"/>
-            <a:chExt cx="5691913" cy="4787250"/>
-          </a:xfrm>
-        </p:grpSpPr>
-        <p:pic>
-          <p:nvPicPr>
-            <p:cNvPr id="9" name="圖片 8" descr="一張含有 鮮豔, 螢幕擷取畫面, 圓形 的圖片&#10;&#10;自動產生的描述">
-              <a:extLst>
-                <a:ext uri="{FF2B5EF4-FFF2-40B4-BE49-F238E27FC236}">
-                  <a16:creationId xmlns:a16="http://schemas.microsoft.com/office/drawing/2014/main" id="{DDBF6F24-0E2A-9877-DA23-16E19627560A}"/>
-                </a:ext>
-              </a:extLst>
-            </p:cNvPr>
-            <p:cNvPicPr>
-              <a:picLocks noChangeAspect="1"/>
-            </p:cNvPicPr>
-            <p:nvPr/>
-          </p:nvPicPr>
-          <p:blipFill rotWithShape="1">
-            <a:blip r:embed="rId2">
-              <a:extLst>
-                <a:ext uri="{28A0092B-C50C-407E-A947-70E740481C1C}">
-                  <a14:useLocalDpi xmlns:a14="http://schemas.microsoft.com/office/drawing/2010/main" val="0"/>
-                </a:ext>
-              </a:extLst>
-            </a:blip>
-            <a:srcRect l="1" t="9016" r="-1666" b="10859"/>
-            <a:stretch/>
-          </p:blipFill>
-          <p:spPr>
-            <a:xfrm>
-              <a:off x="3250043" y="1753766"/>
-              <a:ext cx="5691913" cy="4485860"/>
-            </a:xfrm>
-            <a:prstGeom prst="rect">
-              <a:avLst/>
-            </a:prstGeom>
-          </p:spPr>
-        </p:pic>
-        <p:sp>
-          <p:nvSpPr>
-            <p:cNvPr id="10" name="文字方塊 9">
-              <a:extLst>
-                <a:ext uri="{FF2B5EF4-FFF2-40B4-BE49-F238E27FC236}">
-                  <a16:creationId xmlns:a16="http://schemas.microsoft.com/office/drawing/2014/main" id="{B8B22BBA-173A-F03C-90E8-BB562AD7F416}"/>
-                </a:ext>
-              </a:extLst>
-            </p:cNvPr>
-            <p:cNvSpPr txBox="1"/>
-            <p:nvPr/>
-          </p:nvSpPr>
-          <p:spPr>
-            <a:xfrm>
-              <a:off x="5282314" y="6171684"/>
-              <a:ext cx="1627369" cy="369332"/>
-            </a:xfrm>
-            <a:prstGeom prst="rect">
-              <a:avLst/>
-            </a:prstGeom>
-            <a:noFill/>
-          </p:spPr>
-          <p:txBody>
-            <a:bodyPr wrap="none" rtlCol="0">
-              <a:spAutoFit/>
-            </a:bodyPr>
-            <a:lstStyle/>
-            <a:p>
-              <a:r>
-                <a:rPr lang="zh-TW" altLang="en-US" dirty="0">
-                  <a:latin typeface="標楷體" panose="03000509000000000000" pitchFamily="65" charset="-120"/>
-                  <a:ea typeface="標楷體" panose="03000509000000000000" pitchFamily="65" charset="-120"/>
-                </a:rPr>
-                <a:t>圖</a:t>
-              </a:r>
-              <a:r>
-                <a:rPr lang="en-US" altLang="zh-TW" dirty="0">
-                  <a:latin typeface="標楷體" panose="03000509000000000000" pitchFamily="65" charset="-120"/>
-                  <a:ea typeface="標楷體" panose="03000509000000000000" pitchFamily="65" charset="-120"/>
-                </a:rPr>
-                <a:t>6</a:t>
-              </a:r>
-              <a:r>
-                <a:rPr lang="en-US" altLang="zh-TW" dirty="0">
-                  <a:latin typeface="Times New Roman" panose="02020603050405020304" pitchFamily="18" charset="0"/>
-                  <a:ea typeface="標楷體" panose="03000509000000000000" pitchFamily="65" charset="-120"/>
-                  <a:cs typeface="Times New Roman" panose="02020603050405020304" pitchFamily="18" charset="0"/>
-                </a:rPr>
-                <a:t>.</a:t>
-              </a:r>
-              <a:r>
-                <a:rPr lang="zh-TW" altLang="en-US" dirty="0">
-                  <a:latin typeface="Times New Roman" panose="02020603050405020304" pitchFamily="18" charset="0"/>
-                  <a:ea typeface="標楷體" panose="03000509000000000000" pitchFamily="65" charset="-120"/>
-                  <a:cs typeface="Times New Roman" panose="02020603050405020304" pitchFamily="18" charset="0"/>
-                </a:rPr>
-                <a:t>測試結果</a:t>
-              </a:r>
-              <a:r>
-                <a:rPr lang="en-US" altLang="zh-TW" dirty="0">
-                  <a:latin typeface="Times New Roman" panose="02020603050405020304" pitchFamily="18" charset="0"/>
-                  <a:ea typeface="標楷體" panose="03000509000000000000" pitchFamily="65" charset="-120"/>
-                  <a:cs typeface="Times New Roman" panose="02020603050405020304" pitchFamily="18" charset="0"/>
-                </a:rPr>
-                <a:t>2</a:t>
-              </a:r>
-              <a:endParaRPr lang="zh-TW" altLang="en-US" dirty="0">
-                <a:latin typeface="Times New Roman" panose="02020603050405020304" pitchFamily="18" charset="0"/>
-                <a:ea typeface="標楷體" panose="03000509000000000000" pitchFamily="65" charset="-120"/>
-                <a:cs typeface="Times New Roman" panose="02020603050405020304" pitchFamily="18" charset="0"/>
-              </a:endParaRPr>
-            </a:p>
-          </p:txBody>
-        </p:sp>
-      </p:grpSp>
-      <p:sp>
-        <p:nvSpPr>
-          <p:cNvPr id="2" name="內容版面配置區 1">
-            <a:extLst>
-              <a:ext uri="{FF2B5EF4-FFF2-40B4-BE49-F238E27FC236}">
-                <a16:creationId xmlns:a16="http://schemas.microsoft.com/office/drawing/2014/main" id="{8B9255F6-E79B-4294-834D-6D4140D1CF07}"/>
-              </a:ext>
-            </a:extLst>
-          </p:cNvPr>
-          <p:cNvSpPr>
-            <a:spLocks noGrp="1"/>
-          </p:cNvSpPr>
-          <p:nvPr>
-            <p:ph idx="1"/>
-          </p:nvPr>
-        </p:nvSpPr>
-        <p:spPr/>
-        <p:txBody>
-          <a:bodyPr>
-            <a:normAutofit/>
-          </a:bodyPr>
-          <a:lstStyle/>
-          <a:p>
-            <a:pPr marL="372600" indent="-457200">
-              <a:buFont typeface="+mj-lt"/>
-              <a:buAutoNum type="arabicPeriod"/>
-            </a:pPr>
-            <a:r>
-              <a:rPr lang="en-US" altLang="zh-TW" sz="2400" b="1" dirty="0"/>
-              <a:t>contours label</a:t>
-            </a:r>
-          </a:p>
-          <a:p>
-            <a:r>
-              <a:rPr lang="zh-TW" altLang="en-US" sz="1800" b="1" dirty="0"/>
-              <a:t>實驗結果 </a:t>
-            </a:r>
-            <a:r>
-              <a:rPr lang="en-US" altLang="zh-TW" sz="1800" b="1" dirty="0"/>
-              <a:t>: Test_2</a:t>
-            </a:r>
-            <a:r>
-              <a:rPr lang="zh-TW" altLang="en-US" sz="1800" b="1" dirty="0"/>
-              <a:t> </a:t>
-            </a:r>
-            <a:r>
-              <a:rPr lang="en-US" altLang="zh-TW" sz="1800" b="1" dirty="0"/>
-              <a:t>:</a:t>
-            </a:r>
-            <a:r>
-              <a:rPr lang="zh-TW" altLang="en-US" sz="1800" b="1" dirty="0"/>
-              <a:t> </a:t>
-            </a:r>
-            <a:r>
-              <a:rPr lang="en-US" altLang="zh-TW" sz="1800" b="1" dirty="0"/>
-              <a:t>input image : 300x195</a:t>
-            </a:r>
-          </a:p>
-        </p:txBody>
-      </p:sp>
-      <p:sp>
-        <p:nvSpPr>
-          <p:cNvPr id="3" name="標題 2">
-            <a:extLst>
-              <a:ext uri="{FF2B5EF4-FFF2-40B4-BE49-F238E27FC236}">
-                <a16:creationId xmlns:a16="http://schemas.microsoft.com/office/drawing/2014/main" id="{D7232380-22D4-47E6-A40E-ABF38AB200C3}"/>
-              </a:ext>
-            </a:extLst>
-          </p:cNvPr>
-          <p:cNvSpPr>
-            <a:spLocks noGrp="1"/>
-          </p:cNvSpPr>
-          <p:nvPr>
-            <p:ph type="title"/>
-          </p:nvPr>
-        </p:nvSpPr>
-        <p:spPr/>
-        <p:txBody>
-          <a:bodyPr/>
-          <a:lstStyle/>
-          <a:p>
-            <a:r>
-              <a:rPr lang="zh-TW" altLang="en-US" dirty="0"/>
-              <a:t>當週進度</a:t>
-            </a:r>
-          </a:p>
-        </p:txBody>
-      </p:sp>
-      <p:sp>
-        <p:nvSpPr>
-          <p:cNvPr id="4" name="投影片編號版面配置區 3">
-            <a:extLst>
-              <a:ext uri="{FF2B5EF4-FFF2-40B4-BE49-F238E27FC236}">
-                <a16:creationId xmlns:a16="http://schemas.microsoft.com/office/drawing/2014/main" id="{CC364F06-FBAE-41F1-9123-C093E43ADC15}"/>
-              </a:ext>
-            </a:extLst>
-          </p:cNvPr>
-          <p:cNvSpPr>
-            <a:spLocks noGrp="1"/>
-          </p:cNvSpPr>
-          <p:nvPr>
-            <p:ph type="sldNum" sz="quarter" idx="12"/>
-          </p:nvPr>
-        </p:nvSpPr>
-        <p:spPr/>
-        <p:txBody>
-          <a:bodyPr/>
-          <a:lstStyle/>
-          <a:p>
-            <a:fld id="{90F9E983-480B-48C5-9E0F-D21C0DFBB5C0}" type="slidenum">
-              <a:rPr lang="zh-TW" altLang="en-US" smtClean="0"/>
-              <a:t>9</a:t>
-            </a:fld>
-            <a:endParaRPr lang="zh-TW" altLang="en-US"/>
-          </a:p>
-        </p:txBody>
-      </p:sp>
-      <p:grpSp>
-        <p:nvGrpSpPr>
-          <p:cNvPr id="12" name="群組 11">
-            <a:extLst>
-              <a:ext uri="{FF2B5EF4-FFF2-40B4-BE49-F238E27FC236}">
-                <a16:creationId xmlns:a16="http://schemas.microsoft.com/office/drawing/2014/main" id="{31DA0AC6-8BDB-B75E-999B-8BC6BB5D3858}"/>
-              </a:ext>
-            </a:extLst>
-          </p:cNvPr>
-          <p:cNvGrpSpPr/>
-          <p:nvPr/>
-        </p:nvGrpSpPr>
-        <p:grpSpPr>
-          <a:xfrm>
-            <a:off x="4151621" y="3814354"/>
-            <a:ext cx="7064791" cy="2182244"/>
-            <a:chOff x="2022058" y="3989440"/>
-            <a:chExt cx="7064791" cy="2182244"/>
-          </a:xfrm>
-        </p:grpSpPr>
-        <p:sp>
-          <p:nvSpPr>
-            <p:cNvPr id="13" name="矩形 12">
-              <a:extLst>
-                <a:ext uri="{FF2B5EF4-FFF2-40B4-BE49-F238E27FC236}">
-                  <a16:creationId xmlns:a16="http://schemas.microsoft.com/office/drawing/2014/main" id="{83D1C6A3-6210-770D-3175-8F9756BD582C}"/>
-                </a:ext>
-              </a:extLst>
-            </p:cNvPr>
-            <p:cNvSpPr/>
-            <p:nvPr/>
-          </p:nvSpPr>
-          <p:spPr>
-            <a:xfrm>
-              <a:off x="3181350" y="3989440"/>
-              <a:ext cx="5905499" cy="2182244"/>
-            </a:xfrm>
-            <a:prstGeom prst="rect">
-              <a:avLst/>
-            </a:prstGeom>
-            <a:noFill/>
-            <a:ln w="38100">
-              <a:solidFill>
-                <a:srgbClr val="FF0000"/>
-              </a:solidFill>
-            </a:ln>
-          </p:spPr>
-          <p:style>
-            <a:lnRef idx="2">
-              <a:schemeClr val="accent1">
-                <a:shade val="15000"/>
-              </a:schemeClr>
-            </a:lnRef>
-            <a:fillRef idx="1">
-              <a:schemeClr val="accent1"/>
-            </a:fillRef>
-            <a:effectRef idx="0">
-              <a:schemeClr val="accent1"/>
-            </a:effectRef>
-            <a:fontRef idx="minor">
-              <a:schemeClr val="lt1"/>
-            </a:fontRef>
-          </p:style>
-          <p:txBody>
-            <a:bodyPr rtlCol="0" anchor="ctr"/>
-            <a:lstStyle/>
-            <a:p>
-              <a:pPr algn="ctr"/>
-              <a:endParaRPr lang="zh-TW" altLang="en-US"/>
-            </a:p>
-          </p:txBody>
-        </p:sp>
-        <p:sp>
-          <p:nvSpPr>
-            <p:cNvPr id="14" name="文字方塊 13">
-              <a:extLst>
-                <a:ext uri="{FF2B5EF4-FFF2-40B4-BE49-F238E27FC236}">
-                  <a16:creationId xmlns:a16="http://schemas.microsoft.com/office/drawing/2014/main" id="{7D6663BA-C5B2-90D4-E613-9A0A4A05577B}"/>
-                </a:ext>
-              </a:extLst>
-            </p:cNvPr>
-            <p:cNvSpPr txBox="1"/>
-            <p:nvPr/>
-          </p:nvSpPr>
-          <p:spPr>
-            <a:xfrm>
-              <a:off x="2022058" y="4911209"/>
-              <a:ext cx="1159292" cy="369332"/>
-            </a:xfrm>
-            <a:prstGeom prst="rect">
-              <a:avLst/>
-            </a:prstGeom>
-            <a:noFill/>
-          </p:spPr>
-          <p:txBody>
-            <a:bodyPr wrap="none" rtlCol="0">
-              <a:spAutoFit/>
-            </a:bodyPr>
-            <a:lstStyle/>
-            <a:p>
-              <a:r>
-                <a:rPr lang="en-US" altLang="zh-TW" dirty="0">
-                  <a:solidFill>
-                    <a:srgbClr val="FF0000"/>
-                  </a:solidFill>
-                  <a:latin typeface="Times New Roman" panose="02020603050405020304" pitchFamily="18" charset="0"/>
-                  <a:ea typeface="標楷體" panose="03000509000000000000" pitchFamily="65" charset="-120"/>
-                  <a:cs typeface="Times New Roman" panose="02020603050405020304" pitchFamily="18" charset="0"/>
-                </a:rPr>
-                <a:t>simulation</a:t>
-              </a:r>
-              <a:endParaRPr lang="zh-TW" altLang="en-US" dirty="0">
-                <a:solidFill>
-                  <a:srgbClr val="FF0000"/>
-                </a:solidFill>
-                <a:latin typeface="Times New Roman" panose="02020603050405020304" pitchFamily="18" charset="0"/>
-                <a:ea typeface="標楷體" panose="03000509000000000000" pitchFamily="65" charset="-120"/>
-                <a:cs typeface="Times New Roman" panose="02020603050405020304" pitchFamily="18" charset="0"/>
-              </a:endParaRPr>
-            </a:p>
-          </p:txBody>
-        </p:sp>
-      </p:grpSp>
-    </p:spTree>
-    <p:extLst>
-      <p:ext uri="{BB962C8B-B14F-4D97-AF65-F5344CB8AC3E}">
-        <p14:creationId xmlns:p14="http://schemas.microsoft.com/office/powerpoint/2010/main" val="2690142602"/>
       </p:ext>
     </p:extLst>
   </p:cSld>

--- a/final_project/N03-DevelopmentLog/SoC_Final_project.pptx
+++ b/final_project/N03-DevelopmentLog/SoC_Final_project.pptx
@@ -3745,13 +3745,13 @@
   <p:clrMapOvr>
     <a:masterClrMapping/>
   </p:clrMapOvr>
-  <mc:AlternateContent xmlns:mc="http://schemas.openxmlformats.org/markup-compatibility/2006">
-    <mc:Choice xmlns:p14="http://schemas.microsoft.com/office/powerpoint/2010/main" Requires="p14">
+  <mc:AlternateContent xmlns:mc="http://schemas.openxmlformats.org/markup-compatibility/2006" xmlns:p14="http://schemas.microsoft.com/office/powerpoint/2010/main">
+    <mc:Choice Requires="p14">
       <p:transition spd="slow" p14:dur="2000">
         <p:cut/>
       </p:transition>
     </mc:Choice>
-    <mc:Fallback>
+    <mc:Fallback xmlns="">
       <p:transition spd="slow">
         <p:cut/>
       </p:transition>
@@ -3920,13 +3920,13 @@
   <p:clrMapOvr>
     <a:masterClrMapping/>
   </p:clrMapOvr>
-  <mc:AlternateContent xmlns:mc="http://schemas.openxmlformats.org/markup-compatibility/2006">
-    <mc:Choice xmlns:p14="http://schemas.microsoft.com/office/powerpoint/2010/main" Requires="p14">
+  <mc:AlternateContent xmlns:mc="http://schemas.openxmlformats.org/markup-compatibility/2006" xmlns:p14="http://schemas.microsoft.com/office/powerpoint/2010/main">
+    <mc:Choice Requires="p14">
       <p:transition spd="slow" p14:dur="2000">
         <p:cut/>
       </p:transition>
     </mc:Choice>
-    <mc:Fallback>
+    <mc:Fallback xmlns="">
       <p:transition spd="slow">
         <p:cut/>
       </p:transition>
@@ -4261,13 +4261,13 @@
   <p:clrMapOvr>
     <a:masterClrMapping/>
   </p:clrMapOvr>
-  <mc:AlternateContent xmlns:mc="http://schemas.openxmlformats.org/markup-compatibility/2006">
-    <mc:Choice xmlns:p14="http://schemas.microsoft.com/office/powerpoint/2010/main" Requires="p14">
+  <mc:AlternateContent xmlns:mc="http://schemas.openxmlformats.org/markup-compatibility/2006" xmlns:p14="http://schemas.microsoft.com/office/powerpoint/2010/main">
+    <mc:Choice Requires="p14">
       <p:transition spd="slow" p14:dur="2000">
         <p:cut/>
       </p:transition>
     </mc:Choice>
-    <mc:Fallback>
+    <mc:Fallback xmlns="">
       <p:transition spd="slow">
         <p:cut/>
       </p:transition>
@@ -4436,13 +4436,13 @@
   <p:clrMapOvr>
     <a:masterClrMapping/>
   </p:clrMapOvr>
-  <mc:AlternateContent xmlns:mc="http://schemas.openxmlformats.org/markup-compatibility/2006">
-    <mc:Choice xmlns:p14="http://schemas.microsoft.com/office/powerpoint/2010/main" Requires="p14">
+  <mc:AlternateContent xmlns:mc="http://schemas.openxmlformats.org/markup-compatibility/2006" xmlns:p14="http://schemas.microsoft.com/office/powerpoint/2010/main">
+    <mc:Choice Requires="p14">
       <p:transition spd="slow" p14:dur="2000">
         <p:cut/>
       </p:transition>
     </mc:Choice>
-    <mc:Fallback>
+    <mc:Fallback xmlns="">
       <p:transition spd="slow">
         <p:cut/>
       </p:transition>
@@ -4611,13 +4611,13 @@
   <p:clrMapOvr>
     <a:masterClrMapping/>
   </p:clrMapOvr>
-  <mc:AlternateContent xmlns:mc="http://schemas.openxmlformats.org/markup-compatibility/2006">
-    <mc:Choice xmlns:p14="http://schemas.microsoft.com/office/powerpoint/2010/main" Requires="p14">
+  <mc:AlternateContent xmlns:mc="http://schemas.openxmlformats.org/markup-compatibility/2006" xmlns:p14="http://schemas.microsoft.com/office/powerpoint/2010/main">
+    <mc:Choice Requires="p14">
       <p:transition spd="slow" p14:dur="2000">
         <p:cut/>
       </p:transition>
     </mc:Choice>
-    <mc:Fallback>
+    <mc:Fallback xmlns="">
       <p:transition spd="slow">
         <p:cut/>
       </p:transition>
@@ -4816,13 +4816,13 @@
   <p:clrMapOvr>
     <a:masterClrMapping/>
   </p:clrMapOvr>
-  <mc:AlternateContent xmlns:mc="http://schemas.openxmlformats.org/markup-compatibility/2006">
-    <mc:Choice xmlns:p14="http://schemas.microsoft.com/office/powerpoint/2010/main" Requires="p14">
+  <mc:AlternateContent xmlns:mc="http://schemas.openxmlformats.org/markup-compatibility/2006" xmlns:p14="http://schemas.microsoft.com/office/powerpoint/2010/main">
+    <mc:Choice Requires="p14">
       <p:transition spd="slow" p14:dur="2000">
         <p:cut/>
       </p:transition>
     </mc:Choice>
-    <mc:Fallback>
+    <mc:Fallback xmlns="">
       <p:transition spd="slow">
         <p:cut/>
       </p:transition>
@@ -5861,13 +5861,13 @@
   <p:clrMapOvr>
     <a:masterClrMapping/>
   </p:clrMapOvr>
-  <mc:AlternateContent xmlns:mc="http://schemas.openxmlformats.org/markup-compatibility/2006">
-    <mc:Choice xmlns:p14="http://schemas.microsoft.com/office/powerpoint/2010/main" Requires="p14">
+  <mc:AlternateContent xmlns:mc="http://schemas.openxmlformats.org/markup-compatibility/2006" xmlns:p14="http://schemas.microsoft.com/office/powerpoint/2010/main">
+    <mc:Choice Requires="p14">
       <p:transition spd="slow" p14:dur="2000">
         <p:cut/>
       </p:transition>
     </mc:Choice>
-    <mc:Fallback>
+    <mc:Fallback xmlns="">
       <p:transition spd="slow">
         <p:cut/>
       </p:transition>
@@ -6273,13 +6273,13 @@
   <p:clrMapOvr>
     <a:masterClrMapping/>
   </p:clrMapOvr>
-  <mc:AlternateContent xmlns:mc="http://schemas.openxmlformats.org/markup-compatibility/2006">
-    <mc:Choice xmlns:p14="http://schemas.microsoft.com/office/powerpoint/2010/main" Requires="p14">
+  <mc:AlternateContent xmlns:mc="http://schemas.openxmlformats.org/markup-compatibility/2006" xmlns:p14="http://schemas.microsoft.com/office/powerpoint/2010/main">
+    <mc:Choice Requires="p14">
       <p:transition spd="slow" p14:dur="2000">
         <p:cut/>
       </p:transition>
     </mc:Choice>
-    <mc:Fallback>
+    <mc:Fallback xmlns="">
       <p:transition spd="slow">
         <p:cut/>
       </p:transition>
@@ -6685,13 +6685,13 @@
   <p:clrMapOvr>
     <a:masterClrMapping/>
   </p:clrMapOvr>
-  <mc:AlternateContent xmlns:mc="http://schemas.openxmlformats.org/markup-compatibility/2006">
-    <mc:Choice xmlns:p14="http://schemas.microsoft.com/office/powerpoint/2010/main" Requires="p14">
+  <mc:AlternateContent xmlns:mc="http://schemas.openxmlformats.org/markup-compatibility/2006" xmlns:p14="http://schemas.microsoft.com/office/powerpoint/2010/main">
+    <mc:Choice Requires="p14">
       <p:transition spd="slow" p14:dur="2000">
         <p:cut/>
       </p:transition>
     </mc:Choice>
-    <mc:Fallback>
+    <mc:Fallback xmlns="">
       <p:transition spd="slow">
         <p:cut/>
       </p:transition>
@@ -7097,13 +7097,13 @@
   <p:clrMapOvr>
     <a:masterClrMapping/>
   </p:clrMapOvr>
-  <mc:AlternateContent xmlns:mc="http://schemas.openxmlformats.org/markup-compatibility/2006">
-    <mc:Choice xmlns:p14="http://schemas.microsoft.com/office/powerpoint/2010/main" Requires="p14">
+  <mc:AlternateContent xmlns:mc="http://schemas.openxmlformats.org/markup-compatibility/2006" xmlns:p14="http://schemas.microsoft.com/office/powerpoint/2010/main">
+    <mc:Choice Requires="p14">
       <p:transition spd="slow" p14:dur="2000">
         <p:cut/>
       </p:transition>
     </mc:Choice>
-    <mc:Fallback>
+    <mc:Fallback xmlns="">
       <p:transition spd="slow">
         <p:cut/>
       </p:transition>
@@ -7516,13 +7516,13 @@
   <p:clrMapOvr>
     <a:masterClrMapping/>
   </p:clrMapOvr>
-  <mc:AlternateContent xmlns:mc="http://schemas.openxmlformats.org/markup-compatibility/2006">
-    <mc:Choice xmlns:p14="http://schemas.microsoft.com/office/powerpoint/2010/main" Requires="p14">
+  <mc:AlternateContent xmlns:mc="http://schemas.openxmlformats.org/markup-compatibility/2006" xmlns:p14="http://schemas.microsoft.com/office/powerpoint/2010/main">
+    <mc:Choice Requires="p14">
       <p:transition spd="slow" p14:dur="2000">
         <p:cut/>
       </p:transition>
     </mc:Choice>
-    <mc:Fallback>
+    <mc:Fallback xmlns="">
       <p:transition spd="slow">
         <p:cut/>
       </p:transition>
@@ -8007,13 +8007,13 @@
   <p:clrMapOvr>
     <a:masterClrMapping/>
   </p:clrMapOvr>
-  <mc:AlternateContent xmlns:mc="http://schemas.openxmlformats.org/markup-compatibility/2006">
-    <mc:Choice xmlns:p14="http://schemas.microsoft.com/office/powerpoint/2010/main" Requires="p14">
+  <mc:AlternateContent xmlns:mc="http://schemas.openxmlformats.org/markup-compatibility/2006" xmlns:p14="http://schemas.microsoft.com/office/powerpoint/2010/main">
+    <mc:Choice Requires="p14">
       <p:transition spd="slow" p14:dur="2000">
         <p:cut/>
       </p:transition>
     </mc:Choice>
-    <mc:Fallback>
+    <mc:Fallback xmlns="">
       <p:transition spd="slow">
         <p:cut/>
       </p:transition>
@@ -8418,13 +8418,13 @@
   <p:clrMapOvr>
     <a:masterClrMapping/>
   </p:clrMapOvr>
-  <mc:AlternateContent xmlns:mc="http://schemas.openxmlformats.org/markup-compatibility/2006">
-    <mc:Choice xmlns:p14="http://schemas.microsoft.com/office/powerpoint/2010/main" Requires="p14">
+  <mc:AlternateContent xmlns:mc="http://schemas.openxmlformats.org/markup-compatibility/2006" xmlns:p14="http://schemas.microsoft.com/office/powerpoint/2010/main">
+    <mc:Choice Requires="p14">
       <p:transition spd="slow" p14:dur="2000">
         <p:cut/>
       </p:transition>
     </mc:Choice>
-    <mc:Fallback>
+    <mc:Fallback xmlns="">
       <p:transition spd="slow">
         <p:cut/>
       </p:transition>
@@ -8821,13 +8821,13 @@
   <p:clrMapOvr>
     <a:masterClrMapping/>
   </p:clrMapOvr>
-  <mc:AlternateContent xmlns:mc="http://schemas.openxmlformats.org/markup-compatibility/2006">
-    <mc:Choice xmlns:p14="http://schemas.microsoft.com/office/powerpoint/2010/main" Requires="p14">
+  <mc:AlternateContent xmlns:mc="http://schemas.openxmlformats.org/markup-compatibility/2006" xmlns:p14="http://schemas.microsoft.com/office/powerpoint/2010/main">
+    <mc:Choice Requires="p14">
       <p:transition spd="slow" p14:dur="2000">
         <p:cut/>
       </p:transition>
     </mc:Choice>
-    <mc:Fallback>
+    <mc:Fallback xmlns="">
       <p:transition spd="slow">
         <p:cut/>
       </p:transition>
@@ -9232,13 +9232,13 @@
   <p:clrMapOvr>
     <a:masterClrMapping/>
   </p:clrMapOvr>
-  <mc:AlternateContent xmlns:mc="http://schemas.openxmlformats.org/markup-compatibility/2006">
-    <mc:Choice xmlns:p14="http://schemas.microsoft.com/office/powerpoint/2010/main" Requires="p14">
+  <mc:AlternateContent xmlns:mc="http://schemas.openxmlformats.org/markup-compatibility/2006" xmlns:p14="http://schemas.microsoft.com/office/powerpoint/2010/main">
+    <mc:Choice Requires="p14">
       <p:transition spd="slow" p14:dur="2000">
         <p:cut/>
       </p:transition>
     </mc:Choice>
-    <mc:Fallback>
+    <mc:Fallback xmlns="">
       <p:transition spd="slow">
         <p:cut/>
       </p:transition>
@@ -9411,13 +9411,13 @@
   <p:clrMapOvr>
     <a:masterClrMapping/>
   </p:clrMapOvr>
-  <mc:AlternateContent xmlns:mc="http://schemas.openxmlformats.org/markup-compatibility/2006">
-    <mc:Choice xmlns:p14="http://schemas.microsoft.com/office/powerpoint/2010/main" Requires="p14">
+  <mc:AlternateContent xmlns:mc="http://schemas.openxmlformats.org/markup-compatibility/2006" xmlns:p14="http://schemas.microsoft.com/office/powerpoint/2010/main">
+    <mc:Choice Requires="p14">
       <p:transition spd="slow" p14:dur="2000">
         <p:cut/>
       </p:transition>
     </mc:Choice>
-    <mc:Fallback>
+    <mc:Fallback xmlns="">
       <p:transition spd="slow">
         <p:cut/>
       </p:transition>
@@ -9543,13 +9543,13 @@
   <p:clrMapOvr>
     <a:masterClrMapping/>
   </p:clrMapOvr>
-  <mc:AlternateContent xmlns:mc="http://schemas.openxmlformats.org/markup-compatibility/2006">
-    <mc:Choice xmlns:p14="http://schemas.microsoft.com/office/powerpoint/2010/main" Requires="p14">
+  <mc:AlternateContent xmlns:mc="http://schemas.openxmlformats.org/markup-compatibility/2006" xmlns:p14="http://schemas.microsoft.com/office/powerpoint/2010/main">
+    <mc:Choice Requires="p14">
       <p:transition spd="slow" p14:dur="2000">
         <p:cut/>
       </p:transition>
     </mc:Choice>
-    <mc:Fallback>
+    <mc:Fallback xmlns="">
       <p:transition spd="slow">
         <p:cut/>
       </p:transition>
@@ -12565,7 +12565,7 @@
                   <a:prstClr val="black"/>
                 </a:solidFill>
               </a:rPr>
-              <a:t>；處理效能由在硬體端將執行</a:t>
+              <a:t>；處理效能由在硬體端</a:t>
             </a:r>
             <a:r>
               <a:rPr lang="en-US" altLang="zh-TW" sz="1800" dirty="0">
@@ -12573,6 +12573,22 @@
                   <a:prstClr val="black"/>
                 </a:solidFill>
               </a:rPr>
+              <a:t>(PL)</a:t>
+            </a:r>
+            <a:r>
+              <a:rPr lang="zh-TW" altLang="en-US" sz="1800" dirty="0">
+                <a:solidFill>
+                  <a:prstClr val="black"/>
+                </a:solidFill>
+              </a:rPr>
+              <a:t>將執行</a:t>
+            </a:r>
+            <a:r>
+              <a:rPr lang="en-US" altLang="zh-TW" sz="1800" dirty="0">
+                <a:solidFill>
+                  <a:prstClr val="black"/>
+                </a:solidFill>
+              </a:rPr>
               <a:t>n</a:t>
             </a:r>
             <a:r>
@@ -12581,61 +12597,15 @@
                   <a:prstClr val="black"/>
                 </a:solidFill>
               </a:rPr>
-              <a:t>幀，並計算總花</a:t>
-            </a:r>
-            <a:endParaRPr lang="en-US" altLang="zh-TW" sz="1800" dirty="0">
-              <a:solidFill>
-                <a:prstClr val="black"/>
-              </a:solidFill>
-            </a:endParaRPr>
-          </a:p>
-          <a:p>
-            <a:pPr marL="0" marR="0" lvl="0" indent="0" algn="l" defTabSz="914400" rtl="0" eaLnBrk="1" fontAlgn="auto" latinLnBrk="0" hangingPunct="0">
-              <a:lnSpc>
-                <a:spcPct val="90000"/>
-              </a:lnSpc>
-              <a:spcBef>
-                <a:spcPts val="300"/>
-              </a:spcBef>
-              <a:spcAft>
-                <a:spcPts val="0"/>
-              </a:spcAft>
-              <a:buClrTx/>
-              <a:buSzTx/>
-              <a:buNone/>
-              <a:tabLst/>
-              <a:defRPr/>
-            </a:pPr>
-            <a:endParaRPr lang="en-US" altLang="zh-TW" sz="1800" dirty="0">
-              <a:solidFill>
-                <a:prstClr val="black"/>
-              </a:solidFill>
-            </a:endParaRPr>
-          </a:p>
-          <a:p>
-            <a:pPr marL="0" marR="0" lvl="0" indent="0" algn="l" defTabSz="914400" rtl="0" eaLnBrk="1" fontAlgn="auto" latinLnBrk="0" hangingPunct="0">
-              <a:lnSpc>
-                <a:spcPct val="90000"/>
-              </a:lnSpc>
-              <a:spcBef>
-                <a:spcPts val="300"/>
-              </a:spcBef>
-              <a:spcAft>
-                <a:spcPts val="0"/>
-              </a:spcAft>
-              <a:buClrTx/>
-              <a:buSzTx/>
-              <a:buNone/>
-              <a:tabLst/>
-              <a:defRPr/>
-            </a:pPr>
-            <a:r>
-              <a:rPr lang="zh-TW" altLang="en-US" sz="1800" dirty="0">
-                <a:solidFill>
-                  <a:prstClr val="black"/>
-                </a:solidFill>
-              </a:rPr>
-              <a:t>費</a:t>
+              <a:t>幀，並計算</a:t>
+            </a:r>
+            <a:r>
+              <a:rPr lang="zh-TW" altLang="en-US" sz="1800">
+                <a:solidFill>
+                  <a:prstClr val="black"/>
+                </a:solidFill>
+              </a:rPr>
+              <a:t>總花費</a:t>
             </a:r>
             <a:r>
               <a:rPr lang="en-US" altLang="zh-TW" sz="1800" dirty="0">

--- a/final_project/N03-DevelopmentLog/SoC_Final_project.pptx
+++ b/final_project/N03-DevelopmentLog/SoC_Final_project.pptx
@@ -4381,10 +4381,10 @@
       </p:sp>
       <p:pic>
         <p:nvPicPr>
-          <p:cNvPr id="5" name="Picture 2">
+          <p:cNvPr id="6" name="Picture 2">
             <a:extLst>
               <a:ext uri="{FF2B5EF4-FFF2-40B4-BE49-F238E27FC236}">
-                <a16:creationId xmlns:a16="http://schemas.microsoft.com/office/drawing/2014/main" id="{DA1ED706-A9CB-C25F-32AE-9702C0726B83}"/>
+                <a16:creationId xmlns:a16="http://schemas.microsoft.com/office/drawing/2014/main" id="{FF00FE94-F966-582C-C9DF-2C30ECFE0C80}"/>
               </a:ext>
             </a:extLst>
           </p:cNvPr>
@@ -4408,8 +4408,8 @@
         </p:blipFill>
         <p:spPr bwMode="auto">
           <a:xfrm>
-            <a:off x="2246402" y="1272632"/>
-            <a:ext cx="7700962" cy="5086874"/>
+            <a:off x="2253780" y="1276728"/>
+            <a:ext cx="7688625" cy="5090400"/>
           </a:xfrm>
           <a:prstGeom prst="rect">
             <a:avLst/>
@@ -12597,15 +12597,7 @@
                   <a:prstClr val="black"/>
                 </a:solidFill>
               </a:rPr>
-              <a:t>幀，並計算</a:t>
-            </a:r>
-            <a:r>
-              <a:rPr lang="zh-TW" altLang="en-US" sz="1800">
-                <a:solidFill>
-                  <a:prstClr val="black"/>
-                </a:solidFill>
-              </a:rPr>
-              <a:t>總花費</a:t>
+              <a:t>幀，並計算總花費</a:t>
             </a:r>
             <a:r>
               <a:rPr lang="en-US" altLang="zh-TW" sz="1800" dirty="0">

--- a/final_project/N03-DevelopmentLog/SoC_Final_project.pptx
+++ b/final_project/N03-DevelopmentLog/SoC_Final_project.pptx
@@ -5,7 +5,7 @@
     <p:sldMasterId id="2147483660" r:id="rId1"/>
   </p:sldMasterIdLst>
   <p:notesMasterIdLst>
-    <p:notesMasterId r:id="rId26"/>
+    <p:notesMasterId r:id="rId27"/>
   </p:notesMasterIdLst>
   <p:sldIdLst>
     <p:sldId id="1398" r:id="rId2"/>
@@ -18,20 +18,21 @@
     <p:sldId id="1740" r:id="rId9"/>
     <p:sldId id="1742" r:id="rId10"/>
     <p:sldId id="1399" r:id="rId11"/>
-    <p:sldId id="1732" r:id="rId12"/>
-    <p:sldId id="1733" r:id="rId13"/>
-    <p:sldId id="1734" r:id="rId14"/>
-    <p:sldId id="1743" r:id="rId15"/>
-    <p:sldId id="1394" r:id="rId16"/>
-    <p:sldId id="1722" r:id="rId17"/>
-    <p:sldId id="1723" r:id="rId18"/>
-    <p:sldId id="1724" r:id="rId19"/>
-    <p:sldId id="1725" r:id="rId20"/>
-    <p:sldId id="1726" r:id="rId21"/>
-    <p:sldId id="1728" r:id="rId22"/>
-    <p:sldId id="1729" r:id="rId23"/>
-    <p:sldId id="1727" r:id="rId24"/>
-    <p:sldId id="1396" r:id="rId25"/>
+    <p:sldId id="1744" r:id="rId12"/>
+    <p:sldId id="1732" r:id="rId13"/>
+    <p:sldId id="1733" r:id="rId14"/>
+    <p:sldId id="1734" r:id="rId15"/>
+    <p:sldId id="1743" r:id="rId16"/>
+    <p:sldId id="1394" r:id="rId17"/>
+    <p:sldId id="1722" r:id="rId18"/>
+    <p:sldId id="1723" r:id="rId19"/>
+    <p:sldId id="1724" r:id="rId20"/>
+    <p:sldId id="1725" r:id="rId21"/>
+    <p:sldId id="1726" r:id="rId22"/>
+    <p:sldId id="1728" r:id="rId23"/>
+    <p:sldId id="1729" r:id="rId24"/>
+    <p:sldId id="1727" r:id="rId25"/>
+    <p:sldId id="1396" r:id="rId26"/>
   </p:sldIdLst>
   <p:sldSz cx="12192000" cy="6858000"/>
   <p:notesSz cx="6858000" cy="9144000"/>
@@ -157,6 +158,7 @@
         <p14:section name="系統分析" id="{BB5AE70D-D0D1-499A-BED9-DA03C5E180F1}">
           <p14:sldIdLst>
             <p14:sldId id="1399"/>
+            <p14:sldId id="1744"/>
             <p14:sldId id="1732"/>
             <p14:sldId id="1733"/>
             <p14:sldId id="1734"/>
@@ -729,6 +731,18 @@
   <p:clrMapOvr>
     <a:masterClrMapping/>
   </p:clrMapOvr>
+  <mc:AlternateContent xmlns:mc="http://schemas.openxmlformats.org/markup-compatibility/2006">
+    <mc:Choice xmlns:p14="http://schemas.microsoft.com/office/powerpoint/2010/main" Requires="p14">
+      <p:transition spd="slow">
+        <p14:reveal/>
+      </p:transition>
+    </mc:Choice>
+    <mc:Fallback>
+      <p:transition spd="slow">
+        <p:fade/>
+      </p:transition>
+    </mc:Fallback>
+  </mc:AlternateContent>
 </p:sldLayout>
 </file>
 
@@ -897,6 +911,18 @@
   <p:clrMapOvr>
     <a:masterClrMapping/>
   </p:clrMapOvr>
+  <mc:AlternateContent xmlns:mc="http://schemas.openxmlformats.org/markup-compatibility/2006">
+    <mc:Choice xmlns:p14="http://schemas.microsoft.com/office/powerpoint/2010/main" Requires="p14">
+      <p:transition spd="slow">
+        <p14:reveal/>
+      </p:transition>
+    </mc:Choice>
+    <mc:Fallback>
+      <p:transition spd="slow">
+        <p:fade/>
+      </p:transition>
+    </mc:Fallback>
+  </mc:AlternateContent>
 </p:sldLayout>
 </file>
 
@@ -1075,6 +1101,18 @@
   <p:clrMapOvr>
     <a:masterClrMapping/>
   </p:clrMapOvr>
+  <mc:AlternateContent xmlns:mc="http://schemas.openxmlformats.org/markup-compatibility/2006">
+    <mc:Choice xmlns:p14="http://schemas.microsoft.com/office/powerpoint/2010/main" Requires="p14">
+      <p:transition spd="slow">
+        <p14:reveal/>
+      </p:transition>
+    </mc:Choice>
+    <mc:Fallback>
+      <p:transition spd="slow">
+        <p:fade/>
+      </p:transition>
+    </mc:Fallback>
+  </mc:AlternateContent>
 </p:sldLayout>
 </file>
 
@@ -1272,6 +1310,18 @@
   <p:clrMapOvr>
     <a:masterClrMapping/>
   </p:clrMapOvr>
+  <mc:AlternateContent xmlns:mc="http://schemas.openxmlformats.org/markup-compatibility/2006">
+    <mc:Choice xmlns:p14="http://schemas.microsoft.com/office/powerpoint/2010/main" Requires="p14">
+      <p:transition spd="slow">
+        <p14:reveal/>
+      </p:transition>
+    </mc:Choice>
+    <mc:Fallback>
+      <p:transition spd="slow">
+        <p:fade/>
+      </p:transition>
+    </mc:Fallback>
+  </mc:AlternateContent>
 </p:sldLayout>
 </file>
 
@@ -1517,6 +1567,18 @@
   <p:clrMapOvr>
     <a:masterClrMapping/>
   </p:clrMapOvr>
+  <mc:AlternateContent xmlns:mc="http://schemas.openxmlformats.org/markup-compatibility/2006">
+    <mc:Choice xmlns:p14="http://schemas.microsoft.com/office/powerpoint/2010/main" Requires="p14">
+      <p:transition spd="slow">
+        <p14:reveal/>
+      </p:transition>
+    </mc:Choice>
+    <mc:Fallback>
+      <p:transition spd="slow">
+        <p:fade/>
+      </p:transition>
+    </mc:Fallback>
+  </mc:AlternateContent>
 </p:sldLayout>
 </file>
 
@@ -1746,6 +1808,18 @@
   <p:clrMapOvr>
     <a:masterClrMapping/>
   </p:clrMapOvr>
+  <mc:AlternateContent xmlns:mc="http://schemas.openxmlformats.org/markup-compatibility/2006">
+    <mc:Choice xmlns:p14="http://schemas.microsoft.com/office/powerpoint/2010/main" Requires="p14">
+      <p:transition spd="slow">
+        <p14:reveal/>
+      </p:transition>
+    </mc:Choice>
+    <mc:Fallback>
+      <p:transition spd="slow">
+        <p:fade/>
+      </p:transition>
+    </mc:Fallback>
+  </mc:AlternateContent>
 </p:sldLayout>
 </file>
 
@@ -2110,6 +2184,18 @@
   <p:clrMapOvr>
     <a:masterClrMapping/>
   </p:clrMapOvr>
+  <mc:AlternateContent xmlns:mc="http://schemas.openxmlformats.org/markup-compatibility/2006">
+    <mc:Choice xmlns:p14="http://schemas.microsoft.com/office/powerpoint/2010/main" Requires="p14">
+      <p:transition spd="slow">
+        <p14:reveal/>
+      </p:transition>
+    </mc:Choice>
+    <mc:Fallback>
+      <p:transition spd="slow">
+        <p:fade/>
+      </p:transition>
+    </mc:Fallback>
+  </mc:AlternateContent>
 </p:sldLayout>
 </file>
 
@@ -2227,6 +2313,18 @@
   <p:clrMapOvr>
     <a:masterClrMapping/>
   </p:clrMapOvr>
+  <mc:AlternateContent xmlns:mc="http://schemas.openxmlformats.org/markup-compatibility/2006">
+    <mc:Choice xmlns:p14="http://schemas.microsoft.com/office/powerpoint/2010/main" Requires="p14">
+      <p:transition spd="slow">
+        <p14:reveal/>
+      </p:transition>
+    </mc:Choice>
+    <mc:Fallback>
+      <p:transition spd="slow">
+        <p:fade/>
+      </p:transition>
+    </mc:Fallback>
+  </mc:AlternateContent>
 </p:sldLayout>
 </file>
 
@@ -2322,6 +2420,18 @@
   <p:clrMapOvr>
     <a:masterClrMapping/>
   </p:clrMapOvr>
+  <mc:AlternateContent xmlns:mc="http://schemas.openxmlformats.org/markup-compatibility/2006">
+    <mc:Choice xmlns:p14="http://schemas.microsoft.com/office/powerpoint/2010/main" Requires="p14">
+      <p:transition spd="slow">
+        <p14:reveal/>
+      </p:transition>
+    </mc:Choice>
+    <mc:Fallback>
+      <p:transition spd="slow">
+        <p:fade/>
+      </p:transition>
+    </mc:Fallback>
+  </mc:AlternateContent>
 </p:sldLayout>
 </file>
 
@@ -2597,6 +2707,18 @@
   <p:clrMapOvr>
     <a:masterClrMapping/>
   </p:clrMapOvr>
+  <mc:AlternateContent xmlns:mc="http://schemas.openxmlformats.org/markup-compatibility/2006">
+    <mc:Choice xmlns:p14="http://schemas.microsoft.com/office/powerpoint/2010/main" Requires="p14">
+      <p:transition spd="slow">
+        <p14:reveal/>
+      </p:transition>
+    </mc:Choice>
+    <mc:Fallback>
+      <p:transition spd="slow">
+        <p:fade/>
+      </p:transition>
+    </mc:Fallback>
+  </mc:AlternateContent>
 </p:sldLayout>
 </file>
 
@@ -2852,6 +2974,18 @@
   <p:clrMapOvr>
     <a:masterClrMapping/>
   </p:clrMapOvr>
+  <mc:AlternateContent xmlns:mc="http://schemas.openxmlformats.org/markup-compatibility/2006">
+    <mc:Choice xmlns:p14="http://schemas.microsoft.com/office/powerpoint/2010/main" Requires="p14">
+      <p:transition spd="slow">
+        <p14:reveal/>
+      </p:transition>
+    </mc:Choice>
+    <mc:Fallback>
+      <p:transition spd="slow">
+        <p:fade/>
+      </p:transition>
+    </mc:Fallback>
+  </mc:AlternateContent>
 </p:sldLayout>
 </file>
 
@@ -3186,6 +3320,18 @@
     <p:sldLayoutId id="2147483670" r:id="rId10"/>
     <p:sldLayoutId id="2147483671" r:id="rId11"/>
   </p:sldLayoutIdLst>
+  <mc:AlternateContent xmlns:mc="http://schemas.openxmlformats.org/markup-compatibility/2006">
+    <mc:Choice xmlns:p14="http://schemas.microsoft.com/office/powerpoint/2010/main" Requires="p14">
+      <p:transition spd="slow">
+        <p14:reveal/>
+      </p:transition>
+    </mc:Choice>
+    <mc:Fallback>
+      <p:transition spd="slow">
+        <p:fade/>
+      </p:transition>
+    </mc:Fallback>
+  </mc:AlternateContent>
   <p:txStyles>
     <p:titleStyle>
       <a:lvl1pPr algn="ctr" defTabSz="914400" rtl="0" eaLnBrk="1" latinLnBrk="0" hangingPunct="1">
@@ -3745,15 +3891,15 @@
   <p:clrMapOvr>
     <a:masterClrMapping/>
   </p:clrMapOvr>
-  <mc:AlternateContent xmlns:mc="http://schemas.openxmlformats.org/markup-compatibility/2006" xmlns:p14="http://schemas.microsoft.com/office/powerpoint/2010/main">
-    <mc:Choice Requires="p14">
-      <p:transition spd="slow" p14:dur="2000">
-        <p:cut/>
+  <mc:AlternateContent xmlns:mc="http://schemas.openxmlformats.org/markup-compatibility/2006">
+    <mc:Choice xmlns:p14="http://schemas.microsoft.com/office/powerpoint/2010/main" Requires="p14">
+      <p:transition spd="slow">
+        <p14:reveal/>
       </p:transition>
     </mc:Choice>
-    <mc:Fallback xmlns="">
+    <mc:Fallback>
       <p:transition spd="slow">
-        <p:cut/>
+        <p:fade/>
       </p:transition>
     </mc:Fallback>
   </mc:AlternateContent>
@@ -3865,10 +4011,10 @@
       </p:sp>
       <p:pic>
         <p:nvPicPr>
-          <p:cNvPr id="1026" name="Picture 2">
+          <p:cNvPr id="2052" name="Picture 4">
             <a:extLst>
               <a:ext uri="{FF2B5EF4-FFF2-40B4-BE49-F238E27FC236}">
-                <a16:creationId xmlns:a16="http://schemas.microsoft.com/office/drawing/2014/main" id="{433E2161-A9D5-7594-ED9E-069C104AA6E3}"/>
+                <a16:creationId xmlns:a16="http://schemas.microsoft.com/office/drawing/2014/main" id="{54A5F138-FA2E-B493-8A80-C8AF407485D8}"/>
               </a:ext>
             </a:extLst>
           </p:cNvPr>
@@ -3892,8 +4038,8 @@
         </p:blipFill>
         <p:spPr bwMode="auto">
           <a:xfrm>
-            <a:off x="0" y="1772081"/>
-            <a:ext cx="12192000" cy="3897313"/>
+            <a:off x="0" y="1853838"/>
+            <a:ext cx="12192000" cy="3733800"/>
           </a:xfrm>
           <a:prstGeom prst="rect">
             <a:avLst/>
@@ -3920,15 +4066,15 @@
   <p:clrMapOvr>
     <a:masterClrMapping/>
   </p:clrMapOvr>
-  <mc:AlternateContent xmlns:mc="http://schemas.openxmlformats.org/markup-compatibility/2006" xmlns:p14="http://schemas.microsoft.com/office/powerpoint/2010/main">
-    <mc:Choice Requires="p14">
-      <p:transition spd="slow" p14:dur="2000">
-        <p:cut/>
+  <mc:AlternateContent xmlns:mc="http://schemas.openxmlformats.org/markup-compatibility/2006">
+    <mc:Choice xmlns:p14="http://schemas.microsoft.com/office/powerpoint/2010/main" Requires="p14">
+      <p:transition spd="slow">
+        <p14:reveal/>
       </p:transition>
     </mc:Choice>
-    <mc:Fallback xmlns="">
+    <mc:Fallback>
       <p:transition spd="slow">
-        <p:cut/>
+        <p:fade/>
       </p:transition>
     </mc:Fallback>
   </mc:AlternateContent>
@@ -3975,7 +4121,7 @@
           <a:p>
             <a:r>
               <a:rPr lang="en-US" altLang="zh-TW" sz="2400" b="1" dirty="0"/>
-              <a:t>Architecture</a:t>
+              <a:t>Breakdown</a:t>
             </a:r>
             <a:endParaRPr lang="zh-TW" altLang="en-US" b="1" dirty="0"/>
           </a:p>
@@ -4040,10 +4186,10 @@
       </p:sp>
       <p:pic>
         <p:nvPicPr>
-          <p:cNvPr id="1028" name="Picture 4">
+          <p:cNvPr id="5" name="Picture 4">
             <a:extLst>
               <a:ext uri="{FF2B5EF4-FFF2-40B4-BE49-F238E27FC236}">
-                <a16:creationId xmlns:a16="http://schemas.microsoft.com/office/drawing/2014/main" id="{7FA61C56-49E1-FC08-B1FE-8A1529BD478F}"/>
+                <a16:creationId xmlns:a16="http://schemas.microsoft.com/office/drawing/2014/main" id="{96EC01C0-CD90-F3D8-BB60-A0A6983DDDF9}"/>
               </a:ext>
             </a:extLst>
           </p:cNvPr>
@@ -4052,7 +4198,7 @@
           </p:cNvPicPr>
           <p:nvPr/>
         </p:nvPicPr>
-        <p:blipFill>
+        <p:blipFill rotWithShape="1">
           <a:blip r:embed="rId2">
             <a:extLst>
               <a:ext uri="{28A0092B-C50C-407E-A947-70E740481C1C}">
@@ -4060,15 +4206,13 @@
               </a:ext>
             </a:extLst>
           </a:blip>
-          <a:srcRect/>
-          <a:stretch>
-            <a:fillRect/>
-          </a:stretch>
+          <a:srcRect t="28131" r="51400" b="-1"/>
+          <a:stretch/>
         </p:blipFill>
         <p:spPr bwMode="auto">
           <a:xfrm>
-            <a:off x="2245519" y="1264805"/>
-            <a:ext cx="7700962" cy="5091545"/>
+            <a:off x="1450848" y="1572260"/>
+            <a:ext cx="9290304" cy="4207402"/>
           </a:xfrm>
           <a:prstGeom prst="rect">
             <a:avLst/>
@@ -4085,19 +4229,480 @@
           </a:extLst>
         </p:spPr>
       </p:pic>
+      <p:pic>
+        <p:nvPicPr>
+          <p:cNvPr id="6" name="Picture 4">
+            <a:extLst>
+              <a:ext uri="{FF2B5EF4-FFF2-40B4-BE49-F238E27FC236}">
+                <a16:creationId xmlns:a16="http://schemas.microsoft.com/office/drawing/2014/main" id="{0160014C-6735-54CA-478C-8467FD3B7721}"/>
+              </a:ext>
+            </a:extLst>
+          </p:cNvPr>
+          <p:cNvPicPr>
+            <a:picLocks noChangeAspect="1" noChangeArrowheads="1"/>
+          </p:cNvPicPr>
+          <p:nvPr/>
+        </p:nvPicPr>
+        <p:blipFill rotWithShape="1">
+          <a:blip r:embed="rId3">
+            <a:extLst>
+              <a:ext uri="{28A0092B-C50C-407E-A947-70E740481C1C}">
+                <a14:useLocalDpi xmlns:a14="http://schemas.microsoft.com/office/drawing/2010/main" val="0"/>
+              </a:ext>
+            </a:extLst>
+          </a:blip>
+          <a:srcRect l="48750" t="28055" r="30625"/>
+          <a:stretch/>
+        </p:blipFill>
+        <p:spPr bwMode="auto">
+          <a:xfrm>
+            <a:off x="4165489" y="1549110"/>
+            <a:ext cx="4121020" cy="4402300"/>
+          </a:xfrm>
+          <a:prstGeom prst="rect">
+            <a:avLst/>
+          </a:prstGeom>
+          <a:noFill/>
+          <a:extLst>
+            <a:ext uri="{909E8E84-426E-40DD-AFC4-6F175D3DCCD1}">
+              <a14:hiddenFill xmlns:a14="http://schemas.microsoft.com/office/drawing/2010/main">
+                <a:solidFill>
+                  <a:srgbClr val="FFFFFF"/>
+                </a:solidFill>
+              </a14:hiddenFill>
+            </a:ext>
+          </a:extLst>
+        </p:spPr>
+      </p:pic>
+      <p:pic>
+        <p:nvPicPr>
+          <p:cNvPr id="7" name="Picture 4">
+            <a:extLst>
+              <a:ext uri="{FF2B5EF4-FFF2-40B4-BE49-F238E27FC236}">
+                <a16:creationId xmlns:a16="http://schemas.microsoft.com/office/drawing/2014/main" id="{72247417-D232-B68C-C454-28662E0A26DA}"/>
+              </a:ext>
+            </a:extLst>
+          </p:cNvPr>
+          <p:cNvPicPr>
+            <a:picLocks noChangeAspect="1" noChangeArrowheads="1"/>
+          </p:cNvPicPr>
+          <p:nvPr/>
+        </p:nvPicPr>
+        <p:blipFill rotWithShape="1">
+          <a:blip r:embed="rId3">
+            <a:extLst>
+              <a:ext uri="{28A0092B-C50C-407E-A947-70E740481C1C}">
+                <a14:useLocalDpi xmlns:a14="http://schemas.microsoft.com/office/drawing/2010/main" val="0"/>
+              </a:ext>
+            </a:extLst>
+          </a:blip>
+          <a:srcRect l="70625" t="28053" b="1"/>
+          <a:stretch/>
+        </p:blipFill>
+        <p:spPr bwMode="auto">
+          <a:xfrm>
+            <a:off x="3638633" y="1562929"/>
+            <a:ext cx="5869137" cy="4402300"/>
+          </a:xfrm>
+          <a:prstGeom prst="rect">
+            <a:avLst/>
+          </a:prstGeom>
+          <a:noFill/>
+          <a:extLst>
+            <a:ext uri="{909E8E84-426E-40DD-AFC4-6F175D3DCCD1}">
+              <a14:hiddenFill xmlns:a14="http://schemas.microsoft.com/office/drawing/2010/main">
+                <a:solidFill>
+                  <a:srgbClr val="FFFFFF"/>
+                </a:solidFill>
+              </a14:hiddenFill>
+            </a:ext>
+          </a:extLst>
+        </p:spPr>
+      </p:pic>
     </p:spTree>
     <p:extLst>
       <p:ext uri="{BB962C8B-B14F-4D97-AF65-F5344CB8AC3E}">
-        <p14:creationId xmlns:p14="http://schemas.microsoft.com/office/powerpoint/2010/main" val="1356364635"/>
+        <p14:creationId xmlns:p14="http://schemas.microsoft.com/office/powerpoint/2010/main" val="307300515"/>
       </p:ext>
     </p:extLst>
   </p:cSld>
   <p:clrMapOvr>
     <a:masterClrMapping/>
   </p:clrMapOvr>
-  <p:transition spd="slow">
-    <p:wipe/>
-  </p:transition>
+  <mc:AlternateContent xmlns:mc="http://schemas.openxmlformats.org/markup-compatibility/2006">
+    <mc:Choice xmlns:p14="http://schemas.microsoft.com/office/powerpoint/2010/main" Requires="p14">
+      <p:transition spd="slow">
+        <p14:reveal/>
+      </p:transition>
+    </mc:Choice>
+    <mc:Fallback>
+      <p:transition spd="slow">
+        <p:fade/>
+      </p:transition>
+    </mc:Fallback>
+  </mc:AlternateContent>
+  <p:timing>
+    <p:tnLst>
+      <p:par>
+        <p:cTn id="1" dur="indefinite" restart="never" nodeType="tmRoot">
+          <p:childTnLst>
+            <p:seq concurrent="1" nextAc="seek">
+              <p:cTn id="2" dur="indefinite" nodeType="mainSeq">
+                <p:childTnLst>
+                  <p:par>
+                    <p:cTn id="3" fill="hold">
+                      <p:stCondLst>
+                        <p:cond delay="indefinite"/>
+                        <p:cond evt="onBegin" delay="0">
+                          <p:tn val="2"/>
+                        </p:cond>
+                      </p:stCondLst>
+                      <p:childTnLst>
+                        <p:par>
+                          <p:cTn id="4" fill="hold">
+                            <p:stCondLst>
+                              <p:cond delay="0"/>
+                            </p:stCondLst>
+                            <p:childTnLst>
+                              <p:par>
+                                <p:cTn id="5" presetID="42" presetClass="entr" presetSubtype="0" fill="hold" nodeType="withEffect">
+                                  <p:stCondLst>
+                                    <p:cond delay="0"/>
+                                  </p:stCondLst>
+                                  <p:childTnLst>
+                                    <p:set>
+                                      <p:cBhvr>
+                                        <p:cTn id="6" dur="1" fill="hold">
+                                          <p:stCondLst>
+                                            <p:cond delay="0"/>
+                                          </p:stCondLst>
+                                        </p:cTn>
+                                        <p:tgtEl>
+                                          <p:spTgt spid="5"/>
+                                        </p:tgtEl>
+                                        <p:attrNameLst>
+                                          <p:attrName>style.visibility</p:attrName>
+                                        </p:attrNameLst>
+                                      </p:cBhvr>
+                                      <p:to>
+                                        <p:strVal val="visible"/>
+                                      </p:to>
+                                    </p:set>
+                                    <p:animEffect transition="in" filter="fade">
+                                      <p:cBhvr>
+                                        <p:cTn id="7" dur="1000"/>
+                                        <p:tgtEl>
+                                          <p:spTgt spid="5"/>
+                                        </p:tgtEl>
+                                      </p:cBhvr>
+                                    </p:animEffect>
+                                    <p:anim calcmode="lin" valueType="num">
+                                      <p:cBhvr>
+                                        <p:cTn id="8" dur="1000" fill="hold"/>
+                                        <p:tgtEl>
+                                          <p:spTgt spid="5"/>
+                                        </p:tgtEl>
+                                        <p:attrNameLst>
+                                          <p:attrName>ppt_x</p:attrName>
+                                        </p:attrNameLst>
+                                      </p:cBhvr>
+                                      <p:tavLst>
+                                        <p:tav tm="0">
+                                          <p:val>
+                                            <p:strVal val="#ppt_x"/>
+                                          </p:val>
+                                        </p:tav>
+                                        <p:tav tm="100000">
+                                          <p:val>
+                                            <p:strVal val="#ppt_x"/>
+                                          </p:val>
+                                        </p:tav>
+                                      </p:tavLst>
+                                    </p:anim>
+                                    <p:anim calcmode="lin" valueType="num">
+                                      <p:cBhvr>
+                                        <p:cTn id="9" dur="1000" fill="hold"/>
+                                        <p:tgtEl>
+                                          <p:spTgt spid="5"/>
+                                        </p:tgtEl>
+                                        <p:attrNameLst>
+                                          <p:attrName>ppt_y</p:attrName>
+                                        </p:attrNameLst>
+                                      </p:cBhvr>
+                                      <p:tavLst>
+                                        <p:tav tm="0">
+                                          <p:val>
+                                            <p:strVal val="#ppt_y+.1"/>
+                                          </p:val>
+                                        </p:tav>
+                                        <p:tav tm="100000">
+                                          <p:val>
+                                            <p:strVal val="#ppt_y"/>
+                                          </p:val>
+                                        </p:tav>
+                                      </p:tavLst>
+                                    </p:anim>
+                                  </p:childTnLst>
+                                  <p:subTnLst>
+                                    <p:set>
+                                      <p:cBhvr override="childStyle">
+                                        <p:cTn dur="1" fill="hold" display="0" masterRel="nextClick" afterEffect="1"/>
+                                        <p:tgtEl>
+                                          <p:spTgt spid="5"/>
+                                        </p:tgtEl>
+                                        <p:attrNameLst>
+                                          <p:attrName>style.visibility</p:attrName>
+                                        </p:attrNameLst>
+                                      </p:cBhvr>
+                                      <p:to>
+                                        <p:strVal val="hidden"/>
+                                      </p:to>
+                                    </p:set>
+                                  </p:subTnLst>
+                                </p:cTn>
+                              </p:par>
+                            </p:childTnLst>
+                          </p:cTn>
+                        </p:par>
+                      </p:childTnLst>
+                    </p:cTn>
+                  </p:par>
+                  <p:par>
+                    <p:cTn id="10" fill="hold">
+                      <p:stCondLst>
+                        <p:cond delay="indefinite"/>
+                      </p:stCondLst>
+                      <p:childTnLst>
+                        <p:par>
+                          <p:cTn id="11" fill="hold">
+                            <p:stCondLst>
+                              <p:cond delay="0"/>
+                            </p:stCondLst>
+                            <p:childTnLst>
+                              <p:par>
+                                <p:cTn id="12" presetID="42" presetClass="entr" presetSubtype="0" fill="hold" nodeType="clickEffect">
+                                  <p:stCondLst>
+                                    <p:cond delay="0"/>
+                                  </p:stCondLst>
+                                  <p:childTnLst>
+                                    <p:set>
+                                      <p:cBhvr>
+                                        <p:cTn id="13" dur="1" fill="hold">
+                                          <p:stCondLst>
+                                            <p:cond delay="0"/>
+                                          </p:stCondLst>
+                                        </p:cTn>
+                                        <p:tgtEl>
+                                          <p:spTgt spid="6"/>
+                                        </p:tgtEl>
+                                        <p:attrNameLst>
+                                          <p:attrName>style.visibility</p:attrName>
+                                        </p:attrNameLst>
+                                      </p:cBhvr>
+                                      <p:to>
+                                        <p:strVal val="visible"/>
+                                      </p:to>
+                                    </p:set>
+                                    <p:animEffect transition="in" filter="fade">
+                                      <p:cBhvr>
+                                        <p:cTn id="14" dur="1000"/>
+                                        <p:tgtEl>
+                                          <p:spTgt spid="6"/>
+                                        </p:tgtEl>
+                                      </p:cBhvr>
+                                    </p:animEffect>
+                                    <p:anim calcmode="lin" valueType="num">
+                                      <p:cBhvr>
+                                        <p:cTn id="15" dur="1000" fill="hold"/>
+                                        <p:tgtEl>
+                                          <p:spTgt spid="6"/>
+                                        </p:tgtEl>
+                                        <p:attrNameLst>
+                                          <p:attrName>ppt_x</p:attrName>
+                                        </p:attrNameLst>
+                                      </p:cBhvr>
+                                      <p:tavLst>
+                                        <p:tav tm="0">
+                                          <p:val>
+                                            <p:strVal val="#ppt_x"/>
+                                          </p:val>
+                                        </p:tav>
+                                        <p:tav tm="100000">
+                                          <p:val>
+                                            <p:strVal val="#ppt_x"/>
+                                          </p:val>
+                                        </p:tav>
+                                      </p:tavLst>
+                                    </p:anim>
+                                    <p:anim calcmode="lin" valueType="num">
+                                      <p:cBhvr>
+                                        <p:cTn id="16" dur="1000" fill="hold"/>
+                                        <p:tgtEl>
+                                          <p:spTgt spid="6"/>
+                                        </p:tgtEl>
+                                        <p:attrNameLst>
+                                          <p:attrName>ppt_y</p:attrName>
+                                        </p:attrNameLst>
+                                      </p:cBhvr>
+                                      <p:tavLst>
+                                        <p:tav tm="0">
+                                          <p:val>
+                                            <p:strVal val="#ppt_y+.1"/>
+                                          </p:val>
+                                        </p:tav>
+                                        <p:tav tm="100000">
+                                          <p:val>
+                                            <p:strVal val="#ppt_y"/>
+                                          </p:val>
+                                        </p:tav>
+                                      </p:tavLst>
+                                    </p:anim>
+                                  </p:childTnLst>
+                                  <p:subTnLst>
+                                    <p:set>
+                                      <p:cBhvr override="childStyle">
+                                        <p:cTn dur="1" fill="hold" display="0" masterRel="nextClick" afterEffect="1"/>
+                                        <p:tgtEl>
+                                          <p:spTgt spid="6"/>
+                                        </p:tgtEl>
+                                        <p:attrNameLst>
+                                          <p:attrName>style.visibility</p:attrName>
+                                        </p:attrNameLst>
+                                      </p:cBhvr>
+                                      <p:to>
+                                        <p:strVal val="hidden"/>
+                                      </p:to>
+                                    </p:set>
+                                  </p:subTnLst>
+                                </p:cTn>
+                              </p:par>
+                            </p:childTnLst>
+                          </p:cTn>
+                        </p:par>
+                      </p:childTnLst>
+                    </p:cTn>
+                  </p:par>
+                  <p:par>
+                    <p:cTn id="17" fill="hold">
+                      <p:stCondLst>
+                        <p:cond delay="indefinite"/>
+                      </p:stCondLst>
+                      <p:childTnLst>
+                        <p:par>
+                          <p:cTn id="18" fill="hold">
+                            <p:stCondLst>
+                              <p:cond delay="0"/>
+                            </p:stCondLst>
+                            <p:childTnLst>
+                              <p:par>
+                                <p:cTn id="19" presetID="42" presetClass="entr" presetSubtype="0" fill="hold" nodeType="clickEffect">
+                                  <p:stCondLst>
+                                    <p:cond delay="0"/>
+                                  </p:stCondLst>
+                                  <p:childTnLst>
+                                    <p:set>
+                                      <p:cBhvr>
+                                        <p:cTn id="20" dur="1" fill="hold">
+                                          <p:stCondLst>
+                                            <p:cond delay="0"/>
+                                          </p:stCondLst>
+                                        </p:cTn>
+                                        <p:tgtEl>
+                                          <p:spTgt spid="7"/>
+                                        </p:tgtEl>
+                                        <p:attrNameLst>
+                                          <p:attrName>style.visibility</p:attrName>
+                                        </p:attrNameLst>
+                                      </p:cBhvr>
+                                      <p:to>
+                                        <p:strVal val="visible"/>
+                                      </p:to>
+                                    </p:set>
+                                    <p:animEffect transition="in" filter="fade">
+                                      <p:cBhvr>
+                                        <p:cTn id="21" dur="500"/>
+                                        <p:tgtEl>
+                                          <p:spTgt spid="7"/>
+                                        </p:tgtEl>
+                                      </p:cBhvr>
+                                    </p:animEffect>
+                                    <p:anim calcmode="lin" valueType="num">
+                                      <p:cBhvr>
+                                        <p:cTn id="22" dur="500" fill="hold"/>
+                                        <p:tgtEl>
+                                          <p:spTgt spid="7"/>
+                                        </p:tgtEl>
+                                        <p:attrNameLst>
+                                          <p:attrName>ppt_x</p:attrName>
+                                        </p:attrNameLst>
+                                      </p:cBhvr>
+                                      <p:tavLst>
+                                        <p:tav tm="0">
+                                          <p:val>
+                                            <p:strVal val="#ppt_x"/>
+                                          </p:val>
+                                        </p:tav>
+                                        <p:tav tm="100000">
+                                          <p:val>
+                                            <p:strVal val="#ppt_x"/>
+                                          </p:val>
+                                        </p:tav>
+                                      </p:tavLst>
+                                    </p:anim>
+                                    <p:anim calcmode="lin" valueType="num">
+                                      <p:cBhvr>
+                                        <p:cTn id="23" dur="500" fill="hold"/>
+                                        <p:tgtEl>
+                                          <p:spTgt spid="7"/>
+                                        </p:tgtEl>
+                                        <p:attrNameLst>
+                                          <p:attrName>ppt_y</p:attrName>
+                                        </p:attrNameLst>
+                                      </p:cBhvr>
+                                      <p:tavLst>
+                                        <p:tav tm="0">
+                                          <p:val>
+                                            <p:strVal val="#ppt_y+.1"/>
+                                          </p:val>
+                                        </p:tav>
+                                        <p:tav tm="100000">
+                                          <p:val>
+                                            <p:strVal val="#ppt_y"/>
+                                          </p:val>
+                                        </p:tav>
+                                      </p:tavLst>
+                                    </p:anim>
+                                  </p:childTnLst>
+                                </p:cTn>
+                              </p:par>
+                            </p:childTnLst>
+                          </p:cTn>
+                        </p:par>
+                      </p:childTnLst>
+                    </p:cTn>
+                  </p:par>
+                </p:childTnLst>
+              </p:cTn>
+              <p:prevCondLst>
+                <p:cond evt="onPrev" delay="0">
+                  <p:tgtEl>
+                    <p:sldTgt/>
+                  </p:tgtEl>
+                </p:cond>
+              </p:prevCondLst>
+              <p:nextCondLst>
+                <p:cond evt="onNext" delay="0">
+                  <p:tgtEl>
+                    <p:sldTgt/>
+                  </p:tgtEl>
+                </p:cond>
+              </p:nextCondLst>
+            </p:seq>
+          </p:childTnLst>
+        </p:cTn>
+      </p:par>
+    </p:tnLst>
+  </p:timing>
 </p:sld>
 </file>
 
@@ -4206,10 +4811,10 @@
       </p:sp>
       <p:pic>
         <p:nvPicPr>
-          <p:cNvPr id="11" name="Picture 4">
+          <p:cNvPr id="6" name="Picture 4">
             <a:extLst>
               <a:ext uri="{FF2B5EF4-FFF2-40B4-BE49-F238E27FC236}">
-                <a16:creationId xmlns:a16="http://schemas.microsoft.com/office/drawing/2014/main" id="{B7E083FE-E261-94C3-FCC0-015FC3C107C1}"/>
+                <a16:creationId xmlns:a16="http://schemas.microsoft.com/office/drawing/2014/main" id="{970E9955-CD12-7A1F-069B-C454BA031C2E}"/>
               </a:ext>
             </a:extLst>
           </p:cNvPr>
@@ -4233,8 +4838,8 @@
         </p:blipFill>
         <p:spPr bwMode="auto">
           <a:xfrm>
-            <a:off x="2240181" y="1264805"/>
-            <a:ext cx="7706300" cy="5090400"/>
+            <a:off x="1906392" y="1265950"/>
+            <a:ext cx="8540560" cy="5090400"/>
           </a:xfrm>
           <a:prstGeom prst="rect">
             <a:avLst/>
@@ -4254,22 +4859,22 @@
     </p:spTree>
     <p:extLst>
       <p:ext uri="{BB962C8B-B14F-4D97-AF65-F5344CB8AC3E}">
-        <p14:creationId xmlns:p14="http://schemas.microsoft.com/office/powerpoint/2010/main" val="2185271000"/>
+        <p14:creationId xmlns:p14="http://schemas.microsoft.com/office/powerpoint/2010/main" val="1356364635"/>
       </p:ext>
     </p:extLst>
   </p:cSld>
   <p:clrMapOvr>
     <a:masterClrMapping/>
   </p:clrMapOvr>
-  <mc:AlternateContent xmlns:mc="http://schemas.openxmlformats.org/markup-compatibility/2006" xmlns:p14="http://schemas.microsoft.com/office/powerpoint/2010/main">
-    <mc:Choice Requires="p14">
-      <p:transition spd="slow" p14:dur="2000">
-        <p:cut/>
+  <mc:AlternateContent xmlns:mc="http://schemas.openxmlformats.org/markup-compatibility/2006">
+    <mc:Choice xmlns:p14="http://schemas.microsoft.com/office/powerpoint/2010/main" Requires="p14">
+      <p:transition spd="slow">
+        <p14:reveal/>
       </p:transition>
     </mc:Choice>
-    <mc:Fallback xmlns="">
+    <mc:Fallback>
       <p:transition spd="slow">
-        <p:cut/>
+        <p:fade/>
       </p:transition>
     </mc:Fallback>
   </mc:AlternateContent>
@@ -4315,7 +4920,7 @@
           <a:lstStyle/>
           <a:p>
             <a:r>
-              <a:rPr lang="en-US" altLang="zh-TW" sz="2400" b="1"/>
+              <a:rPr lang="en-US" altLang="zh-TW" sz="2400" b="1" dirty="0"/>
               <a:t>Architecture</a:t>
             </a:r>
             <a:endParaRPr lang="zh-TW" altLang="en-US" b="1" dirty="0"/>
@@ -4381,10 +4986,10 @@
       </p:sp>
       <p:pic>
         <p:nvPicPr>
-          <p:cNvPr id="6" name="Picture 2">
+          <p:cNvPr id="5" name="Picture 2">
             <a:extLst>
               <a:ext uri="{FF2B5EF4-FFF2-40B4-BE49-F238E27FC236}">
-                <a16:creationId xmlns:a16="http://schemas.microsoft.com/office/drawing/2014/main" id="{FF00FE94-F966-582C-C9DF-2C30ECFE0C80}"/>
+                <a16:creationId xmlns:a16="http://schemas.microsoft.com/office/drawing/2014/main" id="{8DBE947F-0609-C41B-761A-129A7A1DE3C3}"/>
               </a:ext>
             </a:extLst>
           </p:cNvPr>
@@ -4408,8 +5013,8 @@
         </p:blipFill>
         <p:spPr bwMode="auto">
           <a:xfrm>
-            <a:off x="2253780" y="1276728"/>
-            <a:ext cx="7688625" cy="5090400"/>
+            <a:off x="1906392" y="1265950"/>
+            <a:ext cx="8528777" cy="5090400"/>
           </a:xfrm>
           <a:prstGeom prst="rect">
             <a:avLst/>
@@ -4429,20 +5034,20 @@
     </p:spTree>
     <p:extLst>
       <p:ext uri="{BB962C8B-B14F-4D97-AF65-F5344CB8AC3E}">
-        <p14:creationId xmlns:p14="http://schemas.microsoft.com/office/powerpoint/2010/main" val="3302786181"/>
+        <p14:creationId xmlns:p14="http://schemas.microsoft.com/office/powerpoint/2010/main" val="2185271000"/>
       </p:ext>
     </p:extLst>
   </p:cSld>
   <p:clrMapOvr>
     <a:masterClrMapping/>
   </p:clrMapOvr>
-  <mc:AlternateContent xmlns:mc="http://schemas.openxmlformats.org/markup-compatibility/2006" xmlns:p14="http://schemas.microsoft.com/office/powerpoint/2010/main">
-    <mc:Choice Requires="p14">
+  <mc:AlternateContent xmlns:mc="http://schemas.openxmlformats.org/markup-compatibility/2006">
+    <mc:Choice xmlns:p14="http://schemas.microsoft.com/office/powerpoint/2010/main" Requires="p14">
       <p:transition spd="slow" p14:dur="2000">
         <p:cut/>
       </p:transition>
     </mc:Choice>
-    <mc:Fallback xmlns="">
+    <mc:Fallback>
       <p:transition spd="slow">
         <p:cut/>
       </p:transition>
@@ -4491,7 +5096,7 @@
           <a:p>
             <a:r>
               <a:rPr lang="en-US" altLang="zh-TW" sz="2400" b="1"/>
-              <a:t>Workflow</a:t>
+              <a:t>Architecture</a:t>
             </a:r>
             <a:endParaRPr lang="zh-TW" altLang="en-US" b="1" dirty="0"/>
           </a:p>
@@ -4556,10 +5161,10 @@
       </p:sp>
       <p:pic>
         <p:nvPicPr>
-          <p:cNvPr id="4098" name="Picture 2">
+          <p:cNvPr id="7" name="Picture 4">
             <a:extLst>
               <a:ext uri="{FF2B5EF4-FFF2-40B4-BE49-F238E27FC236}">
-                <a16:creationId xmlns:a16="http://schemas.microsoft.com/office/drawing/2014/main" id="{3A5845D5-7BDD-9B3B-CF90-7DC8EC3BDE2A}"/>
+                <a16:creationId xmlns:a16="http://schemas.microsoft.com/office/drawing/2014/main" id="{B2A3C3F2-26EA-F6E6-DE77-3740448E454A}"/>
               </a:ext>
             </a:extLst>
           </p:cNvPr>
@@ -4583,8 +5188,8 @@
         </p:blipFill>
         <p:spPr bwMode="auto">
           <a:xfrm>
-            <a:off x="1343025" y="1457325"/>
-            <a:ext cx="9505950" cy="3943350"/>
+            <a:off x="1907022" y="1263791"/>
+            <a:ext cx="8535847" cy="5090400"/>
           </a:xfrm>
           <a:prstGeom prst="rect">
             <a:avLst/>
@@ -4604,20 +5209,20 @@
     </p:spTree>
     <p:extLst>
       <p:ext uri="{BB962C8B-B14F-4D97-AF65-F5344CB8AC3E}">
-        <p14:creationId xmlns:p14="http://schemas.microsoft.com/office/powerpoint/2010/main" val="3477470971"/>
+        <p14:creationId xmlns:p14="http://schemas.microsoft.com/office/powerpoint/2010/main" val="3302786181"/>
       </p:ext>
     </p:extLst>
   </p:cSld>
   <p:clrMapOvr>
     <a:masterClrMapping/>
   </p:clrMapOvr>
-  <mc:AlternateContent xmlns:mc="http://schemas.openxmlformats.org/markup-compatibility/2006" xmlns:p14="http://schemas.microsoft.com/office/powerpoint/2010/main">
-    <mc:Choice Requires="p14">
+  <mc:AlternateContent xmlns:mc="http://schemas.openxmlformats.org/markup-compatibility/2006">
+    <mc:Choice xmlns:p14="http://schemas.microsoft.com/office/powerpoint/2010/main" Requires="p14">
       <p:transition spd="slow" p14:dur="2000">
         <p:cut/>
       </p:transition>
     </mc:Choice>
-    <mc:Fallback xmlns="">
+    <mc:Fallback>
       <p:transition spd="slow">
         <p:cut/>
       </p:transition>
@@ -4661,91 +5266,14 @@
         </p:nvSpPr>
         <p:spPr/>
         <p:txBody>
-          <a:bodyPr>
-            <a:normAutofit/>
-          </a:bodyPr>
+          <a:bodyPr/>
           <a:lstStyle/>
           <a:p>
-            <a:pPr marL="372600" indent="-457200"/>
-            <a:r>
-              <a:rPr lang="zh-TW" altLang="en-US" sz="2400" b="1" dirty="0"/>
-              <a:t>開發</a:t>
-            </a:r>
-            <a:r>
-              <a:rPr lang="en-US" altLang="zh-TW" sz="2400" b="1" dirty="0"/>
-              <a:t>CCL</a:t>
-            </a:r>
-            <a:r>
-              <a:rPr lang="zh-TW" altLang="en-US" sz="2400" b="1" dirty="0"/>
-              <a:t> </a:t>
-            </a:r>
-            <a:r>
-              <a:rPr lang="en-US" altLang="zh-TW" sz="2400" b="1" dirty="0"/>
-              <a:t>:</a:t>
-            </a:r>
-            <a:r>
-              <a:rPr lang="zh-TW" altLang="en-US" sz="2400" b="1" dirty="0"/>
-              <a:t> </a:t>
-            </a:r>
-            <a:endParaRPr lang="en-US" altLang="zh-TW" sz="2400" b="1" dirty="0"/>
-          </a:p>
-          <a:p>
-            <a:pPr marL="914400" lvl="1" indent="-457200">
-              <a:buFont typeface="+mj-lt"/>
-              <a:buAutoNum type="arabicPeriod"/>
-            </a:pPr>
-            <a:r>
-              <a:rPr lang="en-US" altLang="zh-TW" sz="1800" dirty="0"/>
-              <a:t>contours label </a:t>
-            </a:r>
-          </a:p>
-          <a:p>
-            <a:pPr marL="914400" lvl="1" indent="-457200">
-              <a:buFont typeface="+mj-lt"/>
-              <a:buAutoNum type="arabicPeriod"/>
-            </a:pPr>
-            <a:r>
-              <a:rPr lang="en-US" altLang="zh-TW" sz="1800" dirty="0"/>
-              <a:t>contours stats(Top</a:t>
-            </a:r>
-            <a:r>
-              <a:rPr lang="zh-TW" altLang="en-US" sz="1800" dirty="0"/>
-              <a:t>、</a:t>
-            </a:r>
-            <a:r>
-              <a:rPr lang="en-US" altLang="zh-TW" sz="1800" dirty="0"/>
-              <a:t>Bottom</a:t>
-            </a:r>
-            <a:r>
-              <a:rPr lang="zh-TW" altLang="en-US" sz="1800" dirty="0"/>
-              <a:t>、</a:t>
-            </a:r>
-            <a:r>
-              <a:rPr lang="en-US" altLang="zh-TW" sz="1800" dirty="0"/>
-              <a:t>Left</a:t>
-            </a:r>
-            <a:r>
-              <a:rPr lang="zh-TW" altLang="en-US" sz="1800" dirty="0"/>
-              <a:t>、</a:t>
-            </a:r>
-            <a:r>
-              <a:rPr lang="en-US" altLang="zh-TW" sz="1800" dirty="0"/>
-              <a:t>Right</a:t>
-            </a:r>
-            <a:r>
-              <a:rPr lang="zh-TW" altLang="en-US" sz="1800" dirty="0"/>
-              <a:t>、</a:t>
-            </a:r>
-            <a:r>
-              <a:rPr lang="en-US" altLang="zh-TW" sz="1800" dirty="0"/>
-              <a:t>Area)</a:t>
-            </a:r>
-          </a:p>
-          <a:p>
-            <a:pPr marL="0" indent="0">
-              <a:buNone/>
-            </a:pPr>
-            <a:endParaRPr lang="zh-TW" altLang="en-US" sz="2400" dirty="0"/>
+            <a:r>
+              <a:rPr lang="en-US" altLang="zh-TW" sz="2400" b="1"/>
+              <a:t>Workflow</a:t>
+            </a:r>
+            <a:endParaRPr lang="zh-TW" altLang="en-US" b="1" dirty="0"/>
           </a:p>
         </p:txBody>
       </p:sp>
@@ -4772,7 +5300,7 @@
           <a:p>
             <a:r>
               <a:rPr lang="zh-TW" altLang="en-US" dirty="0"/>
-              <a:t>當週進度</a:t>
+              <a:t>專案架構</a:t>
             </a:r>
           </a:p>
         </p:txBody>
@@ -4806,25 +5334,72 @@
           </a:p>
         </p:txBody>
       </p:sp>
+      <p:pic>
+        <p:nvPicPr>
+          <p:cNvPr id="4098" name="Picture 2">
+            <a:extLst>
+              <a:ext uri="{FF2B5EF4-FFF2-40B4-BE49-F238E27FC236}">
+                <a16:creationId xmlns:a16="http://schemas.microsoft.com/office/drawing/2014/main" id="{3A5845D5-7BDD-9B3B-CF90-7DC8EC3BDE2A}"/>
+              </a:ext>
+            </a:extLst>
+          </p:cNvPr>
+          <p:cNvPicPr>
+            <a:picLocks noChangeAspect="1" noChangeArrowheads="1"/>
+          </p:cNvPicPr>
+          <p:nvPr/>
+        </p:nvPicPr>
+        <p:blipFill>
+          <a:blip r:embed="rId2">
+            <a:extLst>
+              <a:ext uri="{28A0092B-C50C-407E-A947-70E740481C1C}">
+                <a14:useLocalDpi xmlns:a14="http://schemas.microsoft.com/office/drawing/2010/main" val="0"/>
+              </a:ext>
+            </a:extLst>
+          </a:blip>
+          <a:srcRect/>
+          <a:stretch>
+            <a:fillRect/>
+          </a:stretch>
+        </p:blipFill>
+        <p:spPr bwMode="auto">
+          <a:xfrm>
+            <a:off x="1343025" y="1457325"/>
+            <a:ext cx="9505950" cy="3943350"/>
+          </a:xfrm>
+          <a:prstGeom prst="rect">
+            <a:avLst/>
+          </a:prstGeom>
+          <a:noFill/>
+          <a:extLst>
+            <a:ext uri="{909E8E84-426E-40DD-AFC4-6F175D3DCCD1}">
+              <a14:hiddenFill xmlns:a14="http://schemas.microsoft.com/office/drawing/2010/main">
+                <a:solidFill>
+                  <a:srgbClr val="FFFFFF"/>
+                </a:solidFill>
+              </a14:hiddenFill>
+            </a:ext>
+          </a:extLst>
+        </p:spPr>
+      </p:pic>
     </p:spTree>
     <p:extLst>
       <p:ext uri="{BB962C8B-B14F-4D97-AF65-F5344CB8AC3E}">
-        <p14:creationId xmlns:p14="http://schemas.microsoft.com/office/powerpoint/2010/main" val="1138845298"/>
+        <p14:creationId xmlns:p14="http://schemas.microsoft.com/office/powerpoint/2010/main" val="3477470971"/>
       </p:ext>
     </p:extLst>
   </p:cSld>
   <p:clrMapOvr>
     <a:masterClrMapping/>
   </p:clrMapOvr>
-  <mc:AlternateContent xmlns:mc="http://schemas.openxmlformats.org/markup-compatibility/2006" xmlns:p14="http://schemas.microsoft.com/office/powerpoint/2010/main">
-    <mc:Choice Requires="p14">
-      <p:transition spd="slow" p14:dur="2000">
-        <p:cut/>
+  <mc:AlternateContent xmlns:mc="http://schemas.openxmlformats.org/markup-compatibility/2006">
+    <mc:Choice xmlns:p14="http://schemas.microsoft.com/office/powerpoint/2010/main" Requires="p14">
+      <p:transition spd="slow">
+        <p14:reveal/>
       </p:transition>
     </mc:Choice>
-    <mc:Fallback xmlns="">
+    <mc:Fallback>
       <p:transition spd="slow">
-        <p:cut/>
+        <p:fade/>
       </p:transition>
     </mc:Fallback>
   </mc:AlternateContent>
@@ -4871,71 +5446,86 @@
           </a:bodyPr>
           <a:lstStyle/>
           <a:p>
-            <a:pPr marL="372600" indent="-457200">
+            <a:pPr marL="372600" indent="-457200"/>
+            <a:r>
+              <a:rPr lang="zh-TW" altLang="en-US" sz="2400" b="1" dirty="0"/>
+              <a:t>開發</a:t>
+            </a:r>
+            <a:r>
+              <a:rPr lang="en-US" altLang="zh-TW" sz="2400" b="1" dirty="0"/>
+              <a:t>CCL</a:t>
+            </a:r>
+            <a:r>
+              <a:rPr lang="zh-TW" altLang="en-US" sz="2400" b="1" dirty="0"/>
+              <a:t> </a:t>
+            </a:r>
+            <a:r>
+              <a:rPr lang="en-US" altLang="zh-TW" sz="2400" b="1" dirty="0"/>
+              <a:t>:</a:t>
+            </a:r>
+            <a:r>
+              <a:rPr lang="zh-TW" altLang="en-US" sz="2400" b="1" dirty="0"/>
+              <a:t> </a:t>
+            </a:r>
+            <a:endParaRPr lang="en-US" altLang="zh-TW" sz="2400" b="1" dirty="0"/>
+          </a:p>
+          <a:p>
+            <a:pPr marL="914400" lvl="1" indent="-457200">
               <a:buFont typeface="+mj-lt"/>
               <a:buAutoNum type="arabicPeriod"/>
             </a:pPr>
             <a:r>
-              <a:rPr lang="en-US" altLang="zh-TW" sz="2400" b="1" dirty="0"/>
-              <a:t>Contours label</a:t>
-            </a:r>
-          </a:p>
-          <a:p>
-            <a:r>
-              <a:rPr lang="zh-TW" altLang="en-US" sz="1800" b="1" dirty="0"/>
-              <a:t>測試方法 </a:t>
-            </a:r>
-            <a:r>
-              <a:rPr lang="en-US" altLang="zh-TW" sz="1800" b="1" dirty="0"/>
-              <a:t>:</a:t>
-            </a:r>
-            <a:r>
-              <a:rPr lang="zh-TW" altLang="en-US" sz="1800" b="1" dirty="0"/>
-              <a:t> </a:t>
-            </a:r>
-            <a:endParaRPr lang="en-US" altLang="zh-TW" sz="1800" b="1" dirty="0"/>
-          </a:p>
-          <a:p>
-            <a:pPr marL="457200" lvl="1" indent="0">
+              <a:rPr lang="en-US" altLang="zh-TW" sz="1800" dirty="0"/>
+              <a:t>contours label </a:t>
+            </a:r>
+          </a:p>
+          <a:p>
+            <a:pPr marL="914400" lvl="1" indent="-457200">
+              <a:buFont typeface="+mj-lt"/>
+              <a:buAutoNum type="arabicPeriod"/>
+            </a:pPr>
+            <a:r>
+              <a:rPr lang="en-US" altLang="zh-TW" sz="1800" dirty="0"/>
+              <a:t>contours stats(Top</a:t>
+            </a:r>
+            <a:r>
+              <a:rPr lang="zh-TW" altLang="en-US" sz="1800" dirty="0"/>
+              <a:t>、</a:t>
+            </a:r>
+            <a:r>
+              <a:rPr lang="en-US" altLang="zh-TW" sz="1800" dirty="0"/>
+              <a:t>Bottom</a:t>
+            </a:r>
+            <a:r>
+              <a:rPr lang="zh-TW" altLang="en-US" sz="1800" dirty="0"/>
+              <a:t>、</a:t>
+            </a:r>
+            <a:r>
+              <a:rPr lang="en-US" altLang="zh-TW" sz="1800" dirty="0"/>
+              <a:t>Left</a:t>
+            </a:r>
+            <a:r>
+              <a:rPr lang="zh-TW" altLang="en-US" sz="1800" dirty="0"/>
+              <a:t>、</a:t>
+            </a:r>
+            <a:r>
+              <a:rPr lang="en-US" altLang="zh-TW" sz="1800" dirty="0"/>
+              <a:t>Right</a:t>
+            </a:r>
+            <a:r>
+              <a:rPr lang="zh-TW" altLang="en-US" sz="1800" dirty="0"/>
+              <a:t>、</a:t>
+            </a:r>
+            <a:r>
+              <a:rPr lang="en-US" altLang="zh-TW" sz="1800" dirty="0"/>
+              <a:t>Area)</a:t>
+            </a:r>
+          </a:p>
+          <a:p>
+            <a:pPr marL="0" indent="0">
               <a:buNone/>
             </a:pPr>
-            <a:r>
-              <a:rPr lang="zh-TW" altLang="en-US" sz="1800" dirty="0"/>
-              <a:t>使用</a:t>
-            </a:r>
-            <a:r>
-              <a:rPr lang="en-US" altLang="zh-TW" sz="1800" dirty="0"/>
-              <a:t>Vivado</a:t>
-            </a:r>
-            <a:r>
-              <a:rPr lang="zh-TW" altLang="en-US" sz="1800" dirty="0"/>
-              <a:t>於</a:t>
-            </a:r>
-            <a:r>
-              <a:rPr lang="en-US" altLang="zh-TW" sz="1800" dirty="0"/>
-              <a:t>simulation</a:t>
-            </a:r>
-            <a:r>
-              <a:rPr lang="zh-TW" altLang="en-US" sz="1800" dirty="0"/>
-              <a:t>中讀取</a:t>
-            </a:r>
-            <a:r>
-              <a:rPr lang="en-US" altLang="zh-TW" sz="1800" dirty="0"/>
-              <a:t>txt</a:t>
-            </a:r>
-            <a:r>
-              <a:rPr lang="zh-TW" altLang="en-US" sz="1800" dirty="0"/>
-              <a:t>資料當成輸入影像，接著將模擬結果寫回</a:t>
-            </a:r>
-            <a:r>
-              <a:rPr lang="en-US" altLang="zh-TW" sz="1800" dirty="0"/>
-              <a:t>txt</a:t>
-            </a:r>
-            <a:r>
-              <a:rPr lang="zh-TW" altLang="en-US" sz="1800" dirty="0"/>
-              <a:t>觀察結果，並和軟體進行比較</a:t>
-            </a:r>
-            <a:endParaRPr lang="en-US" altLang="zh-TW" sz="1800" dirty="0"/>
+            <a:endParaRPr lang="zh-TW" altLang="en-US" sz="2400" dirty="0"/>
           </a:p>
         </p:txBody>
       </p:sp>
@@ -4991,6 +5581,196 @@
             <a:fld id="{90F9E983-480B-48C5-9E0F-D21C0DFBB5C0}" type="slidenum">
               <a:rPr lang="zh-TW" altLang="en-US" smtClean="0"/>
               <a:t>16</a:t>
+            </a:fld>
+            <a:endParaRPr lang="zh-TW" altLang="en-US"/>
+          </a:p>
+        </p:txBody>
+      </p:sp>
+    </p:spTree>
+    <p:extLst>
+      <p:ext uri="{BB962C8B-B14F-4D97-AF65-F5344CB8AC3E}">
+        <p14:creationId xmlns:p14="http://schemas.microsoft.com/office/powerpoint/2010/main" val="1138845298"/>
+      </p:ext>
+    </p:extLst>
+  </p:cSld>
+  <p:clrMapOvr>
+    <a:masterClrMapping/>
+  </p:clrMapOvr>
+  <mc:AlternateContent xmlns:mc="http://schemas.openxmlformats.org/markup-compatibility/2006">
+    <mc:Choice xmlns:p14="http://schemas.microsoft.com/office/powerpoint/2010/main" Requires="p14">
+      <p:transition spd="slow">
+        <p14:reveal/>
+      </p:transition>
+    </mc:Choice>
+    <mc:Fallback>
+      <p:transition spd="slow">
+        <p:fade/>
+      </p:transition>
+    </mc:Fallback>
+  </mc:AlternateContent>
+</p:sld>
+</file>
+
+<file path=ppt/slides/slide17.xml><?xml version="1.0" encoding="utf-8"?>
+<p:sld xmlns:a="http://schemas.openxmlformats.org/drawingml/2006/main" xmlns:r="http://schemas.openxmlformats.org/officeDocument/2006/relationships" xmlns:p="http://schemas.openxmlformats.org/presentationml/2006/main">
+  <p:cSld>
+    <p:spTree>
+      <p:nvGrpSpPr>
+        <p:cNvPr id="1" name=""/>
+        <p:cNvGrpSpPr/>
+        <p:nvPr/>
+      </p:nvGrpSpPr>
+      <p:grpSpPr>
+        <a:xfrm>
+          <a:off x="0" y="0"/>
+          <a:ext cx="0" cy="0"/>
+          <a:chOff x="0" y="0"/>
+          <a:chExt cx="0" cy="0"/>
+        </a:xfrm>
+      </p:grpSpPr>
+      <p:sp>
+        <p:nvSpPr>
+          <p:cNvPr id="2" name="內容版面配置區 1">
+            <a:extLst>
+              <a:ext uri="{FF2B5EF4-FFF2-40B4-BE49-F238E27FC236}">
+                <a16:creationId xmlns:a16="http://schemas.microsoft.com/office/drawing/2014/main" id="{8B9255F6-E79B-4294-834D-6D4140D1CF07}"/>
+              </a:ext>
+            </a:extLst>
+          </p:cNvPr>
+          <p:cNvSpPr>
+            <a:spLocks noGrp="1"/>
+          </p:cNvSpPr>
+          <p:nvPr>
+            <p:ph idx="1"/>
+          </p:nvPr>
+        </p:nvSpPr>
+        <p:spPr/>
+        <p:txBody>
+          <a:bodyPr>
+            <a:normAutofit/>
+          </a:bodyPr>
+          <a:lstStyle/>
+          <a:p>
+            <a:pPr marL="372600" indent="-457200">
+              <a:buFont typeface="+mj-lt"/>
+              <a:buAutoNum type="arabicPeriod"/>
+            </a:pPr>
+            <a:r>
+              <a:rPr lang="en-US" altLang="zh-TW" sz="2400" b="1" dirty="0"/>
+              <a:t>Contours label</a:t>
+            </a:r>
+          </a:p>
+          <a:p>
+            <a:r>
+              <a:rPr lang="zh-TW" altLang="en-US" sz="1800" b="1" dirty="0"/>
+              <a:t>測試方法 </a:t>
+            </a:r>
+            <a:r>
+              <a:rPr lang="en-US" altLang="zh-TW" sz="1800" b="1" dirty="0"/>
+              <a:t>:</a:t>
+            </a:r>
+            <a:r>
+              <a:rPr lang="zh-TW" altLang="en-US" sz="1800" b="1" dirty="0"/>
+              <a:t> </a:t>
+            </a:r>
+            <a:endParaRPr lang="en-US" altLang="zh-TW" sz="1800" b="1" dirty="0"/>
+          </a:p>
+          <a:p>
+            <a:pPr marL="457200" lvl="1" indent="0">
+              <a:buNone/>
+            </a:pPr>
+            <a:r>
+              <a:rPr lang="zh-TW" altLang="en-US" sz="1800" dirty="0"/>
+              <a:t>使用</a:t>
+            </a:r>
+            <a:r>
+              <a:rPr lang="en-US" altLang="zh-TW" sz="1800" dirty="0"/>
+              <a:t>Vivado</a:t>
+            </a:r>
+            <a:r>
+              <a:rPr lang="zh-TW" altLang="en-US" sz="1800" dirty="0"/>
+              <a:t>於</a:t>
+            </a:r>
+            <a:r>
+              <a:rPr lang="en-US" altLang="zh-TW" sz="1800" dirty="0"/>
+              <a:t>simulation</a:t>
+            </a:r>
+            <a:r>
+              <a:rPr lang="zh-TW" altLang="en-US" sz="1800" dirty="0"/>
+              <a:t>中讀取</a:t>
+            </a:r>
+            <a:r>
+              <a:rPr lang="en-US" altLang="zh-TW" sz="1800" dirty="0"/>
+              <a:t>txt</a:t>
+            </a:r>
+            <a:r>
+              <a:rPr lang="zh-TW" altLang="en-US" sz="1800" dirty="0"/>
+              <a:t>資料當成輸入影像，接著將模擬結果寫回</a:t>
+            </a:r>
+            <a:r>
+              <a:rPr lang="en-US" altLang="zh-TW" sz="1800" dirty="0"/>
+              <a:t>txt</a:t>
+            </a:r>
+            <a:r>
+              <a:rPr lang="zh-TW" altLang="en-US" sz="1800" dirty="0"/>
+              <a:t>觀察結果，並和軟體進行比較</a:t>
+            </a:r>
+            <a:endParaRPr lang="en-US" altLang="zh-TW" sz="1800" dirty="0"/>
+          </a:p>
+        </p:txBody>
+      </p:sp>
+      <p:sp>
+        <p:nvSpPr>
+          <p:cNvPr id="3" name="標題 2">
+            <a:extLst>
+              <a:ext uri="{FF2B5EF4-FFF2-40B4-BE49-F238E27FC236}">
+                <a16:creationId xmlns:a16="http://schemas.microsoft.com/office/drawing/2014/main" id="{D7232380-22D4-47E6-A40E-ABF38AB200C3}"/>
+              </a:ext>
+            </a:extLst>
+          </p:cNvPr>
+          <p:cNvSpPr>
+            <a:spLocks noGrp="1"/>
+          </p:cNvSpPr>
+          <p:nvPr>
+            <p:ph type="title"/>
+          </p:nvPr>
+        </p:nvSpPr>
+        <p:spPr/>
+        <p:txBody>
+          <a:bodyPr/>
+          <a:lstStyle/>
+          <a:p>
+            <a:r>
+              <a:rPr lang="zh-TW" altLang="en-US" dirty="0"/>
+              <a:t>當週進度</a:t>
+            </a:r>
+          </a:p>
+        </p:txBody>
+      </p:sp>
+      <p:sp>
+        <p:nvSpPr>
+          <p:cNvPr id="4" name="投影片編號版面配置區 3">
+            <a:extLst>
+              <a:ext uri="{FF2B5EF4-FFF2-40B4-BE49-F238E27FC236}">
+                <a16:creationId xmlns:a16="http://schemas.microsoft.com/office/drawing/2014/main" id="{CC364F06-FBAE-41F1-9123-C093E43ADC15}"/>
+              </a:ext>
+            </a:extLst>
+          </p:cNvPr>
+          <p:cNvSpPr>
+            <a:spLocks noGrp="1"/>
+          </p:cNvSpPr>
+          <p:nvPr>
+            <p:ph type="sldNum" sz="quarter" idx="12"/>
+          </p:nvPr>
+        </p:nvSpPr>
+        <p:spPr/>
+        <p:txBody>
+          <a:bodyPr/>
+          <a:lstStyle/>
+          <a:p>
+            <a:fld id="{90F9E983-480B-48C5-9E0F-D21C0DFBB5C0}" type="slidenum">
+              <a:rPr lang="zh-TW" altLang="en-US" smtClean="0"/>
+              <a:t>17</a:t>
             </a:fld>
             <a:endParaRPr lang="zh-TW" altLang="en-US"/>
           </a:p>
@@ -5861,22 +6641,22 @@
   <p:clrMapOvr>
     <a:masterClrMapping/>
   </p:clrMapOvr>
-  <mc:AlternateContent xmlns:mc="http://schemas.openxmlformats.org/markup-compatibility/2006" xmlns:p14="http://schemas.microsoft.com/office/powerpoint/2010/main">
-    <mc:Choice Requires="p14">
-      <p:transition spd="slow" p14:dur="2000">
-        <p:cut/>
+  <mc:AlternateContent xmlns:mc="http://schemas.openxmlformats.org/markup-compatibility/2006">
+    <mc:Choice xmlns:p14="http://schemas.microsoft.com/office/powerpoint/2010/main" Requires="p14">
+      <p:transition spd="slow">
+        <p14:reveal/>
       </p:transition>
     </mc:Choice>
-    <mc:Fallback xmlns="">
+    <mc:Fallback>
       <p:transition spd="slow">
-        <p:cut/>
+        <p:fade/>
       </p:transition>
     </mc:Fallback>
   </mc:AlternateContent>
 </p:sld>
 </file>
 
-<file path=ppt/slides/slide17.xml><?xml version="1.0" encoding="utf-8"?>
+<file path=ppt/slides/slide18.xml><?xml version="1.0" encoding="utf-8"?>
 <p:sld xmlns:a="http://schemas.openxmlformats.org/drawingml/2006/main" xmlns:r="http://schemas.openxmlformats.org/officeDocument/2006/relationships" xmlns:p="http://schemas.openxmlformats.org/presentationml/2006/main">
   <p:cSld>
     <p:spTree>
@@ -6004,7 +6784,7 @@
           <a:p>
             <a:fld id="{90F9E983-480B-48C5-9E0F-D21C0DFBB5C0}" type="slidenum">
               <a:rPr lang="zh-TW" altLang="en-US" smtClean="0"/>
-              <a:t>17</a:t>
+              <a:t>18</a:t>
             </a:fld>
             <a:endParaRPr lang="zh-TW" altLang="en-US"/>
           </a:p>
@@ -6273,22 +7053,22 @@
   <p:clrMapOvr>
     <a:masterClrMapping/>
   </p:clrMapOvr>
-  <mc:AlternateContent xmlns:mc="http://schemas.openxmlformats.org/markup-compatibility/2006" xmlns:p14="http://schemas.microsoft.com/office/powerpoint/2010/main">
-    <mc:Choice Requires="p14">
-      <p:transition spd="slow" p14:dur="2000">
-        <p:cut/>
+  <mc:AlternateContent xmlns:mc="http://schemas.openxmlformats.org/markup-compatibility/2006">
+    <mc:Choice xmlns:p14="http://schemas.microsoft.com/office/powerpoint/2010/main" Requires="p14">
+      <p:transition spd="slow">
+        <p14:reveal/>
       </p:transition>
     </mc:Choice>
-    <mc:Fallback xmlns="">
+    <mc:Fallback>
       <p:transition spd="slow">
-        <p:cut/>
+        <p:fade/>
       </p:transition>
     </mc:Fallback>
   </mc:AlternateContent>
 </p:sld>
 </file>
 
-<file path=ppt/slides/slide18.xml><?xml version="1.0" encoding="utf-8"?>
+<file path=ppt/slides/slide19.xml><?xml version="1.0" encoding="utf-8"?>
 <p:sld xmlns:a="http://schemas.openxmlformats.org/drawingml/2006/main" xmlns:r="http://schemas.openxmlformats.org/officeDocument/2006/relationships" xmlns:p="http://schemas.openxmlformats.org/presentationml/2006/main">
   <p:cSld>
     <p:spTree>
@@ -6546,7 +7326,7 @@
           <a:p>
             <a:fld id="{90F9E983-480B-48C5-9E0F-D21C0DFBB5C0}" type="slidenum">
               <a:rPr lang="zh-TW" altLang="en-US" smtClean="0"/>
-              <a:t>18</a:t>
+              <a:t>19</a:t>
             </a:fld>
             <a:endParaRPr lang="zh-TW" altLang="en-US"/>
           </a:p>
@@ -6685,22 +7465,441 @@
   <p:clrMapOvr>
     <a:masterClrMapping/>
   </p:clrMapOvr>
-  <mc:AlternateContent xmlns:mc="http://schemas.openxmlformats.org/markup-compatibility/2006" xmlns:p14="http://schemas.microsoft.com/office/powerpoint/2010/main">
-    <mc:Choice Requires="p14">
-      <p:transition spd="slow" p14:dur="2000">
-        <p:cut/>
+  <mc:AlternateContent xmlns:mc="http://schemas.openxmlformats.org/markup-compatibility/2006">
+    <mc:Choice xmlns:p14="http://schemas.microsoft.com/office/powerpoint/2010/main" Requires="p14">
+      <p:transition spd="slow">
+        <p14:reveal/>
       </p:transition>
     </mc:Choice>
-    <mc:Fallback xmlns="">
+    <mc:Fallback>
       <p:transition spd="slow">
-        <p:cut/>
+        <p:fade/>
       </p:transition>
     </mc:Fallback>
   </mc:AlternateContent>
 </p:sld>
 </file>
 
-<file path=ppt/slides/slide19.xml><?xml version="1.0" encoding="utf-8"?>
+<file path=ppt/slides/slide2.xml><?xml version="1.0" encoding="utf-8"?>
+<p:sld xmlns:a="http://schemas.openxmlformats.org/drawingml/2006/main" xmlns:r="http://schemas.openxmlformats.org/officeDocument/2006/relationships" xmlns:p="http://schemas.openxmlformats.org/presentationml/2006/main">
+  <p:cSld>
+    <p:spTree>
+      <p:nvGrpSpPr>
+        <p:cNvPr id="1" name=""/>
+        <p:cNvGrpSpPr/>
+        <p:nvPr/>
+      </p:nvGrpSpPr>
+      <p:grpSpPr>
+        <a:xfrm>
+          <a:off x="0" y="0"/>
+          <a:ext cx="0" cy="0"/>
+          <a:chOff x="0" y="0"/>
+          <a:chExt cx="0" cy="0"/>
+        </a:xfrm>
+      </p:grpSpPr>
+      <p:sp>
+        <p:nvSpPr>
+          <p:cNvPr id="2" name="內容版面配置區 1">
+            <a:extLst>
+              <a:ext uri="{FF2B5EF4-FFF2-40B4-BE49-F238E27FC236}">
+                <a16:creationId xmlns:a16="http://schemas.microsoft.com/office/drawing/2014/main" id="{8B9255F6-E79B-4294-834D-6D4140D1CF07}"/>
+              </a:ext>
+            </a:extLst>
+          </p:cNvPr>
+          <p:cNvSpPr>
+            <a:spLocks noGrp="1"/>
+          </p:cNvSpPr>
+          <p:nvPr>
+            <p:ph idx="1"/>
+          </p:nvPr>
+        </p:nvSpPr>
+        <p:spPr/>
+        <p:txBody>
+          <a:bodyPr/>
+          <a:lstStyle/>
+          <a:p>
+            <a:r>
+              <a:rPr lang="en-US" altLang="zh-TW" sz="1800" b="1" dirty="0"/>
+              <a:t>2023/11/09~2023/11/16</a:t>
+            </a:r>
+          </a:p>
+          <a:p>
+            <a:pPr lvl="1"/>
+            <a:r>
+              <a:rPr lang="zh-TW" altLang="en-US" dirty="0"/>
+              <a:t>專案需求分析 </a:t>
+            </a:r>
+            <a:r>
+              <a:rPr lang="en-US" altLang="zh-TW" dirty="0"/>
+              <a:t>:</a:t>
+            </a:r>
+            <a:r>
+              <a:rPr lang="zh-TW" altLang="en-US" dirty="0"/>
+              <a:t> </a:t>
+            </a:r>
+            <a:r>
+              <a:rPr lang="en-US" altLang="zh-TW" dirty="0"/>
+              <a:t>(1)</a:t>
+            </a:r>
+            <a:r>
+              <a:rPr lang="zh-TW" altLang="en-US" dirty="0"/>
+              <a:t>功能 </a:t>
+            </a:r>
+            <a:r>
+              <a:rPr lang="en-US" altLang="zh-TW" dirty="0"/>
+              <a:t>(2)</a:t>
+            </a:r>
+            <a:r>
+              <a:rPr lang="zh-TW" altLang="en-US" dirty="0"/>
+              <a:t>效能 </a:t>
+            </a:r>
+            <a:r>
+              <a:rPr lang="en-US" altLang="zh-TW" dirty="0"/>
+              <a:t>(3)</a:t>
+            </a:r>
+            <a:r>
+              <a:rPr lang="zh-TW" altLang="en-US" dirty="0"/>
+              <a:t>介面 </a:t>
+            </a:r>
+            <a:r>
+              <a:rPr lang="en-US" altLang="zh-TW" dirty="0"/>
+              <a:t>(4)</a:t>
+            </a:r>
+            <a:r>
+              <a:rPr lang="zh-TW" altLang="en-US" dirty="0"/>
+              <a:t>限制 </a:t>
+            </a:r>
+            <a:r>
+              <a:rPr lang="en-US" altLang="zh-TW" dirty="0"/>
+              <a:t>(5)</a:t>
+            </a:r>
+            <a:r>
+              <a:rPr lang="zh-TW" altLang="en-US" dirty="0"/>
+              <a:t>驗收方法</a:t>
+            </a:r>
+            <a:endParaRPr lang="en-US" altLang="zh-TW" dirty="0"/>
+          </a:p>
+          <a:p>
+            <a:pPr lvl="1"/>
+            <a:r>
+              <a:rPr lang="zh-TW" altLang="en-US" dirty="0"/>
+              <a:t>專案系統分析 </a:t>
+            </a:r>
+            <a:r>
+              <a:rPr lang="en-US" altLang="zh-TW" dirty="0"/>
+              <a:t>:</a:t>
+            </a:r>
+            <a:r>
+              <a:rPr lang="zh-TW" altLang="en-US" dirty="0"/>
+              <a:t> </a:t>
+            </a:r>
+            <a:r>
+              <a:rPr lang="en-US" altLang="zh-TW" dirty="0"/>
+              <a:t>(1)Breakdown</a:t>
+            </a:r>
+          </a:p>
+          <a:p>
+            <a:pPr lvl="1"/>
+            <a:r>
+              <a:rPr lang="zh-TW" altLang="en-US" dirty="0"/>
+              <a:t>設計</a:t>
+            </a:r>
+            <a:r>
+              <a:rPr lang="en-US" altLang="zh-TW" dirty="0"/>
+              <a:t>IP(CCL)</a:t>
+            </a:r>
+          </a:p>
+          <a:p>
+            <a:pPr lvl="1"/>
+            <a:endParaRPr lang="en-US" altLang="zh-TW" dirty="0"/>
+          </a:p>
+          <a:p>
+            <a:r>
+              <a:rPr lang="en-US" altLang="zh-TW" sz="1800" b="1" dirty="0"/>
+              <a:t>2023/11/17~2023/11/23</a:t>
+            </a:r>
+          </a:p>
+          <a:p>
+            <a:pPr lvl="1"/>
+            <a:r>
+              <a:rPr lang="zh-TW" altLang="en-US" dirty="0"/>
+              <a:t>專案需求分析 </a:t>
+            </a:r>
+            <a:r>
+              <a:rPr lang="en-US" altLang="zh-TW" dirty="0"/>
+              <a:t>:</a:t>
+            </a:r>
+            <a:r>
+              <a:rPr lang="zh-TW" altLang="en-US" dirty="0"/>
+              <a:t> </a:t>
+            </a:r>
+            <a:r>
+              <a:rPr lang="en-US" altLang="zh-TW" dirty="0"/>
+              <a:t>(1)</a:t>
+            </a:r>
+            <a:r>
+              <a:rPr lang="zh-TW" altLang="en-US" dirty="0"/>
+              <a:t>功能 </a:t>
+            </a:r>
+            <a:r>
+              <a:rPr lang="en-US" altLang="zh-TW" dirty="0"/>
+              <a:t>(2)</a:t>
+            </a:r>
+            <a:r>
+              <a:rPr lang="zh-TW" altLang="en-US" dirty="0"/>
+              <a:t>效能 </a:t>
+            </a:r>
+            <a:r>
+              <a:rPr lang="en-US" altLang="zh-TW" dirty="0"/>
+              <a:t>(3)</a:t>
+            </a:r>
+            <a:r>
+              <a:rPr lang="zh-TW" altLang="en-US" dirty="0"/>
+              <a:t>介面 </a:t>
+            </a:r>
+            <a:r>
+              <a:rPr lang="en-US" altLang="zh-TW" dirty="0"/>
+              <a:t>(4)</a:t>
+            </a:r>
+            <a:r>
+              <a:rPr lang="zh-TW" altLang="en-US" dirty="0"/>
+              <a:t>限制 </a:t>
+            </a:r>
+            <a:r>
+              <a:rPr lang="en-US" altLang="zh-TW" dirty="0"/>
+              <a:t>(5)</a:t>
+            </a:r>
+            <a:r>
+              <a:rPr lang="zh-TW" altLang="en-US" dirty="0"/>
+              <a:t>驗收方法</a:t>
+            </a:r>
+            <a:endParaRPr lang="en-US" altLang="zh-TW" dirty="0"/>
+          </a:p>
+          <a:p>
+            <a:pPr lvl="1"/>
+            <a:r>
+              <a:rPr lang="zh-TW" altLang="en-US" dirty="0"/>
+              <a:t>專案系統分析 </a:t>
+            </a:r>
+            <a:r>
+              <a:rPr lang="en-US" altLang="zh-TW" dirty="0"/>
+              <a:t>:</a:t>
+            </a:r>
+            <a:r>
+              <a:rPr lang="zh-TW" altLang="en-US" dirty="0"/>
+              <a:t> </a:t>
+            </a:r>
+            <a:r>
+              <a:rPr lang="en-US" altLang="zh-TW" dirty="0"/>
+              <a:t>(1)Workflow</a:t>
+            </a:r>
+          </a:p>
+          <a:p>
+            <a:pPr lvl="1"/>
+            <a:r>
+              <a:rPr lang="zh-TW" altLang="en-US" dirty="0"/>
+              <a:t>設計</a:t>
+            </a:r>
+            <a:r>
+              <a:rPr lang="en-US" altLang="zh-TW" dirty="0"/>
+              <a:t>IP(CCL)</a:t>
+            </a:r>
+          </a:p>
+          <a:p>
+            <a:pPr marL="457200" lvl="1" indent="0">
+              <a:buNone/>
+            </a:pPr>
+            <a:endParaRPr lang="en-US" altLang="zh-TW" dirty="0"/>
+          </a:p>
+          <a:p>
+            <a:r>
+              <a:rPr lang="en-US" altLang="zh-TW" sz="1800" b="1" dirty="0"/>
+              <a:t>2023/11/24~2023/11/30</a:t>
+            </a:r>
+          </a:p>
+          <a:p>
+            <a:pPr lvl="1"/>
+            <a:r>
+              <a:rPr lang="zh-TW" altLang="en-US" dirty="0"/>
+              <a:t>專案需求分析 </a:t>
+            </a:r>
+            <a:r>
+              <a:rPr lang="en-US" altLang="zh-TW" dirty="0"/>
+              <a:t>:</a:t>
+            </a:r>
+            <a:r>
+              <a:rPr lang="zh-TW" altLang="en-US" dirty="0"/>
+              <a:t> </a:t>
+            </a:r>
+            <a:r>
+              <a:rPr lang="en-US" altLang="zh-TW" dirty="0"/>
+              <a:t>(1)</a:t>
+            </a:r>
+            <a:r>
+              <a:rPr lang="zh-TW" altLang="en-US" dirty="0"/>
+              <a:t>功能 </a:t>
+            </a:r>
+            <a:r>
+              <a:rPr lang="en-US" altLang="zh-TW" dirty="0"/>
+              <a:t>(2)</a:t>
+            </a:r>
+            <a:r>
+              <a:rPr lang="zh-TW" altLang="en-US" dirty="0"/>
+              <a:t>效能 </a:t>
+            </a:r>
+            <a:r>
+              <a:rPr lang="en-US" altLang="zh-TW" dirty="0"/>
+              <a:t>(3)</a:t>
+            </a:r>
+            <a:r>
+              <a:rPr lang="zh-TW" altLang="en-US" dirty="0"/>
+              <a:t>介面 </a:t>
+            </a:r>
+            <a:r>
+              <a:rPr lang="en-US" altLang="zh-TW" dirty="0"/>
+              <a:t>(4)</a:t>
+            </a:r>
+            <a:r>
+              <a:rPr lang="zh-TW" altLang="en-US" dirty="0"/>
+              <a:t>限制 </a:t>
+            </a:r>
+            <a:r>
+              <a:rPr lang="en-US" altLang="zh-TW" dirty="0"/>
+              <a:t>(5)</a:t>
+            </a:r>
+            <a:r>
+              <a:rPr lang="zh-TW" altLang="en-US" dirty="0"/>
+              <a:t>驗收方法</a:t>
+            </a:r>
+            <a:endParaRPr lang="en-US" altLang="zh-TW" dirty="0"/>
+          </a:p>
+          <a:p>
+            <a:pPr lvl="1"/>
+            <a:r>
+              <a:rPr lang="zh-TW" altLang="en-US" dirty="0"/>
+              <a:t>專案系統分析 </a:t>
+            </a:r>
+            <a:r>
+              <a:rPr lang="en-US" altLang="zh-TW" dirty="0"/>
+              <a:t>:</a:t>
+            </a:r>
+            <a:r>
+              <a:rPr lang="zh-TW" altLang="en-US" dirty="0"/>
+              <a:t> </a:t>
+            </a:r>
+            <a:r>
+              <a:rPr lang="en-US" altLang="zh-TW" dirty="0"/>
+              <a:t>(1)Breakdown (2)Architecture(3)Workflow</a:t>
+            </a:r>
+          </a:p>
+          <a:p>
+            <a:pPr lvl="1"/>
+            <a:r>
+              <a:rPr lang="zh-TW" altLang="en-US" dirty="0"/>
+              <a:t>設計</a:t>
+            </a:r>
+            <a:r>
+              <a:rPr lang="en-US" altLang="zh-TW" dirty="0"/>
+              <a:t>IP(CCL)</a:t>
+            </a:r>
+            <a:endParaRPr lang="zh-TW" altLang="en-US" dirty="0"/>
+          </a:p>
+          <a:p>
+            <a:pPr marL="0" indent="-84600">
+              <a:buNone/>
+            </a:pPr>
+            <a:endParaRPr lang="zh-TW" altLang="en-US" dirty="0"/>
+          </a:p>
+          <a:p>
+            <a:pPr lvl="1"/>
+            <a:endParaRPr lang="en-US" altLang="zh-TW" dirty="0"/>
+          </a:p>
+        </p:txBody>
+      </p:sp>
+      <p:sp>
+        <p:nvSpPr>
+          <p:cNvPr id="3" name="標題 2">
+            <a:extLst>
+              <a:ext uri="{FF2B5EF4-FFF2-40B4-BE49-F238E27FC236}">
+                <a16:creationId xmlns:a16="http://schemas.microsoft.com/office/drawing/2014/main" id="{D7232380-22D4-47E6-A40E-ABF38AB200C3}"/>
+              </a:ext>
+            </a:extLst>
+          </p:cNvPr>
+          <p:cNvSpPr>
+            <a:spLocks noGrp="1"/>
+          </p:cNvSpPr>
+          <p:nvPr>
+            <p:ph type="title"/>
+          </p:nvPr>
+        </p:nvSpPr>
+        <p:spPr/>
+        <p:txBody>
+          <a:bodyPr/>
+          <a:lstStyle/>
+          <a:p>
+            <a:r>
+              <a:rPr lang="en-US" altLang="zh-TW" dirty="0"/>
+              <a:t>To Do List</a:t>
+            </a:r>
+            <a:endParaRPr lang="zh-TW" altLang="en-US" dirty="0"/>
+          </a:p>
+        </p:txBody>
+      </p:sp>
+      <p:sp>
+        <p:nvSpPr>
+          <p:cNvPr id="4" name="投影片編號版面配置區 3">
+            <a:extLst>
+              <a:ext uri="{FF2B5EF4-FFF2-40B4-BE49-F238E27FC236}">
+                <a16:creationId xmlns:a16="http://schemas.microsoft.com/office/drawing/2014/main" id="{CC364F06-FBAE-41F1-9123-C093E43ADC15}"/>
+              </a:ext>
+            </a:extLst>
+          </p:cNvPr>
+          <p:cNvSpPr>
+            <a:spLocks noGrp="1"/>
+          </p:cNvSpPr>
+          <p:nvPr>
+            <p:ph type="sldNum" sz="quarter" idx="12"/>
+          </p:nvPr>
+        </p:nvSpPr>
+        <p:spPr/>
+        <p:txBody>
+          <a:bodyPr/>
+          <a:lstStyle/>
+          <a:p>
+            <a:fld id="{90F9E983-480B-48C5-9E0F-D21C0DFBB5C0}" type="slidenum">
+              <a:rPr lang="zh-TW" altLang="en-US" smtClean="0"/>
+              <a:t>2</a:t>
+            </a:fld>
+            <a:endParaRPr lang="zh-TW" altLang="en-US"/>
+          </a:p>
+        </p:txBody>
+      </p:sp>
+    </p:spTree>
+    <p:extLst>
+      <p:ext uri="{BB962C8B-B14F-4D97-AF65-F5344CB8AC3E}">
+        <p14:creationId xmlns:p14="http://schemas.microsoft.com/office/powerpoint/2010/main" val="532258986"/>
+      </p:ext>
+    </p:extLst>
+  </p:cSld>
+  <p:clrMapOvr>
+    <a:masterClrMapping/>
+  </p:clrMapOvr>
+  <mc:AlternateContent xmlns:mc="http://schemas.openxmlformats.org/markup-compatibility/2006">
+    <mc:Choice xmlns:p14="http://schemas.microsoft.com/office/powerpoint/2010/main" Requires="p14">
+      <p:transition spd="slow">
+        <p14:reveal/>
+      </p:transition>
+    </mc:Choice>
+    <mc:Fallback>
+      <p:transition spd="slow">
+        <p:fade/>
+      </p:transition>
+    </mc:Fallback>
+  </mc:AlternateContent>
+</p:sld>
+</file>
+
+<file path=ppt/slides/slide20.xml><?xml version="1.0" encoding="utf-8"?>
 <p:sld xmlns:a="http://schemas.openxmlformats.org/drawingml/2006/main" xmlns:r="http://schemas.openxmlformats.org/officeDocument/2006/relationships" xmlns:p="http://schemas.openxmlformats.org/presentationml/2006/main">
   <p:cSld>
     <p:spTree>
@@ -6828,7 +8027,7 @@
           <a:p>
             <a:fld id="{90F9E983-480B-48C5-9E0F-D21C0DFBB5C0}" type="slidenum">
               <a:rPr lang="zh-TW" altLang="en-US" smtClean="0"/>
-              <a:t>19</a:t>
+              <a:t>20</a:t>
             </a:fld>
             <a:endParaRPr lang="zh-TW" altLang="en-US"/>
           </a:p>
@@ -7097,441 +8296,22 @@
   <p:clrMapOvr>
     <a:masterClrMapping/>
   </p:clrMapOvr>
-  <mc:AlternateContent xmlns:mc="http://schemas.openxmlformats.org/markup-compatibility/2006" xmlns:p14="http://schemas.microsoft.com/office/powerpoint/2010/main">
-    <mc:Choice Requires="p14">
-      <p:transition spd="slow" p14:dur="2000">
-        <p:cut/>
+  <mc:AlternateContent xmlns:mc="http://schemas.openxmlformats.org/markup-compatibility/2006">
+    <mc:Choice xmlns:p14="http://schemas.microsoft.com/office/powerpoint/2010/main" Requires="p14">
+      <p:transition spd="slow">
+        <p14:reveal/>
       </p:transition>
     </mc:Choice>
-    <mc:Fallback xmlns="">
+    <mc:Fallback>
       <p:transition spd="slow">
-        <p:cut/>
+        <p:fade/>
       </p:transition>
     </mc:Fallback>
   </mc:AlternateContent>
 </p:sld>
 </file>
 
-<file path=ppt/slides/slide2.xml><?xml version="1.0" encoding="utf-8"?>
-<p:sld xmlns:a="http://schemas.openxmlformats.org/drawingml/2006/main" xmlns:r="http://schemas.openxmlformats.org/officeDocument/2006/relationships" xmlns:p="http://schemas.openxmlformats.org/presentationml/2006/main">
-  <p:cSld>
-    <p:spTree>
-      <p:nvGrpSpPr>
-        <p:cNvPr id="1" name=""/>
-        <p:cNvGrpSpPr/>
-        <p:nvPr/>
-      </p:nvGrpSpPr>
-      <p:grpSpPr>
-        <a:xfrm>
-          <a:off x="0" y="0"/>
-          <a:ext cx="0" cy="0"/>
-          <a:chOff x="0" y="0"/>
-          <a:chExt cx="0" cy="0"/>
-        </a:xfrm>
-      </p:grpSpPr>
-      <p:sp>
-        <p:nvSpPr>
-          <p:cNvPr id="2" name="內容版面配置區 1">
-            <a:extLst>
-              <a:ext uri="{FF2B5EF4-FFF2-40B4-BE49-F238E27FC236}">
-                <a16:creationId xmlns:a16="http://schemas.microsoft.com/office/drawing/2014/main" id="{8B9255F6-E79B-4294-834D-6D4140D1CF07}"/>
-              </a:ext>
-            </a:extLst>
-          </p:cNvPr>
-          <p:cNvSpPr>
-            <a:spLocks noGrp="1"/>
-          </p:cNvSpPr>
-          <p:nvPr>
-            <p:ph idx="1"/>
-          </p:nvPr>
-        </p:nvSpPr>
-        <p:spPr/>
-        <p:txBody>
-          <a:bodyPr/>
-          <a:lstStyle/>
-          <a:p>
-            <a:r>
-              <a:rPr lang="en-US" altLang="zh-TW" sz="1800" b="1" dirty="0"/>
-              <a:t>2023/11/09~2023/11/16</a:t>
-            </a:r>
-          </a:p>
-          <a:p>
-            <a:pPr lvl="1"/>
-            <a:r>
-              <a:rPr lang="zh-TW" altLang="en-US" dirty="0"/>
-              <a:t>專案需求分析 </a:t>
-            </a:r>
-            <a:r>
-              <a:rPr lang="en-US" altLang="zh-TW" dirty="0"/>
-              <a:t>:</a:t>
-            </a:r>
-            <a:r>
-              <a:rPr lang="zh-TW" altLang="en-US" dirty="0"/>
-              <a:t> </a:t>
-            </a:r>
-            <a:r>
-              <a:rPr lang="en-US" altLang="zh-TW" dirty="0"/>
-              <a:t>(1)</a:t>
-            </a:r>
-            <a:r>
-              <a:rPr lang="zh-TW" altLang="en-US" dirty="0"/>
-              <a:t>功能 </a:t>
-            </a:r>
-            <a:r>
-              <a:rPr lang="en-US" altLang="zh-TW" dirty="0"/>
-              <a:t>(2)</a:t>
-            </a:r>
-            <a:r>
-              <a:rPr lang="zh-TW" altLang="en-US" dirty="0"/>
-              <a:t>效能 </a:t>
-            </a:r>
-            <a:r>
-              <a:rPr lang="en-US" altLang="zh-TW" dirty="0"/>
-              <a:t>(3)</a:t>
-            </a:r>
-            <a:r>
-              <a:rPr lang="zh-TW" altLang="en-US" dirty="0"/>
-              <a:t>介面 </a:t>
-            </a:r>
-            <a:r>
-              <a:rPr lang="en-US" altLang="zh-TW" dirty="0"/>
-              <a:t>(4)</a:t>
-            </a:r>
-            <a:r>
-              <a:rPr lang="zh-TW" altLang="en-US" dirty="0"/>
-              <a:t>限制 </a:t>
-            </a:r>
-            <a:r>
-              <a:rPr lang="en-US" altLang="zh-TW" dirty="0"/>
-              <a:t>(5)</a:t>
-            </a:r>
-            <a:r>
-              <a:rPr lang="zh-TW" altLang="en-US" dirty="0"/>
-              <a:t>驗收方法</a:t>
-            </a:r>
-            <a:endParaRPr lang="en-US" altLang="zh-TW" dirty="0"/>
-          </a:p>
-          <a:p>
-            <a:pPr lvl="1"/>
-            <a:r>
-              <a:rPr lang="zh-TW" altLang="en-US" dirty="0"/>
-              <a:t>專案系統分析 </a:t>
-            </a:r>
-            <a:r>
-              <a:rPr lang="en-US" altLang="zh-TW" dirty="0"/>
-              <a:t>:</a:t>
-            </a:r>
-            <a:r>
-              <a:rPr lang="zh-TW" altLang="en-US" dirty="0"/>
-              <a:t> </a:t>
-            </a:r>
-            <a:r>
-              <a:rPr lang="en-US" altLang="zh-TW" dirty="0"/>
-              <a:t>(1)Breakdown</a:t>
-            </a:r>
-          </a:p>
-          <a:p>
-            <a:pPr lvl="1"/>
-            <a:r>
-              <a:rPr lang="zh-TW" altLang="en-US" dirty="0"/>
-              <a:t>設計</a:t>
-            </a:r>
-            <a:r>
-              <a:rPr lang="en-US" altLang="zh-TW" dirty="0"/>
-              <a:t>IP(CCL)</a:t>
-            </a:r>
-          </a:p>
-          <a:p>
-            <a:pPr lvl="1"/>
-            <a:endParaRPr lang="en-US" altLang="zh-TW" dirty="0"/>
-          </a:p>
-          <a:p>
-            <a:r>
-              <a:rPr lang="en-US" altLang="zh-TW" sz="1800" b="1" dirty="0"/>
-              <a:t>2023/11/17~2023/11/23</a:t>
-            </a:r>
-          </a:p>
-          <a:p>
-            <a:pPr lvl="1"/>
-            <a:r>
-              <a:rPr lang="zh-TW" altLang="en-US" dirty="0"/>
-              <a:t>專案需求分析 </a:t>
-            </a:r>
-            <a:r>
-              <a:rPr lang="en-US" altLang="zh-TW" dirty="0"/>
-              <a:t>:</a:t>
-            </a:r>
-            <a:r>
-              <a:rPr lang="zh-TW" altLang="en-US" dirty="0"/>
-              <a:t> </a:t>
-            </a:r>
-            <a:r>
-              <a:rPr lang="en-US" altLang="zh-TW" dirty="0"/>
-              <a:t>(1)</a:t>
-            </a:r>
-            <a:r>
-              <a:rPr lang="zh-TW" altLang="en-US" dirty="0"/>
-              <a:t>功能 </a:t>
-            </a:r>
-            <a:r>
-              <a:rPr lang="en-US" altLang="zh-TW" dirty="0"/>
-              <a:t>(2)</a:t>
-            </a:r>
-            <a:r>
-              <a:rPr lang="zh-TW" altLang="en-US" dirty="0"/>
-              <a:t>效能 </a:t>
-            </a:r>
-            <a:r>
-              <a:rPr lang="en-US" altLang="zh-TW" dirty="0"/>
-              <a:t>(3)</a:t>
-            </a:r>
-            <a:r>
-              <a:rPr lang="zh-TW" altLang="en-US" dirty="0"/>
-              <a:t>介面 </a:t>
-            </a:r>
-            <a:r>
-              <a:rPr lang="en-US" altLang="zh-TW" dirty="0"/>
-              <a:t>(4)</a:t>
-            </a:r>
-            <a:r>
-              <a:rPr lang="zh-TW" altLang="en-US" dirty="0"/>
-              <a:t>限制 </a:t>
-            </a:r>
-            <a:r>
-              <a:rPr lang="en-US" altLang="zh-TW" dirty="0"/>
-              <a:t>(5)</a:t>
-            </a:r>
-            <a:r>
-              <a:rPr lang="zh-TW" altLang="en-US" dirty="0"/>
-              <a:t>驗收方法</a:t>
-            </a:r>
-            <a:endParaRPr lang="en-US" altLang="zh-TW" dirty="0"/>
-          </a:p>
-          <a:p>
-            <a:pPr lvl="1"/>
-            <a:r>
-              <a:rPr lang="zh-TW" altLang="en-US" dirty="0"/>
-              <a:t>專案系統分析 </a:t>
-            </a:r>
-            <a:r>
-              <a:rPr lang="en-US" altLang="zh-TW" dirty="0"/>
-              <a:t>:</a:t>
-            </a:r>
-            <a:r>
-              <a:rPr lang="zh-TW" altLang="en-US" dirty="0"/>
-              <a:t> </a:t>
-            </a:r>
-            <a:r>
-              <a:rPr lang="en-US" altLang="zh-TW" dirty="0"/>
-              <a:t>(1)Workflow</a:t>
-            </a:r>
-          </a:p>
-          <a:p>
-            <a:pPr lvl="1"/>
-            <a:r>
-              <a:rPr lang="zh-TW" altLang="en-US" dirty="0"/>
-              <a:t>設計</a:t>
-            </a:r>
-            <a:r>
-              <a:rPr lang="en-US" altLang="zh-TW" dirty="0"/>
-              <a:t>IP(CCL)</a:t>
-            </a:r>
-          </a:p>
-          <a:p>
-            <a:pPr marL="457200" lvl="1" indent="0">
-              <a:buNone/>
-            </a:pPr>
-            <a:endParaRPr lang="en-US" altLang="zh-TW" dirty="0"/>
-          </a:p>
-          <a:p>
-            <a:r>
-              <a:rPr lang="en-US" altLang="zh-TW" sz="1800" b="1" dirty="0"/>
-              <a:t>2023/11/24~2023/11/30</a:t>
-            </a:r>
-          </a:p>
-          <a:p>
-            <a:pPr lvl="1"/>
-            <a:r>
-              <a:rPr lang="zh-TW" altLang="en-US" dirty="0"/>
-              <a:t>專案需求分析 </a:t>
-            </a:r>
-            <a:r>
-              <a:rPr lang="en-US" altLang="zh-TW" dirty="0"/>
-              <a:t>:</a:t>
-            </a:r>
-            <a:r>
-              <a:rPr lang="zh-TW" altLang="en-US" dirty="0"/>
-              <a:t> </a:t>
-            </a:r>
-            <a:r>
-              <a:rPr lang="en-US" altLang="zh-TW" dirty="0"/>
-              <a:t>(1)</a:t>
-            </a:r>
-            <a:r>
-              <a:rPr lang="zh-TW" altLang="en-US" dirty="0"/>
-              <a:t>功能 </a:t>
-            </a:r>
-            <a:r>
-              <a:rPr lang="en-US" altLang="zh-TW" dirty="0"/>
-              <a:t>(2)</a:t>
-            </a:r>
-            <a:r>
-              <a:rPr lang="zh-TW" altLang="en-US" dirty="0"/>
-              <a:t>效能 </a:t>
-            </a:r>
-            <a:r>
-              <a:rPr lang="en-US" altLang="zh-TW" dirty="0"/>
-              <a:t>(3)</a:t>
-            </a:r>
-            <a:r>
-              <a:rPr lang="zh-TW" altLang="en-US" dirty="0"/>
-              <a:t>介面 </a:t>
-            </a:r>
-            <a:r>
-              <a:rPr lang="en-US" altLang="zh-TW" dirty="0"/>
-              <a:t>(4)</a:t>
-            </a:r>
-            <a:r>
-              <a:rPr lang="zh-TW" altLang="en-US" dirty="0"/>
-              <a:t>限制 </a:t>
-            </a:r>
-            <a:r>
-              <a:rPr lang="en-US" altLang="zh-TW" dirty="0"/>
-              <a:t>(5)</a:t>
-            </a:r>
-            <a:r>
-              <a:rPr lang="zh-TW" altLang="en-US" dirty="0"/>
-              <a:t>驗收方法</a:t>
-            </a:r>
-            <a:endParaRPr lang="en-US" altLang="zh-TW" dirty="0"/>
-          </a:p>
-          <a:p>
-            <a:pPr lvl="1"/>
-            <a:r>
-              <a:rPr lang="zh-TW" altLang="en-US" dirty="0"/>
-              <a:t>專案系統分析 </a:t>
-            </a:r>
-            <a:r>
-              <a:rPr lang="en-US" altLang="zh-TW" dirty="0"/>
-              <a:t>:</a:t>
-            </a:r>
-            <a:r>
-              <a:rPr lang="zh-TW" altLang="en-US" dirty="0"/>
-              <a:t> </a:t>
-            </a:r>
-            <a:r>
-              <a:rPr lang="en-US" altLang="zh-TW" dirty="0"/>
-              <a:t>(1)Breakdown (2)Architecture(3)Workflow</a:t>
-            </a:r>
-          </a:p>
-          <a:p>
-            <a:pPr lvl="1"/>
-            <a:r>
-              <a:rPr lang="zh-TW" altLang="en-US" dirty="0"/>
-              <a:t>設計</a:t>
-            </a:r>
-            <a:r>
-              <a:rPr lang="en-US" altLang="zh-TW" dirty="0"/>
-              <a:t>IP(CCL)</a:t>
-            </a:r>
-            <a:endParaRPr lang="zh-TW" altLang="en-US" dirty="0"/>
-          </a:p>
-          <a:p>
-            <a:pPr marL="0" indent="-84600">
-              <a:buNone/>
-            </a:pPr>
-            <a:endParaRPr lang="zh-TW" altLang="en-US" dirty="0"/>
-          </a:p>
-          <a:p>
-            <a:pPr lvl="1"/>
-            <a:endParaRPr lang="en-US" altLang="zh-TW" dirty="0"/>
-          </a:p>
-        </p:txBody>
-      </p:sp>
-      <p:sp>
-        <p:nvSpPr>
-          <p:cNvPr id="3" name="標題 2">
-            <a:extLst>
-              <a:ext uri="{FF2B5EF4-FFF2-40B4-BE49-F238E27FC236}">
-                <a16:creationId xmlns:a16="http://schemas.microsoft.com/office/drawing/2014/main" id="{D7232380-22D4-47E6-A40E-ABF38AB200C3}"/>
-              </a:ext>
-            </a:extLst>
-          </p:cNvPr>
-          <p:cNvSpPr>
-            <a:spLocks noGrp="1"/>
-          </p:cNvSpPr>
-          <p:nvPr>
-            <p:ph type="title"/>
-          </p:nvPr>
-        </p:nvSpPr>
-        <p:spPr/>
-        <p:txBody>
-          <a:bodyPr/>
-          <a:lstStyle/>
-          <a:p>
-            <a:r>
-              <a:rPr lang="en-US" altLang="zh-TW" dirty="0"/>
-              <a:t>To Do List</a:t>
-            </a:r>
-            <a:endParaRPr lang="zh-TW" altLang="en-US" dirty="0"/>
-          </a:p>
-        </p:txBody>
-      </p:sp>
-      <p:sp>
-        <p:nvSpPr>
-          <p:cNvPr id="4" name="投影片編號版面配置區 3">
-            <a:extLst>
-              <a:ext uri="{FF2B5EF4-FFF2-40B4-BE49-F238E27FC236}">
-                <a16:creationId xmlns:a16="http://schemas.microsoft.com/office/drawing/2014/main" id="{CC364F06-FBAE-41F1-9123-C093E43ADC15}"/>
-              </a:ext>
-            </a:extLst>
-          </p:cNvPr>
-          <p:cNvSpPr>
-            <a:spLocks noGrp="1"/>
-          </p:cNvSpPr>
-          <p:nvPr>
-            <p:ph type="sldNum" sz="quarter" idx="12"/>
-          </p:nvPr>
-        </p:nvSpPr>
-        <p:spPr/>
-        <p:txBody>
-          <a:bodyPr/>
-          <a:lstStyle/>
-          <a:p>
-            <a:fld id="{90F9E983-480B-48C5-9E0F-D21C0DFBB5C0}" type="slidenum">
-              <a:rPr lang="zh-TW" altLang="en-US" smtClean="0"/>
-              <a:t>2</a:t>
-            </a:fld>
-            <a:endParaRPr lang="zh-TW" altLang="en-US"/>
-          </a:p>
-        </p:txBody>
-      </p:sp>
-    </p:spTree>
-    <p:extLst>
-      <p:ext uri="{BB962C8B-B14F-4D97-AF65-F5344CB8AC3E}">
-        <p14:creationId xmlns:p14="http://schemas.microsoft.com/office/powerpoint/2010/main" val="532258986"/>
-      </p:ext>
-    </p:extLst>
-  </p:cSld>
-  <p:clrMapOvr>
-    <a:masterClrMapping/>
-  </p:clrMapOvr>
-  <mc:AlternateContent xmlns:mc="http://schemas.openxmlformats.org/markup-compatibility/2006" xmlns:p14="http://schemas.microsoft.com/office/powerpoint/2010/main">
-    <mc:Choice Requires="p14">
-      <p:transition spd="slow" p14:dur="2000">
-        <p:cut/>
-      </p:transition>
-    </mc:Choice>
-    <mc:Fallback xmlns="">
-      <p:transition spd="slow">
-        <p:cut/>
-      </p:transition>
-    </mc:Fallback>
-  </mc:AlternateContent>
-</p:sld>
-</file>
-
-<file path=ppt/slides/slide20.xml><?xml version="1.0" encoding="utf-8"?>
+<file path=ppt/slides/slide21.xml><?xml version="1.0" encoding="utf-8"?>
 <p:sld xmlns:a="http://schemas.openxmlformats.org/drawingml/2006/main" xmlns:r="http://schemas.openxmlformats.org/officeDocument/2006/relationships" xmlns:p="http://schemas.openxmlformats.org/presentationml/2006/main">
   <p:cSld>
     <p:spTree>
@@ -7711,7 +8491,7 @@
           <a:p>
             <a:fld id="{90F9E983-480B-48C5-9E0F-D21C0DFBB5C0}" type="slidenum">
               <a:rPr lang="zh-TW" altLang="en-US" smtClean="0"/>
-              <a:t>20</a:t>
+              <a:t>21</a:t>
             </a:fld>
             <a:endParaRPr lang="zh-TW" altLang="en-US"/>
           </a:p>
@@ -8007,22 +8787,22 @@
   <p:clrMapOvr>
     <a:masterClrMapping/>
   </p:clrMapOvr>
-  <mc:AlternateContent xmlns:mc="http://schemas.openxmlformats.org/markup-compatibility/2006" xmlns:p14="http://schemas.microsoft.com/office/powerpoint/2010/main">
-    <mc:Choice Requires="p14">
-      <p:transition spd="slow" p14:dur="2000">
-        <p:cut/>
+  <mc:AlternateContent xmlns:mc="http://schemas.openxmlformats.org/markup-compatibility/2006">
+    <mc:Choice xmlns:p14="http://schemas.microsoft.com/office/powerpoint/2010/main" Requires="p14">
+      <p:transition spd="slow">
+        <p14:reveal/>
       </p:transition>
     </mc:Choice>
-    <mc:Fallback xmlns="">
+    <mc:Fallback>
       <p:transition spd="slow">
-        <p:cut/>
+        <p:fade/>
       </p:transition>
     </mc:Fallback>
   </mc:AlternateContent>
 </p:sld>
 </file>
 
-<file path=ppt/slides/slide21.xml><?xml version="1.0" encoding="utf-8"?>
+<file path=ppt/slides/slide22.xml><?xml version="1.0" encoding="utf-8"?>
 <p:sld xmlns:a="http://schemas.openxmlformats.org/drawingml/2006/main" xmlns:r="http://schemas.openxmlformats.org/officeDocument/2006/relationships" xmlns:p="http://schemas.openxmlformats.org/presentationml/2006/main">
   <p:cSld>
     <p:spTree>
@@ -8149,7 +8929,7 @@
           <a:p>
             <a:fld id="{90F9E983-480B-48C5-9E0F-D21C0DFBB5C0}" type="slidenum">
               <a:rPr lang="zh-TW" altLang="en-US" smtClean="0"/>
-              <a:t>21</a:t>
+              <a:t>22</a:t>
             </a:fld>
             <a:endParaRPr lang="zh-TW" altLang="en-US"/>
           </a:p>
@@ -8418,22 +9198,22 @@
   <p:clrMapOvr>
     <a:masterClrMapping/>
   </p:clrMapOvr>
-  <mc:AlternateContent xmlns:mc="http://schemas.openxmlformats.org/markup-compatibility/2006" xmlns:p14="http://schemas.microsoft.com/office/powerpoint/2010/main">
-    <mc:Choice Requires="p14">
-      <p:transition spd="slow" p14:dur="2000">
-        <p:cut/>
+  <mc:AlternateContent xmlns:mc="http://schemas.openxmlformats.org/markup-compatibility/2006">
+    <mc:Choice xmlns:p14="http://schemas.microsoft.com/office/powerpoint/2010/main" Requires="p14">
+      <p:transition spd="slow">
+        <p14:reveal/>
       </p:transition>
     </mc:Choice>
-    <mc:Fallback xmlns="">
+    <mc:Fallback>
       <p:transition spd="slow">
-        <p:cut/>
+        <p:fade/>
       </p:transition>
     </mc:Fallback>
   </mc:AlternateContent>
 </p:sld>
 </file>
 
-<file path=ppt/slides/slide22.xml><?xml version="1.0" encoding="utf-8"?>
+<file path=ppt/slides/slide23.xml><?xml version="1.0" encoding="utf-8"?>
 <p:sld xmlns:a="http://schemas.openxmlformats.org/drawingml/2006/main" xmlns:r="http://schemas.openxmlformats.org/officeDocument/2006/relationships" xmlns:p="http://schemas.openxmlformats.org/presentationml/2006/main">
   <p:cSld>
     <p:spTree>
@@ -8682,7 +9462,7 @@
           <a:p>
             <a:fld id="{90F9E983-480B-48C5-9E0F-D21C0DFBB5C0}" type="slidenum">
               <a:rPr lang="zh-TW" altLang="en-US" smtClean="0"/>
-              <a:t>22</a:t>
+              <a:t>23</a:t>
             </a:fld>
             <a:endParaRPr lang="zh-TW" altLang="en-US"/>
           </a:p>
@@ -8821,22 +9601,22 @@
   <p:clrMapOvr>
     <a:masterClrMapping/>
   </p:clrMapOvr>
-  <mc:AlternateContent xmlns:mc="http://schemas.openxmlformats.org/markup-compatibility/2006" xmlns:p14="http://schemas.microsoft.com/office/powerpoint/2010/main">
-    <mc:Choice Requires="p14">
-      <p:transition spd="slow" p14:dur="2000">
-        <p:cut/>
+  <mc:AlternateContent xmlns:mc="http://schemas.openxmlformats.org/markup-compatibility/2006">
+    <mc:Choice xmlns:p14="http://schemas.microsoft.com/office/powerpoint/2010/main" Requires="p14">
+      <p:transition spd="slow">
+        <p14:reveal/>
       </p:transition>
     </mc:Choice>
-    <mc:Fallback xmlns="">
+    <mc:Fallback>
       <p:transition spd="slow">
-        <p:cut/>
+        <p:fade/>
       </p:transition>
     </mc:Fallback>
   </mc:AlternateContent>
 </p:sld>
 </file>
 
-<file path=ppt/slides/slide23.xml><?xml version="1.0" encoding="utf-8"?>
+<file path=ppt/slides/slide24.xml><?xml version="1.0" encoding="utf-8"?>
 <p:sld xmlns:a="http://schemas.openxmlformats.org/drawingml/2006/main" xmlns:r="http://schemas.openxmlformats.org/officeDocument/2006/relationships" xmlns:p="http://schemas.openxmlformats.org/presentationml/2006/main">
   <p:cSld>
     <p:spTree>
@@ -8963,7 +9743,7 @@
           <a:p>
             <a:fld id="{90F9E983-480B-48C5-9E0F-D21C0DFBB5C0}" type="slidenum">
               <a:rPr lang="zh-TW" altLang="en-US" smtClean="0"/>
-              <a:t>23</a:t>
+              <a:t>24</a:t>
             </a:fld>
             <a:endParaRPr lang="zh-TW" altLang="en-US"/>
           </a:p>
@@ -9232,22 +10012,22 @@
   <p:clrMapOvr>
     <a:masterClrMapping/>
   </p:clrMapOvr>
-  <mc:AlternateContent xmlns:mc="http://schemas.openxmlformats.org/markup-compatibility/2006" xmlns:p14="http://schemas.microsoft.com/office/powerpoint/2010/main">
-    <mc:Choice Requires="p14">
-      <p:transition spd="slow" p14:dur="2000">
-        <p:cut/>
+  <mc:AlternateContent xmlns:mc="http://schemas.openxmlformats.org/markup-compatibility/2006">
+    <mc:Choice xmlns:p14="http://schemas.microsoft.com/office/powerpoint/2010/main" Requires="p14">
+      <p:transition spd="slow">
+        <p14:reveal/>
       </p:transition>
     </mc:Choice>
-    <mc:Fallback xmlns="">
+    <mc:Fallback>
       <p:transition spd="slow">
-        <p:cut/>
+        <p:fade/>
       </p:transition>
     </mc:Fallback>
   </mc:AlternateContent>
 </p:sld>
 </file>
 
-<file path=ppt/slides/slide24.xml><?xml version="1.0" encoding="utf-8"?>
+<file path=ppt/slides/slide25.xml><?xml version="1.0" encoding="utf-8"?>
 <p:sld xmlns:a="http://schemas.openxmlformats.org/drawingml/2006/main" xmlns:r="http://schemas.openxmlformats.org/officeDocument/2006/relationships" xmlns:p="http://schemas.openxmlformats.org/presentationml/2006/main">
   <p:cSld>
     <p:spTree>
@@ -9395,7 +10175,7 @@
           <a:p>
             <a:fld id="{90F9E983-480B-48C5-9E0F-D21C0DFBB5C0}" type="slidenum">
               <a:rPr lang="zh-TW" altLang="en-US" smtClean="0"/>
-              <a:t>24</a:t>
+              <a:t>25</a:t>
             </a:fld>
             <a:endParaRPr lang="zh-TW" altLang="en-US"/>
           </a:p>
@@ -9411,15 +10191,15 @@
   <p:clrMapOvr>
     <a:masterClrMapping/>
   </p:clrMapOvr>
-  <mc:AlternateContent xmlns:mc="http://schemas.openxmlformats.org/markup-compatibility/2006" xmlns:p14="http://schemas.microsoft.com/office/powerpoint/2010/main">
-    <mc:Choice Requires="p14">
-      <p:transition spd="slow" p14:dur="2000">
-        <p:cut/>
+  <mc:AlternateContent xmlns:mc="http://schemas.openxmlformats.org/markup-compatibility/2006">
+    <mc:Choice xmlns:p14="http://schemas.microsoft.com/office/powerpoint/2010/main" Requires="p14">
+      <p:transition spd="slow">
+        <p14:reveal/>
       </p:transition>
     </mc:Choice>
-    <mc:Fallback xmlns="">
+    <mc:Fallback>
       <p:transition spd="slow">
-        <p:cut/>
+        <p:fade/>
       </p:transition>
     </mc:Fallback>
   </mc:AlternateContent>
@@ -9543,15 +10323,15 @@
   <p:clrMapOvr>
     <a:masterClrMapping/>
   </p:clrMapOvr>
-  <mc:AlternateContent xmlns:mc="http://schemas.openxmlformats.org/markup-compatibility/2006" xmlns:p14="http://schemas.microsoft.com/office/powerpoint/2010/main">
-    <mc:Choice Requires="p14">
-      <p:transition spd="slow" p14:dur="2000">
-        <p:cut/>
+  <mc:AlternateContent xmlns:mc="http://schemas.openxmlformats.org/markup-compatibility/2006">
+    <mc:Choice xmlns:p14="http://schemas.microsoft.com/office/powerpoint/2010/main" Requires="p14">
+      <p:transition spd="slow">
+        <p14:reveal/>
       </p:transition>
     </mc:Choice>
-    <mc:Fallback xmlns="">
+    <mc:Fallback>
       <p:transition spd="slow">
-        <p:cut/>
+        <p:fade/>
       </p:transition>
     </mc:Fallback>
   </mc:AlternateContent>
@@ -10438,13 +11218,13 @@
   <p:clrMapOvr>
     <a:masterClrMapping/>
   </p:clrMapOvr>
-  <mc:AlternateContent xmlns:mc="http://schemas.openxmlformats.org/markup-compatibility/2006" xmlns:p159="http://schemas.microsoft.com/office/powerpoint/2015/09/main">
-    <mc:Choice Requires="p159">
-      <p:transition xmlns:p14="http://schemas.microsoft.com/office/powerpoint/2010/main" spd="slow" p14:dur="2000">
-        <p159:morph option="byObject"/>
+  <mc:AlternateContent xmlns:mc="http://schemas.openxmlformats.org/markup-compatibility/2006">
+    <mc:Choice xmlns:p14="http://schemas.microsoft.com/office/powerpoint/2010/main" Requires="p14">
+      <p:transition spd="slow">
+        <p14:reveal/>
       </p:transition>
     </mc:Choice>
-    <mc:Fallback xmlns="">
+    <mc:Fallback>
       <p:transition spd="slow">
         <p:fade/>
       </p:transition>
@@ -11243,13 +12023,13 @@
   <p:clrMapOvr>
     <a:masterClrMapping/>
   </p:clrMapOvr>
-  <mc:AlternateContent xmlns:mc="http://schemas.openxmlformats.org/markup-compatibility/2006" xmlns:p159="http://schemas.microsoft.com/office/powerpoint/2015/09/main">
-    <mc:Choice Requires="p159">
-      <p:transition xmlns:p14="http://schemas.microsoft.com/office/powerpoint/2010/main" spd="slow" p14:dur="2000">
-        <p159:morph option="byObject"/>
+  <mc:AlternateContent xmlns:mc="http://schemas.openxmlformats.org/markup-compatibility/2006">
+    <mc:Choice xmlns:p14="http://schemas.microsoft.com/office/powerpoint/2010/main" Requires="p14">
+      <p:transition spd="slow">
+        <p14:reveal/>
       </p:transition>
     </mc:Choice>
-    <mc:Fallback xmlns="">
+    <mc:Fallback>
       <p:transition spd="slow">
         <p:fade/>
       </p:transition>
@@ -11945,13 +12725,13 @@
   <p:clrMapOvr>
     <a:masterClrMapping/>
   </p:clrMapOvr>
-  <mc:AlternateContent xmlns:mc="http://schemas.openxmlformats.org/markup-compatibility/2006" xmlns:p159="http://schemas.microsoft.com/office/powerpoint/2015/09/main">
-    <mc:Choice Requires="p159">
-      <p:transition xmlns:p14="http://schemas.microsoft.com/office/powerpoint/2010/main" spd="slow" p14:dur="2000">
-        <p159:morph option="byObject"/>
+  <mc:AlternateContent xmlns:mc="http://schemas.openxmlformats.org/markup-compatibility/2006">
+    <mc:Choice xmlns:p14="http://schemas.microsoft.com/office/powerpoint/2010/main" Requires="p14">
+      <p:transition spd="slow">
+        <p14:reveal/>
       </p:transition>
     </mc:Choice>
-    <mc:Fallback xmlns="">
+    <mc:Fallback>
       <p:transition spd="slow">
         <p:fade/>
       </p:transition>
@@ -12636,13 +13416,13 @@
   <p:clrMapOvr>
     <a:masterClrMapping/>
   </p:clrMapOvr>
-  <mc:AlternateContent xmlns:mc="http://schemas.openxmlformats.org/markup-compatibility/2006" xmlns:p159="http://schemas.microsoft.com/office/powerpoint/2015/09/main">
-    <mc:Choice Requires="p159">
-      <p:transition xmlns:p14="http://schemas.microsoft.com/office/powerpoint/2010/main" spd="slow" p14:dur="2000">
-        <p159:morph option="byObject"/>
+  <mc:AlternateContent xmlns:mc="http://schemas.openxmlformats.org/markup-compatibility/2006">
+    <mc:Choice xmlns:p14="http://schemas.microsoft.com/office/powerpoint/2010/main" Requires="p14">
+      <p:transition spd="slow">
+        <p14:reveal/>
       </p:transition>
     </mc:Choice>
-    <mc:Fallback xmlns="">
+    <mc:Fallback>
       <p:transition spd="slow">
         <p:fade/>
       </p:transition>
@@ -13274,13 +14054,13 @@
   <p:clrMapOvr>
     <a:masterClrMapping/>
   </p:clrMapOvr>
-  <mc:AlternateContent xmlns:mc="http://schemas.openxmlformats.org/markup-compatibility/2006" xmlns:p159="http://schemas.microsoft.com/office/powerpoint/2015/09/main">
-    <mc:Choice Requires="p159">
-      <p:transition xmlns:p14="http://schemas.microsoft.com/office/powerpoint/2010/main" spd="slow" p14:dur="2000">
-        <p159:morph option="byObject"/>
+  <mc:AlternateContent xmlns:mc="http://schemas.openxmlformats.org/markup-compatibility/2006">
+    <mc:Choice xmlns:p14="http://schemas.microsoft.com/office/powerpoint/2010/main" Requires="p14">
+      <p:transition spd="slow">
+        <p14:reveal/>
       </p:transition>
     </mc:Choice>
-    <mc:Fallback xmlns="">
+    <mc:Fallback>
       <p:transition spd="slow">
         <p:fade/>
       </p:transition>
@@ -13843,13 +14623,13 @@
   <p:clrMapOvr>
     <a:masterClrMapping/>
   </p:clrMapOvr>
-  <mc:AlternateContent xmlns:mc="http://schemas.openxmlformats.org/markup-compatibility/2006" xmlns:p159="http://schemas.microsoft.com/office/powerpoint/2015/09/main">
-    <mc:Choice Requires="p159">
-      <p:transition xmlns:p14="http://schemas.microsoft.com/office/powerpoint/2010/main" spd="slow" p14:dur="2000">
-        <p159:morph option="byObject"/>
+  <mc:AlternateContent xmlns:mc="http://schemas.openxmlformats.org/markup-compatibility/2006">
+    <mc:Choice xmlns:p14="http://schemas.microsoft.com/office/powerpoint/2010/main" Requires="p14">
+      <p:transition spd="slow">
+        <p14:reveal/>
       </p:transition>
     </mc:Choice>
-    <mc:Fallback xmlns="">
+    <mc:Fallback>
       <p:transition spd="slow">
         <p:fade/>
       </p:transition>

--- a/final_project/N03-DevelopmentLog/SoC_Final_project.pptx
+++ b/final_project/N03-DevelopmentLog/SoC_Final_project.pptx
@@ -5,7 +5,7 @@
     <p:sldMasterId id="2147483660" r:id="rId1"/>
   </p:sldMasterIdLst>
   <p:notesMasterIdLst>
-    <p:notesMasterId r:id="rId27"/>
+    <p:notesMasterId r:id="rId40"/>
   </p:notesMasterIdLst>
   <p:sldIdLst>
     <p:sldId id="1398" r:id="rId2"/>
@@ -23,16 +23,29 @@
     <p:sldId id="1733" r:id="rId14"/>
     <p:sldId id="1734" r:id="rId15"/>
     <p:sldId id="1743" r:id="rId16"/>
-    <p:sldId id="1394" r:id="rId17"/>
-    <p:sldId id="1722" r:id="rId18"/>
-    <p:sldId id="1723" r:id="rId19"/>
-    <p:sldId id="1724" r:id="rId20"/>
-    <p:sldId id="1725" r:id="rId21"/>
-    <p:sldId id="1726" r:id="rId22"/>
-    <p:sldId id="1728" r:id="rId23"/>
-    <p:sldId id="1729" r:id="rId24"/>
-    <p:sldId id="1727" r:id="rId25"/>
-    <p:sldId id="1396" r:id="rId26"/>
+    <p:sldId id="1745" r:id="rId17"/>
+    <p:sldId id="1746" r:id="rId18"/>
+    <p:sldId id="1747" r:id="rId19"/>
+    <p:sldId id="1748" r:id="rId20"/>
+    <p:sldId id="1749" r:id="rId21"/>
+    <p:sldId id="1750" r:id="rId22"/>
+    <p:sldId id="1751" r:id="rId23"/>
+    <p:sldId id="1752" r:id="rId24"/>
+    <p:sldId id="1753" r:id="rId25"/>
+    <p:sldId id="1754" r:id="rId26"/>
+    <p:sldId id="1755" r:id="rId27"/>
+    <p:sldId id="1756" r:id="rId28"/>
+    <p:sldId id="1394" r:id="rId29"/>
+    <p:sldId id="1722" r:id="rId30"/>
+    <p:sldId id="1723" r:id="rId31"/>
+    <p:sldId id="1724" r:id="rId32"/>
+    <p:sldId id="1725" r:id="rId33"/>
+    <p:sldId id="1726" r:id="rId34"/>
+    <p:sldId id="1728" r:id="rId35"/>
+    <p:sldId id="1729" r:id="rId36"/>
+    <p:sldId id="1727" r:id="rId37"/>
+    <p:sldId id="1396" r:id="rId38"/>
+    <p:sldId id="1757" r:id="rId39"/>
   </p:sldIdLst>
   <p:sldSz cx="12192000" cy="6858000"/>
   <p:notesSz cx="6858000" cy="9144000"/>
@@ -165,6 +178,26 @@
             <p14:sldId id="1743"/>
           </p14:sldIdLst>
         </p14:section>
+        <p14:section name="API" id="{ABDAE2EF-169D-466B-AA9E-3C551529E658}">
+          <p14:sldIdLst>
+            <p14:sldId id="1745"/>
+            <p14:sldId id="1746"/>
+            <p14:sldId id="1747"/>
+            <p14:sldId id="1748"/>
+            <p14:sldId id="1749"/>
+            <p14:sldId id="1750"/>
+            <p14:sldId id="1751"/>
+            <p14:sldId id="1752"/>
+            <p14:sldId id="1753"/>
+            <p14:sldId id="1754"/>
+            <p14:sldId id="1755"/>
+          </p14:sldIdLst>
+        </p14:section>
+        <p14:section name="Driver" id="{C2100382-92E4-4B7D-A36D-6F837E716F30}">
+          <p14:sldIdLst>
+            <p14:sldId id="1756"/>
+          </p14:sldIdLst>
+        </p14:section>
         <p14:section name="2023/11/09~2023/11/16" id="{F2DE3FD5-1513-4EEE-9662-3000EF2460FE}">
           <p14:sldIdLst>
             <p14:sldId id="1394"/>
@@ -177,6 +210,11 @@
             <p14:sldId id="1729"/>
             <p14:sldId id="1727"/>
             <p14:sldId id="1396"/>
+          </p14:sldIdLst>
+        </p14:section>
+        <p14:section name="參考資料" id="{E9C89E05-6566-4109-B7DA-B2749F03ADA2}">
+          <p14:sldIdLst>
+            <p14:sldId id="1757"/>
           </p14:sldIdLst>
         </p14:section>
       </p14:sectionLst>
@@ -270,7 +308,7 @@
           <a:p>
             <a:fld id="{5B76B9C2-8CBA-466A-AF0E-975D77387BB5}" type="datetimeFigureOut">
               <a:rPr lang="zh-TW" altLang="en-US" smtClean="0"/>
-              <a:t>2023/11/30</a:t>
+              <a:t>2023/12/7</a:t>
             </a:fld>
             <a:endParaRPr lang="zh-TW" altLang="en-US"/>
           </a:p>
@@ -537,6 +575,90 @@
 </p:notesMaster>
 </file>
 
+<file path=ppt/notesSlides/notesSlide1.xml><?xml version="1.0" encoding="utf-8"?>
+<p:notes xmlns:a="http://schemas.openxmlformats.org/drawingml/2006/main" xmlns:r="http://schemas.openxmlformats.org/officeDocument/2006/relationships" xmlns:p="http://schemas.openxmlformats.org/presentationml/2006/main">
+  <p:cSld>
+    <p:spTree>
+      <p:nvGrpSpPr>
+        <p:cNvPr id="1" name=""/>
+        <p:cNvGrpSpPr/>
+        <p:nvPr/>
+      </p:nvGrpSpPr>
+      <p:grpSpPr>
+        <a:xfrm>
+          <a:off x="0" y="0"/>
+          <a:ext cx="0" cy="0"/>
+          <a:chOff x="0" y="0"/>
+          <a:chExt cx="0" cy="0"/>
+        </a:xfrm>
+      </p:grpSpPr>
+      <p:sp>
+        <p:nvSpPr>
+          <p:cNvPr id="2" name="投影片影像版面配置區 1"/>
+          <p:cNvSpPr>
+            <a:spLocks noGrp="1" noRot="1" noChangeAspect="1"/>
+          </p:cNvSpPr>
+          <p:nvPr>
+            <p:ph type="sldImg"/>
+          </p:nvPr>
+        </p:nvSpPr>
+        <p:spPr/>
+      </p:sp>
+      <p:sp>
+        <p:nvSpPr>
+          <p:cNvPr id="3" name="備忘稿版面配置區 2"/>
+          <p:cNvSpPr>
+            <a:spLocks noGrp="1"/>
+          </p:cNvSpPr>
+          <p:nvPr>
+            <p:ph type="body" idx="1"/>
+          </p:nvPr>
+        </p:nvSpPr>
+        <p:spPr/>
+        <p:txBody>
+          <a:bodyPr/>
+          <a:lstStyle/>
+          <a:p>
+            <a:endParaRPr lang="zh-TW" altLang="en-US" dirty="0"/>
+          </a:p>
+        </p:txBody>
+      </p:sp>
+      <p:sp>
+        <p:nvSpPr>
+          <p:cNvPr id="4" name="投影片編號版面配置區 3"/>
+          <p:cNvSpPr>
+            <a:spLocks noGrp="1"/>
+          </p:cNvSpPr>
+          <p:nvPr>
+            <p:ph type="sldNum" sz="quarter" idx="5"/>
+          </p:nvPr>
+        </p:nvSpPr>
+        <p:spPr/>
+        <p:txBody>
+          <a:bodyPr/>
+          <a:lstStyle/>
+          <a:p>
+            <a:fld id="{76A2EB12-D8C3-4565-970E-E4564FBE40D4}" type="slidenum">
+              <a:rPr lang="zh-TW" altLang="en-US" smtClean="0"/>
+              <a:t>11</a:t>
+            </a:fld>
+            <a:endParaRPr lang="zh-TW" altLang="en-US"/>
+          </a:p>
+        </p:txBody>
+      </p:sp>
+    </p:spTree>
+    <p:extLst>
+      <p:ext uri="{BB962C8B-B14F-4D97-AF65-F5344CB8AC3E}">
+        <p14:creationId xmlns:p14="http://schemas.microsoft.com/office/powerpoint/2010/main" val="1454435985"/>
+      </p:ext>
+    </p:extLst>
+  </p:cSld>
+  <p:clrMapOvr>
+    <a:masterClrMapping/>
+  </p:clrMapOvr>
+</p:notes>
+</file>
+
 <file path=ppt/slideLayouts/slideLayout1.xml><?xml version="1.0" encoding="utf-8"?>
 <p:sldLayout xmlns:a="http://schemas.openxmlformats.org/drawingml/2006/main" xmlns:r="http://schemas.openxmlformats.org/officeDocument/2006/relationships" xmlns:p="http://schemas.openxmlformats.org/presentationml/2006/main" type="title" preserve="1">
   <p:cSld name="標題投影片">
@@ -673,7 +795,7 @@
           <a:p>
             <a:fld id="{76DB1E62-041B-47B5-8407-B11F18F7E90B}" type="datetimeFigureOut">
               <a:rPr lang="zh-TW" altLang="en-US" smtClean="0"/>
-              <a:t>2023/11/30</a:t>
+              <a:t>2023/12/7</a:t>
             </a:fld>
             <a:endParaRPr lang="zh-TW" altLang="en-US"/>
           </a:p>
@@ -731,13 +853,13 @@
   <p:clrMapOvr>
     <a:masterClrMapping/>
   </p:clrMapOvr>
-  <mc:AlternateContent xmlns:mc="http://schemas.openxmlformats.org/markup-compatibility/2006">
-    <mc:Choice xmlns:p14="http://schemas.microsoft.com/office/powerpoint/2010/main" Requires="p14">
+  <mc:AlternateContent xmlns:mc="http://schemas.openxmlformats.org/markup-compatibility/2006" xmlns:p14="http://schemas.microsoft.com/office/powerpoint/2010/main">
+    <mc:Choice Requires="p14">
       <p:transition spd="slow">
         <p14:reveal/>
       </p:transition>
     </mc:Choice>
-    <mc:Fallback>
+    <mc:Fallback xmlns="">
       <p:transition spd="slow">
         <p:fade/>
       </p:transition>
@@ -853,7 +975,7 @@
           <a:p>
             <a:fld id="{76DB1E62-041B-47B5-8407-B11F18F7E90B}" type="datetimeFigureOut">
               <a:rPr lang="zh-TW" altLang="en-US" smtClean="0"/>
-              <a:t>2023/11/30</a:t>
+              <a:t>2023/12/7</a:t>
             </a:fld>
             <a:endParaRPr lang="zh-TW" altLang="en-US"/>
           </a:p>
@@ -911,13 +1033,13 @@
   <p:clrMapOvr>
     <a:masterClrMapping/>
   </p:clrMapOvr>
-  <mc:AlternateContent xmlns:mc="http://schemas.openxmlformats.org/markup-compatibility/2006">
-    <mc:Choice xmlns:p14="http://schemas.microsoft.com/office/powerpoint/2010/main" Requires="p14">
+  <mc:AlternateContent xmlns:mc="http://schemas.openxmlformats.org/markup-compatibility/2006" xmlns:p14="http://schemas.microsoft.com/office/powerpoint/2010/main">
+    <mc:Choice Requires="p14">
       <p:transition spd="slow">
         <p14:reveal/>
       </p:transition>
     </mc:Choice>
-    <mc:Fallback>
+    <mc:Fallback xmlns="">
       <p:transition spd="slow">
         <p:fade/>
       </p:transition>
@@ -1043,7 +1165,7 @@
           <a:p>
             <a:fld id="{76DB1E62-041B-47B5-8407-B11F18F7E90B}" type="datetimeFigureOut">
               <a:rPr lang="zh-TW" altLang="en-US" smtClean="0"/>
-              <a:t>2023/11/30</a:t>
+              <a:t>2023/12/7</a:t>
             </a:fld>
             <a:endParaRPr lang="zh-TW" altLang="en-US"/>
           </a:p>
@@ -1101,13 +1223,13 @@
   <p:clrMapOvr>
     <a:masterClrMapping/>
   </p:clrMapOvr>
-  <mc:AlternateContent xmlns:mc="http://schemas.openxmlformats.org/markup-compatibility/2006">
-    <mc:Choice xmlns:p14="http://schemas.microsoft.com/office/powerpoint/2010/main" Requires="p14">
+  <mc:AlternateContent xmlns:mc="http://schemas.openxmlformats.org/markup-compatibility/2006" xmlns:p14="http://schemas.microsoft.com/office/powerpoint/2010/main">
+    <mc:Choice Requires="p14">
       <p:transition spd="slow">
         <p14:reveal/>
       </p:transition>
     </mc:Choice>
-    <mc:Fallback>
+    <mc:Fallback xmlns="">
       <p:transition spd="slow">
         <p:fade/>
       </p:transition>
@@ -1252,7 +1374,7 @@
           <a:p>
             <a:fld id="{76DB1E62-041B-47B5-8407-B11F18F7E90B}" type="datetimeFigureOut">
               <a:rPr lang="zh-TW" altLang="en-US" smtClean="0"/>
-              <a:t>2023/11/30</a:t>
+              <a:t>2023/12/7</a:t>
             </a:fld>
             <a:endParaRPr lang="zh-TW" altLang="en-US"/>
           </a:p>
@@ -1310,13 +1432,13 @@
   <p:clrMapOvr>
     <a:masterClrMapping/>
   </p:clrMapOvr>
-  <mc:AlternateContent xmlns:mc="http://schemas.openxmlformats.org/markup-compatibility/2006">
-    <mc:Choice xmlns:p14="http://schemas.microsoft.com/office/powerpoint/2010/main" Requires="p14">
+  <mc:AlternateContent xmlns:mc="http://schemas.openxmlformats.org/markup-compatibility/2006" xmlns:p14="http://schemas.microsoft.com/office/powerpoint/2010/main">
+    <mc:Choice Requires="p14">
       <p:transition spd="slow">
         <p14:reveal/>
       </p:transition>
     </mc:Choice>
-    <mc:Fallback>
+    <mc:Fallback xmlns="">
       <p:transition spd="slow">
         <p:fade/>
       </p:transition>
@@ -1509,7 +1631,7 @@
           <a:p>
             <a:fld id="{76DB1E62-041B-47B5-8407-B11F18F7E90B}" type="datetimeFigureOut">
               <a:rPr lang="zh-TW" altLang="en-US" smtClean="0"/>
-              <a:t>2023/11/30</a:t>
+              <a:t>2023/12/7</a:t>
             </a:fld>
             <a:endParaRPr lang="zh-TW" altLang="en-US"/>
           </a:p>
@@ -1567,13 +1689,13 @@
   <p:clrMapOvr>
     <a:masterClrMapping/>
   </p:clrMapOvr>
-  <mc:AlternateContent xmlns:mc="http://schemas.openxmlformats.org/markup-compatibility/2006">
-    <mc:Choice xmlns:p14="http://schemas.microsoft.com/office/powerpoint/2010/main" Requires="p14">
+  <mc:AlternateContent xmlns:mc="http://schemas.openxmlformats.org/markup-compatibility/2006" xmlns:p14="http://schemas.microsoft.com/office/powerpoint/2010/main">
+    <mc:Choice Requires="p14">
       <p:transition spd="slow">
         <p14:reveal/>
       </p:transition>
     </mc:Choice>
-    <mc:Fallback>
+    <mc:Fallback xmlns="">
       <p:transition spd="slow">
         <p:fade/>
       </p:transition>
@@ -1750,7 +1872,7 @@
           <a:p>
             <a:fld id="{76DB1E62-041B-47B5-8407-B11F18F7E90B}" type="datetimeFigureOut">
               <a:rPr lang="zh-TW" altLang="en-US" smtClean="0"/>
-              <a:t>2023/11/30</a:t>
+              <a:t>2023/12/7</a:t>
             </a:fld>
             <a:endParaRPr lang="zh-TW" altLang="en-US"/>
           </a:p>
@@ -1808,13 +1930,13 @@
   <p:clrMapOvr>
     <a:masterClrMapping/>
   </p:clrMapOvr>
-  <mc:AlternateContent xmlns:mc="http://schemas.openxmlformats.org/markup-compatibility/2006">
-    <mc:Choice xmlns:p14="http://schemas.microsoft.com/office/powerpoint/2010/main" Requires="p14">
+  <mc:AlternateContent xmlns:mc="http://schemas.openxmlformats.org/markup-compatibility/2006" xmlns:p14="http://schemas.microsoft.com/office/powerpoint/2010/main">
+    <mc:Choice Requires="p14">
       <p:transition spd="slow">
         <p14:reveal/>
       </p:transition>
     </mc:Choice>
-    <mc:Fallback>
+    <mc:Fallback xmlns="">
       <p:transition spd="slow">
         <p:fade/>
       </p:transition>
@@ -2126,7 +2248,7 @@
           <a:p>
             <a:fld id="{76DB1E62-041B-47B5-8407-B11F18F7E90B}" type="datetimeFigureOut">
               <a:rPr lang="zh-TW" altLang="en-US" smtClean="0"/>
-              <a:t>2023/11/30</a:t>
+              <a:t>2023/12/7</a:t>
             </a:fld>
             <a:endParaRPr lang="zh-TW" altLang="en-US"/>
           </a:p>
@@ -2184,13 +2306,13 @@
   <p:clrMapOvr>
     <a:masterClrMapping/>
   </p:clrMapOvr>
-  <mc:AlternateContent xmlns:mc="http://schemas.openxmlformats.org/markup-compatibility/2006">
-    <mc:Choice xmlns:p14="http://schemas.microsoft.com/office/powerpoint/2010/main" Requires="p14">
+  <mc:AlternateContent xmlns:mc="http://schemas.openxmlformats.org/markup-compatibility/2006" xmlns:p14="http://schemas.microsoft.com/office/powerpoint/2010/main">
+    <mc:Choice Requires="p14">
       <p:transition spd="slow">
         <p14:reveal/>
       </p:transition>
     </mc:Choice>
-    <mc:Fallback>
+    <mc:Fallback xmlns="">
       <p:transition spd="slow">
         <p:fade/>
       </p:transition>
@@ -2255,7 +2377,7 @@
           <a:p>
             <a:fld id="{76DB1E62-041B-47B5-8407-B11F18F7E90B}" type="datetimeFigureOut">
               <a:rPr lang="zh-TW" altLang="en-US" smtClean="0"/>
-              <a:t>2023/11/30</a:t>
+              <a:t>2023/12/7</a:t>
             </a:fld>
             <a:endParaRPr lang="zh-TW" altLang="en-US"/>
           </a:p>
@@ -2313,13 +2435,13 @@
   <p:clrMapOvr>
     <a:masterClrMapping/>
   </p:clrMapOvr>
-  <mc:AlternateContent xmlns:mc="http://schemas.openxmlformats.org/markup-compatibility/2006">
-    <mc:Choice xmlns:p14="http://schemas.microsoft.com/office/powerpoint/2010/main" Requires="p14">
+  <mc:AlternateContent xmlns:mc="http://schemas.openxmlformats.org/markup-compatibility/2006" xmlns:p14="http://schemas.microsoft.com/office/powerpoint/2010/main">
+    <mc:Choice Requires="p14">
       <p:transition spd="slow">
         <p14:reveal/>
       </p:transition>
     </mc:Choice>
-    <mc:Fallback>
+    <mc:Fallback xmlns="">
       <p:transition spd="slow">
         <p:fade/>
       </p:transition>
@@ -2362,7 +2484,7 @@
           <a:p>
             <a:fld id="{76DB1E62-041B-47B5-8407-B11F18F7E90B}" type="datetimeFigureOut">
               <a:rPr lang="zh-TW" altLang="en-US" smtClean="0"/>
-              <a:t>2023/11/30</a:t>
+              <a:t>2023/12/7</a:t>
             </a:fld>
             <a:endParaRPr lang="zh-TW" altLang="en-US"/>
           </a:p>
@@ -2420,13 +2542,13 @@
   <p:clrMapOvr>
     <a:masterClrMapping/>
   </p:clrMapOvr>
-  <mc:AlternateContent xmlns:mc="http://schemas.openxmlformats.org/markup-compatibility/2006">
-    <mc:Choice xmlns:p14="http://schemas.microsoft.com/office/powerpoint/2010/main" Requires="p14">
+  <mc:AlternateContent xmlns:mc="http://schemas.openxmlformats.org/markup-compatibility/2006" xmlns:p14="http://schemas.microsoft.com/office/powerpoint/2010/main">
+    <mc:Choice Requires="p14">
       <p:transition spd="slow">
         <p14:reveal/>
       </p:transition>
     </mc:Choice>
-    <mc:Fallback>
+    <mc:Fallback xmlns="">
       <p:transition spd="slow">
         <p:fade/>
       </p:transition>
@@ -2649,7 +2771,7 @@
           <a:p>
             <a:fld id="{76DB1E62-041B-47B5-8407-B11F18F7E90B}" type="datetimeFigureOut">
               <a:rPr lang="zh-TW" altLang="en-US" smtClean="0"/>
-              <a:t>2023/11/30</a:t>
+              <a:t>2023/12/7</a:t>
             </a:fld>
             <a:endParaRPr lang="zh-TW" altLang="en-US"/>
           </a:p>
@@ -2707,13 +2829,13 @@
   <p:clrMapOvr>
     <a:masterClrMapping/>
   </p:clrMapOvr>
-  <mc:AlternateContent xmlns:mc="http://schemas.openxmlformats.org/markup-compatibility/2006">
-    <mc:Choice xmlns:p14="http://schemas.microsoft.com/office/powerpoint/2010/main" Requires="p14">
+  <mc:AlternateContent xmlns:mc="http://schemas.openxmlformats.org/markup-compatibility/2006" xmlns:p14="http://schemas.microsoft.com/office/powerpoint/2010/main">
+    <mc:Choice Requires="p14">
       <p:transition spd="slow">
         <p14:reveal/>
       </p:transition>
     </mc:Choice>
-    <mc:Fallback>
+    <mc:Fallback xmlns="">
       <p:transition spd="slow">
         <p:fade/>
       </p:transition>
@@ -2916,7 +3038,7 @@
           <a:p>
             <a:fld id="{76DB1E62-041B-47B5-8407-B11F18F7E90B}" type="datetimeFigureOut">
               <a:rPr lang="zh-TW" altLang="en-US" smtClean="0"/>
-              <a:t>2023/11/30</a:t>
+              <a:t>2023/12/7</a:t>
             </a:fld>
             <a:endParaRPr lang="zh-TW" altLang="en-US"/>
           </a:p>
@@ -2974,13 +3096,13 @@
   <p:clrMapOvr>
     <a:masterClrMapping/>
   </p:clrMapOvr>
-  <mc:AlternateContent xmlns:mc="http://schemas.openxmlformats.org/markup-compatibility/2006">
-    <mc:Choice xmlns:p14="http://schemas.microsoft.com/office/powerpoint/2010/main" Requires="p14">
+  <mc:AlternateContent xmlns:mc="http://schemas.openxmlformats.org/markup-compatibility/2006" xmlns:p14="http://schemas.microsoft.com/office/powerpoint/2010/main">
+    <mc:Choice Requires="p14">
       <p:transition spd="slow">
         <p14:reveal/>
       </p:transition>
     </mc:Choice>
-    <mc:Fallback>
+    <mc:Fallback xmlns="">
       <p:transition spd="slow">
         <p:fade/>
       </p:transition>
@@ -3141,7 +3263,7 @@
           <a:p>
             <a:fld id="{76DB1E62-041B-47B5-8407-B11F18F7E90B}" type="datetimeFigureOut">
               <a:rPr lang="zh-TW" altLang="en-US" smtClean="0"/>
-              <a:t>2023/11/30</a:t>
+              <a:t>2023/12/7</a:t>
             </a:fld>
             <a:endParaRPr lang="zh-TW" altLang="en-US"/>
           </a:p>
@@ -3320,13 +3442,13 @@
     <p:sldLayoutId id="2147483670" r:id="rId10"/>
     <p:sldLayoutId id="2147483671" r:id="rId11"/>
   </p:sldLayoutIdLst>
-  <mc:AlternateContent xmlns:mc="http://schemas.openxmlformats.org/markup-compatibility/2006">
-    <mc:Choice xmlns:p14="http://schemas.microsoft.com/office/powerpoint/2010/main" Requires="p14">
+  <mc:AlternateContent xmlns:mc="http://schemas.openxmlformats.org/markup-compatibility/2006" xmlns:p14="http://schemas.microsoft.com/office/powerpoint/2010/main">
+    <mc:Choice Requires="p14">
       <p:transition spd="slow">
         <p14:reveal/>
       </p:transition>
     </mc:Choice>
-    <mc:Fallback>
+    <mc:Fallback xmlns="">
       <p:transition spd="slow">
         <p:fade/>
       </p:transition>
@@ -3891,13 +4013,13 @@
   <p:clrMapOvr>
     <a:masterClrMapping/>
   </p:clrMapOvr>
-  <mc:AlternateContent xmlns:mc="http://schemas.openxmlformats.org/markup-compatibility/2006">
-    <mc:Choice xmlns:p14="http://schemas.microsoft.com/office/powerpoint/2010/main" Requires="p14">
+  <mc:AlternateContent xmlns:mc="http://schemas.openxmlformats.org/markup-compatibility/2006" xmlns:p14="http://schemas.microsoft.com/office/powerpoint/2010/main">
+    <mc:Choice Requires="p14">
       <p:transition spd="slow">
         <p14:reveal/>
       </p:transition>
     </mc:Choice>
-    <mc:Fallback>
+    <mc:Fallback xmlns="">
       <p:transition spd="slow">
         <p:fade/>
       </p:transition>
@@ -4011,10 +4133,10 @@
       </p:sp>
       <p:pic>
         <p:nvPicPr>
-          <p:cNvPr id="2052" name="Picture 4">
+          <p:cNvPr id="3074" name="Picture 2">
             <a:extLst>
               <a:ext uri="{FF2B5EF4-FFF2-40B4-BE49-F238E27FC236}">
-                <a16:creationId xmlns:a16="http://schemas.microsoft.com/office/drawing/2014/main" id="{54A5F138-FA2E-B493-8A80-C8AF407485D8}"/>
+                <a16:creationId xmlns:a16="http://schemas.microsoft.com/office/drawing/2014/main" id="{A023F5FE-8D8F-03A1-5DE9-7FDCF0843191}"/>
               </a:ext>
             </a:extLst>
           </p:cNvPr>
@@ -4038,8 +4160,8 @@
         </p:blipFill>
         <p:spPr bwMode="auto">
           <a:xfrm>
-            <a:off x="0" y="1853838"/>
-            <a:ext cx="12192000" cy="3733800"/>
+            <a:off x="0" y="1984806"/>
+            <a:ext cx="12192000" cy="3471863"/>
           </a:xfrm>
           <a:prstGeom prst="rect">
             <a:avLst/>
@@ -4066,13 +4188,13 @@
   <p:clrMapOvr>
     <a:masterClrMapping/>
   </p:clrMapOvr>
-  <mc:AlternateContent xmlns:mc="http://schemas.openxmlformats.org/markup-compatibility/2006">
-    <mc:Choice xmlns:p14="http://schemas.microsoft.com/office/powerpoint/2010/main" Requires="p14">
+  <mc:AlternateContent xmlns:mc="http://schemas.openxmlformats.org/markup-compatibility/2006" xmlns:p14="http://schemas.microsoft.com/office/powerpoint/2010/main">
+    <mc:Choice Requires="p14">
       <p:transition spd="slow">
         <p14:reveal/>
       </p:transition>
     </mc:Choice>
-    <mc:Fallback>
+    <mc:Fallback xmlns="">
       <p:transition spd="slow">
         <p:fade/>
       </p:transition>
@@ -4186,55 +4308,10 @@
       </p:sp>
       <p:pic>
         <p:nvPicPr>
-          <p:cNvPr id="5" name="Picture 4">
+          <p:cNvPr id="9" name="Picture 2">
             <a:extLst>
               <a:ext uri="{FF2B5EF4-FFF2-40B4-BE49-F238E27FC236}">
-                <a16:creationId xmlns:a16="http://schemas.microsoft.com/office/drawing/2014/main" id="{96EC01C0-CD90-F3D8-BB60-A0A6983DDDF9}"/>
-              </a:ext>
-            </a:extLst>
-          </p:cNvPr>
-          <p:cNvPicPr>
-            <a:picLocks noChangeAspect="1" noChangeArrowheads="1"/>
-          </p:cNvPicPr>
-          <p:nvPr/>
-        </p:nvPicPr>
-        <p:blipFill rotWithShape="1">
-          <a:blip r:embed="rId2">
-            <a:extLst>
-              <a:ext uri="{28A0092B-C50C-407E-A947-70E740481C1C}">
-                <a14:useLocalDpi xmlns:a14="http://schemas.microsoft.com/office/drawing/2010/main" val="0"/>
-              </a:ext>
-            </a:extLst>
-          </a:blip>
-          <a:srcRect t="28131" r="51400" b="-1"/>
-          <a:stretch/>
-        </p:blipFill>
-        <p:spPr bwMode="auto">
-          <a:xfrm>
-            <a:off x="1450848" y="1572260"/>
-            <a:ext cx="9290304" cy="4207402"/>
-          </a:xfrm>
-          <a:prstGeom prst="rect">
-            <a:avLst/>
-          </a:prstGeom>
-          <a:noFill/>
-          <a:extLst>
-            <a:ext uri="{909E8E84-426E-40DD-AFC4-6F175D3DCCD1}">
-              <a14:hiddenFill xmlns:a14="http://schemas.microsoft.com/office/drawing/2010/main">
-                <a:solidFill>
-                  <a:srgbClr val="FFFFFF"/>
-                </a:solidFill>
-              </a14:hiddenFill>
-            </a:ext>
-          </a:extLst>
-        </p:spPr>
-      </p:pic>
-      <p:pic>
-        <p:nvPicPr>
-          <p:cNvPr id="6" name="Picture 4">
-            <a:extLst>
-              <a:ext uri="{FF2B5EF4-FFF2-40B4-BE49-F238E27FC236}">
-                <a16:creationId xmlns:a16="http://schemas.microsoft.com/office/drawing/2014/main" id="{0160014C-6735-54CA-478C-8467FD3B7721}"/>
+                <a16:creationId xmlns:a16="http://schemas.microsoft.com/office/drawing/2014/main" id="{50ADAFB9-3EC6-DD7C-9231-E3D3B517D526}"/>
               </a:ext>
             </a:extLst>
           </p:cNvPr>
@@ -4251,13 +4328,13 @@
               </a:ext>
             </a:extLst>
           </a:blip>
-          <a:srcRect l="48750" t="28055" r="30625"/>
+          <a:srcRect l="9357" t="28497" r="48202" b="1028"/>
           <a:stretch/>
         </p:blipFill>
         <p:spPr bwMode="auto">
           <a:xfrm>
-            <a:off x="4165489" y="1549110"/>
-            <a:ext cx="4121020" cy="4402300"/>
+            <a:off x="1631326" y="1543685"/>
+            <a:ext cx="9144422" cy="4324126"/>
           </a:xfrm>
           <a:prstGeom prst="rect">
             <a:avLst/>
@@ -4276,10 +4353,10 @@
       </p:pic>
       <p:pic>
         <p:nvPicPr>
-          <p:cNvPr id="7" name="Picture 4">
+          <p:cNvPr id="11" name="Picture 2">
             <a:extLst>
               <a:ext uri="{FF2B5EF4-FFF2-40B4-BE49-F238E27FC236}">
-                <a16:creationId xmlns:a16="http://schemas.microsoft.com/office/drawing/2014/main" id="{72247417-D232-B68C-C454-28662E0A26DA}"/>
+                <a16:creationId xmlns:a16="http://schemas.microsoft.com/office/drawing/2014/main" id="{471D4408-0BEC-D090-AF34-7EA90E869552}"/>
               </a:ext>
             </a:extLst>
           </p:cNvPr>
@@ -4289,20 +4366,65 @@
           <p:nvPr/>
         </p:nvPicPr>
         <p:blipFill rotWithShape="1">
-          <a:blip r:embed="rId3">
+          <a:blip r:embed="rId4">
             <a:extLst>
               <a:ext uri="{28A0092B-C50C-407E-A947-70E740481C1C}">
                 <a14:useLocalDpi xmlns:a14="http://schemas.microsoft.com/office/drawing/2010/main" val="0"/>
               </a:ext>
             </a:extLst>
           </a:blip>
-          <a:srcRect l="70625" t="28053" b="1"/>
+          <a:srcRect l="52978" t="28189" r="28191" b="1336"/>
           <a:stretch/>
         </p:blipFill>
         <p:spPr bwMode="auto">
           <a:xfrm>
-            <a:off x="3638633" y="1562929"/>
-            <a:ext cx="5869137" cy="4402300"/>
+            <a:off x="4301813" y="1543685"/>
+            <a:ext cx="4057448" cy="4324126"/>
+          </a:xfrm>
+          <a:prstGeom prst="rect">
+            <a:avLst/>
+          </a:prstGeom>
+          <a:noFill/>
+          <a:extLst>
+            <a:ext uri="{909E8E84-426E-40DD-AFC4-6F175D3DCCD1}">
+              <a14:hiddenFill xmlns:a14="http://schemas.microsoft.com/office/drawing/2010/main">
+                <a:solidFill>
+                  <a:srgbClr val="FFFFFF"/>
+                </a:solidFill>
+              </a14:hiddenFill>
+            </a:ext>
+          </a:extLst>
+        </p:spPr>
+      </p:pic>
+      <p:pic>
+        <p:nvPicPr>
+          <p:cNvPr id="12" name="Picture 2">
+            <a:extLst>
+              <a:ext uri="{FF2B5EF4-FFF2-40B4-BE49-F238E27FC236}">
+                <a16:creationId xmlns:a16="http://schemas.microsoft.com/office/drawing/2014/main" id="{204F8A71-A658-FD8F-1646-54B8089D9185}"/>
+              </a:ext>
+            </a:extLst>
+          </p:cNvPr>
+          <p:cNvPicPr>
+            <a:picLocks noChangeAspect="1" noChangeArrowheads="1"/>
+          </p:cNvPicPr>
+          <p:nvPr/>
+        </p:nvPicPr>
+        <p:blipFill rotWithShape="1">
+          <a:blip r:embed="rId5">
+            <a:extLst>
+              <a:ext uri="{28A0092B-C50C-407E-A947-70E740481C1C}">
+                <a14:useLocalDpi xmlns:a14="http://schemas.microsoft.com/office/drawing/2010/main" val="0"/>
+              </a:ext>
+            </a:extLst>
+          </a:blip>
+          <a:srcRect l="72694" t="28487" r="221" b="1038"/>
+          <a:stretch/>
+        </p:blipFill>
+        <p:spPr bwMode="auto">
+          <a:xfrm>
+            <a:off x="3649873" y="1543686"/>
+            <a:ext cx="5835872" cy="4324126"/>
           </a:xfrm>
           <a:prstGeom prst="rect">
             <a:avLst/>
@@ -4329,13 +4451,13 @@
   <p:clrMapOvr>
     <a:masterClrMapping/>
   </p:clrMapOvr>
-  <mc:AlternateContent xmlns:mc="http://schemas.openxmlformats.org/markup-compatibility/2006">
-    <mc:Choice xmlns:p14="http://schemas.microsoft.com/office/powerpoint/2010/main" Requires="p14">
+  <mc:AlternateContent xmlns:mc="http://schemas.openxmlformats.org/markup-compatibility/2006" xmlns:p14="http://schemas.microsoft.com/office/powerpoint/2010/main">
+    <mc:Choice Requires="p14">
       <p:transition spd="slow">
         <p14:reveal/>
       </p:transition>
     </mc:Choice>
-    <mc:Fallback>
+    <mc:Fallback xmlns="">
       <p:transition spd="slow">
         <p:fade/>
       </p:transition>
@@ -4378,7 +4500,7 @@
                                           </p:stCondLst>
                                         </p:cTn>
                                         <p:tgtEl>
-                                          <p:spTgt spid="5"/>
+                                          <p:spTgt spid="9"/>
                                         </p:tgtEl>
                                         <p:attrNameLst>
                                           <p:attrName>style.visibility</p:attrName>
@@ -4392,7 +4514,7 @@
                                       <p:cBhvr>
                                         <p:cTn id="7" dur="1000"/>
                                         <p:tgtEl>
-                                          <p:spTgt spid="5"/>
+                                          <p:spTgt spid="9"/>
                                         </p:tgtEl>
                                       </p:cBhvr>
                                     </p:animEffect>
@@ -4400,7 +4522,7 @@
                                       <p:cBhvr>
                                         <p:cTn id="8" dur="1000" fill="hold"/>
                                         <p:tgtEl>
-                                          <p:spTgt spid="5"/>
+                                          <p:spTgt spid="9"/>
                                         </p:tgtEl>
                                         <p:attrNameLst>
                                           <p:attrName>ppt_x</p:attrName>
@@ -4423,7 +4545,7 @@
                                       <p:cBhvr>
                                         <p:cTn id="9" dur="1000" fill="hold"/>
                                         <p:tgtEl>
-                                          <p:spTgt spid="5"/>
+                                          <p:spTgt spid="9"/>
                                         </p:tgtEl>
                                         <p:attrNameLst>
                                           <p:attrName>ppt_y</p:attrName>
@@ -4448,7 +4570,7 @@
                                       <p:cBhvr override="childStyle">
                                         <p:cTn dur="1" fill="hold" display="0" masterRel="nextClick" afterEffect="1"/>
                                         <p:tgtEl>
-                                          <p:spTgt spid="5"/>
+                                          <p:spTgt spid="9"/>
                                         </p:tgtEl>
                                         <p:attrNameLst>
                                           <p:attrName>style.visibility</p:attrName>
@@ -4493,7 +4615,7 @@
                                           </p:stCondLst>
                                         </p:cTn>
                                         <p:tgtEl>
-                                          <p:spTgt spid="6"/>
+                                          <p:spTgt spid="11"/>
                                         </p:tgtEl>
                                         <p:attrNameLst>
                                           <p:attrName>style.visibility</p:attrName>
@@ -4507,7 +4629,7 @@
                                       <p:cBhvr>
                                         <p:cTn id="14" dur="1000"/>
                                         <p:tgtEl>
-                                          <p:spTgt spid="6"/>
+                                          <p:spTgt spid="11"/>
                                         </p:tgtEl>
                                       </p:cBhvr>
                                     </p:animEffect>
@@ -4515,7 +4637,7 @@
                                       <p:cBhvr>
                                         <p:cTn id="15" dur="1000" fill="hold"/>
                                         <p:tgtEl>
-                                          <p:spTgt spid="6"/>
+                                          <p:spTgt spid="11"/>
                                         </p:tgtEl>
                                         <p:attrNameLst>
                                           <p:attrName>ppt_x</p:attrName>
@@ -4538,7 +4660,7 @@
                                       <p:cBhvr>
                                         <p:cTn id="16" dur="1000" fill="hold"/>
                                         <p:tgtEl>
-                                          <p:spTgt spid="6"/>
+                                          <p:spTgt spid="11"/>
                                         </p:tgtEl>
                                         <p:attrNameLst>
                                           <p:attrName>ppt_y</p:attrName>
@@ -4563,7 +4685,7 @@
                                       <p:cBhvr override="childStyle">
                                         <p:cTn dur="1" fill="hold" display="0" masterRel="nextClick" afterEffect="1"/>
                                         <p:tgtEl>
-                                          <p:spTgt spid="6"/>
+                                          <p:spTgt spid="11"/>
                                         </p:tgtEl>
                                         <p:attrNameLst>
                                           <p:attrName>style.visibility</p:attrName>
@@ -4608,7 +4730,7 @@
                                           </p:stCondLst>
                                         </p:cTn>
                                         <p:tgtEl>
-                                          <p:spTgt spid="7"/>
+                                          <p:spTgt spid="12"/>
                                         </p:tgtEl>
                                         <p:attrNameLst>
                                           <p:attrName>style.visibility</p:attrName>
@@ -4620,17 +4742,17 @@
                                     </p:set>
                                     <p:animEffect transition="in" filter="fade">
                                       <p:cBhvr>
-                                        <p:cTn id="21" dur="500"/>
+                                        <p:cTn id="21" dur="1000"/>
                                         <p:tgtEl>
-                                          <p:spTgt spid="7"/>
+                                          <p:spTgt spid="12"/>
                                         </p:tgtEl>
                                       </p:cBhvr>
                                     </p:animEffect>
                                     <p:anim calcmode="lin" valueType="num">
                                       <p:cBhvr>
-                                        <p:cTn id="22" dur="500" fill="hold"/>
+                                        <p:cTn id="22" dur="1000" fill="hold"/>
                                         <p:tgtEl>
-                                          <p:spTgt spid="7"/>
+                                          <p:spTgt spid="12"/>
                                         </p:tgtEl>
                                         <p:attrNameLst>
                                           <p:attrName>ppt_x</p:attrName>
@@ -4651,9 +4773,9 @@
                                     </p:anim>
                                     <p:anim calcmode="lin" valueType="num">
                                       <p:cBhvr>
-                                        <p:cTn id="23" dur="500" fill="hold"/>
+                                        <p:cTn id="23" dur="1000" fill="hold"/>
                                         <p:tgtEl>
-                                          <p:spTgt spid="7"/>
+                                          <p:spTgt spid="12"/>
                                         </p:tgtEl>
                                         <p:attrNameLst>
                                           <p:attrName>ppt_y</p:attrName>
@@ -4811,10 +4933,10 @@
       </p:sp>
       <p:pic>
         <p:nvPicPr>
-          <p:cNvPr id="6" name="Picture 4">
+          <p:cNvPr id="1032" name="Picture 8">
             <a:extLst>
               <a:ext uri="{FF2B5EF4-FFF2-40B4-BE49-F238E27FC236}">
-                <a16:creationId xmlns:a16="http://schemas.microsoft.com/office/drawing/2014/main" id="{970E9955-CD12-7A1F-069B-C454BA031C2E}"/>
+                <a16:creationId xmlns:a16="http://schemas.microsoft.com/office/drawing/2014/main" id="{9216C4FA-204C-3941-AD6F-F534E02634CA}"/>
               </a:ext>
             </a:extLst>
           </p:cNvPr>
@@ -4838,8 +4960,8 @@
         </p:blipFill>
         <p:spPr bwMode="auto">
           <a:xfrm>
-            <a:off x="1906392" y="1265950"/>
-            <a:ext cx="8540560" cy="5090400"/>
+            <a:off x="1987583" y="1316350"/>
+            <a:ext cx="8216834" cy="5040000"/>
           </a:xfrm>
           <a:prstGeom prst="rect">
             <a:avLst/>
@@ -4856,6 +4978,292 @@
           </a:extLst>
         </p:spPr>
       </p:pic>
+      <p:sp>
+        <p:nvSpPr>
+          <p:cNvPr id="11" name="矩形 10">
+            <a:extLst>
+              <a:ext uri="{FF2B5EF4-FFF2-40B4-BE49-F238E27FC236}">
+                <a16:creationId xmlns:a16="http://schemas.microsoft.com/office/drawing/2014/main" id="{7E3C07EB-199A-03C6-B616-8553BAA70F20}"/>
+              </a:ext>
+            </a:extLst>
+          </p:cNvPr>
+          <p:cNvSpPr/>
+          <p:nvPr/>
+        </p:nvSpPr>
+        <p:spPr>
+          <a:xfrm>
+            <a:off x="3289300" y="3924300"/>
+            <a:ext cx="755650" cy="374650"/>
+          </a:xfrm>
+          <a:prstGeom prst="rect">
+            <a:avLst/>
+          </a:prstGeom>
+          <a:noFill/>
+          <a:ln>
+            <a:noFill/>
+          </a:ln>
+        </p:spPr>
+        <p:style>
+          <a:lnRef idx="2">
+            <a:schemeClr val="accent1">
+              <a:shade val="15000"/>
+            </a:schemeClr>
+          </a:lnRef>
+          <a:fillRef idx="1">
+            <a:schemeClr val="accent1"/>
+          </a:fillRef>
+          <a:effectRef idx="0">
+            <a:schemeClr val="accent1"/>
+          </a:effectRef>
+          <a:fontRef idx="minor">
+            <a:schemeClr val="lt1"/>
+          </a:fontRef>
+        </p:style>
+        <p:txBody>
+          <a:bodyPr rtlCol="0" anchor="ctr"/>
+          <a:lstStyle/>
+          <a:p>
+            <a:pPr algn="ctr"/>
+            <a:endParaRPr lang="zh-TW" altLang="en-US"/>
+          </a:p>
+        </p:txBody>
+      </p:sp>
+      <p:sp>
+        <p:nvSpPr>
+          <p:cNvPr id="12" name="圓形: 空心 11">
+            <a:hlinkClick r:id="rId3" action="ppaction://hlinksldjump"/>
+            <a:extLst>
+              <a:ext uri="{FF2B5EF4-FFF2-40B4-BE49-F238E27FC236}">
+                <a16:creationId xmlns:a16="http://schemas.microsoft.com/office/drawing/2014/main" id="{7567312B-29AA-B1EC-A1E6-0B2A7693905A}"/>
+              </a:ext>
+            </a:extLst>
+          </p:cNvPr>
+          <p:cNvSpPr/>
+          <p:nvPr/>
+        </p:nvSpPr>
+        <p:spPr>
+          <a:xfrm flipV="1">
+            <a:off x="3289300" y="3927475"/>
+            <a:ext cx="57150" cy="57150"/>
+          </a:xfrm>
+          <a:prstGeom prst="donut">
+            <a:avLst/>
+          </a:prstGeom>
+          <a:solidFill>
+            <a:srgbClr val="FF0000"/>
+          </a:solidFill>
+          <a:ln>
+            <a:solidFill>
+              <a:schemeClr val="tx1"/>
+            </a:solidFill>
+          </a:ln>
+        </p:spPr>
+        <p:style>
+          <a:lnRef idx="2">
+            <a:schemeClr val="accent1">
+              <a:shade val="15000"/>
+            </a:schemeClr>
+          </a:lnRef>
+          <a:fillRef idx="1">
+            <a:schemeClr val="accent1"/>
+          </a:fillRef>
+          <a:effectRef idx="0">
+            <a:schemeClr val="accent1"/>
+          </a:effectRef>
+          <a:fontRef idx="minor">
+            <a:schemeClr val="lt1"/>
+          </a:fontRef>
+        </p:style>
+        <p:txBody>
+          <a:bodyPr rtlCol="0" anchor="ctr"/>
+          <a:lstStyle/>
+          <a:p>
+            <a:pPr algn="ctr"/>
+            <a:endParaRPr lang="zh-TW" altLang="en-US">
+              <a:solidFill>
+                <a:schemeClr val="tx1"/>
+              </a:solidFill>
+            </a:endParaRPr>
+          </a:p>
+        </p:txBody>
+      </p:sp>
+      <p:sp>
+        <p:nvSpPr>
+          <p:cNvPr id="13" name="圓形: 空心 12">
+            <a:hlinkClick r:id="rId4" action="ppaction://hlinksldjump"/>
+            <a:extLst>
+              <a:ext uri="{FF2B5EF4-FFF2-40B4-BE49-F238E27FC236}">
+                <a16:creationId xmlns:a16="http://schemas.microsoft.com/office/drawing/2014/main" id="{76A460CA-DAF9-3516-A163-893277DC892C}"/>
+              </a:ext>
+            </a:extLst>
+          </p:cNvPr>
+          <p:cNvSpPr/>
+          <p:nvPr/>
+        </p:nvSpPr>
+        <p:spPr>
+          <a:xfrm flipV="1">
+            <a:off x="3098800" y="4759325"/>
+            <a:ext cx="57150" cy="57150"/>
+          </a:xfrm>
+          <a:prstGeom prst="donut">
+            <a:avLst/>
+          </a:prstGeom>
+          <a:solidFill>
+            <a:srgbClr val="FF0000"/>
+          </a:solidFill>
+          <a:ln>
+            <a:solidFill>
+              <a:schemeClr val="tx1"/>
+            </a:solidFill>
+          </a:ln>
+        </p:spPr>
+        <p:style>
+          <a:lnRef idx="2">
+            <a:schemeClr val="accent1">
+              <a:shade val="15000"/>
+            </a:schemeClr>
+          </a:lnRef>
+          <a:fillRef idx="1">
+            <a:schemeClr val="accent1"/>
+          </a:fillRef>
+          <a:effectRef idx="0">
+            <a:schemeClr val="accent1"/>
+          </a:effectRef>
+          <a:fontRef idx="minor">
+            <a:schemeClr val="lt1"/>
+          </a:fontRef>
+        </p:style>
+        <p:txBody>
+          <a:bodyPr rtlCol="0" anchor="ctr"/>
+          <a:lstStyle/>
+          <a:p>
+            <a:pPr algn="ctr"/>
+            <a:endParaRPr lang="zh-TW" altLang="en-US">
+              <a:solidFill>
+                <a:schemeClr val="tx1"/>
+              </a:solidFill>
+            </a:endParaRPr>
+          </a:p>
+        </p:txBody>
+      </p:sp>
+      <p:sp>
+        <p:nvSpPr>
+          <p:cNvPr id="14" name="圓形: 空心 13">
+            <a:hlinkClick r:id="rId5" action="ppaction://hlinksldjump"/>
+            <a:extLst>
+              <a:ext uri="{FF2B5EF4-FFF2-40B4-BE49-F238E27FC236}">
+                <a16:creationId xmlns:a16="http://schemas.microsoft.com/office/drawing/2014/main" id="{9DBE296F-C3AA-0393-A4B2-71771924789D}"/>
+              </a:ext>
+            </a:extLst>
+          </p:cNvPr>
+          <p:cNvSpPr/>
+          <p:nvPr/>
+        </p:nvSpPr>
+        <p:spPr>
+          <a:xfrm flipV="1">
+            <a:off x="4870450" y="4769601"/>
+            <a:ext cx="57150" cy="57150"/>
+          </a:xfrm>
+          <a:prstGeom prst="donut">
+            <a:avLst/>
+          </a:prstGeom>
+          <a:solidFill>
+            <a:srgbClr val="FF0000"/>
+          </a:solidFill>
+          <a:ln>
+            <a:solidFill>
+              <a:schemeClr val="tx1"/>
+            </a:solidFill>
+          </a:ln>
+        </p:spPr>
+        <p:style>
+          <a:lnRef idx="2">
+            <a:schemeClr val="accent1">
+              <a:shade val="15000"/>
+            </a:schemeClr>
+          </a:lnRef>
+          <a:fillRef idx="1">
+            <a:schemeClr val="accent1"/>
+          </a:fillRef>
+          <a:effectRef idx="0">
+            <a:schemeClr val="accent1"/>
+          </a:effectRef>
+          <a:fontRef idx="minor">
+            <a:schemeClr val="lt1"/>
+          </a:fontRef>
+        </p:style>
+        <p:txBody>
+          <a:bodyPr rtlCol="0" anchor="ctr"/>
+          <a:lstStyle/>
+          <a:p>
+            <a:pPr algn="ctr"/>
+            <a:endParaRPr lang="zh-TW" altLang="en-US">
+              <a:solidFill>
+                <a:schemeClr val="tx1"/>
+              </a:solidFill>
+            </a:endParaRPr>
+          </a:p>
+        </p:txBody>
+      </p:sp>
+      <p:sp>
+        <p:nvSpPr>
+          <p:cNvPr id="15" name="圓形: 空心 14">
+            <a:hlinkClick r:id="rId6" action="ppaction://hlinksldjump"/>
+            <a:extLst>
+              <a:ext uri="{FF2B5EF4-FFF2-40B4-BE49-F238E27FC236}">
+                <a16:creationId xmlns:a16="http://schemas.microsoft.com/office/drawing/2014/main" id="{86E80CF1-8633-97BC-463B-448CEADA173D}"/>
+              </a:ext>
+            </a:extLst>
+          </p:cNvPr>
+          <p:cNvSpPr/>
+          <p:nvPr/>
+        </p:nvSpPr>
+        <p:spPr>
+          <a:xfrm flipV="1">
+            <a:off x="4682331" y="3848255"/>
+            <a:ext cx="57150" cy="57150"/>
+          </a:xfrm>
+          <a:prstGeom prst="donut">
+            <a:avLst/>
+          </a:prstGeom>
+          <a:solidFill>
+            <a:srgbClr val="FF0000"/>
+          </a:solidFill>
+          <a:ln>
+            <a:solidFill>
+              <a:schemeClr val="tx1"/>
+            </a:solidFill>
+          </a:ln>
+        </p:spPr>
+        <p:style>
+          <a:lnRef idx="2">
+            <a:schemeClr val="accent1">
+              <a:shade val="15000"/>
+            </a:schemeClr>
+          </a:lnRef>
+          <a:fillRef idx="1">
+            <a:schemeClr val="accent1"/>
+          </a:fillRef>
+          <a:effectRef idx="0">
+            <a:schemeClr val="accent1"/>
+          </a:effectRef>
+          <a:fontRef idx="minor">
+            <a:schemeClr val="lt1"/>
+          </a:fontRef>
+        </p:style>
+        <p:txBody>
+          <a:bodyPr rtlCol="0" anchor="ctr"/>
+          <a:lstStyle/>
+          <a:p>
+            <a:pPr algn="ctr"/>
+            <a:endParaRPr lang="zh-TW" altLang="en-US">
+              <a:solidFill>
+                <a:schemeClr val="tx1"/>
+              </a:solidFill>
+            </a:endParaRPr>
+          </a:p>
+        </p:txBody>
+      </p:sp>
     </p:spTree>
     <p:extLst>
       <p:ext uri="{BB962C8B-B14F-4D97-AF65-F5344CB8AC3E}">
@@ -4866,13 +5274,13 @@
   <p:clrMapOvr>
     <a:masterClrMapping/>
   </p:clrMapOvr>
-  <mc:AlternateContent xmlns:mc="http://schemas.openxmlformats.org/markup-compatibility/2006">
-    <mc:Choice xmlns:p14="http://schemas.microsoft.com/office/powerpoint/2010/main" Requires="p14">
+  <mc:AlternateContent xmlns:mc="http://schemas.openxmlformats.org/markup-compatibility/2006" xmlns:p14="http://schemas.microsoft.com/office/powerpoint/2010/main">
+    <mc:Choice Requires="p14">
       <p:transition spd="slow">
         <p14:reveal/>
       </p:transition>
     </mc:Choice>
-    <mc:Fallback>
+    <mc:Fallback xmlns="">
       <p:transition spd="slow">
         <p:fade/>
       </p:transition>
@@ -4914,7 +5322,12 @@
             <p:ph idx="1"/>
           </p:nvPr>
         </p:nvSpPr>
-        <p:spPr/>
+        <p:spPr>
+          <a:xfrm>
+            <a:off x="838200" y="1201850"/>
+            <a:ext cx="10515600" cy="5037776"/>
+          </a:xfrm>
+        </p:spPr>
         <p:txBody>
           <a:bodyPr/>
           <a:lstStyle/>
@@ -4986,10 +5399,10 @@
       </p:sp>
       <p:pic>
         <p:nvPicPr>
-          <p:cNvPr id="5" name="Picture 2">
+          <p:cNvPr id="8" name="Picture 4">
             <a:extLst>
               <a:ext uri="{FF2B5EF4-FFF2-40B4-BE49-F238E27FC236}">
-                <a16:creationId xmlns:a16="http://schemas.microsoft.com/office/drawing/2014/main" id="{8DBE947F-0609-C41B-761A-129A7A1DE3C3}"/>
+                <a16:creationId xmlns:a16="http://schemas.microsoft.com/office/drawing/2014/main" id="{1479C696-6EBC-BA01-0A5E-0012F5DE78C0}"/>
               </a:ext>
             </a:extLst>
           </p:cNvPr>
@@ -5013,8 +5426,8 @@
         </p:blipFill>
         <p:spPr bwMode="auto">
           <a:xfrm>
-            <a:off x="1906392" y="1265950"/>
-            <a:ext cx="8528777" cy="5090400"/>
+            <a:off x="1987583" y="1316350"/>
+            <a:ext cx="8216834" cy="5040000"/>
           </a:xfrm>
           <a:prstGeom prst="rect">
             <a:avLst/>
@@ -5161,10 +5574,10 @@
       </p:sp>
       <p:pic>
         <p:nvPicPr>
-          <p:cNvPr id="7" name="Picture 4">
+          <p:cNvPr id="6" name="Picture 2">
             <a:extLst>
               <a:ext uri="{FF2B5EF4-FFF2-40B4-BE49-F238E27FC236}">
-                <a16:creationId xmlns:a16="http://schemas.microsoft.com/office/drawing/2014/main" id="{B2A3C3F2-26EA-F6E6-DE77-3740448E454A}"/>
+                <a16:creationId xmlns:a16="http://schemas.microsoft.com/office/drawing/2014/main" id="{EE4D0FC5-E845-A383-F683-54AA079516CE}"/>
               </a:ext>
             </a:extLst>
           </p:cNvPr>
@@ -5188,8 +5601,8 @@
         </p:blipFill>
         <p:spPr bwMode="auto">
           <a:xfrm>
-            <a:off x="1907022" y="1263791"/>
-            <a:ext cx="8535847" cy="5090400"/>
+            <a:off x="1987583" y="1318951"/>
+            <a:ext cx="8216834" cy="5040000"/>
           </a:xfrm>
           <a:prstGeom prst="rect">
             <a:avLst/>
@@ -5391,13 +5804,13 @@
   <p:clrMapOvr>
     <a:masterClrMapping/>
   </p:clrMapOvr>
-  <mc:AlternateContent xmlns:mc="http://schemas.openxmlformats.org/markup-compatibility/2006">
-    <mc:Choice xmlns:p14="http://schemas.microsoft.com/office/powerpoint/2010/main" Requires="p14">
+  <mc:AlternateContent xmlns:mc="http://schemas.openxmlformats.org/markup-compatibility/2006" xmlns:p14="http://schemas.microsoft.com/office/powerpoint/2010/main">
+    <mc:Choice Requires="p14">
       <p:transition spd="slow">
         <p14:reveal/>
       </p:transition>
     </mc:Choice>
-    <mc:Fallback>
+    <mc:Fallback xmlns="">
       <p:transition spd="slow">
         <p:fade/>
       </p:transition>
@@ -5441,91 +5854,38 @@
         </p:nvSpPr>
         <p:spPr/>
         <p:txBody>
-          <a:bodyPr>
-            <a:normAutofit/>
-          </a:bodyPr>
+          <a:bodyPr/>
           <a:lstStyle/>
           <a:p>
-            <a:pPr marL="372600" indent="-457200"/>
+            <a:r>
+              <a:rPr lang="en-US" altLang="zh-TW" sz="2400" b="1" dirty="0"/>
+              <a:t>PC</a:t>
+            </a:r>
             <a:r>
               <a:rPr lang="zh-TW" altLang="en-US" sz="2400" b="1" dirty="0"/>
-              <a:t>開發</a:t>
-            </a:r>
-            <a:r>
-              <a:rPr lang="en-US" altLang="zh-TW" sz="2400" b="1" dirty="0"/>
-              <a:t>CCL</a:t>
-            </a:r>
-            <a:r>
-              <a:rPr lang="zh-TW" altLang="en-US" sz="2400" b="1" dirty="0"/>
-              <a:t> </a:t>
-            </a:r>
-            <a:r>
-              <a:rPr lang="en-US" altLang="zh-TW" sz="2400" b="1" dirty="0"/>
-              <a:t>:</a:t>
-            </a:r>
-            <a:r>
-              <a:rPr lang="zh-TW" altLang="en-US" sz="2400" b="1" dirty="0"/>
-              <a:t> </a:t>
+              <a:t>端</a:t>
             </a:r>
             <a:endParaRPr lang="en-US" altLang="zh-TW" sz="2400" b="1" dirty="0"/>
           </a:p>
           <a:p>
-            <a:pPr marL="914400" lvl="1" indent="-457200">
-              <a:buFont typeface="+mj-lt"/>
-              <a:buAutoNum type="arabicPeriod"/>
-            </a:pPr>
-            <a:r>
-              <a:rPr lang="en-US" altLang="zh-TW" sz="1800" dirty="0"/>
-              <a:t>contours label </a:t>
-            </a:r>
-          </a:p>
-          <a:p>
-            <a:pPr marL="914400" lvl="1" indent="-457200">
-              <a:buFont typeface="+mj-lt"/>
-              <a:buAutoNum type="arabicPeriod"/>
-            </a:pPr>
-            <a:r>
-              <a:rPr lang="en-US" altLang="zh-TW" sz="1800" dirty="0"/>
-              <a:t>contours stats(Top</a:t>
-            </a:r>
-            <a:r>
-              <a:rPr lang="zh-TW" altLang="en-US" sz="1800" dirty="0"/>
-              <a:t>、</a:t>
-            </a:r>
-            <a:r>
-              <a:rPr lang="en-US" altLang="zh-TW" sz="1800" dirty="0"/>
-              <a:t>Bottom</a:t>
-            </a:r>
-            <a:r>
-              <a:rPr lang="zh-TW" altLang="en-US" sz="1800" dirty="0"/>
-              <a:t>、</a:t>
-            </a:r>
-            <a:r>
-              <a:rPr lang="en-US" altLang="zh-TW" sz="1800" dirty="0"/>
-              <a:t>Left</a:t>
-            </a:r>
-            <a:r>
-              <a:rPr lang="zh-TW" altLang="en-US" sz="1800" dirty="0"/>
-              <a:t>、</a:t>
-            </a:r>
-            <a:r>
-              <a:rPr lang="en-US" altLang="zh-TW" sz="1800" dirty="0"/>
-              <a:t>Right</a:t>
-            </a:r>
-            <a:r>
-              <a:rPr lang="zh-TW" altLang="en-US" sz="1800" dirty="0"/>
-              <a:t>、</a:t>
-            </a:r>
-            <a:r>
-              <a:rPr lang="en-US" altLang="zh-TW" sz="1800" dirty="0"/>
-              <a:t>Area)</a:t>
-            </a:r>
-          </a:p>
-          <a:p>
-            <a:pPr marL="0" indent="0">
-              <a:buNone/>
-            </a:pPr>
-            <a:endParaRPr lang="zh-TW" altLang="en-US" sz="2400" dirty="0"/>
+            <a:r>
+              <a:rPr lang="en-US" altLang="zh-TW" sz="1800" kern="100" dirty="0">
+                <a:effectLst/>
+                <a:latin typeface="Times New Roman" panose="02020603050405020304" pitchFamily="18" charset="0"/>
+                <a:ea typeface="標楷體" panose="03000509000000000000" pitchFamily="65" charset="-120"/>
+                <a:cs typeface="Times New Roman" panose="02020603050405020304" pitchFamily="18" charset="0"/>
+              </a:rPr>
+              <a:t>def connect (request):</a:t>
+            </a:r>
+            <a:endParaRPr lang="zh-TW" altLang="zh-TW" sz="1800" b="1" kern="100" dirty="0">
+              <a:effectLst/>
+              <a:latin typeface="Times New Roman" panose="02020603050405020304" pitchFamily="18" charset="0"/>
+              <a:ea typeface="標楷體" panose="03000509000000000000" pitchFamily="65" charset="-120"/>
+              <a:cs typeface="Times New Roman" panose="02020603050405020304" pitchFamily="18" charset="0"/>
+            </a:endParaRPr>
+          </a:p>
+          <a:p>
+            <a:endParaRPr lang="zh-TW" altLang="en-US" b="1" dirty="0"/>
           </a:p>
         </p:txBody>
       </p:sp>
@@ -5551,9 +5911,10 @@
           <a:lstStyle/>
           <a:p>
             <a:r>
-              <a:rPr lang="zh-TW" altLang="en-US" dirty="0"/>
-              <a:t>當週進度</a:t>
-            </a:r>
+              <a:rPr lang="en-US" altLang="zh-TW" dirty="0"/>
+              <a:t>API</a:t>
+            </a:r>
+            <a:endParaRPr lang="zh-TW" altLang="en-US" dirty="0"/>
           </a:p>
         </p:txBody>
       </p:sp>
@@ -5586,23 +5947,409 @@
           </a:p>
         </p:txBody>
       </p:sp>
+      <p:graphicFrame>
+        <p:nvGraphicFramePr>
+          <p:cNvPr id="5" name="表格 4">
+            <a:extLst>
+              <a:ext uri="{FF2B5EF4-FFF2-40B4-BE49-F238E27FC236}">
+                <a16:creationId xmlns:a16="http://schemas.microsoft.com/office/drawing/2014/main" id="{989CC7A5-E591-537B-7B4A-68B7372BC199}"/>
+              </a:ext>
+            </a:extLst>
+          </p:cNvPr>
+          <p:cNvGraphicFramePr>
+            <a:graphicFrameLocks noGrp="1"/>
+          </p:cNvGraphicFramePr>
+          <p:nvPr>
+            <p:extLst>
+              <p:ext uri="{D42A27DB-BD31-4B8C-83A1-F6EECF244321}">
+                <p14:modId xmlns:p14="http://schemas.microsoft.com/office/powerpoint/2010/main" val="3151210302"/>
+              </p:ext>
+            </p:extLst>
+          </p:nvPr>
+        </p:nvGraphicFramePr>
+        <p:xfrm>
+          <a:off x="2649681" y="2647268"/>
+          <a:ext cx="6892637" cy="2146940"/>
+        </p:xfrm>
+        <a:graphic>
+          <a:graphicData uri="http://schemas.openxmlformats.org/drawingml/2006/table">
+            <a:tbl>
+              <a:tblPr firstRow="1" firstCol="1" bandRow="1">
+                <a:tableStyleId>{21E4AEA4-8DFA-4A89-87EB-49C32662AFE0}</a:tableStyleId>
+              </a:tblPr>
+              <a:tblGrid>
+                <a:gridCol w="708059">
+                  <a:extLst>
+                    <a:ext uri="{9D8B030D-6E8A-4147-A177-3AD203B41FA5}">
+                      <a16:colId xmlns:a16="http://schemas.microsoft.com/office/drawing/2014/main" val="20000"/>
+                    </a:ext>
+                  </a:extLst>
+                </a:gridCol>
+                <a:gridCol w="6184578">
+                  <a:extLst>
+                    <a:ext uri="{9D8B030D-6E8A-4147-A177-3AD203B41FA5}">
+                      <a16:colId xmlns:a16="http://schemas.microsoft.com/office/drawing/2014/main" val="20001"/>
+                    </a:ext>
+                  </a:extLst>
+                </a:gridCol>
+              </a:tblGrid>
+              <a:tr h="385004">
+                <a:tc gridSpan="2">
+                  <a:txBody>
+                    <a:bodyPr/>
+                    <a:lstStyle/>
+                    <a:p>
+                      <a:pPr algn="ctr"/>
+                      <a:r>
+                        <a:rPr lang="en-US" sz="1800" kern="100" dirty="0">
+                          <a:effectLst/>
+                          <a:latin typeface="Times New Roman" panose="02020603050405020304" pitchFamily="18" charset="0"/>
+                          <a:ea typeface="標楷體" panose="03000509000000000000" pitchFamily="65" charset="-120"/>
+                          <a:cs typeface="Times New Roman" panose="02020603050405020304" pitchFamily="18" charset="0"/>
+                        </a:rPr>
+                        <a:t>def connect (request):</a:t>
+                      </a:r>
+                      <a:endParaRPr lang="zh-TW" sz="1800" b="1" kern="100" dirty="0">
+                        <a:effectLst/>
+                        <a:latin typeface="Times New Roman" panose="02020603050405020304" pitchFamily="18" charset="0"/>
+                        <a:ea typeface="標楷體" panose="03000509000000000000" pitchFamily="65" charset="-120"/>
+                        <a:cs typeface="Times New Roman" panose="02020603050405020304" pitchFamily="18" charset="0"/>
+                      </a:endParaRPr>
+                    </a:p>
+                  </a:txBody>
+                  <a:tcPr marL="68580" marR="68580" marT="0" marB="0" anchor="ctr"/>
+                </a:tc>
+                <a:tc hMerge="1">
+                  <a:txBody>
+                    <a:bodyPr/>
+                    <a:lstStyle/>
+                    <a:p>
+                      <a:endParaRPr lang="zh-TW" altLang="en-US"/>
+                    </a:p>
+                  </a:txBody>
+                  <a:tcPr/>
+                </a:tc>
+                <a:extLst>
+                  <a:ext uri="{0D108BD9-81ED-4DB2-BD59-A6C34878D82A}">
+                    <a16:rowId xmlns:a16="http://schemas.microsoft.com/office/drawing/2014/main" val="10000"/>
+                  </a:ext>
+                </a:extLst>
+              </a:tr>
+              <a:tr h="440484">
+                <a:tc>
+                  <a:txBody>
+                    <a:bodyPr/>
+                    <a:lstStyle/>
+                    <a:p>
+                      <a:pPr algn="ctr"/>
+                      <a:r>
+                        <a:rPr lang="zh-TW" sz="1800" kern="100" dirty="0">
+                          <a:effectLst/>
+                          <a:latin typeface="標楷體" panose="03000509000000000000" pitchFamily="65" charset="-120"/>
+                          <a:ea typeface="標楷體" panose="03000509000000000000" pitchFamily="65" charset="-120"/>
+                        </a:rPr>
+                        <a:t>輸入</a:t>
+                      </a:r>
+                      <a:endParaRPr lang="zh-TW" sz="1800" b="1" kern="100" dirty="0">
+                        <a:effectLst/>
+                        <a:latin typeface="標楷體" panose="03000509000000000000" pitchFamily="65" charset="-120"/>
+                        <a:ea typeface="標楷體" panose="03000509000000000000" pitchFamily="65" charset="-120"/>
+                      </a:endParaRPr>
+                    </a:p>
+                  </a:txBody>
+                  <a:tcPr marL="68580" marR="68580" marT="0" marB="0"/>
+                </a:tc>
+                <a:tc>
+                  <a:txBody>
+                    <a:bodyPr/>
+                    <a:lstStyle/>
+                    <a:p>
+                      <a:r>
+                        <a:rPr lang="en-US" altLang="zh-TW" sz="1800" kern="100" dirty="0">
+                          <a:effectLst/>
+                          <a:latin typeface="Times New Roman" panose="02020603050405020304" pitchFamily="18" charset="0"/>
+                          <a:ea typeface="標楷體" panose="03000509000000000000" pitchFamily="65" charset="-120"/>
+                          <a:cs typeface="Times New Roman" panose="02020603050405020304" pitchFamily="18" charset="0"/>
+                        </a:rPr>
+                        <a:t>post</a:t>
+                      </a:r>
+                      <a:r>
+                        <a:rPr lang="en-US" altLang="zh-TW" sz="1800" kern="100" dirty="0">
+                          <a:effectLst/>
+                          <a:latin typeface="標楷體" panose="03000509000000000000" pitchFamily="65" charset="-120"/>
+                          <a:ea typeface="標楷體" panose="03000509000000000000" pitchFamily="65" charset="-120"/>
+                        </a:rPr>
+                        <a:t> : </a:t>
+                      </a:r>
+                      <a:r>
+                        <a:rPr lang="zh-TW" altLang="en-US" sz="1800" kern="100" dirty="0">
+                          <a:effectLst/>
+                          <a:latin typeface="標楷體" panose="03000509000000000000" pitchFamily="65" charset="-120"/>
+                          <a:ea typeface="標楷體" panose="03000509000000000000" pitchFamily="65" charset="-120"/>
+                        </a:rPr>
+                        <a:t>連接硬體</a:t>
+                      </a:r>
+                      <a:endParaRPr lang="zh-TW" sz="1800" b="1" kern="100" dirty="0">
+                        <a:effectLst/>
+                        <a:latin typeface="標楷體" panose="03000509000000000000" pitchFamily="65" charset="-120"/>
+                        <a:ea typeface="標楷體" panose="03000509000000000000" pitchFamily="65" charset="-120"/>
+                      </a:endParaRPr>
+                    </a:p>
+                  </a:txBody>
+                  <a:tcPr marL="68580" marR="68580" marT="0" marB="0"/>
+                </a:tc>
+                <a:extLst>
+                  <a:ext uri="{0D108BD9-81ED-4DB2-BD59-A6C34878D82A}">
+                    <a16:rowId xmlns:a16="http://schemas.microsoft.com/office/drawing/2014/main" val="10001"/>
+                  </a:ext>
+                </a:extLst>
+              </a:tr>
+              <a:tr h="440484">
+                <a:tc>
+                  <a:txBody>
+                    <a:bodyPr/>
+                    <a:lstStyle/>
+                    <a:p>
+                      <a:pPr algn="ctr"/>
+                      <a:r>
+                        <a:rPr lang="zh-TW" sz="1800" kern="100" dirty="0">
+                          <a:effectLst/>
+                          <a:latin typeface="標楷體" panose="03000509000000000000" pitchFamily="65" charset="-120"/>
+                          <a:ea typeface="標楷體" panose="03000509000000000000" pitchFamily="65" charset="-120"/>
+                        </a:rPr>
+                        <a:t>輸出</a:t>
+                      </a:r>
+                      <a:endParaRPr lang="zh-TW" sz="1800" b="1" kern="100" dirty="0">
+                        <a:effectLst/>
+                        <a:latin typeface="標楷體" panose="03000509000000000000" pitchFamily="65" charset="-120"/>
+                        <a:ea typeface="標楷體" panose="03000509000000000000" pitchFamily="65" charset="-120"/>
+                      </a:endParaRPr>
+                    </a:p>
+                  </a:txBody>
+                  <a:tcPr marL="68580" marR="68580" marT="0" marB="0"/>
+                </a:tc>
+                <a:tc>
+                  <a:txBody>
+                    <a:bodyPr/>
+                    <a:lstStyle/>
+                    <a:p>
+                      <a:r>
+                        <a:rPr lang="en-US" altLang="zh-TW" sz="1800" kern="100" dirty="0" err="1">
+                          <a:effectLst/>
+                          <a:latin typeface="Times New Roman" panose="02020603050405020304" pitchFamily="18" charset="0"/>
+                          <a:ea typeface="標楷體" panose="03000509000000000000" pitchFamily="65" charset="-120"/>
+                          <a:cs typeface="Times New Roman" panose="02020603050405020304" pitchFamily="18" charset="0"/>
+                        </a:rPr>
+                        <a:t>JsonResponse</a:t>
+                      </a:r>
+                      <a:r>
+                        <a:rPr lang="zh-TW" altLang="en-US" sz="1800" kern="100" dirty="0">
+                          <a:effectLst/>
+                          <a:latin typeface="標楷體" panose="03000509000000000000" pitchFamily="65" charset="-120"/>
+                          <a:ea typeface="標楷體" panose="03000509000000000000" pitchFamily="65" charset="-120"/>
+                        </a:rPr>
+                        <a:t> </a:t>
+                      </a:r>
+                      <a:r>
+                        <a:rPr lang="en-US" altLang="zh-TW" sz="1800" kern="100" dirty="0">
+                          <a:effectLst/>
+                          <a:latin typeface="標楷體" panose="03000509000000000000" pitchFamily="65" charset="-120"/>
+                          <a:ea typeface="標楷體" panose="03000509000000000000" pitchFamily="65" charset="-120"/>
+                        </a:rPr>
+                        <a:t>:</a:t>
+                      </a:r>
+                      <a:r>
+                        <a:rPr lang="zh-TW" altLang="en-US" sz="1800" kern="100" dirty="0">
+                          <a:effectLst/>
+                          <a:latin typeface="標楷體" panose="03000509000000000000" pitchFamily="65" charset="-120"/>
+                          <a:ea typeface="標楷體" panose="03000509000000000000" pitchFamily="65" charset="-120"/>
+                        </a:rPr>
+                        <a:t> 連接上回答</a:t>
+                      </a:r>
+                      <a:r>
+                        <a:rPr lang="en-US" altLang="zh-TW" sz="1800" kern="100" dirty="0">
+                          <a:effectLst/>
+                          <a:latin typeface="Times New Roman" panose="02020603050405020304" pitchFamily="18" charset="0"/>
+                          <a:ea typeface="標楷體" panose="03000509000000000000" pitchFamily="65" charset="-120"/>
+                          <a:cs typeface="Times New Roman" panose="02020603050405020304" pitchFamily="18" charset="0"/>
+                        </a:rPr>
+                        <a:t>OK</a:t>
+                      </a:r>
+                      <a:endParaRPr lang="zh-TW" sz="1800" b="1" kern="100" dirty="0">
+                        <a:effectLst/>
+                        <a:latin typeface="Times New Roman" panose="02020603050405020304" pitchFamily="18" charset="0"/>
+                        <a:ea typeface="標楷體" panose="03000509000000000000" pitchFamily="65" charset="-120"/>
+                        <a:cs typeface="Times New Roman" panose="02020603050405020304" pitchFamily="18" charset="0"/>
+                      </a:endParaRPr>
+                    </a:p>
+                  </a:txBody>
+                  <a:tcPr marL="68580" marR="68580" marT="0" marB="0"/>
+                </a:tc>
+                <a:extLst>
+                  <a:ext uri="{0D108BD9-81ED-4DB2-BD59-A6C34878D82A}">
+                    <a16:rowId xmlns:a16="http://schemas.microsoft.com/office/drawing/2014/main" val="10002"/>
+                  </a:ext>
+                </a:extLst>
+              </a:tr>
+              <a:tr h="440484">
+                <a:tc>
+                  <a:txBody>
+                    <a:bodyPr/>
+                    <a:lstStyle/>
+                    <a:p>
+                      <a:pPr algn="ctr"/>
+                      <a:r>
+                        <a:rPr lang="zh-TW" sz="1800" kern="100" dirty="0">
+                          <a:effectLst/>
+                          <a:latin typeface="標楷體" panose="03000509000000000000" pitchFamily="65" charset="-120"/>
+                          <a:ea typeface="標楷體" panose="03000509000000000000" pitchFamily="65" charset="-120"/>
+                        </a:rPr>
+                        <a:t>參數</a:t>
+                      </a:r>
+                      <a:endParaRPr lang="zh-TW" sz="1800" b="1" kern="100" dirty="0">
+                        <a:effectLst/>
+                        <a:latin typeface="標楷體" panose="03000509000000000000" pitchFamily="65" charset="-120"/>
+                        <a:ea typeface="標楷體" panose="03000509000000000000" pitchFamily="65" charset="-120"/>
+                      </a:endParaRPr>
+                    </a:p>
+                  </a:txBody>
+                  <a:tcPr marL="68580" marR="68580" marT="0" marB="0"/>
+                </a:tc>
+                <a:tc>
+                  <a:txBody>
+                    <a:bodyPr/>
+                    <a:lstStyle/>
+                    <a:p>
+                      <a:r>
+                        <a:rPr lang="en-US" altLang="zh-TW" sz="1800" kern="100" dirty="0">
+                          <a:effectLst/>
+                          <a:latin typeface="Times New Roman" panose="02020603050405020304" pitchFamily="18" charset="0"/>
+                          <a:ea typeface="標楷體" panose="03000509000000000000" pitchFamily="65" charset="-120"/>
+                          <a:cs typeface="Times New Roman" panose="02020603050405020304" pitchFamily="18" charset="0"/>
+                        </a:rPr>
+                        <a:t>Port</a:t>
+                      </a:r>
+                      <a:r>
+                        <a:rPr lang="zh-TW" altLang="en-US" sz="1800" kern="100" dirty="0">
+                          <a:effectLst/>
+                          <a:latin typeface="標楷體" panose="03000509000000000000" pitchFamily="65" charset="-120"/>
+                          <a:ea typeface="標楷體" panose="03000509000000000000" pitchFamily="65" charset="-120"/>
+                        </a:rPr>
+                        <a:t> </a:t>
+                      </a:r>
+                      <a:r>
+                        <a:rPr lang="en-US" sz="1800" kern="100" dirty="0">
+                          <a:effectLst/>
+                          <a:latin typeface="標楷體" panose="03000509000000000000" pitchFamily="65" charset="-120"/>
+                          <a:ea typeface="標楷體" panose="03000509000000000000" pitchFamily="65" charset="-120"/>
+                        </a:rPr>
+                        <a:t>: </a:t>
+                      </a:r>
+                      <a:r>
+                        <a:rPr lang="en-US" sz="1800" kern="100" dirty="0">
+                          <a:effectLst/>
+                          <a:latin typeface="Times New Roman" panose="02020603050405020304" pitchFamily="18" charset="0"/>
+                          <a:ea typeface="標楷體" panose="03000509000000000000" pitchFamily="65" charset="-120"/>
+                          <a:cs typeface="Times New Roman" panose="02020603050405020304" pitchFamily="18" charset="0"/>
+                        </a:rPr>
+                        <a:t>port</a:t>
+                      </a:r>
+                      <a:r>
+                        <a:rPr lang="zh-TW" altLang="en-US" sz="1800" kern="100" dirty="0">
+                          <a:effectLst/>
+                          <a:latin typeface="標楷體" panose="03000509000000000000" pitchFamily="65" charset="-120"/>
+                          <a:ea typeface="標楷體" panose="03000509000000000000" pitchFamily="65" charset="-120"/>
+                        </a:rPr>
+                        <a:t>連接</a:t>
+                      </a:r>
+                      <a:endParaRPr lang="zh-TW" sz="1800" b="1" kern="100" dirty="0">
+                        <a:effectLst/>
+                        <a:latin typeface="標楷體" panose="03000509000000000000" pitchFamily="65" charset="-120"/>
+                        <a:ea typeface="標楷體" panose="03000509000000000000" pitchFamily="65" charset="-120"/>
+                      </a:endParaRPr>
+                    </a:p>
+                  </a:txBody>
+                  <a:tcPr marL="68580" marR="68580" marT="0" marB="0"/>
+                </a:tc>
+                <a:extLst>
+                  <a:ext uri="{0D108BD9-81ED-4DB2-BD59-A6C34878D82A}">
+                    <a16:rowId xmlns:a16="http://schemas.microsoft.com/office/drawing/2014/main" val="10003"/>
+                  </a:ext>
+                </a:extLst>
+              </a:tr>
+              <a:tr h="440484">
+                <a:tc>
+                  <a:txBody>
+                    <a:bodyPr/>
+                    <a:lstStyle/>
+                    <a:p>
+                      <a:pPr algn="ctr"/>
+                      <a:r>
+                        <a:rPr lang="zh-TW" sz="1800" kern="100">
+                          <a:effectLst/>
+                          <a:latin typeface="標楷體" panose="03000509000000000000" pitchFamily="65" charset="-120"/>
+                          <a:ea typeface="標楷體" panose="03000509000000000000" pitchFamily="65" charset="-120"/>
+                        </a:rPr>
+                        <a:t>方法</a:t>
+                      </a:r>
+                      <a:endParaRPr lang="zh-TW" sz="1800" b="1" kern="100">
+                        <a:effectLst/>
+                        <a:latin typeface="標楷體" panose="03000509000000000000" pitchFamily="65" charset="-120"/>
+                        <a:ea typeface="標楷體" panose="03000509000000000000" pitchFamily="65" charset="-120"/>
+                      </a:endParaRPr>
+                    </a:p>
+                  </a:txBody>
+                  <a:tcPr marL="68580" marR="68580" marT="0" marB="0"/>
+                </a:tc>
+                <a:tc>
+                  <a:txBody>
+                    <a:bodyPr/>
+                    <a:lstStyle/>
+                    <a:p>
+                      <a:r>
+                        <a:rPr lang="zh-TW" altLang="en-US" sz="1800" kern="100" dirty="0">
+                          <a:effectLst/>
+                          <a:latin typeface="標楷體" panose="03000509000000000000" pitchFamily="65" charset="-120"/>
+                          <a:ea typeface="標楷體" panose="03000509000000000000" pitchFamily="65" charset="-120"/>
+                        </a:rPr>
+                        <a:t>後端與硬體連接</a:t>
+                      </a:r>
+                      <a:endParaRPr lang="zh-TW" sz="1800" b="1" kern="100" dirty="0">
+                        <a:effectLst/>
+                        <a:latin typeface="標楷體" panose="03000509000000000000" pitchFamily="65" charset="-120"/>
+                        <a:ea typeface="標楷體" panose="03000509000000000000" pitchFamily="65" charset="-120"/>
+                      </a:endParaRPr>
+                    </a:p>
+                  </a:txBody>
+                  <a:tcPr marL="68580" marR="68580" marT="0" marB="0"/>
+                </a:tc>
+                <a:extLst>
+                  <a:ext uri="{0D108BD9-81ED-4DB2-BD59-A6C34878D82A}">
+                    <a16:rowId xmlns:a16="http://schemas.microsoft.com/office/drawing/2014/main" val="10004"/>
+                  </a:ext>
+                </a:extLst>
+              </a:tr>
+            </a:tbl>
+          </a:graphicData>
+        </a:graphic>
+      </p:graphicFrame>
     </p:spTree>
     <p:extLst>
       <p:ext uri="{BB962C8B-B14F-4D97-AF65-F5344CB8AC3E}">
-        <p14:creationId xmlns:p14="http://schemas.microsoft.com/office/powerpoint/2010/main" val="1138845298"/>
+        <p14:creationId xmlns:p14="http://schemas.microsoft.com/office/powerpoint/2010/main" val="2226929116"/>
       </p:ext>
     </p:extLst>
   </p:cSld>
   <p:clrMapOvr>
     <a:masterClrMapping/>
   </p:clrMapOvr>
-  <mc:AlternateContent xmlns:mc="http://schemas.openxmlformats.org/markup-compatibility/2006">
-    <mc:Choice xmlns:p14="http://schemas.microsoft.com/office/powerpoint/2010/main" Requires="p14">
+  <mc:AlternateContent xmlns:mc="http://schemas.openxmlformats.org/markup-compatibility/2006" xmlns:p14="http://schemas.microsoft.com/office/powerpoint/2010/main">
+    <mc:Choice Requires="p14">
       <p:transition spd="slow">
         <p14:reveal/>
       </p:transition>
     </mc:Choice>
-    <mc:Fallback>
+    <mc:Fallback xmlns="">
       <p:transition spd="slow">
         <p:fade/>
       </p:transition>
@@ -5646,76 +6393,38 @@
         </p:nvSpPr>
         <p:spPr/>
         <p:txBody>
-          <a:bodyPr>
-            <a:normAutofit/>
-          </a:bodyPr>
+          <a:bodyPr/>
           <a:lstStyle/>
           <a:p>
-            <a:pPr marL="372600" indent="-457200">
-              <a:buFont typeface="+mj-lt"/>
-              <a:buAutoNum type="arabicPeriod"/>
-            </a:pPr>
             <a:r>
               <a:rPr lang="en-US" altLang="zh-TW" sz="2400" b="1" dirty="0"/>
-              <a:t>Contours label</a:t>
-            </a:r>
-          </a:p>
-          <a:p>
-            <a:r>
-              <a:rPr lang="zh-TW" altLang="en-US" sz="1800" b="1" dirty="0"/>
-              <a:t>測試方法 </a:t>
-            </a:r>
-            <a:r>
-              <a:rPr lang="en-US" altLang="zh-TW" sz="1800" b="1" dirty="0"/>
-              <a:t>:</a:t>
-            </a:r>
-            <a:r>
-              <a:rPr lang="zh-TW" altLang="en-US" sz="1800" b="1" dirty="0"/>
-              <a:t> </a:t>
-            </a:r>
-            <a:endParaRPr lang="en-US" altLang="zh-TW" sz="1800" b="1" dirty="0"/>
-          </a:p>
-          <a:p>
-            <a:pPr marL="457200" lvl="1" indent="0">
-              <a:buNone/>
-            </a:pPr>
-            <a:r>
-              <a:rPr lang="zh-TW" altLang="en-US" sz="1800" dirty="0"/>
-              <a:t>使用</a:t>
-            </a:r>
-            <a:r>
-              <a:rPr lang="en-US" altLang="zh-TW" sz="1800" dirty="0"/>
-              <a:t>Vivado</a:t>
-            </a:r>
-            <a:r>
-              <a:rPr lang="zh-TW" altLang="en-US" sz="1800" dirty="0"/>
-              <a:t>於</a:t>
-            </a:r>
-            <a:r>
-              <a:rPr lang="en-US" altLang="zh-TW" sz="1800" dirty="0"/>
-              <a:t>simulation</a:t>
-            </a:r>
-            <a:r>
-              <a:rPr lang="zh-TW" altLang="en-US" sz="1800" dirty="0"/>
-              <a:t>中讀取</a:t>
-            </a:r>
-            <a:r>
-              <a:rPr lang="en-US" altLang="zh-TW" sz="1800" dirty="0"/>
-              <a:t>txt</a:t>
-            </a:r>
-            <a:r>
-              <a:rPr lang="zh-TW" altLang="en-US" sz="1800" dirty="0"/>
-              <a:t>資料當成輸入影像，接著將模擬結果寫回</a:t>
-            </a:r>
-            <a:r>
-              <a:rPr lang="en-US" altLang="zh-TW" sz="1800" dirty="0"/>
-              <a:t>txt</a:t>
-            </a:r>
-            <a:r>
-              <a:rPr lang="zh-TW" altLang="en-US" sz="1800" dirty="0"/>
-              <a:t>觀察結果，並和軟體進行比較</a:t>
-            </a:r>
-            <a:endParaRPr lang="en-US" altLang="zh-TW" sz="1800" dirty="0"/>
+              <a:t>PC</a:t>
+            </a:r>
+            <a:r>
+              <a:rPr lang="zh-TW" altLang="en-US" sz="2400" b="1" dirty="0"/>
+              <a:t>端</a:t>
+            </a:r>
+            <a:endParaRPr lang="en-US" altLang="zh-TW" sz="2400" b="1" dirty="0"/>
+          </a:p>
+          <a:p>
+            <a:r>
+              <a:rPr lang="en-US" altLang="zh-TW" sz="1800" kern="100" dirty="0">
+                <a:effectLst/>
+                <a:latin typeface="Times New Roman" panose="02020603050405020304" pitchFamily="18" charset="0"/>
+                <a:ea typeface="標楷體" panose="03000509000000000000" pitchFamily="65" charset="-120"/>
+                <a:cs typeface="Times New Roman" panose="02020603050405020304" pitchFamily="18" charset="0"/>
+              </a:rPr>
+              <a:t>def deliver (request):</a:t>
+            </a:r>
+            <a:endParaRPr lang="zh-TW" altLang="zh-TW" sz="1800" b="1" kern="100" dirty="0">
+              <a:effectLst/>
+              <a:latin typeface="Times New Roman" panose="02020603050405020304" pitchFamily="18" charset="0"/>
+              <a:ea typeface="標楷體" panose="03000509000000000000" pitchFamily="65" charset="-120"/>
+              <a:cs typeface="Times New Roman" panose="02020603050405020304" pitchFamily="18" charset="0"/>
+            </a:endParaRPr>
+          </a:p>
+          <a:p>
+            <a:endParaRPr lang="zh-TW" altLang="en-US" b="1" dirty="0"/>
           </a:p>
         </p:txBody>
       </p:sp>
@@ -5741,9 +6450,10 @@
           <a:lstStyle/>
           <a:p>
             <a:r>
-              <a:rPr lang="zh-TW" altLang="en-US" dirty="0"/>
-              <a:t>當週進度</a:t>
-            </a:r>
+              <a:rPr lang="en-US" altLang="zh-TW" dirty="0"/>
+              <a:t>API</a:t>
+            </a:r>
+            <a:endParaRPr lang="zh-TW" altLang="en-US" dirty="0"/>
           </a:p>
         </p:txBody>
       </p:sp>
@@ -5771,6 +6481,5165 @@
             <a:fld id="{90F9E983-480B-48C5-9E0F-D21C0DFBB5C0}" type="slidenum">
               <a:rPr lang="zh-TW" altLang="en-US" smtClean="0"/>
               <a:t>17</a:t>
+            </a:fld>
+            <a:endParaRPr lang="zh-TW" altLang="en-US"/>
+          </a:p>
+        </p:txBody>
+      </p:sp>
+      <p:graphicFrame>
+        <p:nvGraphicFramePr>
+          <p:cNvPr id="7" name="表格 6">
+            <a:extLst>
+              <a:ext uri="{FF2B5EF4-FFF2-40B4-BE49-F238E27FC236}">
+                <a16:creationId xmlns:a16="http://schemas.microsoft.com/office/drawing/2014/main" id="{A402FA37-A6C6-A076-3AFB-455C634DC812}"/>
+              </a:ext>
+            </a:extLst>
+          </p:cNvPr>
+          <p:cNvGraphicFramePr>
+            <a:graphicFrameLocks noGrp="1"/>
+          </p:cNvGraphicFramePr>
+          <p:nvPr>
+            <p:extLst>
+              <p:ext uri="{D42A27DB-BD31-4B8C-83A1-F6EECF244321}">
+                <p14:modId xmlns:p14="http://schemas.microsoft.com/office/powerpoint/2010/main" val="3086560089"/>
+              </p:ext>
+            </p:extLst>
+          </p:nvPr>
+        </p:nvGraphicFramePr>
+        <p:xfrm>
+          <a:off x="2649680" y="2647268"/>
+          <a:ext cx="6892637" cy="2152240"/>
+        </p:xfrm>
+        <a:graphic>
+          <a:graphicData uri="http://schemas.openxmlformats.org/drawingml/2006/table">
+            <a:tbl>
+              <a:tblPr firstRow="1" firstCol="1" bandRow="1">
+                <a:tableStyleId>{21E4AEA4-8DFA-4A89-87EB-49C32662AFE0}</a:tableStyleId>
+              </a:tblPr>
+              <a:tblGrid>
+                <a:gridCol w="708059">
+                  <a:extLst>
+                    <a:ext uri="{9D8B030D-6E8A-4147-A177-3AD203B41FA5}">
+                      <a16:colId xmlns:a16="http://schemas.microsoft.com/office/drawing/2014/main" val="20000"/>
+                    </a:ext>
+                  </a:extLst>
+                </a:gridCol>
+                <a:gridCol w="6184578">
+                  <a:extLst>
+                    <a:ext uri="{9D8B030D-6E8A-4147-A177-3AD203B41FA5}">
+                      <a16:colId xmlns:a16="http://schemas.microsoft.com/office/drawing/2014/main" val="20001"/>
+                    </a:ext>
+                  </a:extLst>
+                </a:gridCol>
+              </a:tblGrid>
+              <a:tr h="400900">
+                <a:tc gridSpan="2">
+                  <a:txBody>
+                    <a:bodyPr/>
+                    <a:lstStyle/>
+                    <a:p>
+                      <a:pPr algn="ctr"/>
+                      <a:r>
+                        <a:rPr lang="en-US" sz="1800" kern="100" dirty="0">
+                          <a:effectLst/>
+                          <a:latin typeface="Times New Roman" panose="02020603050405020304" pitchFamily="18" charset="0"/>
+                          <a:ea typeface="標楷體" panose="03000509000000000000" pitchFamily="65" charset="-120"/>
+                          <a:cs typeface="Times New Roman" panose="02020603050405020304" pitchFamily="18" charset="0"/>
+                        </a:rPr>
+                        <a:t>def deliver (request):</a:t>
+                      </a:r>
+                      <a:endParaRPr lang="zh-TW" sz="1800" b="1" kern="100" dirty="0">
+                        <a:effectLst/>
+                        <a:latin typeface="Times New Roman" panose="02020603050405020304" pitchFamily="18" charset="0"/>
+                        <a:ea typeface="標楷體" panose="03000509000000000000" pitchFamily="65" charset="-120"/>
+                        <a:cs typeface="Times New Roman" panose="02020603050405020304" pitchFamily="18" charset="0"/>
+                      </a:endParaRPr>
+                    </a:p>
+                  </a:txBody>
+                  <a:tcPr marL="68580" marR="68580" marT="0" marB="0" anchor="ctr"/>
+                </a:tc>
+                <a:tc hMerge="1">
+                  <a:txBody>
+                    <a:bodyPr/>
+                    <a:lstStyle/>
+                    <a:p>
+                      <a:endParaRPr lang="zh-TW" altLang="en-US"/>
+                    </a:p>
+                  </a:txBody>
+                  <a:tcPr/>
+                </a:tc>
+                <a:extLst>
+                  <a:ext uri="{0D108BD9-81ED-4DB2-BD59-A6C34878D82A}">
+                    <a16:rowId xmlns:a16="http://schemas.microsoft.com/office/drawing/2014/main" val="10000"/>
+                  </a:ext>
+                </a:extLst>
+              </a:tr>
+              <a:tr h="400900">
+                <a:tc>
+                  <a:txBody>
+                    <a:bodyPr/>
+                    <a:lstStyle/>
+                    <a:p>
+                      <a:pPr algn="ctr"/>
+                      <a:r>
+                        <a:rPr lang="zh-TW" sz="1800" kern="100">
+                          <a:effectLst/>
+                          <a:latin typeface="標楷體" panose="03000509000000000000" pitchFamily="65" charset="-120"/>
+                          <a:ea typeface="標楷體" panose="03000509000000000000" pitchFamily="65" charset="-120"/>
+                        </a:rPr>
+                        <a:t>輸入</a:t>
+                      </a:r>
+                      <a:endParaRPr lang="zh-TW" sz="1800" b="1" kern="100">
+                        <a:effectLst/>
+                        <a:latin typeface="標楷體" panose="03000509000000000000" pitchFamily="65" charset="-120"/>
+                        <a:ea typeface="標楷體" panose="03000509000000000000" pitchFamily="65" charset="-120"/>
+                      </a:endParaRPr>
+                    </a:p>
+                  </a:txBody>
+                  <a:tcPr marL="68580" marR="68580" marT="0" marB="0"/>
+                </a:tc>
+                <a:tc>
+                  <a:txBody>
+                    <a:bodyPr/>
+                    <a:lstStyle/>
+                    <a:p>
+                      <a:r>
+                        <a:rPr lang="en-US" sz="1800" kern="100" dirty="0">
+                          <a:effectLst/>
+                          <a:latin typeface="Times New Roman" panose="02020603050405020304" pitchFamily="18" charset="0"/>
+                          <a:ea typeface="標楷體" panose="03000509000000000000" pitchFamily="65" charset="-120"/>
+                          <a:cs typeface="Times New Roman" panose="02020603050405020304" pitchFamily="18" charset="0"/>
+                        </a:rPr>
+                        <a:t>post</a:t>
+                      </a:r>
+                      <a:r>
+                        <a:rPr lang="zh-TW" altLang="en-US" sz="1800" kern="100" dirty="0">
+                          <a:effectLst/>
+                          <a:latin typeface="標楷體" panose="03000509000000000000" pitchFamily="65" charset="-120"/>
+                          <a:ea typeface="標楷體" panose="03000509000000000000" pitchFamily="65" charset="-120"/>
+                        </a:rPr>
+                        <a:t> </a:t>
+                      </a:r>
+                      <a:r>
+                        <a:rPr lang="en-US" altLang="zh-TW" sz="1800" kern="100" dirty="0">
+                          <a:effectLst/>
+                          <a:latin typeface="標楷體" panose="03000509000000000000" pitchFamily="65" charset="-120"/>
+                          <a:ea typeface="標楷體" panose="03000509000000000000" pitchFamily="65" charset="-120"/>
+                        </a:rPr>
+                        <a:t>:</a:t>
+                      </a:r>
+                      <a:r>
+                        <a:rPr lang="zh-TW" altLang="en-US" sz="1800" kern="100" dirty="0">
+                          <a:effectLst/>
+                          <a:latin typeface="標楷體" panose="03000509000000000000" pitchFamily="65" charset="-120"/>
+                          <a:ea typeface="標楷體" panose="03000509000000000000" pitchFamily="65" charset="-120"/>
+                        </a:rPr>
+                        <a:t> 後端將設定條件傳送至硬體</a:t>
+                      </a:r>
+                      <a:endParaRPr lang="zh-TW" sz="1800" b="1" kern="100" dirty="0">
+                        <a:effectLst/>
+                        <a:latin typeface="標楷體" panose="03000509000000000000" pitchFamily="65" charset="-120"/>
+                        <a:ea typeface="標楷體" panose="03000509000000000000" pitchFamily="65" charset="-120"/>
+                      </a:endParaRPr>
+                    </a:p>
+                  </a:txBody>
+                  <a:tcPr marL="68580" marR="68580" marT="0" marB="0"/>
+                </a:tc>
+                <a:extLst>
+                  <a:ext uri="{0D108BD9-81ED-4DB2-BD59-A6C34878D82A}">
+                    <a16:rowId xmlns:a16="http://schemas.microsoft.com/office/drawing/2014/main" val="10001"/>
+                  </a:ext>
+                </a:extLst>
+              </a:tr>
+              <a:tr h="400900">
+                <a:tc>
+                  <a:txBody>
+                    <a:bodyPr/>
+                    <a:lstStyle/>
+                    <a:p>
+                      <a:pPr algn="ctr"/>
+                      <a:r>
+                        <a:rPr lang="zh-TW" sz="1800" kern="100">
+                          <a:effectLst/>
+                          <a:latin typeface="標楷體" panose="03000509000000000000" pitchFamily="65" charset="-120"/>
+                          <a:ea typeface="標楷體" panose="03000509000000000000" pitchFamily="65" charset="-120"/>
+                        </a:rPr>
+                        <a:t>輸出</a:t>
+                      </a:r>
+                      <a:endParaRPr lang="zh-TW" sz="1800" b="1" kern="100">
+                        <a:effectLst/>
+                        <a:latin typeface="標楷體" panose="03000509000000000000" pitchFamily="65" charset="-120"/>
+                        <a:ea typeface="標楷體" panose="03000509000000000000" pitchFamily="65" charset="-120"/>
+                      </a:endParaRPr>
+                    </a:p>
+                  </a:txBody>
+                  <a:tcPr marL="68580" marR="68580" marT="0" marB="0"/>
+                </a:tc>
+                <a:tc>
+                  <a:txBody>
+                    <a:bodyPr/>
+                    <a:lstStyle/>
+                    <a:p>
+                      <a:r>
+                        <a:rPr lang="en-US" altLang="zh-TW" sz="1800" dirty="0" err="1">
+                          <a:latin typeface="Times New Roman" panose="02020603050405020304" pitchFamily="18" charset="0"/>
+                          <a:ea typeface="標楷體" panose="03000509000000000000" pitchFamily="65" charset="-120"/>
+                          <a:cs typeface="Times New Roman" panose="02020603050405020304" pitchFamily="18" charset="0"/>
+                        </a:rPr>
+                        <a:t>contours_area</a:t>
+                      </a:r>
+                      <a:r>
+                        <a:rPr lang="en-US" altLang="zh-TW" sz="1800" dirty="0">
+                          <a:latin typeface="Times New Roman" panose="02020603050405020304" pitchFamily="18" charset="0"/>
+                          <a:ea typeface="標楷體" panose="03000509000000000000" pitchFamily="65" charset="-120"/>
+                          <a:cs typeface="Times New Roman" panose="02020603050405020304" pitchFamily="18" charset="0"/>
+                        </a:rPr>
+                        <a:t>(int)</a:t>
+                      </a:r>
+                      <a:r>
+                        <a:rPr lang="en-US" altLang="zh-TW" sz="1800" kern="100" dirty="0">
+                          <a:effectLst/>
+                          <a:latin typeface="標楷體" panose="03000509000000000000" pitchFamily="65" charset="-120"/>
+                          <a:ea typeface="標楷體" panose="03000509000000000000" pitchFamily="65" charset="-120"/>
+                        </a:rPr>
+                        <a:t>:</a:t>
+                      </a:r>
+                      <a:r>
+                        <a:rPr lang="zh-TW" altLang="en-US" sz="1800" kern="100" dirty="0">
+                          <a:effectLst/>
+                          <a:latin typeface="標楷體" panose="03000509000000000000" pitchFamily="65" charset="-120"/>
+                          <a:ea typeface="標楷體" panose="03000509000000000000" pitchFamily="65" charset="-120"/>
+                        </a:rPr>
+                        <a:t> </a:t>
+                      </a:r>
+                      <a:r>
+                        <a:rPr lang="en-US" altLang="zh-TW" sz="1800" kern="100" dirty="0">
+                          <a:effectLst/>
+                          <a:latin typeface="Times New Roman" panose="02020603050405020304" pitchFamily="18" charset="0"/>
+                          <a:ea typeface="標楷體" panose="03000509000000000000" pitchFamily="65" charset="-120"/>
+                          <a:cs typeface="Times New Roman" panose="02020603050405020304" pitchFamily="18" charset="0"/>
+                        </a:rPr>
+                        <a:t>contours</a:t>
+                      </a:r>
+                      <a:r>
+                        <a:rPr lang="zh-TW" altLang="en-US" sz="1800" kern="100" dirty="0">
+                          <a:effectLst/>
+                          <a:latin typeface="標楷體" panose="03000509000000000000" pitchFamily="65" charset="-120"/>
+                          <a:ea typeface="標楷體" panose="03000509000000000000" pitchFamily="65" charset="-120"/>
+                        </a:rPr>
+                        <a:t>面積</a:t>
+                      </a:r>
+                      <a:endParaRPr lang="zh-TW" sz="1800" b="1" kern="100" dirty="0">
+                        <a:effectLst/>
+                        <a:latin typeface="標楷體" panose="03000509000000000000" pitchFamily="65" charset="-120"/>
+                        <a:ea typeface="標楷體" panose="03000509000000000000" pitchFamily="65" charset="-120"/>
+                      </a:endParaRPr>
+                    </a:p>
+                  </a:txBody>
+                  <a:tcPr marL="68580" marR="68580" marT="0" marB="0"/>
+                </a:tc>
+                <a:extLst>
+                  <a:ext uri="{0D108BD9-81ED-4DB2-BD59-A6C34878D82A}">
+                    <a16:rowId xmlns:a16="http://schemas.microsoft.com/office/drawing/2014/main" val="10002"/>
+                  </a:ext>
+                </a:extLst>
+              </a:tr>
+              <a:tr h="543338">
+                <a:tc>
+                  <a:txBody>
+                    <a:bodyPr/>
+                    <a:lstStyle/>
+                    <a:p>
+                      <a:pPr algn="ctr"/>
+                      <a:r>
+                        <a:rPr lang="zh-TW" sz="1800" kern="100">
+                          <a:effectLst/>
+                          <a:latin typeface="標楷體" panose="03000509000000000000" pitchFamily="65" charset="-120"/>
+                          <a:ea typeface="標楷體" panose="03000509000000000000" pitchFamily="65" charset="-120"/>
+                        </a:rPr>
+                        <a:t>參數</a:t>
+                      </a:r>
+                      <a:endParaRPr lang="zh-TW" sz="1800" b="1" kern="100">
+                        <a:effectLst/>
+                        <a:latin typeface="標楷體" panose="03000509000000000000" pitchFamily="65" charset="-120"/>
+                        <a:ea typeface="標楷體" panose="03000509000000000000" pitchFamily="65" charset="-120"/>
+                      </a:endParaRPr>
+                    </a:p>
+                  </a:txBody>
+                  <a:tcPr marL="68580" marR="68580" marT="0" marB="0"/>
+                </a:tc>
+                <a:tc>
+                  <a:txBody>
+                    <a:bodyPr/>
+                    <a:lstStyle/>
+                    <a:p>
+                      <a:r>
+                        <a:rPr lang="en-US" altLang="zh-TW" sz="1800" kern="100" dirty="0" err="1">
+                          <a:effectLst/>
+                          <a:latin typeface="Times New Roman" panose="02020603050405020304" pitchFamily="18" charset="0"/>
+                          <a:ea typeface="標楷體" panose="03000509000000000000" pitchFamily="65" charset="-120"/>
+                          <a:cs typeface="Times New Roman" panose="02020603050405020304" pitchFamily="18" charset="0"/>
+                        </a:rPr>
+                        <a:t>cap_w</a:t>
+                      </a:r>
+                      <a:r>
+                        <a:rPr lang="zh-TW" altLang="zh-TW" sz="1800" kern="100" dirty="0">
+                          <a:effectLst/>
+                          <a:latin typeface="Times New Roman" panose="02020603050405020304" pitchFamily="18" charset="0"/>
+                          <a:ea typeface="標楷體" panose="03000509000000000000" pitchFamily="65" charset="-120"/>
+                          <a:cs typeface="Times New Roman" panose="02020603050405020304" pitchFamily="18" charset="0"/>
+                        </a:rPr>
+                        <a:t>，</a:t>
+                      </a:r>
+                      <a:r>
+                        <a:rPr lang="en-US" altLang="zh-TW" sz="1800" kern="100" dirty="0">
+                          <a:effectLst/>
+                          <a:latin typeface="Times New Roman" panose="02020603050405020304" pitchFamily="18" charset="0"/>
+                          <a:ea typeface="標楷體" panose="03000509000000000000" pitchFamily="65" charset="-120"/>
+                          <a:cs typeface="Times New Roman" panose="02020603050405020304" pitchFamily="18" charset="0"/>
+                        </a:rPr>
+                        <a:t>(int) </a:t>
+                      </a:r>
+                      <a:r>
+                        <a:rPr lang="en-US" altLang="zh-TW" sz="1800" kern="100" dirty="0">
+                          <a:effectLst/>
+                          <a:latin typeface="標楷體" panose="03000509000000000000" pitchFamily="65" charset="-120"/>
+                          <a:ea typeface="標楷體" panose="03000509000000000000" pitchFamily="65" charset="-120"/>
+                        </a:rPr>
+                        <a:t>: </a:t>
+                      </a:r>
+                      <a:r>
+                        <a:rPr lang="zh-TW" altLang="zh-TW" sz="1800" kern="100" dirty="0">
+                          <a:effectLst/>
+                          <a:latin typeface="標楷體" panose="03000509000000000000" pitchFamily="65" charset="-120"/>
+                          <a:ea typeface="標楷體" panose="03000509000000000000" pitchFamily="65" charset="-120"/>
+                        </a:rPr>
+                        <a:t>圖片的寬度</a:t>
+                      </a:r>
+                    </a:p>
+                    <a:p>
+                      <a:r>
+                        <a:rPr lang="en-US" altLang="zh-TW" sz="1800" kern="100" dirty="0" err="1">
+                          <a:effectLst/>
+                          <a:latin typeface="Times New Roman" panose="02020603050405020304" pitchFamily="18" charset="0"/>
+                          <a:ea typeface="標楷體" panose="03000509000000000000" pitchFamily="65" charset="-120"/>
+                          <a:cs typeface="Times New Roman" panose="02020603050405020304" pitchFamily="18" charset="0"/>
+                        </a:rPr>
+                        <a:t>cap_h</a:t>
+                      </a:r>
+                      <a:r>
+                        <a:rPr lang="zh-TW" altLang="zh-TW" sz="1800" kern="100" dirty="0">
+                          <a:effectLst/>
+                          <a:latin typeface="Times New Roman" panose="02020603050405020304" pitchFamily="18" charset="0"/>
+                          <a:ea typeface="標楷體" panose="03000509000000000000" pitchFamily="65" charset="-120"/>
+                          <a:cs typeface="Times New Roman" panose="02020603050405020304" pitchFamily="18" charset="0"/>
+                        </a:rPr>
+                        <a:t>，</a:t>
+                      </a:r>
+                      <a:r>
+                        <a:rPr lang="en-US" altLang="zh-TW" sz="1800" kern="100" dirty="0">
+                          <a:effectLst/>
+                          <a:latin typeface="Times New Roman" panose="02020603050405020304" pitchFamily="18" charset="0"/>
+                          <a:ea typeface="標楷體" panose="03000509000000000000" pitchFamily="65" charset="-120"/>
+                          <a:cs typeface="Times New Roman" panose="02020603050405020304" pitchFamily="18" charset="0"/>
+                        </a:rPr>
+                        <a:t>(int) </a:t>
+                      </a:r>
+                      <a:r>
+                        <a:rPr lang="en-US" altLang="zh-TW" sz="1800" kern="100" dirty="0">
+                          <a:effectLst/>
+                          <a:latin typeface="標楷體" panose="03000509000000000000" pitchFamily="65" charset="-120"/>
+                          <a:ea typeface="標楷體" panose="03000509000000000000" pitchFamily="65" charset="-120"/>
+                        </a:rPr>
+                        <a:t>: </a:t>
+                      </a:r>
+                      <a:r>
+                        <a:rPr lang="zh-TW" altLang="zh-TW" sz="1800" kern="100" dirty="0">
+                          <a:effectLst/>
+                          <a:latin typeface="標楷體" panose="03000509000000000000" pitchFamily="65" charset="-120"/>
+                          <a:ea typeface="標楷體" panose="03000509000000000000" pitchFamily="65" charset="-120"/>
+                        </a:rPr>
+                        <a:t>圖片的高度</a:t>
+                      </a:r>
+                      <a:endParaRPr lang="zh-TW" altLang="zh-TW" sz="1800" b="1" kern="100" dirty="0">
+                        <a:effectLst/>
+                        <a:latin typeface="標楷體" panose="03000509000000000000" pitchFamily="65" charset="-120"/>
+                        <a:ea typeface="標楷體" panose="03000509000000000000" pitchFamily="65" charset="-120"/>
+                      </a:endParaRPr>
+                    </a:p>
+                  </a:txBody>
+                  <a:tcPr marL="68580" marR="68580" marT="0" marB="0"/>
+                </a:tc>
+                <a:extLst>
+                  <a:ext uri="{0D108BD9-81ED-4DB2-BD59-A6C34878D82A}">
+                    <a16:rowId xmlns:a16="http://schemas.microsoft.com/office/drawing/2014/main" val="10003"/>
+                  </a:ext>
+                </a:extLst>
+              </a:tr>
+              <a:tr h="400900">
+                <a:tc>
+                  <a:txBody>
+                    <a:bodyPr/>
+                    <a:lstStyle/>
+                    <a:p>
+                      <a:pPr algn="ctr"/>
+                      <a:r>
+                        <a:rPr lang="zh-TW" sz="1800" kern="100">
+                          <a:effectLst/>
+                          <a:latin typeface="標楷體" panose="03000509000000000000" pitchFamily="65" charset="-120"/>
+                          <a:ea typeface="標楷體" panose="03000509000000000000" pitchFamily="65" charset="-120"/>
+                        </a:rPr>
+                        <a:t>方法</a:t>
+                      </a:r>
+                      <a:endParaRPr lang="zh-TW" sz="1800" b="1" kern="100">
+                        <a:effectLst/>
+                        <a:latin typeface="標楷體" panose="03000509000000000000" pitchFamily="65" charset="-120"/>
+                        <a:ea typeface="標楷體" panose="03000509000000000000" pitchFamily="65" charset="-120"/>
+                      </a:endParaRPr>
+                    </a:p>
+                  </a:txBody>
+                  <a:tcPr marL="68580" marR="68580" marT="0" marB="0"/>
+                </a:tc>
+                <a:tc>
+                  <a:txBody>
+                    <a:bodyPr/>
+                    <a:lstStyle/>
+                    <a:p>
+                      <a:r>
+                        <a:rPr lang="zh-TW" altLang="en-US" sz="1800" kern="100" dirty="0">
+                          <a:effectLst/>
+                          <a:latin typeface="標楷體" panose="03000509000000000000" pitchFamily="65" charset="-120"/>
+                          <a:ea typeface="標楷體" panose="03000509000000000000" pitchFamily="65" charset="-120"/>
+                        </a:rPr>
+                        <a:t>將前端設定的條件傳送至硬體</a:t>
+                      </a:r>
+                      <a:endParaRPr lang="zh-TW" sz="1800" b="1" kern="100" dirty="0">
+                        <a:effectLst/>
+                        <a:latin typeface="標楷體" panose="03000509000000000000" pitchFamily="65" charset="-120"/>
+                        <a:ea typeface="標楷體" panose="03000509000000000000" pitchFamily="65" charset="-120"/>
+                      </a:endParaRPr>
+                    </a:p>
+                  </a:txBody>
+                  <a:tcPr marL="68580" marR="68580" marT="0" marB="0"/>
+                </a:tc>
+                <a:extLst>
+                  <a:ext uri="{0D108BD9-81ED-4DB2-BD59-A6C34878D82A}">
+                    <a16:rowId xmlns:a16="http://schemas.microsoft.com/office/drawing/2014/main" val="10004"/>
+                  </a:ext>
+                </a:extLst>
+              </a:tr>
+            </a:tbl>
+          </a:graphicData>
+        </a:graphic>
+      </p:graphicFrame>
+    </p:spTree>
+    <p:extLst>
+      <p:ext uri="{BB962C8B-B14F-4D97-AF65-F5344CB8AC3E}">
+        <p14:creationId xmlns:p14="http://schemas.microsoft.com/office/powerpoint/2010/main" val="2150975054"/>
+      </p:ext>
+    </p:extLst>
+  </p:cSld>
+  <p:clrMapOvr>
+    <a:masterClrMapping/>
+  </p:clrMapOvr>
+  <mc:AlternateContent xmlns:mc="http://schemas.openxmlformats.org/markup-compatibility/2006" xmlns:p14="http://schemas.microsoft.com/office/powerpoint/2010/main">
+    <mc:Choice Requires="p14">
+      <p:transition spd="slow">
+        <p14:reveal/>
+      </p:transition>
+    </mc:Choice>
+    <mc:Fallback xmlns="">
+      <p:transition spd="slow">
+        <p:fade/>
+      </p:transition>
+    </mc:Fallback>
+  </mc:AlternateContent>
+</p:sld>
+</file>
+
+<file path=ppt/slides/slide18.xml><?xml version="1.0" encoding="utf-8"?>
+<p:sld xmlns:a="http://schemas.openxmlformats.org/drawingml/2006/main" xmlns:r="http://schemas.openxmlformats.org/officeDocument/2006/relationships" xmlns:p="http://schemas.openxmlformats.org/presentationml/2006/main">
+  <p:cSld>
+    <p:spTree>
+      <p:nvGrpSpPr>
+        <p:cNvPr id="1" name=""/>
+        <p:cNvGrpSpPr/>
+        <p:nvPr/>
+      </p:nvGrpSpPr>
+      <p:grpSpPr>
+        <a:xfrm>
+          <a:off x="0" y="0"/>
+          <a:ext cx="0" cy="0"/>
+          <a:chOff x="0" y="0"/>
+          <a:chExt cx="0" cy="0"/>
+        </a:xfrm>
+      </p:grpSpPr>
+      <p:sp>
+        <p:nvSpPr>
+          <p:cNvPr id="2" name="內容版面配置區 1">
+            <a:extLst>
+              <a:ext uri="{FF2B5EF4-FFF2-40B4-BE49-F238E27FC236}">
+                <a16:creationId xmlns:a16="http://schemas.microsoft.com/office/drawing/2014/main" id="{8B9255F6-E79B-4294-834D-6D4140D1CF07}"/>
+              </a:ext>
+            </a:extLst>
+          </p:cNvPr>
+          <p:cNvSpPr>
+            <a:spLocks noGrp="1"/>
+          </p:cNvSpPr>
+          <p:nvPr>
+            <p:ph idx="1"/>
+          </p:nvPr>
+        </p:nvSpPr>
+        <p:spPr/>
+        <p:txBody>
+          <a:bodyPr/>
+          <a:lstStyle/>
+          <a:p>
+            <a:r>
+              <a:rPr lang="en-US" altLang="zh-TW" sz="2400" b="1" dirty="0"/>
+              <a:t>PC</a:t>
+            </a:r>
+            <a:r>
+              <a:rPr lang="zh-TW" altLang="en-US" sz="2400" b="1" dirty="0"/>
+              <a:t>端</a:t>
+            </a:r>
+            <a:endParaRPr lang="en-US" altLang="zh-TW" sz="2400" b="1" dirty="0"/>
+          </a:p>
+          <a:p>
+            <a:r>
+              <a:rPr lang="en-US" altLang="zh-TW" sz="1800" kern="100" dirty="0">
+                <a:effectLst/>
+                <a:latin typeface="Times New Roman" panose="02020603050405020304" pitchFamily="18" charset="0"/>
+                <a:ea typeface="標楷體" panose="03000509000000000000" pitchFamily="65" charset="-120"/>
+                <a:cs typeface="Times New Roman" panose="02020603050405020304" pitchFamily="18" charset="0"/>
+              </a:rPr>
+              <a:t>def </a:t>
+            </a:r>
+            <a:r>
+              <a:rPr lang="en-US" altLang="zh-TW" sz="1800" kern="100" dirty="0" err="1">
+                <a:effectLst/>
+                <a:latin typeface="Times New Roman" panose="02020603050405020304" pitchFamily="18" charset="0"/>
+                <a:ea typeface="標楷體" panose="03000509000000000000" pitchFamily="65" charset="-120"/>
+                <a:cs typeface="Times New Roman" panose="02020603050405020304" pitchFamily="18" charset="0"/>
+              </a:rPr>
+              <a:t>getImg</a:t>
+            </a:r>
+            <a:r>
+              <a:rPr lang="en-US" altLang="zh-TW" sz="1800" kern="100" dirty="0">
+                <a:effectLst/>
+                <a:latin typeface="Times New Roman" panose="02020603050405020304" pitchFamily="18" charset="0"/>
+                <a:ea typeface="標楷體" panose="03000509000000000000" pitchFamily="65" charset="-120"/>
+                <a:cs typeface="Times New Roman" panose="02020603050405020304" pitchFamily="18" charset="0"/>
+              </a:rPr>
+              <a:t> (request):</a:t>
+            </a:r>
+          </a:p>
+          <a:p>
+            <a:endParaRPr lang="zh-TW" altLang="en-US" b="1" dirty="0"/>
+          </a:p>
+        </p:txBody>
+      </p:sp>
+      <p:sp>
+        <p:nvSpPr>
+          <p:cNvPr id="3" name="標題 2">
+            <a:extLst>
+              <a:ext uri="{FF2B5EF4-FFF2-40B4-BE49-F238E27FC236}">
+                <a16:creationId xmlns:a16="http://schemas.microsoft.com/office/drawing/2014/main" id="{D7232380-22D4-47E6-A40E-ABF38AB200C3}"/>
+              </a:ext>
+            </a:extLst>
+          </p:cNvPr>
+          <p:cNvSpPr>
+            <a:spLocks noGrp="1"/>
+          </p:cNvSpPr>
+          <p:nvPr>
+            <p:ph type="title"/>
+          </p:nvPr>
+        </p:nvSpPr>
+        <p:spPr/>
+        <p:txBody>
+          <a:bodyPr/>
+          <a:lstStyle/>
+          <a:p>
+            <a:r>
+              <a:rPr lang="en-US" altLang="zh-TW" dirty="0"/>
+              <a:t>API</a:t>
+            </a:r>
+            <a:endParaRPr lang="zh-TW" altLang="en-US" dirty="0"/>
+          </a:p>
+        </p:txBody>
+      </p:sp>
+      <p:sp>
+        <p:nvSpPr>
+          <p:cNvPr id="4" name="投影片編號版面配置區 3">
+            <a:extLst>
+              <a:ext uri="{FF2B5EF4-FFF2-40B4-BE49-F238E27FC236}">
+                <a16:creationId xmlns:a16="http://schemas.microsoft.com/office/drawing/2014/main" id="{CC364F06-FBAE-41F1-9123-C093E43ADC15}"/>
+              </a:ext>
+            </a:extLst>
+          </p:cNvPr>
+          <p:cNvSpPr>
+            <a:spLocks noGrp="1"/>
+          </p:cNvSpPr>
+          <p:nvPr>
+            <p:ph type="sldNum" sz="quarter" idx="12"/>
+          </p:nvPr>
+        </p:nvSpPr>
+        <p:spPr/>
+        <p:txBody>
+          <a:bodyPr/>
+          <a:lstStyle/>
+          <a:p>
+            <a:fld id="{90F9E983-480B-48C5-9E0F-D21C0DFBB5C0}" type="slidenum">
+              <a:rPr lang="zh-TW" altLang="en-US" smtClean="0"/>
+              <a:t>18</a:t>
+            </a:fld>
+            <a:endParaRPr lang="zh-TW" altLang="en-US"/>
+          </a:p>
+        </p:txBody>
+      </p:sp>
+      <p:graphicFrame>
+        <p:nvGraphicFramePr>
+          <p:cNvPr id="6" name="表格 5">
+            <a:extLst>
+              <a:ext uri="{FF2B5EF4-FFF2-40B4-BE49-F238E27FC236}">
+                <a16:creationId xmlns:a16="http://schemas.microsoft.com/office/drawing/2014/main" id="{7B4B3F21-8DE7-DB39-3A4B-1A9BD1312A76}"/>
+              </a:ext>
+            </a:extLst>
+          </p:cNvPr>
+          <p:cNvGraphicFramePr>
+            <a:graphicFrameLocks noGrp="1"/>
+          </p:cNvGraphicFramePr>
+          <p:nvPr>
+            <p:extLst>
+              <p:ext uri="{D42A27DB-BD31-4B8C-83A1-F6EECF244321}">
+                <p14:modId xmlns:p14="http://schemas.microsoft.com/office/powerpoint/2010/main" val="852423106"/>
+              </p:ext>
+            </p:extLst>
+          </p:nvPr>
+        </p:nvGraphicFramePr>
+        <p:xfrm>
+          <a:off x="2649679" y="2647268"/>
+          <a:ext cx="6892637" cy="2152240"/>
+        </p:xfrm>
+        <a:graphic>
+          <a:graphicData uri="http://schemas.openxmlformats.org/drawingml/2006/table">
+            <a:tbl>
+              <a:tblPr firstRow="1" firstCol="1" bandRow="1">
+                <a:tableStyleId>{21E4AEA4-8DFA-4A89-87EB-49C32662AFE0}</a:tableStyleId>
+              </a:tblPr>
+              <a:tblGrid>
+                <a:gridCol w="708059">
+                  <a:extLst>
+                    <a:ext uri="{9D8B030D-6E8A-4147-A177-3AD203B41FA5}">
+                      <a16:colId xmlns:a16="http://schemas.microsoft.com/office/drawing/2014/main" val="20000"/>
+                    </a:ext>
+                  </a:extLst>
+                </a:gridCol>
+                <a:gridCol w="6184578">
+                  <a:extLst>
+                    <a:ext uri="{9D8B030D-6E8A-4147-A177-3AD203B41FA5}">
+                      <a16:colId xmlns:a16="http://schemas.microsoft.com/office/drawing/2014/main" val="20001"/>
+                    </a:ext>
+                  </a:extLst>
+                </a:gridCol>
+              </a:tblGrid>
+              <a:tr h="430448">
+                <a:tc gridSpan="2">
+                  <a:txBody>
+                    <a:bodyPr/>
+                    <a:lstStyle/>
+                    <a:p>
+                      <a:pPr algn="ctr"/>
+                      <a:r>
+                        <a:rPr lang="en-US" sz="1800" kern="100" dirty="0">
+                          <a:effectLst/>
+                          <a:latin typeface="Times New Roman" panose="02020603050405020304" pitchFamily="18" charset="0"/>
+                          <a:ea typeface="標楷體" panose="03000509000000000000" pitchFamily="65" charset="-120"/>
+                          <a:cs typeface="Times New Roman" panose="02020603050405020304" pitchFamily="18" charset="0"/>
+                        </a:rPr>
+                        <a:t>def </a:t>
+                      </a:r>
+                      <a:r>
+                        <a:rPr lang="en-US" sz="1800" kern="100" dirty="0" err="1">
+                          <a:effectLst/>
+                          <a:latin typeface="Times New Roman" panose="02020603050405020304" pitchFamily="18" charset="0"/>
+                          <a:ea typeface="標楷體" panose="03000509000000000000" pitchFamily="65" charset="-120"/>
+                          <a:cs typeface="Times New Roman" panose="02020603050405020304" pitchFamily="18" charset="0"/>
+                        </a:rPr>
+                        <a:t>getImg</a:t>
+                      </a:r>
+                      <a:r>
+                        <a:rPr lang="en-US" sz="1800" kern="100" dirty="0">
+                          <a:effectLst/>
+                          <a:latin typeface="Times New Roman" panose="02020603050405020304" pitchFamily="18" charset="0"/>
+                          <a:ea typeface="標楷體" panose="03000509000000000000" pitchFamily="65" charset="-120"/>
+                          <a:cs typeface="Times New Roman" panose="02020603050405020304" pitchFamily="18" charset="0"/>
+                        </a:rPr>
+                        <a:t> (request):</a:t>
+                      </a:r>
+                      <a:endParaRPr lang="zh-TW" sz="1800" b="1" kern="100" dirty="0">
+                        <a:effectLst/>
+                        <a:latin typeface="Times New Roman" panose="02020603050405020304" pitchFamily="18" charset="0"/>
+                        <a:ea typeface="標楷體" panose="03000509000000000000" pitchFamily="65" charset="-120"/>
+                        <a:cs typeface="Times New Roman" panose="02020603050405020304" pitchFamily="18" charset="0"/>
+                      </a:endParaRPr>
+                    </a:p>
+                  </a:txBody>
+                  <a:tcPr marL="68580" marR="68580" marT="0" marB="0" anchor="ctr"/>
+                </a:tc>
+                <a:tc hMerge="1">
+                  <a:txBody>
+                    <a:bodyPr/>
+                    <a:lstStyle/>
+                    <a:p>
+                      <a:endParaRPr lang="zh-TW" altLang="en-US"/>
+                    </a:p>
+                  </a:txBody>
+                  <a:tcPr/>
+                </a:tc>
+                <a:extLst>
+                  <a:ext uri="{0D108BD9-81ED-4DB2-BD59-A6C34878D82A}">
+                    <a16:rowId xmlns:a16="http://schemas.microsoft.com/office/drawing/2014/main" val="10000"/>
+                  </a:ext>
+                </a:extLst>
+              </a:tr>
+              <a:tr h="430448">
+                <a:tc>
+                  <a:txBody>
+                    <a:bodyPr/>
+                    <a:lstStyle/>
+                    <a:p>
+                      <a:pPr algn="ctr"/>
+                      <a:r>
+                        <a:rPr lang="zh-TW" sz="1800" kern="100" dirty="0">
+                          <a:effectLst/>
+                          <a:latin typeface="標楷體" panose="03000509000000000000" pitchFamily="65" charset="-120"/>
+                          <a:ea typeface="標楷體" panose="03000509000000000000" pitchFamily="65" charset="-120"/>
+                        </a:rPr>
+                        <a:t>輸入</a:t>
+                      </a:r>
+                      <a:endParaRPr lang="zh-TW" sz="1800" b="1" kern="100" dirty="0">
+                        <a:effectLst/>
+                        <a:latin typeface="標楷體" panose="03000509000000000000" pitchFamily="65" charset="-120"/>
+                        <a:ea typeface="標楷體" panose="03000509000000000000" pitchFamily="65" charset="-120"/>
+                      </a:endParaRPr>
+                    </a:p>
+                  </a:txBody>
+                  <a:tcPr marL="68580" marR="68580" marT="0" marB="0"/>
+                </a:tc>
+                <a:tc>
+                  <a:txBody>
+                    <a:bodyPr/>
+                    <a:lstStyle/>
+                    <a:p>
+                      <a:r>
+                        <a:rPr lang="en-US" altLang="zh-TW" sz="1800" kern="100" dirty="0">
+                          <a:effectLst/>
+                          <a:latin typeface="Times New Roman" panose="02020603050405020304" pitchFamily="18" charset="0"/>
+                          <a:ea typeface="標楷體" panose="03000509000000000000" pitchFamily="65" charset="-120"/>
+                          <a:cs typeface="Times New Roman" panose="02020603050405020304" pitchFamily="18" charset="0"/>
+                        </a:rPr>
+                        <a:t>get</a:t>
+                      </a:r>
+                      <a:r>
+                        <a:rPr lang="zh-TW" altLang="en-US" sz="1800" kern="100" dirty="0">
+                          <a:effectLst/>
+                          <a:latin typeface="Times New Roman" panose="02020603050405020304" pitchFamily="18" charset="0"/>
+                          <a:ea typeface="標楷體" panose="03000509000000000000" pitchFamily="65" charset="-120"/>
+                          <a:cs typeface="Times New Roman" panose="02020603050405020304" pitchFamily="18" charset="0"/>
+                        </a:rPr>
+                        <a:t> </a:t>
+                      </a:r>
+                      <a:r>
+                        <a:rPr lang="en-US" altLang="zh-TW" sz="1800" kern="100" dirty="0">
+                          <a:effectLst/>
+                          <a:latin typeface="標楷體" panose="03000509000000000000" pitchFamily="65" charset="-120"/>
+                          <a:ea typeface="標楷體" panose="03000509000000000000" pitchFamily="65" charset="-120"/>
+                          <a:cs typeface="Times New Roman" panose="02020603050405020304" pitchFamily="18" charset="0"/>
+                        </a:rPr>
+                        <a:t>:</a:t>
+                      </a:r>
+                      <a:r>
+                        <a:rPr lang="zh-TW" altLang="en-US" sz="1800" kern="100" dirty="0">
+                          <a:effectLst/>
+                          <a:latin typeface="標楷體" panose="03000509000000000000" pitchFamily="65" charset="-120"/>
+                          <a:ea typeface="標楷體" panose="03000509000000000000" pitchFamily="65" charset="-120"/>
+                          <a:cs typeface="Times New Roman" panose="02020603050405020304" pitchFamily="18" charset="0"/>
+                        </a:rPr>
+                        <a:t> </a:t>
+                      </a:r>
+                      <a:r>
+                        <a:rPr lang="zh-TW" altLang="en-US" sz="1800" kern="100" dirty="0">
+                          <a:effectLst/>
+                          <a:latin typeface="標楷體" panose="03000509000000000000" pitchFamily="65" charset="-120"/>
+                          <a:ea typeface="標楷體" panose="03000509000000000000" pitchFamily="65" charset="-120"/>
+                        </a:rPr>
+                        <a:t>後端與硬體要求</a:t>
+                      </a:r>
+                      <a:r>
+                        <a:rPr lang="en-US" altLang="zh-TW" sz="1800" kern="100" dirty="0">
+                          <a:effectLst/>
+                          <a:latin typeface="Times New Roman" panose="02020603050405020304" pitchFamily="18" charset="0"/>
+                          <a:ea typeface="標楷體" panose="03000509000000000000" pitchFamily="65" charset="-120"/>
+                          <a:cs typeface="Times New Roman" panose="02020603050405020304" pitchFamily="18" charset="0"/>
+                        </a:rPr>
+                        <a:t>terminal</a:t>
+                      </a:r>
+                      <a:r>
+                        <a:rPr lang="zh-TW" altLang="en-US" sz="1800" kern="100" dirty="0">
+                          <a:effectLst/>
+                          <a:latin typeface="標楷體" panose="03000509000000000000" pitchFamily="65" charset="-120"/>
+                          <a:ea typeface="標楷體" panose="03000509000000000000" pitchFamily="65" charset="-120"/>
+                        </a:rPr>
+                        <a:t>資料</a:t>
+                      </a:r>
+                      <a:endParaRPr lang="zh-TW" sz="1800" b="1" kern="100" dirty="0">
+                        <a:effectLst/>
+                        <a:latin typeface="標楷體" panose="03000509000000000000" pitchFamily="65" charset="-120"/>
+                        <a:ea typeface="標楷體" panose="03000509000000000000" pitchFamily="65" charset="-120"/>
+                      </a:endParaRPr>
+                    </a:p>
+                  </a:txBody>
+                  <a:tcPr marL="68580" marR="68580" marT="0" marB="0"/>
+                </a:tc>
+                <a:extLst>
+                  <a:ext uri="{0D108BD9-81ED-4DB2-BD59-A6C34878D82A}">
+                    <a16:rowId xmlns:a16="http://schemas.microsoft.com/office/drawing/2014/main" val="10001"/>
+                  </a:ext>
+                </a:extLst>
+              </a:tr>
+              <a:tr h="430448">
+                <a:tc>
+                  <a:txBody>
+                    <a:bodyPr/>
+                    <a:lstStyle/>
+                    <a:p>
+                      <a:pPr algn="ctr"/>
+                      <a:r>
+                        <a:rPr lang="zh-TW" sz="1800" kern="100" dirty="0">
+                          <a:effectLst/>
+                          <a:latin typeface="標楷體" panose="03000509000000000000" pitchFamily="65" charset="-120"/>
+                          <a:ea typeface="標楷體" panose="03000509000000000000" pitchFamily="65" charset="-120"/>
+                        </a:rPr>
+                        <a:t>輸出</a:t>
+                      </a:r>
+                      <a:endParaRPr lang="zh-TW" sz="1800" b="1" kern="100" dirty="0">
+                        <a:effectLst/>
+                        <a:latin typeface="標楷體" panose="03000509000000000000" pitchFamily="65" charset="-120"/>
+                        <a:ea typeface="標楷體" panose="03000509000000000000" pitchFamily="65" charset="-120"/>
+                      </a:endParaRPr>
+                    </a:p>
+                  </a:txBody>
+                  <a:tcPr marL="68580" marR="68580" marT="0" marB="0"/>
+                </a:tc>
+                <a:tc>
+                  <a:txBody>
+                    <a:bodyPr/>
+                    <a:lstStyle/>
+                    <a:p>
+                      <a:r>
+                        <a:rPr lang="en-US" altLang="zh-TW" sz="1800" kern="100" dirty="0" err="1">
+                          <a:effectLst/>
+                          <a:latin typeface="Times New Roman" panose="02020603050405020304" pitchFamily="18" charset="0"/>
+                          <a:ea typeface="標楷體" panose="03000509000000000000" pitchFamily="65" charset="-120"/>
+                          <a:cs typeface="Times New Roman" panose="02020603050405020304" pitchFamily="18" charset="0"/>
+                        </a:rPr>
+                        <a:t>Img</a:t>
+                      </a:r>
+                      <a:r>
+                        <a:rPr lang="zh-TW" altLang="en-US" sz="1800" kern="100" dirty="0">
+                          <a:effectLst/>
+                          <a:latin typeface="標楷體" panose="03000509000000000000" pitchFamily="65" charset="-120"/>
+                          <a:ea typeface="標楷體" panose="03000509000000000000" pitchFamily="65" charset="-120"/>
+                          <a:cs typeface="Times New Roman" panose="02020603050405020304" pitchFamily="18" charset="0"/>
+                        </a:rPr>
+                        <a:t> </a:t>
+                      </a:r>
+                      <a:r>
+                        <a:rPr lang="en-US" altLang="zh-TW" sz="1800" kern="100" dirty="0">
+                          <a:effectLst/>
+                          <a:latin typeface="標楷體" panose="03000509000000000000" pitchFamily="65" charset="-120"/>
+                          <a:ea typeface="標楷體" panose="03000509000000000000" pitchFamily="65" charset="-120"/>
+                          <a:cs typeface="Times New Roman" panose="02020603050405020304" pitchFamily="18" charset="0"/>
+                        </a:rPr>
+                        <a:t>:</a:t>
+                      </a:r>
+                      <a:r>
+                        <a:rPr lang="zh-TW" altLang="en-US" sz="1800" kern="100" dirty="0">
+                          <a:effectLst/>
+                          <a:latin typeface="標楷體" panose="03000509000000000000" pitchFamily="65" charset="-120"/>
+                          <a:ea typeface="標楷體" panose="03000509000000000000" pitchFamily="65" charset="-120"/>
+                          <a:cs typeface="Times New Roman" panose="02020603050405020304" pitchFamily="18" charset="0"/>
+                        </a:rPr>
+                        <a:t> </a:t>
+                      </a:r>
+                      <a:r>
+                        <a:rPr lang="zh-TW" altLang="en-US" sz="1800" kern="100" dirty="0">
+                          <a:effectLst/>
+                          <a:latin typeface="標楷體" panose="03000509000000000000" pitchFamily="65" charset="-120"/>
+                          <a:ea typeface="標楷體" panose="03000509000000000000" pitchFamily="65" charset="-120"/>
+                        </a:rPr>
+                        <a:t>圖像</a:t>
+                      </a:r>
+                      <a:endParaRPr lang="zh-TW" sz="1800" b="1" kern="100" dirty="0">
+                        <a:effectLst/>
+                        <a:latin typeface="標楷體" panose="03000509000000000000" pitchFamily="65" charset="-120"/>
+                        <a:ea typeface="標楷體" panose="03000509000000000000" pitchFamily="65" charset="-120"/>
+                      </a:endParaRPr>
+                    </a:p>
+                  </a:txBody>
+                  <a:tcPr marL="68580" marR="68580" marT="0" marB="0"/>
+                </a:tc>
+                <a:extLst>
+                  <a:ext uri="{0D108BD9-81ED-4DB2-BD59-A6C34878D82A}">
+                    <a16:rowId xmlns:a16="http://schemas.microsoft.com/office/drawing/2014/main" val="10002"/>
+                  </a:ext>
+                </a:extLst>
+              </a:tr>
+              <a:tr h="430448">
+                <a:tc>
+                  <a:txBody>
+                    <a:bodyPr/>
+                    <a:lstStyle/>
+                    <a:p>
+                      <a:pPr algn="ctr"/>
+                      <a:r>
+                        <a:rPr lang="zh-TW" sz="1800" kern="100">
+                          <a:effectLst/>
+                          <a:latin typeface="標楷體" panose="03000509000000000000" pitchFamily="65" charset="-120"/>
+                          <a:ea typeface="標楷體" panose="03000509000000000000" pitchFamily="65" charset="-120"/>
+                        </a:rPr>
+                        <a:t>參數</a:t>
+                      </a:r>
+                      <a:endParaRPr lang="zh-TW" sz="1800" b="1" kern="100">
+                        <a:effectLst/>
+                        <a:latin typeface="標楷體" panose="03000509000000000000" pitchFamily="65" charset="-120"/>
+                        <a:ea typeface="標楷體" panose="03000509000000000000" pitchFamily="65" charset="-120"/>
+                      </a:endParaRPr>
+                    </a:p>
+                  </a:txBody>
+                  <a:tcPr marL="68580" marR="68580" marT="0" marB="0"/>
+                </a:tc>
+                <a:tc>
+                  <a:txBody>
+                    <a:bodyPr/>
+                    <a:lstStyle/>
+                    <a:p>
+                      <a:r>
+                        <a:rPr lang="en-US" altLang="zh-TW" sz="1800" kern="100" dirty="0">
+                          <a:effectLst/>
+                          <a:latin typeface="Times New Roman" panose="02020603050405020304" pitchFamily="18" charset="0"/>
+                          <a:ea typeface="標楷體" panose="03000509000000000000" pitchFamily="65" charset="-120"/>
+                          <a:cs typeface="Times New Roman" panose="02020603050405020304" pitchFamily="18" charset="0"/>
+                        </a:rPr>
+                        <a:t>Result</a:t>
+                      </a:r>
+                      <a:r>
+                        <a:rPr lang="en-US" altLang="zh-TW" sz="1800" kern="100" baseline="0" dirty="0">
+                          <a:effectLst/>
+                          <a:latin typeface="Times New Roman" panose="02020603050405020304" pitchFamily="18" charset="0"/>
+                          <a:ea typeface="標楷體" panose="03000509000000000000" pitchFamily="65" charset="-120"/>
+                          <a:cs typeface="Times New Roman" panose="02020603050405020304" pitchFamily="18" charset="0"/>
+                        </a:rPr>
+                        <a:t> </a:t>
+                      </a:r>
+                      <a:r>
+                        <a:rPr lang="en-US" sz="1800" kern="100" dirty="0">
+                          <a:effectLst/>
+                          <a:latin typeface="Times New Roman" panose="02020603050405020304" pitchFamily="18" charset="0"/>
+                          <a:ea typeface="標楷體" panose="03000509000000000000" pitchFamily="65" charset="-120"/>
+                          <a:cs typeface="Times New Roman" panose="02020603050405020304" pitchFamily="18" charset="0"/>
+                        </a:rPr>
+                        <a:t>: terminal</a:t>
+                      </a:r>
+                      <a:endParaRPr lang="zh-TW" sz="1800" b="1" kern="100" dirty="0">
+                        <a:effectLst/>
+                        <a:latin typeface="Times New Roman" panose="02020603050405020304" pitchFamily="18" charset="0"/>
+                        <a:ea typeface="標楷體" panose="03000509000000000000" pitchFamily="65" charset="-120"/>
+                        <a:cs typeface="Times New Roman" panose="02020603050405020304" pitchFamily="18" charset="0"/>
+                      </a:endParaRPr>
+                    </a:p>
+                  </a:txBody>
+                  <a:tcPr marL="68580" marR="68580" marT="0" marB="0"/>
+                </a:tc>
+                <a:extLst>
+                  <a:ext uri="{0D108BD9-81ED-4DB2-BD59-A6C34878D82A}">
+                    <a16:rowId xmlns:a16="http://schemas.microsoft.com/office/drawing/2014/main" val="10003"/>
+                  </a:ext>
+                </a:extLst>
+              </a:tr>
+              <a:tr h="430448">
+                <a:tc>
+                  <a:txBody>
+                    <a:bodyPr/>
+                    <a:lstStyle/>
+                    <a:p>
+                      <a:pPr algn="ctr"/>
+                      <a:r>
+                        <a:rPr lang="zh-TW" sz="1800" kern="100">
+                          <a:effectLst/>
+                          <a:latin typeface="標楷體" panose="03000509000000000000" pitchFamily="65" charset="-120"/>
+                          <a:ea typeface="標楷體" panose="03000509000000000000" pitchFamily="65" charset="-120"/>
+                        </a:rPr>
+                        <a:t>方法</a:t>
+                      </a:r>
+                      <a:endParaRPr lang="zh-TW" sz="1800" b="1" kern="100">
+                        <a:effectLst/>
+                        <a:latin typeface="標楷體" panose="03000509000000000000" pitchFamily="65" charset="-120"/>
+                        <a:ea typeface="標楷體" panose="03000509000000000000" pitchFamily="65" charset="-120"/>
+                      </a:endParaRPr>
+                    </a:p>
+                  </a:txBody>
+                  <a:tcPr marL="68580" marR="68580" marT="0" marB="0"/>
+                </a:tc>
+                <a:tc>
+                  <a:txBody>
+                    <a:bodyPr/>
+                    <a:lstStyle/>
+                    <a:p>
+                      <a:r>
+                        <a:rPr lang="zh-TW" altLang="en-US" sz="1800" kern="100" dirty="0">
+                          <a:effectLst/>
+                          <a:latin typeface="標楷體" panose="03000509000000000000" pitchFamily="65" charset="-120"/>
+                          <a:ea typeface="標楷體" panose="03000509000000000000" pitchFamily="65" charset="-120"/>
+                        </a:rPr>
+                        <a:t>通過</a:t>
+                      </a:r>
+                      <a:r>
+                        <a:rPr lang="en-US" altLang="zh-TW" sz="1800" kern="100" dirty="0">
+                          <a:effectLst/>
+                          <a:latin typeface="Times New Roman" panose="02020603050405020304" pitchFamily="18" charset="0"/>
+                          <a:ea typeface="標楷體" panose="03000509000000000000" pitchFamily="65" charset="-120"/>
+                          <a:cs typeface="Times New Roman" panose="02020603050405020304" pitchFamily="18" charset="0"/>
+                        </a:rPr>
+                        <a:t>serial</a:t>
+                      </a:r>
+                      <a:r>
+                        <a:rPr lang="zh-TW" altLang="en-US" sz="1800" kern="100" dirty="0">
+                          <a:effectLst/>
+                          <a:latin typeface="標楷體" panose="03000509000000000000" pitchFamily="65" charset="-120"/>
+                          <a:ea typeface="標楷體" panose="03000509000000000000" pitchFamily="65" charset="-120"/>
+                        </a:rPr>
+                        <a:t>傳送</a:t>
+                      </a:r>
+                      <a:r>
+                        <a:rPr lang="en-US" altLang="zh-TW" sz="1800" kern="100" dirty="0">
+                          <a:effectLst/>
+                          <a:latin typeface="Times New Roman" panose="02020603050405020304" pitchFamily="18" charset="0"/>
+                          <a:ea typeface="標楷體" panose="03000509000000000000" pitchFamily="65" charset="-120"/>
+                          <a:cs typeface="Times New Roman" panose="02020603050405020304" pitchFamily="18" charset="0"/>
+                        </a:rPr>
+                        <a:t>terminal</a:t>
+                      </a:r>
+                      <a:r>
+                        <a:rPr lang="zh-TW" altLang="en-US" sz="1800" kern="100" dirty="0">
+                          <a:effectLst/>
+                          <a:latin typeface="標楷體" panose="03000509000000000000" pitchFamily="65" charset="-120"/>
+                          <a:ea typeface="標楷體" panose="03000509000000000000" pitchFamily="65" charset="-120"/>
+                        </a:rPr>
+                        <a:t>資料轉成圖像</a:t>
+                      </a:r>
+                      <a:endParaRPr lang="en-US" altLang="zh-TW" sz="1800" kern="100" dirty="0">
+                        <a:effectLst/>
+                        <a:latin typeface="標楷體" panose="03000509000000000000" pitchFamily="65" charset="-120"/>
+                        <a:ea typeface="標楷體" panose="03000509000000000000" pitchFamily="65" charset="-120"/>
+                      </a:endParaRPr>
+                    </a:p>
+                  </a:txBody>
+                  <a:tcPr marL="68580" marR="68580" marT="0" marB="0"/>
+                </a:tc>
+                <a:extLst>
+                  <a:ext uri="{0D108BD9-81ED-4DB2-BD59-A6C34878D82A}">
+                    <a16:rowId xmlns:a16="http://schemas.microsoft.com/office/drawing/2014/main" val="10004"/>
+                  </a:ext>
+                </a:extLst>
+              </a:tr>
+            </a:tbl>
+          </a:graphicData>
+        </a:graphic>
+      </p:graphicFrame>
+    </p:spTree>
+    <p:extLst>
+      <p:ext uri="{BB962C8B-B14F-4D97-AF65-F5344CB8AC3E}">
+        <p14:creationId xmlns:p14="http://schemas.microsoft.com/office/powerpoint/2010/main" val="394401334"/>
+      </p:ext>
+    </p:extLst>
+  </p:cSld>
+  <p:clrMapOvr>
+    <a:masterClrMapping/>
+  </p:clrMapOvr>
+  <mc:AlternateContent xmlns:mc="http://schemas.openxmlformats.org/markup-compatibility/2006" xmlns:p14="http://schemas.microsoft.com/office/powerpoint/2010/main">
+    <mc:Choice Requires="p14">
+      <p:transition spd="slow">
+        <p14:reveal/>
+      </p:transition>
+    </mc:Choice>
+    <mc:Fallback xmlns="">
+      <p:transition spd="slow">
+        <p:fade/>
+      </p:transition>
+    </mc:Fallback>
+  </mc:AlternateContent>
+</p:sld>
+</file>
+
+<file path=ppt/slides/slide19.xml><?xml version="1.0" encoding="utf-8"?>
+<p:sld xmlns:a="http://schemas.openxmlformats.org/drawingml/2006/main" xmlns:r="http://schemas.openxmlformats.org/officeDocument/2006/relationships" xmlns:p="http://schemas.openxmlformats.org/presentationml/2006/main">
+  <p:cSld>
+    <p:spTree>
+      <p:nvGrpSpPr>
+        <p:cNvPr id="1" name=""/>
+        <p:cNvGrpSpPr/>
+        <p:nvPr/>
+      </p:nvGrpSpPr>
+      <p:grpSpPr>
+        <a:xfrm>
+          <a:off x="0" y="0"/>
+          <a:ext cx="0" cy="0"/>
+          <a:chOff x="0" y="0"/>
+          <a:chExt cx="0" cy="0"/>
+        </a:xfrm>
+      </p:grpSpPr>
+      <p:sp>
+        <p:nvSpPr>
+          <p:cNvPr id="2" name="內容版面配置區 1">
+            <a:extLst>
+              <a:ext uri="{FF2B5EF4-FFF2-40B4-BE49-F238E27FC236}">
+                <a16:creationId xmlns:a16="http://schemas.microsoft.com/office/drawing/2014/main" id="{8B9255F6-E79B-4294-834D-6D4140D1CF07}"/>
+              </a:ext>
+            </a:extLst>
+          </p:cNvPr>
+          <p:cNvSpPr>
+            <a:spLocks noGrp="1"/>
+          </p:cNvSpPr>
+          <p:nvPr>
+            <p:ph idx="1"/>
+          </p:nvPr>
+        </p:nvSpPr>
+        <p:spPr/>
+        <p:txBody>
+          <a:bodyPr/>
+          <a:lstStyle/>
+          <a:p>
+            <a:r>
+              <a:rPr lang="en-US" altLang="zh-TW" sz="2400" b="1" dirty="0"/>
+              <a:t>PC</a:t>
+            </a:r>
+            <a:r>
+              <a:rPr lang="zh-TW" altLang="en-US" sz="2400" b="1" dirty="0"/>
+              <a:t>端</a:t>
+            </a:r>
+            <a:endParaRPr lang="en-US" altLang="zh-TW" sz="2400" b="1" dirty="0"/>
+          </a:p>
+          <a:p>
+            <a:r>
+              <a:rPr lang="en-US" altLang="zh-TW" sz="1800" kern="100" dirty="0">
+                <a:effectLst/>
+                <a:latin typeface="Times New Roman" panose="02020603050405020304" pitchFamily="18" charset="0"/>
+                <a:ea typeface="標楷體" panose="03000509000000000000" pitchFamily="65" charset="-120"/>
+                <a:cs typeface="Times New Roman" panose="02020603050405020304" pitchFamily="18" charset="0"/>
+              </a:rPr>
+              <a:t>def cancel (request):</a:t>
+            </a:r>
+          </a:p>
+          <a:p>
+            <a:endParaRPr lang="zh-TW" altLang="en-US" b="1" dirty="0"/>
+          </a:p>
+        </p:txBody>
+      </p:sp>
+      <p:sp>
+        <p:nvSpPr>
+          <p:cNvPr id="3" name="標題 2">
+            <a:extLst>
+              <a:ext uri="{FF2B5EF4-FFF2-40B4-BE49-F238E27FC236}">
+                <a16:creationId xmlns:a16="http://schemas.microsoft.com/office/drawing/2014/main" id="{D7232380-22D4-47E6-A40E-ABF38AB200C3}"/>
+              </a:ext>
+            </a:extLst>
+          </p:cNvPr>
+          <p:cNvSpPr>
+            <a:spLocks noGrp="1"/>
+          </p:cNvSpPr>
+          <p:nvPr>
+            <p:ph type="title"/>
+          </p:nvPr>
+        </p:nvSpPr>
+        <p:spPr/>
+        <p:txBody>
+          <a:bodyPr/>
+          <a:lstStyle/>
+          <a:p>
+            <a:r>
+              <a:rPr lang="en-US" altLang="zh-TW" dirty="0"/>
+              <a:t>API</a:t>
+            </a:r>
+            <a:endParaRPr lang="zh-TW" altLang="en-US" dirty="0"/>
+          </a:p>
+        </p:txBody>
+      </p:sp>
+      <p:sp>
+        <p:nvSpPr>
+          <p:cNvPr id="4" name="投影片編號版面配置區 3">
+            <a:extLst>
+              <a:ext uri="{FF2B5EF4-FFF2-40B4-BE49-F238E27FC236}">
+                <a16:creationId xmlns:a16="http://schemas.microsoft.com/office/drawing/2014/main" id="{CC364F06-FBAE-41F1-9123-C093E43ADC15}"/>
+              </a:ext>
+            </a:extLst>
+          </p:cNvPr>
+          <p:cNvSpPr>
+            <a:spLocks noGrp="1"/>
+          </p:cNvSpPr>
+          <p:nvPr>
+            <p:ph type="sldNum" sz="quarter" idx="12"/>
+          </p:nvPr>
+        </p:nvSpPr>
+        <p:spPr/>
+        <p:txBody>
+          <a:bodyPr/>
+          <a:lstStyle/>
+          <a:p>
+            <a:fld id="{90F9E983-480B-48C5-9E0F-D21C0DFBB5C0}" type="slidenum">
+              <a:rPr lang="zh-TW" altLang="en-US" smtClean="0"/>
+              <a:t>19</a:t>
+            </a:fld>
+            <a:endParaRPr lang="zh-TW" altLang="en-US"/>
+          </a:p>
+        </p:txBody>
+      </p:sp>
+      <p:graphicFrame>
+        <p:nvGraphicFramePr>
+          <p:cNvPr id="7" name="表格 6">
+            <a:extLst>
+              <a:ext uri="{FF2B5EF4-FFF2-40B4-BE49-F238E27FC236}">
+                <a16:creationId xmlns:a16="http://schemas.microsoft.com/office/drawing/2014/main" id="{33E21169-73DD-9D5C-5E03-5B6BE7B954EC}"/>
+              </a:ext>
+            </a:extLst>
+          </p:cNvPr>
+          <p:cNvGraphicFramePr>
+            <a:graphicFrameLocks noGrp="1"/>
+          </p:cNvGraphicFramePr>
+          <p:nvPr>
+            <p:extLst>
+              <p:ext uri="{D42A27DB-BD31-4B8C-83A1-F6EECF244321}">
+                <p14:modId xmlns:p14="http://schemas.microsoft.com/office/powerpoint/2010/main" val="3613380170"/>
+              </p:ext>
+            </p:extLst>
+          </p:nvPr>
+        </p:nvGraphicFramePr>
+        <p:xfrm>
+          <a:off x="2649678" y="2647267"/>
+          <a:ext cx="6892637" cy="2152240"/>
+        </p:xfrm>
+        <a:graphic>
+          <a:graphicData uri="http://schemas.openxmlformats.org/drawingml/2006/table">
+            <a:tbl>
+              <a:tblPr firstRow="1" firstCol="1" bandRow="1">
+                <a:tableStyleId>{21E4AEA4-8DFA-4A89-87EB-49C32662AFE0}</a:tableStyleId>
+              </a:tblPr>
+              <a:tblGrid>
+                <a:gridCol w="708059">
+                  <a:extLst>
+                    <a:ext uri="{9D8B030D-6E8A-4147-A177-3AD203B41FA5}">
+                      <a16:colId xmlns:a16="http://schemas.microsoft.com/office/drawing/2014/main" val="20000"/>
+                    </a:ext>
+                  </a:extLst>
+                </a:gridCol>
+                <a:gridCol w="6184578">
+                  <a:extLst>
+                    <a:ext uri="{9D8B030D-6E8A-4147-A177-3AD203B41FA5}">
+                      <a16:colId xmlns:a16="http://schemas.microsoft.com/office/drawing/2014/main" val="20001"/>
+                    </a:ext>
+                  </a:extLst>
+                </a:gridCol>
+              </a:tblGrid>
+              <a:tr h="430448">
+                <a:tc gridSpan="2">
+                  <a:txBody>
+                    <a:bodyPr/>
+                    <a:lstStyle/>
+                    <a:p>
+                      <a:pPr algn="ctr"/>
+                      <a:r>
+                        <a:rPr lang="en-US" sz="1800" kern="100" dirty="0">
+                          <a:effectLst/>
+                          <a:latin typeface="Times New Roman" panose="02020603050405020304" pitchFamily="18" charset="0"/>
+                          <a:ea typeface="標楷體" panose="03000509000000000000" pitchFamily="65" charset="-120"/>
+                          <a:cs typeface="Times New Roman" panose="02020603050405020304" pitchFamily="18" charset="0"/>
+                        </a:rPr>
+                        <a:t>def cancel (request):</a:t>
+                      </a:r>
+                      <a:endParaRPr lang="zh-TW" sz="1800" b="1" kern="100" dirty="0">
+                        <a:effectLst/>
+                        <a:latin typeface="Times New Roman" panose="02020603050405020304" pitchFamily="18" charset="0"/>
+                        <a:ea typeface="標楷體" panose="03000509000000000000" pitchFamily="65" charset="-120"/>
+                        <a:cs typeface="Times New Roman" panose="02020603050405020304" pitchFamily="18" charset="0"/>
+                      </a:endParaRPr>
+                    </a:p>
+                  </a:txBody>
+                  <a:tcPr marL="68580" marR="68580" marT="0" marB="0" anchor="ctr"/>
+                </a:tc>
+                <a:tc hMerge="1">
+                  <a:txBody>
+                    <a:bodyPr/>
+                    <a:lstStyle/>
+                    <a:p>
+                      <a:endParaRPr lang="zh-TW" altLang="en-US"/>
+                    </a:p>
+                  </a:txBody>
+                  <a:tcPr/>
+                </a:tc>
+                <a:extLst>
+                  <a:ext uri="{0D108BD9-81ED-4DB2-BD59-A6C34878D82A}">
+                    <a16:rowId xmlns:a16="http://schemas.microsoft.com/office/drawing/2014/main" val="10000"/>
+                  </a:ext>
+                </a:extLst>
+              </a:tr>
+              <a:tr h="430448">
+                <a:tc>
+                  <a:txBody>
+                    <a:bodyPr/>
+                    <a:lstStyle/>
+                    <a:p>
+                      <a:pPr algn="ctr"/>
+                      <a:r>
+                        <a:rPr lang="zh-TW" sz="1800" kern="100">
+                          <a:effectLst/>
+                          <a:latin typeface="標楷體" panose="03000509000000000000" pitchFamily="65" charset="-120"/>
+                          <a:ea typeface="標楷體" panose="03000509000000000000" pitchFamily="65" charset="-120"/>
+                        </a:rPr>
+                        <a:t>輸入</a:t>
+                      </a:r>
+                      <a:endParaRPr lang="zh-TW" sz="1800" b="1" kern="100">
+                        <a:effectLst/>
+                        <a:latin typeface="標楷體" panose="03000509000000000000" pitchFamily="65" charset="-120"/>
+                        <a:ea typeface="標楷體" panose="03000509000000000000" pitchFamily="65" charset="-120"/>
+                      </a:endParaRPr>
+                    </a:p>
+                  </a:txBody>
+                  <a:tcPr marL="68580" marR="68580" marT="0" marB="0"/>
+                </a:tc>
+                <a:tc>
+                  <a:txBody>
+                    <a:bodyPr/>
+                    <a:lstStyle/>
+                    <a:p>
+                      <a:r>
+                        <a:rPr lang="en-US" altLang="zh-TW" sz="1800" kern="100" dirty="0">
+                          <a:effectLst/>
+                          <a:latin typeface="Times New Roman" panose="02020603050405020304" pitchFamily="18" charset="0"/>
+                          <a:ea typeface="標楷體" panose="03000509000000000000" pitchFamily="65" charset="-120"/>
+                          <a:cs typeface="Times New Roman" panose="02020603050405020304" pitchFamily="18" charset="0"/>
+                        </a:rPr>
+                        <a:t>post</a:t>
+                      </a:r>
+                      <a:r>
+                        <a:rPr lang="en-US" altLang="zh-TW" sz="1800" kern="100" dirty="0">
+                          <a:effectLst/>
+                          <a:latin typeface="標楷體" panose="03000509000000000000" pitchFamily="65" charset="-120"/>
+                          <a:ea typeface="標楷體" panose="03000509000000000000" pitchFamily="65" charset="-120"/>
+                        </a:rPr>
+                        <a:t>:</a:t>
+                      </a:r>
+                      <a:r>
+                        <a:rPr lang="zh-TW" altLang="en-US" sz="1800" kern="100" dirty="0">
+                          <a:effectLst/>
+                          <a:latin typeface="標楷體" panose="03000509000000000000" pitchFamily="65" charset="-120"/>
+                          <a:ea typeface="標楷體" panose="03000509000000000000" pitchFamily="65" charset="-120"/>
+                        </a:rPr>
+                        <a:t>後端將終止指令傳送至</a:t>
+                      </a:r>
+                      <a:r>
+                        <a:rPr lang="en-US" altLang="zh-TW" sz="1800" kern="100" dirty="0">
+                          <a:effectLst/>
+                          <a:latin typeface="Times New Roman" panose="02020603050405020304" pitchFamily="18" charset="0"/>
+                          <a:ea typeface="標楷體" panose="03000509000000000000" pitchFamily="65" charset="-120"/>
+                          <a:cs typeface="Times New Roman" panose="02020603050405020304" pitchFamily="18" charset="0"/>
+                        </a:rPr>
+                        <a:t>UART</a:t>
+                      </a:r>
+                      <a:endParaRPr lang="zh-TW" sz="1800" b="1" kern="100" dirty="0">
+                        <a:effectLst/>
+                        <a:latin typeface="Times New Roman" panose="02020603050405020304" pitchFamily="18" charset="0"/>
+                        <a:ea typeface="標楷體" panose="03000509000000000000" pitchFamily="65" charset="-120"/>
+                        <a:cs typeface="Times New Roman" panose="02020603050405020304" pitchFamily="18" charset="0"/>
+                      </a:endParaRPr>
+                    </a:p>
+                  </a:txBody>
+                  <a:tcPr marL="68580" marR="68580" marT="0" marB="0"/>
+                </a:tc>
+                <a:extLst>
+                  <a:ext uri="{0D108BD9-81ED-4DB2-BD59-A6C34878D82A}">
+                    <a16:rowId xmlns:a16="http://schemas.microsoft.com/office/drawing/2014/main" val="10001"/>
+                  </a:ext>
+                </a:extLst>
+              </a:tr>
+              <a:tr h="430448">
+                <a:tc>
+                  <a:txBody>
+                    <a:bodyPr/>
+                    <a:lstStyle/>
+                    <a:p>
+                      <a:pPr algn="ctr"/>
+                      <a:r>
+                        <a:rPr lang="zh-TW" sz="1800" kern="100">
+                          <a:effectLst/>
+                          <a:latin typeface="標楷體" panose="03000509000000000000" pitchFamily="65" charset="-120"/>
+                          <a:ea typeface="標楷體" panose="03000509000000000000" pitchFamily="65" charset="-120"/>
+                        </a:rPr>
+                        <a:t>輸出</a:t>
+                      </a:r>
+                      <a:endParaRPr lang="zh-TW" sz="1800" b="1" kern="100">
+                        <a:effectLst/>
+                        <a:latin typeface="標楷體" panose="03000509000000000000" pitchFamily="65" charset="-120"/>
+                        <a:ea typeface="標楷體" panose="03000509000000000000" pitchFamily="65" charset="-120"/>
+                      </a:endParaRPr>
+                    </a:p>
+                  </a:txBody>
+                  <a:tcPr marL="68580" marR="68580" marT="0" marB="0"/>
+                </a:tc>
+                <a:tc>
+                  <a:txBody>
+                    <a:bodyPr/>
+                    <a:lstStyle/>
+                    <a:p>
+                      <a:r>
+                        <a:rPr lang="en-US" altLang="zh-TW" sz="1800" kern="100" dirty="0" err="1">
+                          <a:effectLst/>
+                          <a:latin typeface="Times New Roman" panose="02020603050405020304" pitchFamily="18" charset="0"/>
+                          <a:ea typeface="標楷體" panose="03000509000000000000" pitchFamily="65" charset="-120"/>
+                          <a:cs typeface="Times New Roman" panose="02020603050405020304" pitchFamily="18" charset="0"/>
+                        </a:rPr>
+                        <a:t>closeUART</a:t>
+                      </a:r>
+                      <a:r>
+                        <a:rPr lang="zh-TW" altLang="en-US" sz="1800" kern="100" dirty="0">
+                          <a:effectLst/>
+                          <a:latin typeface="標楷體" panose="03000509000000000000" pitchFamily="65" charset="-120"/>
+                          <a:ea typeface="標楷體" panose="03000509000000000000" pitchFamily="65" charset="-120"/>
+                        </a:rPr>
+                        <a:t> </a:t>
+                      </a:r>
+                      <a:r>
+                        <a:rPr lang="en-US" altLang="zh-TW" sz="1800" kern="100" dirty="0">
+                          <a:effectLst/>
+                          <a:latin typeface="標楷體" panose="03000509000000000000" pitchFamily="65" charset="-120"/>
+                          <a:ea typeface="標楷體" panose="03000509000000000000" pitchFamily="65" charset="-120"/>
+                        </a:rPr>
+                        <a:t>:</a:t>
+                      </a:r>
+                      <a:r>
+                        <a:rPr lang="zh-TW" altLang="en-US" sz="1800" kern="100" dirty="0">
+                          <a:effectLst/>
+                          <a:latin typeface="標楷體" panose="03000509000000000000" pitchFamily="65" charset="-120"/>
+                          <a:ea typeface="標楷體" panose="03000509000000000000" pitchFamily="65" charset="-120"/>
+                        </a:rPr>
+                        <a:t> </a:t>
+                      </a:r>
+                      <a:r>
+                        <a:rPr lang="en-US" altLang="zh-TW" sz="1800" kern="100" dirty="0">
+                          <a:effectLst/>
+                          <a:latin typeface="Times New Roman" panose="02020603050405020304" pitchFamily="18" charset="0"/>
+                          <a:ea typeface="標楷體" panose="03000509000000000000" pitchFamily="65" charset="-120"/>
+                          <a:cs typeface="Times New Roman" panose="02020603050405020304" pitchFamily="18" charset="0"/>
+                        </a:rPr>
+                        <a:t>UART</a:t>
+                      </a:r>
+                      <a:r>
+                        <a:rPr lang="zh-TW" altLang="en-US" sz="1800" kern="100" dirty="0">
+                          <a:effectLst/>
+                          <a:latin typeface="標楷體" panose="03000509000000000000" pitchFamily="65" charset="-120"/>
+                          <a:ea typeface="標楷體" panose="03000509000000000000" pitchFamily="65" charset="-120"/>
+                        </a:rPr>
+                        <a:t>傳送關閉，將資料傳送取消。</a:t>
+                      </a:r>
+                      <a:endParaRPr lang="zh-TW" altLang="zh-TW" sz="1800" b="1" kern="100" dirty="0">
+                        <a:effectLst/>
+                        <a:latin typeface="標楷體" panose="03000509000000000000" pitchFamily="65" charset="-120"/>
+                        <a:ea typeface="標楷體" panose="03000509000000000000" pitchFamily="65" charset="-120"/>
+                      </a:endParaRPr>
+                    </a:p>
+                  </a:txBody>
+                  <a:tcPr marL="68580" marR="68580" marT="0" marB="0"/>
+                </a:tc>
+                <a:extLst>
+                  <a:ext uri="{0D108BD9-81ED-4DB2-BD59-A6C34878D82A}">
+                    <a16:rowId xmlns:a16="http://schemas.microsoft.com/office/drawing/2014/main" val="10002"/>
+                  </a:ext>
+                </a:extLst>
+              </a:tr>
+              <a:tr h="430448">
+                <a:tc>
+                  <a:txBody>
+                    <a:bodyPr/>
+                    <a:lstStyle/>
+                    <a:p>
+                      <a:pPr algn="ctr"/>
+                      <a:r>
+                        <a:rPr lang="zh-TW" sz="1800" kern="100">
+                          <a:effectLst/>
+                          <a:latin typeface="標楷體" panose="03000509000000000000" pitchFamily="65" charset="-120"/>
+                          <a:ea typeface="標楷體" panose="03000509000000000000" pitchFamily="65" charset="-120"/>
+                        </a:rPr>
+                        <a:t>參數</a:t>
+                      </a:r>
+                      <a:endParaRPr lang="zh-TW" sz="1800" b="1" kern="100">
+                        <a:effectLst/>
+                        <a:latin typeface="標楷體" panose="03000509000000000000" pitchFamily="65" charset="-120"/>
+                        <a:ea typeface="標楷體" panose="03000509000000000000" pitchFamily="65" charset="-120"/>
+                      </a:endParaRPr>
+                    </a:p>
+                  </a:txBody>
+                  <a:tcPr marL="68580" marR="68580" marT="0" marB="0"/>
+                </a:tc>
+                <a:tc>
+                  <a:txBody>
+                    <a:bodyPr/>
+                    <a:lstStyle/>
+                    <a:p>
+                      <a:r>
+                        <a:rPr lang="en-US" sz="1800" kern="100" dirty="0">
+                          <a:effectLst/>
+                          <a:latin typeface="Times New Roman" panose="02020603050405020304" pitchFamily="18" charset="0"/>
+                          <a:ea typeface="標楷體" panose="03000509000000000000" pitchFamily="65" charset="-120"/>
+                          <a:cs typeface="Times New Roman" panose="02020603050405020304" pitchFamily="18" charset="0"/>
+                        </a:rPr>
+                        <a:t>null</a:t>
+                      </a:r>
+                      <a:endParaRPr lang="zh-TW" sz="1800" b="1" kern="100" dirty="0">
+                        <a:effectLst/>
+                        <a:latin typeface="Times New Roman" panose="02020603050405020304" pitchFamily="18" charset="0"/>
+                        <a:ea typeface="標楷體" panose="03000509000000000000" pitchFamily="65" charset="-120"/>
+                        <a:cs typeface="Times New Roman" panose="02020603050405020304" pitchFamily="18" charset="0"/>
+                      </a:endParaRPr>
+                    </a:p>
+                  </a:txBody>
+                  <a:tcPr marL="68580" marR="68580" marT="0" marB="0"/>
+                </a:tc>
+                <a:extLst>
+                  <a:ext uri="{0D108BD9-81ED-4DB2-BD59-A6C34878D82A}">
+                    <a16:rowId xmlns:a16="http://schemas.microsoft.com/office/drawing/2014/main" val="10003"/>
+                  </a:ext>
+                </a:extLst>
+              </a:tr>
+              <a:tr h="430448">
+                <a:tc>
+                  <a:txBody>
+                    <a:bodyPr/>
+                    <a:lstStyle/>
+                    <a:p>
+                      <a:pPr algn="ctr"/>
+                      <a:r>
+                        <a:rPr lang="zh-TW" sz="1800" kern="100">
+                          <a:effectLst/>
+                          <a:latin typeface="標楷體" panose="03000509000000000000" pitchFamily="65" charset="-120"/>
+                          <a:ea typeface="標楷體" panose="03000509000000000000" pitchFamily="65" charset="-120"/>
+                        </a:rPr>
+                        <a:t>方法</a:t>
+                      </a:r>
+                      <a:endParaRPr lang="zh-TW" sz="1800" b="1" kern="100">
+                        <a:effectLst/>
+                        <a:latin typeface="標楷體" panose="03000509000000000000" pitchFamily="65" charset="-120"/>
+                        <a:ea typeface="標楷體" panose="03000509000000000000" pitchFamily="65" charset="-120"/>
+                      </a:endParaRPr>
+                    </a:p>
+                  </a:txBody>
+                  <a:tcPr marL="68580" marR="68580" marT="0" marB="0"/>
+                </a:tc>
+                <a:tc>
+                  <a:txBody>
+                    <a:bodyPr/>
+                    <a:lstStyle/>
+                    <a:p>
+                      <a:r>
+                        <a:rPr lang="zh-TW" altLang="en-US" sz="1800" kern="100" dirty="0">
+                          <a:effectLst/>
+                          <a:latin typeface="標楷體" panose="03000509000000000000" pitchFamily="65" charset="-120"/>
+                          <a:ea typeface="標楷體" panose="03000509000000000000" pitchFamily="65" charset="-120"/>
+                        </a:rPr>
+                        <a:t>取消傳送</a:t>
+                      </a:r>
+                      <a:endParaRPr lang="zh-TW" sz="1800" b="1" kern="100" dirty="0">
+                        <a:effectLst/>
+                        <a:latin typeface="標楷體" panose="03000509000000000000" pitchFamily="65" charset="-120"/>
+                        <a:ea typeface="標楷體" panose="03000509000000000000" pitchFamily="65" charset="-120"/>
+                      </a:endParaRPr>
+                    </a:p>
+                  </a:txBody>
+                  <a:tcPr marL="68580" marR="68580" marT="0" marB="0"/>
+                </a:tc>
+                <a:extLst>
+                  <a:ext uri="{0D108BD9-81ED-4DB2-BD59-A6C34878D82A}">
+                    <a16:rowId xmlns:a16="http://schemas.microsoft.com/office/drawing/2014/main" val="10004"/>
+                  </a:ext>
+                </a:extLst>
+              </a:tr>
+            </a:tbl>
+          </a:graphicData>
+        </a:graphic>
+      </p:graphicFrame>
+    </p:spTree>
+    <p:extLst>
+      <p:ext uri="{BB962C8B-B14F-4D97-AF65-F5344CB8AC3E}">
+        <p14:creationId xmlns:p14="http://schemas.microsoft.com/office/powerpoint/2010/main" val="815145941"/>
+      </p:ext>
+    </p:extLst>
+  </p:cSld>
+  <p:clrMapOvr>
+    <a:masterClrMapping/>
+  </p:clrMapOvr>
+  <mc:AlternateContent xmlns:mc="http://schemas.openxmlformats.org/markup-compatibility/2006" xmlns:p14="http://schemas.microsoft.com/office/powerpoint/2010/main">
+    <mc:Choice Requires="p14">
+      <p:transition spd="slow">
+        <p14:reveal/>
+      </p:transition>
+    </mc:Choice>
+    <mc:Fallback xmlns="">
+      <p:transition spd="slow">
+        <p:fade/>
+      </p:transition>
+    </mc:Fallback>
+  </mc:AlternateContent>
+</p:sld>
+</file>
+
+<file path=ppt/slides/slide2.xml><?xml version="1.0" encoding="utf-8"?>
+<p:sld xmlns:a="http://schemas.openxmlformats.org/drawingml/2006/main" xmlns:r="http://schemas.openxmlformats.org/officeDocument/2006/relationships" xmlns:p="http://schemas.openxmlformats.org/presentationml/2006/main">
+  <p:cSld>
+    <p:spTree>
+      <p:nvGrpSpPr>
+        <p:cNvPr id="1" name=""/>
+        <p:cNvGrpSpPr/>
+        <p:nvPr/>
+      </p:nvGrpSpPr>
+      <p:grpSpPr>
+        <a:xfrm>
+          <a:off x="0" y="0"/>
+          <a:ext cx="0" cy="0"/>
+          <a:chOff x="0" y="0"/>
+          <a:chExt cx="0" cy="0"/>
+        </a:xfrm>
+      </p:grpSpPr>
+      <p:sp>
+        <p:nvSpPr>
+          <p:cNvPr id="2" name="內容版面配置區 1">
+            <a:extLst>
+              <a:ext uri="{FF2B5EF4-FFF2-40B4-BE49-F238E27FC236}">
+                <a16:creationId xmlns:a16="http://schemas.microsoft.com/office/drawing/2014/main" id="{8B9255F6-E79B-4294-834D-6D4140D1CF07}"/>
+              </a:ext>
+            </a:extLst>
+          </p:cNvPr>
+          <p:cNvSpPr>
+            <a:spLocks noGrp="1"/>
+          </p:cNvSpPr>
+          <p:nvPr>
+            <p:ph idx="1"/>
+          </p:nvPr>
+        </p:nvSpPr>
+        <p:spPr/>
+        <p:txBody>
+          <a:bodyPr>
+            <a:normAutofit/>
+          </a:bodyPr>
+          <a:lstStyle/>
+          <a:p>
+            <a:r>
+              <a:rPr lang="en-US" altLang="zh-TW" sz="1800" b="1" dirty="0"/>
+              <a:t>2023/11/17~2023/11/23</a:t>
+            </a:r>
+          </a:p>
+          <a:p>
+            <a:pPr lvl="1"/>
+            <a:r>
+              <a:rPr lang="zh-TW" altLang="en-US" dirty="0"/>
+              <a:t>專案需求分析 </a:t>
+            </a:r>
+            <a:r>
+              <a:rPr lang="en-US" altLang="zh-TW" dirty="0"/>
+              <a:t>:</a:t>
+            </a:r>
+            <a:r>
+              <a:rPr lang="zh-TW" altLang="en-US" dirty="0"/>
+              <a:t> </a:t>
+            </a:r>
+            <a:r>
+              <a:rPr lang="en-US" altLang="zh-TW" dirty="0"/>
+              <a:t>(1)</a:t>
+            </a:r>
+            <a:r>
+              <a:rPr lang="zh-TW" altLang="en-US" dirty="0"/>
+              <a:t>功能 </a:t>
+            </a:r>
+            <a:r>
+              <a:rPr lang="en-US" altLang="zh-TW" dirty="0"/>
+              <a:t>(2)</a:t>
+            </a:r>
+            <a:r>
+              <a:rPr lang="zh-TW" altLang="en-US" dirty="0"/>
+              <a:t>效能 </a:t>
+            </a:r>
+            <a:r>
+              <a:rPr lang="en-US" altLang="zh-TW" dirty="0"/>
+              <a:t>(3)</a:t>
+            </a:r>
+            <a:r>
+              <a:rPr lang="zh-TW" altLang="en-US" dirty="0"/>
+              <a:t>介面 </a:t>
+            </a:r>
+            <a:r>
+              <a:rPr lang="en-US" altLang="zh-TW" dirty="0"/>
+              <a:t>(4)</a:t>
+            </a:r>
+            <a:r>
+              <a:rPr lang="zh-TW" altLang="en-US" dirty="0"/>
+              <a:t>限制 </a:t>
+            </a:r>
+            <a:r>
+              <a:rPr lang="en-US" altLang="zh-TW" dirty="0"/>
+              <a:t>(5)</a:t>
+            </a:r>
+            <a:r>
+              <a:rPr lang="zh-TW" altLang="en-US" dirty="0"/>
+              <a:t>驗收方法</a:t>
+            </a:r>
+            <a:endParaRPr lang="en-US" altLang="zh-TW" dirty="0"/>
+          </a:p>
+          <a:p>
+            <a:pPr lvl="1"/>
+            <a:r>
+              <a:rPr lang="zh-TW" altLang="en-US" dirty="0"/>
+              <a:t>專案系統分析 </a:t>
+            </a:r>
+            <a:r>
+              <a:rPr lang="en-US" altLang="zh-TW" dirty="0"/>
+              <a:t>:</a:t>
+            </a:r>
+            <a:r>
+              <a:rPr lang="zh-TW" altLang="en-US" dirty="0"/>
+              <a:t> </a:t>
+            </a:r>
+            <a:r>
+              <a:rPr lang="en-US" altLang="zh-TW" dirty="0"/>
+              <a:t>(1)Workflow</a:t>
+            </a:r>
+          </a:p>
+          <a:p>
+            <a:pPr lvl="1"/>
+            <a:r>
+              <a:rPr lang="zh-TW" altLang="en-US" dirty="0"/>
+              <a:t>設計</a:t>
+            </a:r>
+            <a:r>
+              <a:rPr lang="en-US" altLang="zh-TW" dirty="0"/>
+              <a:t>IP(CCL)</a:t>
+            </a:r>
+          </a:p>
+          <a:p>
+            <a:pPr marL="457200" lvl="1" indent="0">
+              <a:buNone/>
+            </a:pPr>
+            <a:endParaRPr lang="en-US" altLang="zh-TW" dirty="0"/>
+          </a:p>
+          <a:p>
+            <a:r>
+              <a:rPr lang="en-US" altLang="zh-TW" sz="1800" b="1" dirty="0"/>
+              <a:t>2023/11/24~2023/11/30</a:t>
+            </a:r>
+          </a:p>
+          <a:p>
+            <a:pPr lvl="1"/>
+            <a:r>
+              <a:rPr lang="zh-TW" altLang="en-US" dirty="0"/>
+              <a:t>專案需求分析 </a:t>
+            </a:r>
+            <a:r>
+              <a:rPr lang="en-US" altLang="zh-TW" dirty="0"/>
+              <a:t>:</a:t>
+            </a:r>
+            <a:r>
+              <a:rPr lang="zh-TW" altLang="en-US" dirty="0"/>
+              <a:t> </a:t>
+            </a:r>
+            <a:r>
+              <a:rPr lang="en-US" altLang="zh-TW" dirty="0"/>
+              <a:t>(1)</a:t>
+            </a:r>
+            <a:r>
+              <a:rPr lang="zh-TW" altLang="en-US" dirty="0"/>
+              <a:t>功能 </a:t>
+            </a:r>
+            <a:r>
+              <a:rPr lang="en-US" altLang="zh-TW" dirty="0"/>
+              <a:t>(2)</a:t>
+            </a:r>
+            <a:r>
+              <a:rPr lang="zh-TW" altLang="en-US" dirty="0"/>
+              <a:t>效能 </a:t>
+            </a:r>
+            <a:r>
+              <a:rPr lang="en-US" altLang="zh-TW" dirty="0"/>
+              <a:t>(3)</a:t>
+            </a:r>
+            <a:r>
+              <a:rPr lang="zh-TW" altLang="en-US" dirty="0"/>
+              <a:t>介面 </a:t>
+            </a:r>
+            <a:r>
+              <a:rPr lang="en-US" altLang="zh-TW" dirty="0"/>
+              <a:t>(4)</a:t>
+            </a:r>
+            <a:r>
+              <a:rPr lang="zh-TW" altLang="en-US" dirty="0"/>
+              <a:t>限制 </a:t>
+            </a:r>
+            <a:r>
+              <a:rPr lang="en-US" altLang="zh-TW" dirty="0"/>
+              <a:t>(5)</a:t>
+            </a:r>
+            <a:r>
+              <a:rPr lang="zh-TW" altLang="en-US" dirty="0"/>
+              <a:t>驗收方法</a:t>
+            </a:r>
+            <a:endParaRPr lang="en-US" altLang="zh-TW" dirty="0"/>
+          </a:p>
+          <a:p>
+            <a:pPr lvl="1"/>
+            <a:r>
+              <a:rPr lang="zh-TW" altLang="en-US" dirty="0"/>
+              <a:t>專案系統分析 </a:t>
+            </a:r>
+            <a:r>
+              <a:rPr lang="en-US" altLang="zh-TW" dirty="0"/>
+              <a:t>:</a:t>
+            </a:r>
+            <a:r>
+              <a:rPr lang="zh-TW" altLang="en-US" dirty="0"/>
+              <a:t> </a:t>
+            </a:r>
+            <a:r>
+              <a:rPr lang="en-US" altLang="zh-TW" dirty="0"/>
+              <a:t>(1)Breakdown (2)Architecture(3)Workflow</a:t>
+            </a:r>
+          </a:p>
+          <a:p>
+            <a:pPr lvl="1"/>
+            <a:r>
+              <a:rPr lang="zh-TW" altLang="en-US" dirty="0"/>
+              <a:t>設計</a:t>
+            </a:r>
+            <a:r>
+              <a:rPr lang="en-US" altLang="zh-TW" dirty="0"/>
+              <a:t>IP(CCL)</a:t>
+            </a:r>
+          </a:p>
+          <a:p>
+            <a:pPr marL="457200" lvl="1" indent="0">
+              <a:buNone/>
+            </a:pPr>
+            <a:endParaRPr lang="en-US" altLang="zh-TW" dirty="0"/>
+          </a:p>
+          <a:p>
+            <a:r>
+              <a:rPr lang="en-US" altLang="zh-TW" sz="1800" b="1" dirty="0"/>
+              <a:t>2023/12/1~2023/12/7</a:t>
+            </a:r>
+          </a:p>
+          <a:p>
+            <a:pPr lvl="1"/>
+            <a:r>
+              <a:rPr lang="zh-TW" altLang="en-US" dirty="0"/>
+              <a:t>專案系統分析 </a:t>
+            </a:r>
+            <a:r>
+              <a:rPr lang="en-US" altLang="zh-TW" dirty="0"/>
+              <a:t>:</a:t>
+            </a:r>
+            <a:r>
+              <a:rPr lang="zh-TW" altLang="en-US" dirty="0"/>
+              <a:t> </a:t>
+            </a:r>
+            <a:r>
+              <a:rPr lang="en-US" altLang="zh-TW" dirty="0"/>
+              <a:t>(1)Breakdown (2)Architecture</a:t>
+            </a:r>
+          </a:p>
+          <a:p>
+            <a:pPr lvl="1"/>
+            <a:r>
+              <a:rPr lang="en-US" altLang="zh-TW" dirty="0"/>
+              <a:t>API</a:t>
+            </a:r>
+            <a:r>
+              <a:rPr lang="zh-TW" altLang="en-US" dirty="0"/>
+              <a:t> </a:t>
+            </a:r>
+            <a:r>
+              <a:rPr lang="en-US" altLang="zh-TW" dirty="0"/>
+              <a:t>:</a:t>
+            </a:r>
+            <a:r>
+              <a:rPr lang="zh-TW" altLang="en-US" dirty="0"/>
+              <a:t> </a:t>
+            </a:r>
+            <a:r>
+              <a:rPr lang="en-US" altLang="zh-TW" dirty="0"/>
+              <a:t>PC</a:t>
+            </a:r>
+            <a:r>
+              <a:rPr lang="zh-TW" altLang="en-US" dirty="0"/>
+              <a:t>端、</a:t>
+            </a:r>
+            <a:r>
+              <a:rPr lang="en-US" altLang="zh-TW" dirty="0"/>
+              <a:t>PL</a:t>
+            </a:r>
+            <a:r>
+              <a:rPr lang="zh-TW" altLang="en-US" dirty="0"/>
+              <a:t>端</a:t>
+            </a:r>
+            <a:endParaRPr lang="en-US" altLang="zh-TW" dirty="0"/>
+          </a:p>
+          <a:p>
+            <a:pPr lvl="1"/>
+            <a:r>
+              <a:rPr lang="en-US" altLang="zh-TW" dirty="0"/>
+              <a:t>SDK(ADV7511</a:t>
+            </a:r>
+            <a:r>
+              <a:rPr lang="zh-TW" altLang="en-US" dirty="0"/>
+              <a:t>、</a:t>
+            </a:r>
+            <a:r>
+              <a:rPr lang="en-US" altLang="zh-TW" dirty="0"/>
+              <a:t>SD</a:t>
+            </a:r>
+            <a:r>
+              <a:rPr lang="zh-TW" altLang="en-US" dirty="0"/>
+              <a:t>卡讀寫</a:t>
+            </a:r>
+            <a:r>
+              <a:rPr lang="en-US" altLang="zh-TW" dirty="0"/>
+              <a:t>)</a:t>
+            </a:r>
+            <a:endParaRPr lang="zh-TW" altLang="en-US" dirty="0"/>
+          </a:p>
+          <a:p>
+            <a:pPr lvl="1"/>
+            <a:endParaRPr lang="zh-TW" altLang="en-US" dirty="0"/>
+          </a:p>
+          <a:p>
+            <a:pPr marL="0" indent="-84600">
+              <a:buNone/>
+            </a:pPr>
+            <a:endParaRPr lang="zh-TW" altLang="en-US" dirty="0"/>
+          </a:p>
+          <a:p>
+            <a:pPr lvl="1"/>
+            <a:endParaRPr lang="en-US" altLang="zh-TW" dirty="0"/>
+          </a:p>
+        </p:txBody>
+      </p:sp>
+      <p:sp>
+        <p:nvSpPr>
+          <p:cNvPr id="3" name="標題 2">
+            <a:extLst>
+              <a:ext uri="{FF2B5EF4-FFF2-40B4-BE49-F238E27FC236}">
+                <a16:creationId xmlns:a16="http://schemas.microsoft.com/office/drawing/2014/main" id="{D7232380-22D4-47E6-A40E-ABF38AB200C3}"/>
+              </a:ext>
+            </a:extLst>
+          </p:cNvPr>
+          <p:cNvSpPr>
+            <a:spLocks noGrp="1"/>
+          </p:cNvSpPr>
+          <p:nvPr>
+            <p:ph type="title"/>
+          </p:nvPr>
+        </p:nvSpPr>
+        <p:spPr/>
+        <p:txBody>
+          <a:bodyPr/>
+          <a:lstStyle/>
+          <a:p>
+            <a:r>
+              <a:rPr lang="en-US" altLang="zh-TW" dirty="0"/>
+              <a:t>To Do List</a:t>
+            </a:r>
+            <a:endParaRPr lang="zh-TW" altLang="en-US" dirty="0"/>
+          </a:p>
+        </p:txBody>
+      </p:sp>
+      <p:sp>
+        <p:nvSpPr>
+          <p:cNvPr id="4" name="投影片編號版面配置區 3">
+            <a:extLst>
+              <a:ext uri="{FF2B5EF4-FFF2-40B4-BE49-F238E27FC236}">
+                <a16:creationId xmlns:a16="http://schemas.microsoft.com/office/drawing/2014/main" id="{CC364F06-FBAE-41F1-9123-C093E43ADC15}"/>
+              </a:ext>
+            </a:extLst>
+          </p:cNvPr>
+          <p:cNvSpPr>
+            <a:spLocks noGrp="1"/>
+          </p:cNvSpPr>
+          <p:nvPr>
+            <p:ph type="sldNum" sz="quarter" idx="12"/>
+          </p:nvPr>
+        </p:nvSpPr>
+        <p:spPr/>
+        <p:txBody>
+          <a:bodyPr/>
+          <a:lstStyle/>
+          <a:p>
+            <a:fld id="{90F9E983-480B-48C5-9E0F-D21C0DFBB5C0}" type="slidenum">
+              <a:rPr lang="zh-TW" altLang="en-US" smtClean="0"/>
+              <a:t>2</a:t>
+            </a:fld>
+            <a:endParaRPr lang="zh-TW" altLang="en-US"/>
+          </a:p>
+        </p:txBody>
+      </p:sp>
+    </p:spTree>
+    <p:extLst>
+      <p:ext uri="{BB962C8B-B14F-4D97-AF65-F5344CB8AC3E}">
+        <p14:creationId xmlns:p14="http://schemas.microsoft.com/office/powerpoint/2010/main" val="532258986"/>
+      </p:ext>
+    </p:extLst>
+  </p:cSld>
+  <p:clrMapOvr>
+    <a:masterClrMapping/>
+  </p:clrMapOvr>
+  <mc:AlternateContent xmlns:mc="http://schemas.openxmlformats.org/markup-compatibility/2006" xmlns:p14="http://schemas.microsoft.com/office/powerpoint/2010/main">
+    <mc:Choice Requires="p14">
+      <p:transition spd="slow">
+        <p14:reveal/>
+      </p:transition>
+    </mc:Choice>
+    <mc:Fallback xmlns="">
+      <p:transition spd="slow">
+        <p:fade/>
+      </p:transition>
+    </mc:Fallback>
+  </mc:AlternateContent>
+</p:sld>
+</file>
+
+<file path=ppt/slides/slide20.xml><?xml version="1.0" encoding="utf-8"?>
+<p:sld xmlns:a="http://schemas.openxmlformats.org/drawingml/2006/main" xmlns:r="http://schemas.openxmlformats.org/officeDocument/2006/relationships" xmlns:p="http://schemas.openxmlformats.org/presentationml/2006/main">
+  <p:cSld>
+    <p:spTree>
+      <p:nvGrpSpPr>
+        <p:cNvPr id="1" name=""/>
+        <p:cNvGrpSpPr/>
+        <p:nvPr/>
+      </p:nvGrpSpPr>
+      <p:grpSpPr>
+        <a:xfrm>
+          <a:off x="0" y="0"/>
+          <a:ext cx="0" cy="0"/>
+          <a:chOff x="0" y="0"/>
+          <a:chExt cx="0" cy="0"/>
+        </a:xfrm>
+      </p:grpSpPr>
+      <p:sp>
+        <p:nvSpPr>
+          <p:cNvPr id="2" name="內容版面配置區 1">
+            <a:extLst>
+              <a:ext uri="{FF2B5EF4-FFF2-40B4-BE49-F238E27FC236}">
+                <a16:creationId xmlns:a16="http://schemas.microsoft.com/office/drawing/2014/main" id="{8B9255F6-E79B-4294-834D-6D4140D1CF07}"/>
+              </a:ext>
+            </a:extLst>
+          </p:cNvPr>
+          <p:cNvSpPr>
+            <a:spLocks noGrp="1"/>
+          </p:cNvSpPr>
+          <p:nvPr>
+            <p:ph idx="1"/>
+          </p:nvPr>
+        </p:nvSpPr>
+        <p:spPr/>
+        <p:txBody>
+          <a:bodyPr/>
+          <a:lstStyle/>
+          <a:p>
+            <a:r>
+              <a:rPr lang="en-US" altLang="zh-TW" sz="2400" b="1" dirty="0"/>
+              <a:t>PC</a:t>
+            </a:r>
+            <a:r>
+              <a:rPr lang="zh-TW" altLang="en-US" sz="2400" b="1" dirty="0"/>
+              <a:t>端</a:t>
+            </a:r>
+            <a:endParaRPr lang="en-US" altLang="zh-TW" sz="2400" b="1" dirty="0"/>
+          </a:p>
+          <a:p>
+            <a:r>
+              <a:rPr lang="en-US" altLang="zh-TW" sz="1800" kern="100" dirty="0">
+                <a:effectLst/>
+                <a:latin typeface="Times New Roman" panose="02020603050405020304" pitchFamily="18" charset="0"/>
+                <a:ea typeface="標楷體" panose="03000509000000000000" pitchFamily="65" charset="-120"/>
+                <a:cs typeface="Times New Roman" panose="02020603050405020304" pitchFamily="18" charset="0"/>
+              </a:rPr>
+              <a:t>def </a:t>
+            </a:r>
+            <a:r>
+              <a:rPr lang="en-US" altLang="zh-TW" sz="1800" kern="100" dirty="0" err="1">
+                <a:effectLst/>
+                <a:latin typeface="Times New Roman" panose="02020603050405020304" pitchFamily="18" charset="0"/>
+                <a:ea typeface="標楷體" panose="03000509000000000000" pitchFamily="65" charset="-120"/>
+                <a:cs typeface="Times New Roman" panose="02020603050405020304" pitchFamily="18" charset="0"/>
+              </a:rPr>
+              <a:t>getData</a:t>
+            </a:r>
+            <a:r>
+              <a:rPr lang="en-US" altLang="zh-TW" sz="1800" kern="100" dirty="0">
+                <a:effectLst/>
+                <a:latin typeface="Times New Roman" panose="02020603050405020304" pitchFamily="18" charset="0"/>
+                <a:ea typeface="標楷體" panose="03000509000000000000" pitchFamily="65" charset="-120"/>
+                <a:cs typeface="Times New Roman" panose="02020603050405020304" pitchFamily="18" charset="0"/>
+              </a:rPr>
+              <a:t> (request):</a:t>
+            </a:r>
+          </a:p>
+          <a:p>
+            <a:endParaRPr lang="zh-TW" altLang="en-US" b="1" dirty="0"/>
+          </a:p>
+        </p:txBody>
+      </p:sp>
+      <p:sp>
+        <p:nvSpPr>
+          <p:cNvPr id="3" name="標題 2">
+            <a:extLst>
+              <a:ext uri="{FF2B5EF4-FFF2-40B4-BE49-F238E27FC236}">
+                <a16:creationId xmlns:a16="http://schemas.microsoft.com/office/drawing/2014/main" id="{D7232380-22D4-47E6-A40E-ABF38AB200C3}"/>
+              </a:ext>
+            </a:extLst>
+          </p:cNvPr>
+          <p:cNvSpPr>
+            <a:spLocks noGrp="1"/>
+          </p:cNvSpPr>
+          <p:nvPr>
+            <p:ph type="title"/>
+          </p:nvPr>
+        </p:nvSpPr>
+        <p:spPr/>
+        <p:txBody>
+          <a:bodyPr/>
+          <a:lstStyle/>
+          <a:p>
+            <a:r>
+              <a:rPr lang="en-US" altLang="zh-TW" dirty="0"/>
+              <a:t>API</a:t>
+            </a:r>
+            <a:endParaRPr lang="zh-TW" altLang="en-US" dirty="0"/>
+          </a:p>
+        </p:txBody>
+      </p:sp>
+      <p:sp>
+        <p:nvSpPr>
+          <p:cNvPr id="4" name="投影片編號版面配置區 3">
+            <a:extLst>
+              <a:ext uri="{FF2B5EF4-FFF2-40B4-BE49-F238E27FC236}">
+                <a16:creationId xmlns:a16="http://schemas.microsoft.com/office/drawing/2014/main" id="{CC364F06-FBAE-41F1-9123-C093E43ADC15}"/>
+              </a:ext>
+            </a:extLst>
+          </p:cNvPr>
+          <p:cNvSpPr>
+            <a:spLocks noGrp="1"/>
+          </p:cNvSpPr>
+          <p:nvPr>
+            <p:ph type="sldNum" sz="quarter" idx="12"/>
+          </p:nvPr>
+        </p:nvSpPr>
+        <p:spPr/>
+        <p:txBody>
+          <a:bodyPr/>
+          <a:lstStyle/>
+          <a:p>
+            <a:fld id="{90F9E983-480B-48C5-9E0F-D21C0DFBB5C0}" type="slidenum">
+              <a:rPr lang="zh-TW" altLang="en-US" smtClean="0"/>
+              <a:t>20</a:t>
+            </a:fld>
+            <a:endParaRPr lang="zh-TW" altLang="en-US"/>
+          </a:p>
+        </p:txBody>
+      </p:sp>
+      <p:graphicFrame>
+        <p:nvGraphicFramePr>
+          <p:cNvPr id="6" name="表格 5">
+            <a:extLst>
+              <a:ext uri="{FF2B5EF4-FFF2-40B4-BE49-F238E27FC236}">
+                <a16:creationId xmlns:a16="http://schemas.microsoft.com/office/drawing/2014/main" id="{2D4FD968-5EAF-2108-F6F8-617F1F81316D}"/>
+              </a:ext>
+            </a:extLst>
+          </p:cNvPr>
+          <p:cNvGraphicFramePr>
+            <a:graphicFrameLocks noGrp="1"/>
+          </p:cNvGraphicFramePr>
+          <p:nvPr>
+            <p:extLst>
+              <p:ext uri="{D42A27DB-BD31-4B8C-83A1-F6EECF244321}">
+                <p14:modId xmlns:p14="http://schemas.microsoft.com/office/powerpoint/2010/main" val="3895360348"/>
+              </p:ext>
+            </p:extLst>
+          </p:nvPr>
+        </p:nvGraphicFramePr>
+        <p:xfrm>
+          <a:off x="2649677" y="2647267"/>
+          <a:ext cx="6892637" cy="2156200"/>
+        </p:xfrm>
+        <a:graphic>
+          <a:graphicData uri="http://schemas.openxmlformats.org/drawingml/2006/table">
+            <a:tbl>
+              <a:tblPr firstRow="1" firstCol="1" bandRow="1">
+                <a:tableStyleId>{21E4AEA4-8DFA-4A89-87EB-49C32662AFE0}</a:tableStyleId>
+              </a:tblPr>
+              <a:tblGrid>
+                <a:gridCol w="708059">
+                  <a:extLst>
+                    <a:ext uri="{9D8B030D-6E8A-4147-A177-3AD203B41FA5}">
+                      <a16:colId xmlns:a16="http://schemas.microsoft.com/office/drawing/2014/main" val="20000"/>
+                    </a:ext>
+                  </a:extLst>
+                </a:gridCol>
+                <a:gridCol w="6184578">
+                  <a:extLst>
+                    <a:ext uri="{9D8B030D-6E8A-4147-A177-3AD203B41FA5}">
+                      <a16:colId xmlns:a16="http://schemas.microsoft.com/office/drawing/2014/main" val="20001"/>
+                    </a:ext>
+                  </a:extLst>
+                </a:gridCol>
+              </a:tblGrid>
+              <a:tr h="401890">
+                <a:tc gridSpan="2">
+                  <a:txBody>
+                    <a:bodyPr/>
+                    <a:lstStyle/>
+                    <a:p>
+                      <a:pPr algn="ctr"/>
+                      <a:r>
+                        <a:rPr lang="en-US" sz="1800" kern="100" dirty="0" err="1">
+                          <a:effectLst/>
+                          <a:latin typeface="Times New Roman" panose="02020603050405020304" pitchFamily="18" charset="0"/>
+                          <a:ea typeface="標楷體" panose="03000509000000000000" pitchFamily="65" charset="-120"/>
+                          <a:cs typeface="Times New Roman" panose="02020603050405020304" pitchFamily="18" charset="0"/>
+                        </a:rPr>
+                        <a:t>def</a:t>
+                      </a:r>
+                      <a:r>
+                        <a:rPr lang="en-US" sz="1800" kern="100" dirty="0">
+                          <a:effectLst/>
+                          <a:latin typeface="Times New Roman" panose="02020603050405020304" pitchFamily="18" charset="0"/>
+                          <a:ea typeface="標楷體" panose="03000509000000000000" pitchFamily="65" charset="-120"/>
+                          <a:cs typeface="Times New Roman" panose="02020603050405020304" pitchFamily="18" charset="0"/>
+                        </a:rPr>
+                        <a:t> </a:t>
+                      </a:r>
+                      <a:r>
+                        <a:rPr lang="en-US" sz="1800" kern="100" dirty="0" err="1">
+                          <a:effectLst/>
+                          <a:latin typeface="Times New Roman" panose="02020603050405020304" pitchFamily="18" charset="0"/>
+                          <a:ea typeface="標楷體" panose="03000509000000000000" pitchFamily="65" charset="-120"/>
+                          <a:cs typeface="Times New Roman" panose="02020603050405020304" pitchFamily="18" charset="0"/>
+                        </a:rPr>
+                        <a:t>getData</a:t>
+                      </a:r>
+                      <a:r>
+                        <a:rPr lang="en-US" sz="1800" kern="100" dirty="0">
+                          <a:effectLst/>
+                          <a:latin typeface="Times New Roman" panose="02020603050405020304" pitchFamily="18" charset="0"/>
+                          <a:ea typeface="標楷體" panose="03000509000000000000" pitchFamily="65" charset="-120"/>
+                          <a:cs typeface="Times New Roman" panose="02020603050405020304" pitchFamily="18" charset="0"/>
+                        </a:rPr>
+                        <a:t> (request):</a:t>
+                      </a:r>
+                      <a:endParaRPr lang="zh-TW" sz="1800" b="1" kern="100" dirty="0">
+                        <a:effectLst/>
+                        <a:latin typeface="Times New Roman" panose="02020603050405020304" pitchFamily="18" charset="0"/>
+                        <a:ea typeface="標楷體" panose="03000509000000000000" pitchFamily="65" charset="-120"/>
+                        <a:cs typeface="Times New Roman" panose="02020603050405020304" pitchFamily="18" charset="0"/>
+                      </a:endParaRPr>
+                    </a:p>
+                  </a:txBody>
+                  <a:tcPr marL="68580" marR="68580" marT="0" marB="0" anchor="ctr"/>
+                </a:tc>
+                <a:tc hMerge="1">
+                  <a:txBody>
+                    <a:bodyPr/>
+                    <a:lstStyle/>
+                    <a:p>
+                      <a:endParaRPr lang="zh-TW" altLang="en-US"/>
+                    </a:p>
+                  </a:txBody>
+                  <a:tcPr/>
+                </a:tc>
+                <a:extLst>
+                  <a:ext uri="{0D108BD9-81ED-4DB2-BD59-A6C34878D82A}">
+                    <a16:rowId xmlns:a16="http://schemas.microsoft.com/office/drawing/2014/main" val="10000"/>
+                  </a:ext>
+                </a:extLst>
+              </a:tr>
+              <a:tr h="401890">
+                <a:tc>
+                  <a:txBody>
+                    <a:bodyPr/>
+                    <a:lstStyle/>
+                    <a:p>
+                      <a:pPr algn="ctr"/>
+                      <a:r>
+                        <a:rPr lang="zh-TW" sz="1800" kern="100">
+                          <a:effectLst/>
+                          <a:latin typeface="標楷體" panose="03000509000000000000" pitchFamily="65" charset="-120"/>
+                          <a:ea typeface="標楷體" panose="03000509000000000000" pitchFamily="65" charset="-120"/>
+                        </a:rPr>
+                        <a:t>輸入</a:t>
+                      </a:r>
+                      <a:endParaRPr lang="zh-TW" sz="1800" b="1" kern="100">
+                        <a:effectLst/>
+                        <a:latin typeface="標楷體" panose="03000509000000000000" pitchFamily="65" charset="-120"/>
+                        <a:ea typeface="標楷體" panose="03000509000000000000" pitchFamily="65" charset="-120"/>
+                      </a:endParaRPr>
+                    </a:p>
+                  </a:txBody>
+                  <a:tcPr marL="68580" marR="68580" marT="0" marB="0"/>
+                </a:tc>
+                <a:tc>
+                  <a:txBody>
+                    <a:bodyPr/>
+                    <a:lstStyle/>
+                    <a:p>
+                      <a:r>
+                        <a:rPr lang="en-US" sz="1800" kern="100" dirty="0">
+                          <a:effectLst/>
+                          <a:latin typeface="Times New Roman" panose="02020603050405020304" pitchFamily="18" charset="0"/>
+                          <a:ea typeface="標楷體" panose="03000509000000000000" pitchFamily="65" charset="-120"/>
+                          <a:cs typeface="Times New Roman" panose="02020603050405020304" pitchFamily="18" charset="0"/>
+                        </a:rPr>
+                        <a:t>get</a:t>
+                      </a:r>
+                      <a:r>
+                        <a:rPr lang="en-US" altLang="zh-TW" sz="1800" kern="100" dirty="0">
+                          <a:effectLst/>
+                          <a:latin typeface="標楷體" panose="03000509000000000000" pitchFamily="65" charset="-120"/>
+                          <a:ea typeface="標楷體" panose="03000509000000000000" pitchFamily="65" charset="-120"/>
+                        </a:rPr>
+                        <a:t>:</a:t>
+                      </a:r>
+                      <a:r>
+                        <a:rPr lang="zh-TW" altLang="en-US" sz="1800" kern="100" dirty="0">
+                          <a:effectLst/>
+                          <a:latin typeface="標楷體" panose="03000509000000000000" pitchFamily="65" charset="-120"/>
+                          <a:ea typeface="標楷體" panose="03000509000000000000" pitchFamily="65" charset="-120"/>
+                        </a:rPr>
+                        <a:t> 後端將設定條件傳送至硬體</a:t>
+                      </a:r>
+                      <a:endParaRPr lang="zh-TW" sz="1800" b="1" kern="100" dirty="0">
+                        <a:effectLst/>
+                        <a:latin typeface="標楷體" panose="03000509000000000000" pitchFamily="65" charset="-120"/>
+                        <a:ea typeface="標楷體" panose="03000509000000000000" pitchFamily="65" charset="-120"/>
+                      </a:endParaRPr>
+                    </a:p>
+                  </a:txBody>
+                  <a:tcPr marL="68580" marR="68580" marT="0" marB="0"/>
+                </a:tc>
+                <a:extLst>
+                  <a:ext uri="{0D108BD9-81ED-4DB2-BD59-A6C34878D82A}">
+                    <a16:rowId xmlns:a16="http://schemas.microsoft.com/office/drawing/2014/main" val="10001"/>
+                  </a:ext>
+                </a:extLst>
+              </a:tr>
+              <a:tr h="401890">
+                <a:tc>
+                  <a:txBody>
+                    <a:bodyPr/>
+                    <a:lstStyle/>
+                    <a:p>
+                      <a:pPr algn="ctr"/>
+                      <a:r>
+                        <a:rPr lang="zh-TW" sz="1800" kern="100">
+                          <a:effectLst/>
+                          <a:latin typeface="標楷體" panose="03000509000000000000" pitchFamily="65" charset="-120"/>
+                          <a:ea typeface="標楷體" panose="03000509000000000000" pitchFamily="65" charset="-120"/>
+                        </a:rPr>
+                        <a:t>輸出</a:t>
+                      </a:r>
+                      <a:endParaRPr lang="zh-TW" sz="1800" b="1" kern="100">
+                        <a:effectLst/>
+                        <a:latin typeface="標楷體" panose="03000509000000000000" pitchFamily="65" charset="-120"/>
+                        <a:ea typeface="標楷體" panose="03000509000000000000" pitchFamily="65" charset="-120"/>
+                      </a:endParaRPr>
+                    </a:p>
+                  </a:txBody>
+                  <a:tcPr marL="68580" marR="68580" marT="0" marB="0"/>
+                </a:tc>
+                <a:tc>
+                  <a:txBody>
+                    <a:bodyPr/>
+                    <a:lstStyle/>
+                    <a:p>
+                      <a:r>
+                        <a:rPr lang="en-US" altLang="zh-TW" sz="1800" kern="100" dirty="0">
+                          <a:effectLst/>
+                          <a:latin typeface="Times New Roman" panose="02020603050405020304" pitchFamily="18" charset="0"/>
+                          <a:ea typeface="標楷體" panose="03000509000000000000" pitchFamily="65" charset="-120"/>
+                          <a:cs typeface="Times New Roman" panose="02020603050405020304" pitchFamily="18" charset="0"/>
+                        </a:rPr>
+                        <a:t>FPS</a:t>
+                      </a:r>
+                      <a:r>
+                        <a:rPr lang="zh-TW" altLang="en-US" sz="1800" kern="100" dirty="0">
+                          <a:effectLst/>
+                          <a:latin typeface="Times New Roman" panose="02020603050405020304" pitchFamily="18" charset="0"/>
+                          <a:ea typeface="標楷體" panose="03000509000000000000" pitchFamily="65" charset="-120"/>
+                          <a:cs typeface="Times New Roman" panose="02020603050405020304" pitchFamily="18" charset="0"/>
+                        </a:rPr>
+                        <a:t> </a:t>
+                      </a:r>
+                      <a:r>
+                        <a:rPr lang="en-US" altLang="zh-TW" sz="1800" kern="100" dirty="0">
+                          <a:effectLst/>
+                          <a:latin typeface="Times New Roman" panose="02020603050405020304" pitchFamily="18" charset="0"/>
+                          <a:ea typeface="標楷體" panose="03000509000000000000" pitchFamily="65" charset="-120"/>
+                          <a:cs typeface="Times New Roman" panose="02020603050405020304" pitchFamily="18" charset="0"/>
+                        </a:rPr>
+                        <a:t>,time</a:t>
+                      </a:r>
+                      <a:r>
+                        <a:rPr lang="zh-TW" altLang="en-US" sz="1800" kern="100" dirty="0">
+                          <a:effectLst/>
+                          <a:latin typeface="Times New Roman" panose="02020603050405020304" pitchFamily="18" charset="0"/>
+                          <a:ea typeface="標楷體" panose="03000509000000000000" pitchFamily="65" charset="-120"/>
+                          <a:cs typeface="Times New Roman" panose="02020603050405020304" pitchFamily="18" charset="0"/>
+                        </a:rPr>
+                        <a:t> </a:t>
+                      </a:r>
+                      <a:r>
+                        <a:rPr lang="en-US" altLang="zh-TW" sz="1800" kern="100" dirty="0">
+                          <a:effectLst/>
+                          <a:latin typeface="標楷體" panose="03000509000000000000" pitchFamily="65" charset="-120"/>
+                          <a:ea typeface="標楷體" panose="03000509000000000000" pitchFamily="65" charset="-120"/>
+                        </a:rPr>
+                        <a:t>:</a:t>
+                      </a:r>
+                      <a:r>
+                        <a:rPr lang="zh-TW" altLang="en-US" sz="1800" kern="100" dirty="0">
+                          <a:effectLst/>
+                          <a:latin typeface="標楷體" panose="03000509000000000000" pitchFamily="65" charset="-120"/>
+                          <a:ea typeface="標楷體" panose="03000509000000000000" pitchFamily="65" charset="-120"/>
+                        </a:rPr>
+                        <a:t> 運算時間與</a:t>
+                      </a:r>
+                      <a:r>
+                        <a:rPr lang="en-US" altLang="zh-TW" sz="1800" kern="100" dirty="0">
+                          <a:effectLst/>
+                          <a:latin typeface="標楷體" panose="03000509000000000000" pitchFamily="65" charset="-120"/>
+                          <a:ea typeface="標楷體" panose="03000509000000000000" pitchFamily="65" charset="-120"/>
+                        </a:rPr>
+                        <a:t>FPS</a:t>
+                      </a:r>
+                      <a:endParaRPr lang="zh-TW" sz="1800" b="1" kern="100" dirty="0">
+                        <a:effectLst/>
+                        <a:latin typeface="標楷體" panose="03000509000000000000" pitchFamily="65" charset="-120"/>
+                        <a:ea typeface="標楷體" panose="03000509000000000000" pitchFamily="65" charset="-120"/>
+                      </a:endParaRPr>
+                    </a:p>
+                  </a:txBody>
+                  <a:tcPr marL="68580" marR="68580" marT="0" marB="0"/>
+                </a:tc>
+                <a:extLst>
+                  <a:ext uri="{0D108BD9-81ED-4DB2-BD59-A6C34878D82A}">
+                    <a16:rowId xmlns:a16="http://schemas.microsoft.com/office/drawing/2014/main" val="10002"/>
+                  </a:ext>
+                </a:extLst>
+              </a:tr>
+              <a:tr h="544679">
+                <a:tc>
+                  <a:txBody>
+                    <a:bodyPr/>
+                    <a:lstStyle/>
+                    <a:p>
+                      <a:pPr algn="ctr"/>
+                      <a:r>
+                        <a:rPr lang="zh-TW" sz="1800" kern="100">
+                          <a:effectLst/>
+                          <a:latin typeface="標楷體" panose="03000509000000000000" pitchFamily="65" charset="-120"/>
+                          <a:ea typeface="標楷體" panose="03000509000000000000" pitchFamily="65" charset="-120"/>
+                        </a:rPr>
+                        <a:t>參數</a:t>
+                      </a:r>
+                      <a:endParaRPr lang="zh-TW" sz="1800" b="1" kern="100">
+                        <a:effectLst/>
+                        <a:latin typeface="標楷體" panose="03000509000000000000" pitchFamily="65" charset="-120"/>
+                        <a:ea typeface="標楷體" panose="03000509000000000000" pitchFamily="65" charset="-120"/>
+                      </a:endParaRPr>
+                    </a:p>
+                  </a:txBody>
+                  <a:tcPr marL="68580" marR="68580" marT="0" marB="0"/>
+                </a:tc>
+                <a:tc>
+                  <a:txBody>
+                    <a:bodyPr/>
+                    <a:lstStyle/>
+                    <a:p>
+                      <a:r>
+                        <a:rPr lang="en-US" altLang="zh-TW" sz="1800" kern="100" dirty="0">
+                          <a:effectLst/>
+                          <a:latin typeface="Times New Roman" panose="02020603050405020304" pitchFamily="18" charset="0"/>
+                          <a:ea typeface="標楷體" panose="03000509000000000000" pitchFamily="65" charset="-120"/>
+                          <a:cs typeface="Times New Roman" panose="02020603050405020304" pitchFamily="18" charset="0"/>
+                        </a:rPr>
+                        <a:t>FPS</a:t>
+                      </a:r>
+                      <a:r>
+                        <a:rPr lang="en-US" altLang="zh-TW" sz="1800" kern="100" dirty="0">
+                          <a:effectLst/>
+                          <a:latin typeface="標楷體" panose="03000509000000000000" pitchFamily="65" charset="-120"/>
+                          <a:ea typeface="標楷體" panose="03000509000000000000" pitchFamily="65" charset="-120"/>
+                        </a:rPr>
+                        <a:t>: </a:t>
+                      </a:r>
+                      <a:r>
+                        <a:rPr lang="zh-TW" altLang="en-US" sz="1800" kern="100" dirty="0">
+                          <a:effectLst/>
+                          <a:latin typeface="標楷體" panose="03000509000000000000" pitchFamily="65" charset="-120"/>
+                          <a:ea typeface="標楷體" panose="03000509000000000000" pitchFamily="65" charset="-120"/>
+                        </a:rPr>
+                        <a:t>幀數</a:t>
+                      </a:r>
+                      <a:endParaRPr lang="en-US" altLang="zh-TW" sz="1800" kern="100" dirty="0">
+                        <a:effectLst/>
+                        <a:latin typeface="標楷體" panose="03000509000000000000" pitchFamily="65" charset="-120"/>
+                        <a:ea typeface="標楷體" panose="03000509000000000000" pitchFamily="65" charset="-120"/>
+                      </a:endParaRPr>
+                    </a:p>
+                    <a:p>
+                      <a:r>
+                        <a:rPr lang="en-US" altLang="zh-TW" sz="1800" kern="100" dirty="0">
+                          <a:effectLst/>
+                          <a:latin typeface="Times New Roman" panose="02020603050405020304" pitchFamily="18" charset="0"/>
+                          <a:ea typeface="標楷體" panose="03000509000000000000" pitchFamily="65" charset="-120"/>
+                          <a:cs typeface="Times New Roman" panose="02020603050405020304" pitchFamily="18" charset="0"/>
+                        </a:rPr>
+                        <a:t>time</a:t>
+                      </a:r>
+                      <a:r>
+                        <a:rPr lang="en-US" altLang="zh-TW" sz="1800" kern="100" dirty="0">
+                          <a:effectLst/>
+                          <a:latin typeface="標楷體" panose="03000509000000000000" pitchFamily="65" charset="-120"/>
+                          <a:ea typeface="標楷體" panose="03000509000000000000" pitchFamily="65" charset="-120"/>
+                        </a:rPr>
+                        <a:t>: </a:t>
+                      </a:r>
+                      <a:r>
+                        <a:rPr lang="zh-TW" altLang="en-US" sz="1800" kern="100" dirty="0">
+                          <a:effectLst/>
+                          <a:latin typeface="標楷體" panose="03000509000000000000" pitchFamily="65" charset="-120"/>
+                          <a:ea typeface="標楷體" panose="03000509000000000000" pitchFamily="65" charset="-120"/>
+                        </a:rPr>
+                        <a:t>運算時間</a:t>
+                      </a:r>
+                      <a:endParaRPr lang="zh-TW" altLang="zh-TW" sz="1800" b="1" kern="100" dirty="0">
+                        <a:effectLst/>
+                        <a:latin typeface="標楷體" panose="03000509000000000000" pitchFamily="65" charset="-120"/>
+                        <a:ea typeface="標楷體" panose="03000509000000000000" pitchFamily="65" charset="-120"/>
+                      </a:endParaRPr>
+                    </a:p>
+                  </a:txBody>
+                  <a:tcPr marL="68580" marR="68580" marT="0" marB="0"/>
+                </a:tc>
+                <a:extLst>
+                  <a:ext uri="{0D108BD9-81ED-4DB2-BD59-A6C34878D82A}">
+                    <a16:rowId xmlns:a16="http://schemas.microsoft.com/office/drawing/2014/main" val="10003"/>
+                  </a:ext>
+                </a:extLst>
+              </a:tr>
+              <a:tr h="401890">
+                <a:tc>
+                  <a:txBody>
+                    <a:bodyPr/>
+                    <a:lstStyle/>
+                    <a:p>
+                      <a:pPr algn="ctr"/>
+                      <a:r>
+                        <a:rPr lang="zh-TW" sz="1800" kern="100">
+                          <a:effectLst/>
+                          <a:latin typeface="標楷體" panose="03000509000000000000" pitchFamily="65" charset="-120"/>
+                          <a:ea typeface="標楷體" panose="03000509000000000000" pitchFamily="65" charset="-120"/>
+                        </a:rPr>
+                        <a:t>方法</a:t>
+                      </a:r>
+                      <a:endParaRPr lang="zh-TW" sz="1800" b="1" kern="100">
+                        <a:effectLst/>
+                        <a:latin typeface="標楷體" panose="03000509000000000000" pitchFamily="65" charset="-120"/>
+                        <a:ea typeface="標楷體" panose="03000509000000000000" pitchFamily="65" charset="-120"/>
+                      </a:endParaRPr>
+                    </a:p>
+                  </a:txBody>
+                  <a:tcPr marL="68580" marR="68580" marT="0" marB="0"/>
+                </a:tc>
+                <a:tc>
+                  <a:txBody>
+                    <a:bodyPr/>
+                    <a:lstStyle/>
+                    <a:p>
+                      <a:r>
+                        <a:rPr lang="zh-TW" altLang="en-US" sz="1800" kern="100" dirty="0">
+                          <a:effectLst/>
+                          <a:latin typeface="標楷體" panose="03000509000000000000" pitchFamily="65" charset="-120"/>
+                          <a:ea typeface="標楷體" panose="03000509000000000000" pitchFamily="65" charset="-120"/>
+                        </a:rPr>
+                        <a:t>設定完條件取得後端運算時間與</a:t>
+                      </a:r>
+                      <a:r>
+                        <a:rPr lang="en-US" altLang="zh-TW" sz="1800" kern="100" dirty="0">
+                          <a:effectLst/>
+                          <a:latin typeface="Times New Roman" panose="02020603050405020304" pitchFamily="18" charset="0"/>
+                          <a:ea typeface="標楷體" panose="03000509000000000000" pitchFamily="65" charset="-120"/>
+                          <a:cs typeface="Times New Roman" panose="02020603050405020304" pitchFamily="18" charset="0"/>
+                        </a:rPr>
+                        <a:t>FPS</a:t>
+                      </a:r>
+                      <a:endParaRPr lang="zh-TW" sz="1800" b="1" kern="100" dirty="0">
+                        <a:effectLst/>
+                        <a:latin typeface="Times New Roman" panose="02020603050405020304" pitchFamily="18" charset="0"/>
+                        <a:ea typeface="標楷體" panose="03000509000000000000" pitchFamily="65" charset="-120"/>
+                        <a:cs typeface="Times New Roman" panose="02020603050405020304" pitchFamily="18" charset="0"/>
+                      </a:endParaRPr>
+                    </a:p>
+                  </a:txBody>
+                  <a:tcPr marL="68580" marR="68580" marT="0" marB="0"/>
+                </a:tc>
+                <a:extLst>
+                  <a:ext uri="{0D108BD9-81ED-4DB2-BD59-A6C34878D82A}">
+                    <a16:rowId xmlns:a16="http://schemas.microsoft.com/office/drawing/2014/main" val="10004"/>
+                  </a:ext>
+                </a:extLst>
+              </a:tr>
+            </a:tbl>
+          </a:graphicData>
+        </a:graphic>
+      </p:graphicFrame>
+    </p:spTree>
+    <p:extLst>
+      <p:ext uri="{BB962C8B-B14F-4D97-AF65-F5344CB8AC3E}">
+        <p14:creationId xmlns:p14="http://schemas.microsoft.com/office/powerpoint/2010/main" val="474805059"/>
+      </p:ext>
+    </p:extLst>
+  </p:cSld>
+  <p:clrMapOvr>
+    <a:masterClrMapping/>
+  </p:clrMapOvr>
+  <mc:AlternateContent xmlns:mc="http://schemas.openxmlformats.org/markup-compatibility/2006" xmlns:p14="http://schemas.microsoft.com/office/powerpoint/2010/main">
+    <mc:Choice Requires="p14">
+      <p:transition spd="slow">
+        <p14:reveal/>
+      </p:transition>
+    </mc:Choice>
+    <mc:Fallback xmlns="">
+      <p:transition spd="slow">
+        <p:fade/>
+      </p:transition>
+    </mc:Fallback>
+  </mc:AlternateContent>
+</p:sld>
+</file>
+
+<file path=ppt/slides/slide21.xml><?xml version="1.0" encoding="utf-8"?>
+<p:sld xmlns:a="http://schemas.openxmlformats.org/drawingml/2006/main" xmlns:r="http://schemas.openxmlformats.org/officeDocument/2006/relationships" xmlns:p="http://schemas.openxmlformats.org/presentationml/2006/main">
+  <p:cSld>
+    <p:spTree>
+      <p:nvGrpSpPr>
+        <p:cNvPr id="1" name=""/>
+        <p:cNvGrpSpPr/>
+        <p:nvPr/>
+      </p:nvGrpSpPr>
+      <p:grpSpPr>
+        <a:xfrm>
+          <a:off x="0" y="0"/>
+          <a:ext cx="0" cy="0"/>
+          <a:chOff x="0" y="0"/>
+          <a:chExt cx="0" cy="0"/>
+        </a:xfrm>
+      </p:grpSpPr>
+      <p:sp>
+        <p:nvSpPr>
+          <p:cNvPr id="2" name="內容版面配置區 1">
+            <a:extLst>
+              <a:ext uri="{FF2B5EF4-FFF2-40B4-BE49-F238E27FC236}">
+                <a16:creationId xmlns:a16="http://schemas.microsoft.com/office/drawing/2014/main" id="{8B9255F6-E79B-4294-834D-6D4140D1CF07}"/>
+              </a:ext>
+            </a:extLst>
+          </p:cNvPr>
+          <p:cNvSpPr>
+            <a:spLocks noGrp="1"/>
+          </p:cNvSpPr>
+          <p:nvPr>
+            <p:ph idx="1"/>
+          </p:nvPr>
+        </p:nvSpPr>
+        <p:spPr/>
+        <p:txBody>
+          <a:bodyPr/>
+          <a:lstStyle/>
+          <a:p>
+            <a:r>
+              <a:rPr lang="en-US" altLang="zh-TW" sz="2400" b="1" dirty="0"/>
+              <a:t>PL</a:t>
+            </a:r>
+            <a:r>
+              <a:rPr lang="zh-TW" altLang="en-US" sz="2400" b="1" dirty="0"/>
+              <a:t>端</a:t>
+            </a:r>
+            <a:endParaRPr lang="en-US" altLang="zh-TW" sz="2400" b="1" dirty="0"/>
+          </a:p>
+          <a:p>
+            <a:r>
+              <a:rPr lang="en-US" altLang="zh-TW" sz="1800" kern="100" dirty="0">
+                <a:effectLst/>
+                <a:latin typeface="Times New Roman" panose="02020603050405020304" pitchFamily="18" charset="0"/>
+                <a:ea typeface="標楷體" panose="03000509000000000000" pitchFamily="65" charset="-120"/>
+                <a:cs typeface="Times New Roman" panose="02020603050405020304" pitchFamily="18" charset="0"/>
+              </a:rPr>
+              <a:t>VDMA:</a:t>
+            </a:r>
+          </a:p>
+          <a:p>
+            <a:endParaRPr lang="zh-TW" altLang="en-US" b="1" dirty="0"/>
+          </a:p>
+        </p:txBody>
+      </p:sp>
+      <p:sp>
+        <p:nvSpPr>
+          <p:cNvPr id="3" name="標題 2">
+            <a:extLst>
+              <a:ext uri="{FF2B5EF4-FFF2-40B4-BE49-F238E27FC236}">
+                <a16:creationId xmlns:a16="http://schemas.microsoft.com/office/drawing/2014/main" id="{D7232380-22D4-47E6-A40E-ABF38AB200C3}"/>
+              </a:ext>
+            </a:extLst>
+          </p:cNvPr>
+          <p:cNvSpPr>
+            <a:spLocks noGrp="1"/>
+          </p:cNvSpPr>
+          <p:nvPr>
+            <p:ph type="title"/>
+          </p:nvPr>
+        </p:nvSpPr>
+        <p:spPr/>
+        <p:txBody>
+          <a:bodyPr/>
+          <a:lstStyle/>
+          <a:p>
+            <a:r>
+              <a:rPr lang="en-US" altLang="zh-TW" dirty="0"/>
+              <a:t>API</a:t>
+            </a:r>
+            <a:endParaRPr lang="zh-TW" altLang="en-US" dirty="0"/>
+          </a:p>
+        </p:txBody>
+      </p:sp>
+      <p:sp>
+        <p:nvSpPr>
+          <p:cNvPr id="4" name="投影片編號版面配置區 3">
+            <a:extLst>
+              <a:ext uri="{FF2B5EF4-FFF2-40B4-BE49-F238E27FC236}">
+                <a16:creationId xmlns:a16="http://schemas.microsoft.com/office/drawing/2014/main" id="{CC364F06-FBAE-41F1-9123-C093E43ADC15}"/>
+              </a:ext>
+            </a:extLst>
+          </p:cNvPr>
+          <p:cNvSpPr>
+            <a:spLocks noGrp="1"/>
+          </p:cNvSpPr>
+          <p:nvPr>
+            <p:ph type="sldNum" sz="quarter" idx="12"/>
+          </p:nvPr>
+        </p:nvSpPr>
+        <p:spPr/>
+        <p:txBody>
+          <a:bodyPr/>
+          <a:lstStyle/>
+          <a:p>
+            <a:fld id="{90F9E983-480B-48C5-9E0F-D21C0DFBB5C0}" type="slidenum">
+              <a:rPr lang="zh-TW" altLang="en-US" smtClean="0"/>
+              <a:t>21</a:t>
+            </a:fld>
+            <a:endParaRPr lang="zh-TW" altLang="en-US"/>
+          </a:p>
+        </p:txBody>
+      </p:sp>
+      <p:pic>
+        <p:nvPicPr>
+          <p:cNvPr id="9" name="圖片 8">
+            <a:extLst>
+              <a:ext uri="{FF2B5EF4-FFF2-40B4-BE49-F238E27FC236}">
+                <a16:creationId xmlns:a16="http://schemas.microsoft.com/office/drawing/2014/main" id="{D499F427-BD5B-12B2-18C7-99B021A6F152}"/>
+              </a:ext>
+            </a:extLst>
+          </p:cNvPr>
+          <p:cNvPicPr>
+            <a:picLocks noChangeAspect="1"/>
+          </p:cNvPicPr>
+          <p:nvPr/>
+        </p:nvPicPr>
+        <p:blipFill>
+          <a:blip r:embed="rId2"/>
+          <a:stretch>
+            <a:fillRect/>
+          </a:stretch>
+        </p:blipFill>
+        <p:spPr>
+          <a:xfrm>
+            <a:off x="838200" y="1986606"/>
+            <a:ext cx="4391574" cy="2884788"/>
+          </a:xfrm>
+          <a:prstGeom prst="rect">
+            <a:avLst/>
+          </a:prstGeom>
+        </p:spPr>
+      </p:pic>
+      <p:pic>
+        <p:nvPicPr>
+          <p:cNvPr id="13" name="圖片 12">
+            <a:extLst>
+              <a:ext uri="{FF2B5EF4-FFF2-40B4-BE49-F238E27FC236}">
+                <a16:creationId xmlns:a16="http://schemas.microsoft.com/office/drawing/2014/main" id="{3AF9869E-647B-1FC9-C771-EAF16D666AA9}"/>
+              </a:ext>
+            </a:extLst>
+          </p:cNvPr>
+          <p:cNvPicPr>
+            <a:picLocks noChangeAspect="1"/>
+          </p:cNvPicPr>
+          <p:nvPr/>
+        </p:nvPicPr>
+        <p:blipFill>
+          <a:blip r:embed="rId3"/>
+          <a:stretch>
+            <a:fillRect/>
+          </a:stretch>
+        </p:blipFill>
+        <p:spPr>
+          <a:xfrm>
+            <a:off x="5513168" y="1604713"/>
+            <a:ext cx="5557237" cy="4232050"/>
+          </a:xfrm>
+          <a:prstGeom prst="rect">
+            <a:avLst/>
+          </a:prstGeom>
+        </p:spPr>
+      </p:pic>
+      <p:grpSp>
+        <p:nvGrpSpPr>
+          <p:cNvPr id="16" name="群組 15">
+            <a:extLst>
+              <a:ext uri="{FF2B5EF4-FFF2-40B4-BE49-F238E27FC236}">
+                <a16:creationId xmlns:a16="http://schemas.microsoft.com/office/drawing/2014/main" id="{7310A9CD-A648-CED9-24AC-DFFA12BC318D}"/>
+              </a:ext>
+            </a:extLst>
+          </p:cNvPr>
+          <p:cNvGrpSpPr/>
+          <p:nvPr/>
+        </p:nvGrpSpPr>
+        <p:grpSpPr>
+          <a:xfrm>
+            <a:off x="5513168" y="1854926"/>
+            <a:ext cx="5494466" cy="3190909"/>
+            <a:chOff x="5513168" y="1854926"/>
+            <a:chExt cx="5494466" cy="3190909"/>
+          </a:xfrm>
+        </p:grpSpPr>
+        <p:sp>
+          <p:nvSpPr>
+            <p:cNvPr id="14" name="矩形 13">
+              <a:extLst>
+                <a:ext uri="{FF2B5EF4-FFF2-40B4-BE49-F238E27FC236}">
+                  <a16:creationId xmlns:a16="http://schemas.microsoft.com/office/drawing/2014/main" id="{369196F0-21B1-D40B-C15A-FD96D6EBA178}"/>
+                </a:ext>
+              </a:extLst>
+            </p:cNvPr>
+            <p:cNvSpPr/>
+            <p:nvPr/>
+          </p:nvSpPr>
+          <p:spPr>
+            <a:xfrm>
+              <a:off x="5513168" y="1854926"/>
+              <a:ext cx="5494466" cy="2821577"/>
+            </a:xfrm>
+            <a:prstGeom prst="rect">
+              <a:avLst/>
+            </a:prstGeom>
+            <a:noFill/>
+            <a:ln w="38100">
+              <a:solidFill>
+                <a:srgbClr val="FF0000"/>
+              </a:solidFill>
+            </a:ln>
+          </p:spPr>
+          <p:style>
+            <a:lnRef idx="2">
+              <a:schemeClr val="accent1">
+                <a:shade val="15000"/>
+              </a:schemeClr>
+            </a:lnRef>
+            <a:fillRef idx="1">
+              <a:schemeClr val="accent1"/>
+            </a:fillRef>
+            <a:effectRef idx="0">
+              <a:schemeClr val="accent1"/>
+            </a:effectRef>
+            <a:fontRef idx="minor">
+              <a:schemeClr val="lt1"/>
+            </a:fontRef>
+          </p:style>
+          <p:txBody>
+            <a:bodyPr rtlCol="0" anchor="ctr"/>
+            <a:lstStyle/>
+            <a:p>
+              <a:pPr algn="ctr"/>
+              <a:endParaRPr lang="zh-TW" altLang="en-US"/>
+            </a:p>
+          </p:txBody>
+        </p:sp>
+        <p:sp>
+          <p:nvSpPr>
+            <p:cNvPr id="15" name="文字方塊 14">
+              <a:extLst>
+                <a:ext uri="{FF2B5EF4-FFF2-40B4-BE49-F238E27FC236}">
+                  <a16:creationId xmlns:a16="http://schemas.microsoft.com/office/drawing/2014/main" id="{257013D1-4367-B4DB-7141-EEF7C8606A09}"/>
+                </a:ext>
+              </a:extLst>
+            </p:cNvPr>
+            <p:cNvSpPr txBox="1"/>
+            <p:nvPr/>
+          </p:nvSpPr>
+          <p:spPr>
+            <a:xfrm>
+              <a:off x="6391941" y="4676503"/>
+              <a:ext cx="3736920" cy="369332"/>
+            </a:xfrm>
+            <a:prstGeom prst="rect">
+              <a:avLst/>
+            </a:prstGeom>
+            <a:noFill/>
+          </p:spPr>
+          <p:txBody>
+            <a:bodyPr wrap="none" rtlCol="0">
+              <a:spAutoFit/>
+            </a:bodyPr>
+            <a:lstStyle/>
+            <a:p>
+              <a:r>
+                <a:rPr lang="zh-TW" altLang="en-US" dirty="0">
+                  <a:solidFill>
+                    <a:srgbClr val="FF0000"/>
+                  </a:solidFill>
+                  <a:latin typeface="標楷體" panose="03000509000000000000" pitchFamily="65" charset="-120"/>
+                  <a:ea typeface="標楷體" panose="03000509000000000000" pitchFamily="65" charset="-120"/>
+                </a:rPr>
+                <a:t>可調整之數據參數、讀</a:t>
+              </a:r>
+              <a:r>
+                <a:rPr lang="en-US" altLang="zh-TW" dirty="0">
+                  <a:solidFill>
+                    <a:srgbClr val="FF0000"/>
+                  </a:solidFill>
+                  <a:latin typeface="標楷體" panose="03000509000000000000" pitchFamily="65" charset="-120"/>
+                  <a:ea typeface="標楷體" panose="03000509000000000000" pitchFamily="65" charset="-120"/>
+                </a:rPr>
+                <a:t>/</a:t>
+              </a:r>
+              <a:r>
+                <a:rPr lang="zh-TW" altLang="en-US" dirty="0">
+                  <a:solidFill>
+                    <a:srgbClr val="FF0000"/>
+                  </a:solidFill>
+                  <a:latin typeface="標楷體" panose="03000509000000000000" pitchFamily="65" charset="-120"/>
+                  <a:ea typeface="標楷體" panose="03000509000000000000" pitchFamily="65" charset="-120"/>
+                </a:rPr>
+                <a:t>寫通道使能</a:t>
+              </a:r>
+              <a:endParaRPr lang="en-US" altLang="zh-TW" dirty="0">
+                <a:solidFill>
+                  <a:srgbClr val="FF0000"/>
+                </a:solidFill>
+                <a:latin typeface="標楷體" panose="03000509000000000000" pitchFamily="65" charset="-120"/>
+                <a:ea typeface="標楷體" panose="03000509000000000000" pitchFamily="65" charset="-120"/>
+              </a:endParaRPr>
+            </a:p>
+          </p:txBody>
+        </p:sp>
+      </p:grpSp>
+      <p:sp>
+        <p:nvSpPr>
+          <p:cNvPr id="17" name="圓形: 空心 16">
+            <a:hlinkClick r:id="rId4" action="ppaction://hlinksldjump"/>
+            <a:extLst>
+              <a:ext uri="{FF2B5EF4-FFF2-40B4-BE49-F238E27FC236}">
+                <a16:creationId xmlns:a16="http://schemas.microsoft.com/office/drawing/2014/main" id="{40C62D00-DF83-6199-DB8C-2708779591A9}"/>
+              </a:ext>
+            </a:extLst>
+          </p:cNvPr>
+          <p:cNvSpPr/>
+          <p:nvPr/>
+        </p:nvSpPr>
+        <p:spPr>
+          <a:xfrm flipV="1">
+            <a:off x="838200" y="1116125"/>
+            <a:ext cx="57150" cy="57150"/>
+          </a:xfrm>
+          <a:prstGeom prst="donut">
+            <a:avLst/>
+          </a:prstGeom>
+          <a:solidFill>
+            <a:srgbClr val="FF0000"/>
+          </a:solidFill>
+          <a:ln>
+            <a:solidFill>
+              <a:schemeClr val="tx1"/>
+            </a:solidFill>
+          </a:ln>
+        </p:spPr>
+        <p:style>
+          <a:lnRef idx="2">
+            <a:schemeClr val="accent1">
+              <a:shade val="15000"/>
+            </a:schemeClr>
+          </a:lnRef>
+          <a:fillRef idx="1">
+            <a:schemeClr val="accent1"/>
+          </a:fillRef>
+          <a:effectRef idx="0">
+            <a:schemeClr val="accent1"/>
+          </a:effectRef>
+          <a:fontRef idx="minor">
+            <a:schemeClr val="lt1"/>
+          </a:fontRef>
+        </p:style>
+        <p:txBody>
+          <a:bodyPr rtlCol="0" anchor="ctr"/>
+          <a:lstStyle/>
+          <a:p>
+            <a:pPr algn="ctr"/>
+            <a:endParaRPr lang="zh-TW" altLang="en-US">
+              <a:solidFill>
+                <a:schemeClr val="tx1"/>
+              </a:solidFill>
+            </a:endParaRPr>
+          </a:p>
+        </p:txBody>
+      </p:sp>
+    </p:spTree>
+    <p:extLst>
+      <p:ext uri="{BB962C8B-B14F-4D97-AF65-F5344CB8AC3E}">
+        <p14:creationId xmlns:p14="http://schemas.microsoft.com/office/powerpoint/2010/main" val="3822976160"/>
+      </p:ext>
+    </p:extLst>
+  </p:cSld>
+  <p:clrMapOvr>
+    <a:masterClrMapping/>
+  </p:clrMapOvr>
+  <mc:AlternateContent xmlns:mc="http://schemas.openxmlformats.org/markup-compatibility/2006" xmlns:p14="http://schemas.microsoft.com/office/powerpoint/2010/main">
+    <mc:Choice Requires="p14">
+      <p:transition spd="slow">
+        <p14:reveal/>
+      </p:transition>
+    </mc:Choice>
+    <mc:Fallback xmlns="">
+      <p:transition spd="slow">
+        <p:fade/>
+      </p:transition>
+    </mc:Fallback>
+  </mc:AlternateContent>
+</p:sld>
+</file>
+
+<file path=ppt/slides/slide22.xml><?xml version="1.0" encoding="utf-8"?>
+<p:sld xmlns:a="http://schemas.openxmlformats.org/drawingml/2006/main" xmlns:r="http://schemas.openxmlformats.org/officeDocument/2006/relationships" xmlns:p="http://schemas.openxmlformats.org/presentationml/2006/main">
+  <p:cSld>
+    <p:spTree>
+      <p:nvGrpSpPr>
+        <p:cNvPr id="1" name=""/>
+        <p:cNvGrpSpPr/>
+        <p:nvPr/>
+      </p:nvGrpSpPr>
+      <p:grpSpPr>
+        <a:xfrm>
+          <a:off x="0" y="0"/>
+          <a:ext cx="0" cy="0"/>
+          <a:chOff x="0" y="0"/>
+          <a:chExt cx="0" cy="0"/>
+        </a:xfrm>
+      </p:grpSpPr>
+      <p:pic>
+        <p:nvPicPr>
+          <p:cNvPr id="8" name="圖片 7">
+            <a:extLst>
+              <a:ext uri="{FF2B5EF4-FFF2-40B4-BE49-F238E27FC236}">
+                <a16:creationId xmlns:a16="http://schemas.microsoft.com/office/drawing/2014/main" id="{01F750F6-3C40-F42A-381A-C21D12913F1D}"/>
+              </a:ext>
+            </a:extLst>
+          </p:cNvPr>
+          <p:cNvPicPr>
+            <a:picLocks noChangeAspect="1"/>
+          </p:cNvPicPr>
+          <p:nvPr/>
+        </p:nvPicPr>
+        <p:blipFill>
+          <a:blip r:embed="rId2"/>
+          <a:stretch>
+            <a:fillRect/>
+          </a:stretch>
+        </p:blipFill>
+        <p:spPr>
+          <a:xfrm>
+            <a:off x="4992733" y="1415300"/>
+            <a:ext cx="6077672" cy="4610875"/>
+          </a:xfrm>
+          <a:prstGeom prst="rect">
+            <a:avLst/>
+          </a:prstGeom>
+        </p:spPr>
+      </p:pic>
+      <p:sp>
+        <p:nvSpPr>
+          <p:cNvPr id="2" name="內容版面配置區 1">
+            <a:extLst>
+              <a:ext uri="{FF2B5EF4-FFF2-40B4-BE49-F238E27FC236}">
+                <a16:creationId xmlns:a16="http://schemas.microsoft.com/office/drawing/2014/main" id="{8B9255F6-E79B-4294-834D-6D4140D1CF07}"/>
+              </a:ext>
+            </a:extLst>
+          </p:cNvPr>
+          <p:cNvSpPr>
+            <a:spLocks noGrp="1"/>
+          </p:cNvSpPr>
+          <p:nvPr>
+            <p:ph idx="1"/>
+          </p:nvPr>
+        </p:nvSpPr>
+        <p:spPr/>
+        <p:txBody>
+          <a:bodyPr/>
+          <a:lstStyle/>
+          <a:p>
+            <a:r>
+              <a:rPr lang="en-US" altLang="zh-TW" sz="2400" b="1" dirty="0"/>
+              <a:t>PL</a:t>
+            </a:r>
+            <a:r>
+              <a:rPr lang="zh-TW" altLang="en-US" sz="2400" b="1" dirty="0"/>
+              <a:t>端</a:t>
+            </a:r>
+            <a:endParaRPr lang="en-US" altLang="zh-TW" sz="2400" b="1" dirty="0"/>
+          </a:p>
+          <a:p>
+            <a:r>
+              <a:rPr lang="en-US" altLang="zh-TW" sz="1800" kern="100" dirty="0">
+                <a:effectLst/>
+                <a:latin typeface="Times New Roman" panose="02020603050405020304" pitchFamily="18" charset="0"/>
+                <a:ea typeface="標楷體" panose="03000509000000000000" pitchFamily="65" charset="-120"/>
+                <a:cs typeface="Times New Roman" panose="02020603050405020304" pitchFamily="18" charset="0"/>
+              </a:rPr>
+              <a:t>Video Timing Controller:</a:t>
+            </a:r>
+          </a:p>
+          <a:p>
+            <a:endParaRPr lang="zh-TW" altLang="en-US" b="1" dirty="0"/>
+          </a:p>
+        </p:txBody>
+      </p:sp>
+      <p:sp>
+        <p:nvSpPr>
+          <p:cNvPr id="3" name="標題 2">
+            <a:extLst>
+              <a:ext uri="{FF2B5EF4-FFF2-40B4-BE49-F238E27FC236}">
+                <a16:creationId xmlns:a16="http://schemas.microsoft.com/office/drawing/2014/main" id="{D7232380-22D4-47E6-A40E-ABF38AB200C3}"/>
+              </a:ext>
+            </a:extLst>
+          </p:cNvPr>
+          <p:cNvSpPr>
+            <a:spLocks noGrp="1"/>
+          </p:cNvSpPr>
+          <p:nvPr>
+            <p:ph type="title"/>
+          </p:nvPr>
+        </p:nvSpPr>
+        <p:spPr/>
+        <p:txBody>
+          <a:bodyPr/>
+          <a:lstStyle/>
+          <a:p>
+            <a:r>
+              <a:rPr lang="en-US" altLang="zh-TW" dirty="0"/>
+              <a:t>API</a:t>
+            </a:r>
+            <a:endParaRPr lang="zh-TW" altLang="en-US" dirty="0"/>
+          </a:p>
+        </p:txBody>
+      </p:sp>
+      <p:sp>
+        <p:nvSpPr>
+          <p:cNvPr id="4" name="投影片編號版面配置區 3">
+            <a:extLst>
+              <a:ext uri="{FF2B5EF4-FFF2-40B4-BE49-F238E27FC236}">
+                <a16:creationId xmlns:a16="http://schemas.microsoft.com/office/drawing/2014/main" id="{CC364F06-FBAE-41F1-9123-C093E43ADC15}"/>
+              </a:ext>
+            </a:extLst>
+          </p:cNvPr>
+          <p:cNvSpPr>
+            <a:spLocks noGrp="1"/>
+          </p:cNvSpPr>
+          <p:nvPr>
+            <p:ph type="sldNum" sz="quarter" idx="12"/>
+          </p:nvPr>
+        </p:nvSpPr>
+        <p:spPr/>
+        <p:txBody>
+          <a:bodyPr/>
+          <a:lstStyle/>
+          <a:p>
+            <a:fld id="{90F9E983-480B-48C5-9E0F-D21C0DFBB5C0}" type="slidenum">
+              <a:rPr lang="zh-TW" altLang="en-US" smtClean="0"/>
+              <a:t>22</a:t>
+            </a:fld>
+            <a:endParaRPr lang="zh-TW" altLang="en-US"/>
+          </a:p>
+        </p:txBody>
+      </p:sp>
+      <p:grpSp>
+        <p:nvGrpSpPr>
+          <p:cNvPr id="16" name="群組 15">
+            <a:extLst>
+              <a:ext uri="{FF2B5EF4-FFF2-40B4-BE49-F238E27FC236}">
+                <a16:creationId xmlns:a16="http://schemas.microsoft.com/office/drawing/2014/main" id="{7310A9CD-A648-CED9-24AC-DFFA12BC318D}"/>
+              </a:ext>
+            </a:extLst>
+          </p:cNvPr>
+          <p:cNvGrpSpPr/>
+          <p:nvPr/>
+        </p:nvGrpSpPr>
+        <p:grpSpPr>
+          <a:xfrm>
+            <a:off x="5695406" y="1976845"/>
+            <a:ext cx="3411689" cy="2486207"/>
+            <a:chOff x="5695406" y="1976845"/>
+            <a:chExt cx="3411689" cy="2486207"/>
+          </a:xfrm>
+        </p:grpSpPr>
+        <p:sp>
+          <p:nvSpPr>
+            <p:cNvPr id="14" name="矩形 13">
+              <a:extLst>
+                <a:ext uri="{FF2B5EF4-FFF2-40B4-BE49-F238E27FC236}">
+                  <a16:creationId xmlns:a16="http://schemas.microsoft.com/office/drawing/2014/main" id="{369196F0-21B1-D40B-C15A-FD96D6EBA178}"/>
+                </a:ext>
+              </a:extLst>
+            </p:cNvPr>
+            <p:cNvSpPr/>
+            <p:nvPr/>
+          </p:nvSpPr>
+          <p:spPr>
+            <a:xfrm>
+              <a:off x="5695406" y="1976845"/>
+              <a:ext cx="1149531" cy="2486207"/>
+            </a:xfrm>
+            <a:prstGeom prst="rect">
+              <a:avLst/>
+            </a:prstGeom>
+            <a:noFill/>
+            <a:ln w="38100">
+              <a:solidFill>
+                <a:srgbClr val="FF0000"/>
+              </a:solidFill>
+            </a:ln>
+          </p:spPr>
+          <p:style>
+            <a:lnRef idx="2">
+              <a:schemeClr val="accent1">
+                <a:shade val="15000"/>
+              </a:schemeClr>
+            </a:lnRef>
+            <a:fillRef idx="1">
+              <a:schemeClr val="accent1"/>
+            </a:fillRef>
+            <a:effectRef idx="0">
+              <a:schemeClr val="accent1"/>
+            </a:effectRef>
+            <a:fontRef idx="minor">
+              <a:schemeClr val="lt1"/>
+            </a:fontRef>
+          </p:style>
+          <p:txBody>
+            <a:bodyPr rtlCol="0" anchor="ctr"/>
+            <a:lstStyle/>
+            <a:p>
+              <a:pPr algn="ctr"/>
+              <a:endParaRPr lang="zh-TW" altLang="en-US"/>
+            </a:p>
+          </p:txBody>
+        </p:sp>
+        <p:sp>
+          <p:nvSpPr>
+            <p:cNvPr id="15" name="文字方塊 14">
+              <a:extLst>
+                <a:ext uri="{FF2B5EF4-FFF2-40B4-BE49-F238E27FC236}">
+                  <a16:creationId xmlns:a16="http://schemas.microsoft.com/office/drawing/2014/main" id="{257013D1-4367-B4DB-7141-EEF7C8606A09}"/>
+                </a:ext>
+              </a:extLst>
+            </p:cNvPr>
+            <p:cNvSpPr txBox="1"/>
+            <p:nvPr/>
+          </p:nvSpPr>
+          <p:spPr>
+            <a:xfrm>
+              <a:off x="6844937" y="1976845"/>
+              <a:ext cx="2262158" cy="369332"/>
+            </a:xfrm>
+            <a:prstGeom prst="rect">
+              <a:avLst/>
+            </a:prstGeom>
+            <a:noFill/>
+          </p:spPr>
+          <p:txBody>
+            <a:bodyPr wrap="none" rtlCol="0">
+              <a:spAutoFit/>
+            </a:bodyPr>
+            <a:lstStyle/>
+            <a:p>
+              <a:r>
+                <a:rPr lang="zh-TW" altLang="en-US" dirty="0">
+                  <a:solidFill>
+                    <a:srgbClr val="FF0000"/>
+                  </a:solidFill>
+                  <a:latin typeface="標楷體" panose="03000509000000000000" pitchFamily="65" charset="-120"/>
+                  <a:ea typeface="標楷體" panose="03000509000000000000" pitchFamily="65" charset="-120"/>
+                </a:rPr>
+                <a:t>可調整之影像解析度</a:t>
+              </a:r>
+              <a:endParaRPr lang="en-US" altLang="zh-TW" dirty="0">
+                <a:solidFill>
+                  <a:srgbClr val="FF0000"/>
+                </a:solidFill>
+                <a:latin typeface="標楷體" panose="03000509000000000000" pitchFamily="65" charset="-120"/>
+                <a:ea typeface="標楷體" panose="03000509000000000000" pitchFamily="65" charset="-120"/>
+              </a:endParaRPr>
+            </a:p>
+          </p:txBody>
+        </p:sp>
+      </p:grpSp>
+      <p:pic>
+        <p:nvPicPr>
+          <p:cNvPr id="6" name="圖片 5">
+            <a:extLst>
+              <a:ext uri="{FF2B5EF4-FFF2-40B4-BE49-F238E27FC236}">
+                <a16:creationId xmlns:a16="http://schemas.microsoft.com/office/drawing/2014/main" id="{0F0C4991-82C8-BCCC-7B1E-B96A70B4712D}"/>
+              </a:ext>
+            </a:extLst>
+          </p:cNvPr>
+          <p:cNvPicPr>
+            <a:picLocks noChangeAspect="1"/>
+          </p:cNvPicPr>
+          <p:nvPr/>
+        </p:nvPicPr>
+        <p:blipFill rotWithShape="1">
+          <a:blip r:embed="rId3"/>
+          <a:srcRect t="10306" r="200"/>
+          <a:stretch/>
+        </p:blipFill>
+        <p:spPr>
+          <a:xfrm>
+            <a:off x="1121595" y="2690259"/>
+            <a:ext cx="2858222" cy="1477481"/>
+          </a:xfrm>
+          <a:prstGeom prst="rect">
+            <a:avLst/>
+          </a:prstGeom>
+        </p:spPr>
+      </p:pic>
+      <p:sp>
+        <p:nvSpPr>
+          <p:cNvPr id="17" name="圓形: 空心 16">
+            <a:hlinkClick r:id="rId4" action="ppaction://hlinksldjump"/>
+            <a:extLst>
+              <a:ext uri="{FF2B5EF4-FFF2-40B4-BE49-F238E27FC236}">
+                <a16:creationId xmlns:a16="http://schemas.microsoft.com/office/drawing/2014/main" id="{5C87BCF5-D6AB-CFA3-55F4-1DCC258C6B32}"/>
+              </a:ext>
+            </a:extLst>
+          </p:cNvPr>
+          <p:cNvSpPr/>
+          <p:nvPr/>
+        </p:nvSpPr>
+        <p:spPr>
+          <a:xfrm flipV="1">
+            <a:off x="838200" y="1116125"/>
+            <a:ext cx="57150" cy="57150"/>
+          </a:xfrm>
+          <a:prstGeom prst="donut">
+            <a:avLst/>
+          </a:prstGeom>
+          <a:solidFill>
+            <a:srgbClr val="FF0000"/>
+          </a:solidFill>
+          <a:ln>
+            <a:solidFill>
+              <a:schemeClr val="tx1"/>
+            </a:solidFill>
+          </a:ln>
+        </p:spPr>
+        <p:style>
+          <a:lnRef idx="2">
+            <a:schemeClr val="accent1">
+              <a:shade val="15000"/>
+            </a:schemeClr>
+          </a:lnRef>
+          <a:fillRef idx="1">
+            <a:schemeClr val="accent1"/>
+          </a:fillRef>
+          <a:effectRef idx="0">
+            <a:schemeClr val="accent1"/>
+          </a:effectRef>
+          <a:fontRef idx="minor">
+            <a:schemeClr val="lt1"/>
+          </a:fontRef>
+        </p:style>
+        <p:txBody>
+          <a:bodyPr rtlCol="0" anchor="ctr"/>
+          <a:lstStyle/>
+          <a:p>
+            <a:pPr algn="ctr"/>
+            <a:endParaRPr lang="zh-TW" altLang="en-US">
+              <a:solidFill>
+                <a:schemeClr val="tx1"/>
+              </a:solidFill>
+            </a:endParaRPr>
+          </a:p>
+        </p:txBody>
+      </p:sp>
+    </p:spTree>
+    <p:extLst>
+      <p:ext uri="{BB962C8B-B14F-4D97-AF65-F5344CB8AC3E}">
+        <p14:creationId xmlns:p14="http://schemas.microsoft.com/office/powerpoint/2010/main" val="3630726218"/>
+      </p:ext>
+    </p:extLst>
+  </p:cSld>
+  <p:clrMapOvr>
+    <a:masterClrMapping/>
+  </p:clrMapOvr>
+  <mc:AlternateContent xmlns:mc="http://schemas.openxmlformats.org/markup-compatibility/2006" xmlns:p14="http://schemas.microsoft.com/office/powerpoint/2010/main">
+    <mc:Choice Requires="p14">
+      <p:transition spd="slow">
+        <p14:reveal/>
+      </p:transition>
+    </mc:Choice>
+    <mc:Fallback xmlns="">
+      <p:transition spd="slow">
+        <p:fade/>
+      </p:transition>
+    </mc:Fallback>
+  </mc:AlternateContent>
+</p:sld>
+</file>
+
+<file path=ppt/slides/slide23.xml><?xml version="1.0" encoding="utf-8"?>
+<p:sld xmlns:a="http://schemas.openxmlformats.org/drawingml/2006/main" xmlns:r="http://schemas.openxmlformats.org/officeDocument/2006/relationships" xmlns:p="http://schemas.openxmlformats.org/presentationml/2006/main">
+  <p:cSld>
+    <p:spTree>
+      <p:nvGrpSpPr>
+        <p:cNvPr id="1" name=""/>
+        <p:cNvGrpSpPr/>
+        <p:nvPr/>
+      </p:nvGrpSpPr>
+      <p:grpSpPr>
+        <a:xfrm>
+          <a:off x="0" y="0"/>
+          <a:ext cx="0" cy="0"/>
+          <a:chOff x="0" y="0"/>
+          <a:chExt cx="0" cy="0"/>
+        </a:xfrm>
+      </p:grpSpPr>
+      <p:pic>
+        <p:nvPicPr>
+          <p:cNvPr id="10" name="圖片 9">
+            <a:extLst>
+              <a:ext uri="{FF2B5EF4-FFF2-40B4-BE49-F238E27FC236}">
+                <a16:creationId xmlns:a16="http://schemas.microsoft.com/office/drawing/2014/main" id="{DCF6BC01-72EF-38F7-9AC9-8474636A63E0}"/>
+              </a:ext>
+            </a:extLst>
+          </p:cNvPr>
+          <p:cNvPicPr>
+            <a:picLocks noChangeAspect="1"/>
+          </p:cNvPicPr>
+          <p:nvPr/>
+        </p:nvPicPr>
+        <p:blipFill>
+          <a:blip r:embed="rId2"/>
+          <a:stretch>
+            <a:fillRect/>
+          </a:stretch>
+        </p:blipFill>
+        <p:spPr>
+          <a:xfrm>
+            <a:off x="5424926" y="1514557"/>
+            <a:ext cx="5928874" cy="4412362"/>
+          </a:xfrm>
+          <a:prstGeom prst="rect">
+            <a:avLst/>
+          </a:prstGeom>
+        </p:spPr>
+      </p:pic>
+      <p:sp>
+        <p:nvSpPr>
+          <p:cNvPr id="2" name="內容版面配置區 1">
+            <a:extLst>
+              <a:ext uri="{FF2B5EF4-FFF2-40B4-BE49-F238E27FC236}">
+                <a16:creationId xmlns:a16="http://schemas.microsoft.com/office/drawing/2014/main" id="{8B9255F6-E79B-4294-834D-6D4140D1CF07}"/>
+              </a:ext>
+            </a:extLst>
+          </p:cNvPr>
+          <p:cNvSpPr>
+            <a:spLocks noGrp="1"/>
+          </p:cNvSpPr>
+          <p:nvPr>
+            <p:ph idx="1"/>
+          </p:nvPr>
+        </p:nvSpPr>
+        <p:spPr/>
+        <p:txBody>
+          <a:bodyPr/>
+          <a:lstStyle/>
+          <a:p>
+            <a:r>
+              <a:rPr lang="en-US" altLang="zh-TW" sz="2400" b="1" dirty="0"/>
+              <a:t>PL</a:t>
+            </a:r>
+            <a:r>
+              <a:rPr lang="zh-TW" altLang="en-US" sz="2400" b="1" dirty="0"/>
+              <a:t>端</a:t>
+            </a:r>
+            <a:endParaRPr lang="en-US" altLang="zh-TW" sz="2400" b="1" dirty="0"/>
+          </a:p>
+          <a:p>
+            <a:r>
+              <a:rPr lang="en-US" altLang="zh-TW" sz="1800" kern="100" dirty="0">
+                <a:effectLst/>
+                <a:latin typeface="Times New Roman" panose="02020603050405020304" pitchFamily="18" charset="0"/>
+                <a:ea typeface="標楷體" panose="03000509000000000000" pitchFamily="65" charset="-120"/>
+                <a:cs typeface="Times New Roman" panose="02020603050405020304" pitchFamily="18" charset="0"/>
+              </a:rPr>
+              <a:t>Stream to Video Out:</a:t>
+            </a:r>
+          </a:p>
+          <a:p>
+            <a:endParaRPr lang="zh-TW" altLang="en-US" b="1" dirty="0"/>
+          </a:p>
+        </p:txBody>
+      </p:sp>
+      <p:sp>
+        <p:nvSpPr>
+          <p:cNvPr id="3" name="標題 2">
+            <a:extLst>
+              <a:ext uri="{FF2B5EF4-FFF2-40B4-BE49-F238E27FC236}">
+                <a16:creationId xmlns:a16="http://schemas.microsoft.com/office/drawing/2014/main" id="{D7232380-22D4-47E6-A40E-ABF38AB200C3}"/>
+              </a:ext>
+            </a:extLst>
+          </p:cNvPr>
+          <p:cNvSpPr>
+            <a:spLocks noGrp="1"/>
+          </p:cNvSpPr>
+          <p:nvPr>
+            <p:ph type="title"/>
+          </p:nvPr>
+        </p:nvSpPr>
+        <p:spPr/>
+        <p:txBody>
+          <a:bodyPr/>
+          <a:lstStyle/>
+          <a:p>
+            <a:r>
+              <a:rPr lang="en-US" altLang="zh-TW" dirty="0"/>
+              <a:t>API</a:t>
+            </a:r>
+            <a:endParaRPr lang="zh-TW" altLang="en-US" dirty="0"/>
+          </a:p>
+        </p:txBody>
+      </p:sp>
+      <p:sp>
+        <p:nvSpPr>
+          <p:cNvPr id="4" name="投影片編號版面配置區 3">
+            <a:extLst>
+              <a:ext uri="{FF2B5EF4-FFF2-40B4-BE49-F238E27FC236}">
+                <a16:creationId xmlns:a16="http://schemas.microsoft.com/office/drawing/2014/main" id="{CC364F06-FBAE-41F1-9123-C093E43ADC15}"/>
+              </a:ext>
+            </a:extLst>
+          </p:cNvPr>
+          <p:cNvSpPr>
+            <a:spLocks noGrp="1"/>
+          </p:cNvSpPr>
+          <p:nvPr>
+            <p:ph type="sldNum" sz="quarter" idx="12"/>
+          </p:nvPr>
+        </p:nvSpPr>
+        <p:spPr/>
+        <p:txBody>
+          <a:bodyPr/>
+          <a:lstStyle/>
+          <a:p>
+            <a:fld id="{90F9E983-480B-48C5-9E0F-D21C0DFBB5C0}" type="slidenum">
+              <a:rPr lang="zh-TW" altLang="en-US" smtClean="0"/>
+              <a:t>23</a:t>
+            </a:fld>
+            <a:endParaRPr lang="zh-TW" altLang="en-US"/>
+          </a:p>
+        </p:txBody>
+      </p:sp>
+      <p:pic>
+        <p:nvPicPr>
+          <p:cNvPr id="7" name="圖片 6">
+            <a:extLst>
+              <a:ext uri="{FF2B5EF4-FFF2-40B4-BE49-F238E27FC236}">
+                <a16:creationId xmlns:a16="http://schemas.microsoft.com/office/drawing/2014/main" id="{0263A270-439D-E5EB-7D0C-481E9FDE9452}"/>
+              </a:ext>
+            </a:extLst>
+          </p:cNvPr>
+          <p:cNvPicPr>
+            <a:picLocks noChangeAspect="1"/>
+          </p:cNvPicPr>
+          <p:nvPr/>
+        </p:nvPicPr>
+        <p:blipFill>
+          <a:blip r:embed="rId3"/>
+          <a:stretch>
+            <a:fillRect/>
+          </a:stretch>
+        </p:blipFill>
+        <p:spPr>
+          <a:xfrm>
+            <a:off x="838200" y="2435785"/>
+            <a:ext cx="3395752" cy="2574802"/>
+          </a:xfrm>
+          <a:prstGeom prst="rect">
+            <a:avLst/>
+          </a:prstGeom>
+        </p:spPr>
+      </p:pic>
+      <p:sp>
+        <p:nvSpPr>
+          <p:cNvPr id="11" name="圓形: 空心 10">
+            <a:hlinkClick r:id="rId4" action="ppaction://hlinksldjump"/>
+            <a:extLst>
+              <a:ext uri="{FF2B5EF4-FFF2-40B4-BE49-F238E27FC236}">
+                <a16:creationId xmlns:a16="http://schemas.microsoft.com/office/drawing/2014/main" id="{0ABE98BB-1B28-6997-882D-313FD297B567}"/>
+              </a:ext>
+            </a:extLst>
+          </p:cNvPr>
+          <p:cNvSpPr/>
+          <p:nvPr/>
+        </p:nvSpPr>
+        <p:spPr>
+          <a:xfrm flipV="1">
+            <a:off x="838200" y="1116125"/>
+            <a:ext cx="57150" cy="57150"/>
+          </a:xfrm>
+          <a:prstGeom prst="donut">
+            <a:avLst/>
+          </a:prstGeom>
+          <a:solidFill>
+            <a:srgbClr val="FF0000"/>
+          </a:solidFill>
+          <a:ln>
+            <a:solidFill>
+              <a:schemeClr val="tx1"/>
+            </a:solidFill>
+          </a:ln>
+        </p:spPr>
+        <p:style>
+          <a:lnRef idx="2">
+            <a:schemeClr val="accent1">
+              <a:shade val="15000"/>
+            </a:schemeClr>
+          </a:lnRef>
+          <a:fillRef idx="1">
+            <a:schemeClr val="accent1"/>
+          </a:fillRef>
+          <a:effectRef idx="0">
+            <a:schemeClr val="accent1"/>
+          </a:effectRef>
+          <a:fontRef idx="minor">
+            <a:schemeClr val="lt1"/>
+          </a:fontRef>
+        </p:style>
+        <p:txBody>
+          <a:bodyPr rtlCol="0" anchor="ctr"/>
+          <a:lstStyle/>
+          <a:p>
+            <a:pPr algn="ctr"/>
+            <a:endParaRPr lang="zh-TW" altLang="en-US">
+              <a:solidFill>
+                <a:schemeClr val="tx1"/>
+              </a:solidFill>
+            </a:endParaRPr>
+          </a:p>
+        </p:txBody>
+      </p:sp>
+    </p:spTree>
+    <p:extLst>
+      <p:ext uri="{BB962C8B-B14F-4D97-AF65-F5344CB8AC3E}">
+        <p14:creationId xmlns:p14="http://schemas.microsoft.com/office/powerpoint/2010/main" val="638682903"/>
+      </p:ext>
+    </p:extLst>
+  </p:cSld>
+  <p:clrMapOvr>
+    <a:masterClrMapping/>
+  </p:clrMapOvr>
+  <mc:AlternateContent xmlns:mc="http://schemas.openxmlformats.org/markup-compatibility/2006" xmlns:p14="http://schemas.microsoft.com/office/powerpoint/2010/main">
+    <mc:Choice Requires="p14">
+      <p:transition spd="slow">
+        <p14:reveal/>
+      </p:transition>
+    </mc:Choice>
+    <mc:Fallback xmlns="">
+      <p:transition spd="slow">
+        <p:fade/>
+      </p:transition>
+    </mc:Fallback>
+  </mc:AlternateContent>
+</p:sld>
+</file>
+
+<file path=ppt/slides/slide24.xml><?xml version="1.0" encoding="utf-8"?>
+<p:sld xmlns:a="http://schemas.openxmlformats.org/drawingml/2006/main" xmlns:r="http://schemas.openxmlformats.org/officeDocument/2006/relationships" xmlns:p="http://schemas.openxmlformats.org/presentationml/2006/main">
+  <p:cSld>
+    <p:spTree>
+      <p:nvGrpSpPr>
+        <p:cNvPr id="1" name=""/>
+        <p:cNvGrpSpPr/>
+        <p:nvPr/>
+      </p:nvGrpSpPr>
+      <p:grpSpPr>
+        <a:xfrm>
+          <a:off x="0" y="0"/>
+          <a:ext cx="0" cy="0"/>
+          <a:chOff x="0" y="0"/>
+          <a:chExt cx="0" cy="0"/>
+        </a:xfrm>
+      </p:grpSpPr>
+      <p:sp>
+        <p:nvSpPr>
+          <p:cNvPr id="2" name="內容版面配置區 1">
+            <a:extLst>
+              <a:ext uri="{FF2B5EF4-FFF2-40B4-BE49-F238E27FC236}">
+                <a16:creationId xmlns:a16="http://schemas.microsoft.com/office/drawing/2014/main" id="{8B9255F6-E79B-4294-834D-6D4140D1CF07}"/>
+              </a:ext>
+            </a:extLst>
+          </p:cNvPr>
+          <p:cNvSpPr>
+            <a:spLocks noGrp="1"/>
+          </p:cNvSpPr>
+          <p:nvPr>
+            <p:ph idx="1"/>
+          </p:nvPr>
+        </p:nvSpPr>
+        <p:spPr/>
+        <p:txBody>
+          <a:bodyPr/>
+          <a:lstStyle/>
+          <a:p>
+            <a:r>
+              <a:rPr lang="en-US" altLang="zh-TW" sz="2400" b="1" dirty="0"/>
+              <a:t>PL</a:t>
+            </a:r>
+            <a:r>
+              <a:rPr lang="zh-TW" altLang="en-US" sz="2400" b="1" dirty="0"/>
+              <a:t>端</a:t>
+            </a:r>
+            <a:endParaRPr lang="en-US" altLang="zh-TW" sz="2400" b="1" dirty="0"/>
+          </a:p>
+          <a:p>
+            <a:r>
+              <a:rPr lang="en-US" altLang="zh-TW" sz="1800" kern="100" dirty="0">
+                <a:effectLst/>
+                <a:latin typeface="Times New Roman" panose="02020603050405020304" pitchFamily="18" charset="0"/>
+                <a:ea typeface="標楷體" panose="03000509000000000000" pitchFamily="65" charset="-120"/>
+                <a:cs typeface="Times New Roman" panose="02020603050405020304" pitchFamily="18" charset="0"/>
+              </a:rPr>
+              <a:t>Soft </a:t>
+            </a:r>
+            <a:r>
+              <a:rPr lang="en-US" altLang="zh-TW" sz="1800" kern="100" dirty="0" err="1">
+                <a:effectLst/>
+                <a:latin typeface="Times New Roman" panose="02020603050405020304" pitchFamily="18" charset="0"/>
+                <a:ea typeface="標楷體" panose="03000509000000000000" pitchFamily="65" charset="-120"/>
+                <a:cs typeface="Times New Roman" panose="02020603050405020304" pitchFamily="18" charset="0"/>
+              </a:rPr>
+              <a:t>IP_BilaterlaFilter</a:t>
+            </a:r>
+            <a:r>
+              <a:rPr lang="en-US" altLang="zh-TW" sz="1800" kern="100" dirty="0">
+                <a:effectLst/>
+                <a:latin typeface="Times New Roman" panose="02020603050405020304" pitchFamily="18" charset="0"/>
+                <a:ea typeface="標楷體" panose="03000509000000000000" pitchFamily="65" charset="-120"/>
+                <a:cs typeface="Times New Roman" panose="02020603050405020304" pitchFamily="18" charset="0"/>
+              </a:rPr>
+              <a:t>:</a:t>
+            </a:r>
+          </a:p>
+          <a:p>
+            <a:endParaRPr lang="zh-TW" altLang="en-US" b="1" dirty="0"/>
+          </a:p>
+        </p:txBody>
+      </p:sp>
+      <p:sp>
+        <p:nvSpPr>
+          <p:cNvPr id="3" name="標題 2">
+            <a:extLst>
+              <a:ext uri="{FF2B5EF4-FFF2-40B4-BE49-F238E27FC236}">
+                <a16:creationId xmlns:a16="http://schemas.microsoft.com/office/drawing/2014/main" id="{D7232380-22D4-47E6-A40E-ABF38AB200C3}"/>
+              </a:ext>
+            </a:extLst>
+          </p:cNvPr>
+          <p:cNvSpPr>
+            <a:spLocks noGrp="1"/>
+          </p:cNvSpPr>
+          <p:nvPr>
+            <p:ph type="title"/>
+          </p:nvPr>
+        </p:nvSpPr>
+        <p:spPr/>
+        <p:txBody>
+          <a:bodyPr/>
+          <a:lstStyle/>
+          <a:p>
+            <a:r>
+              <a:rPr lang="en-US" altLang="zh-TW" dirty="0"/>
+              <a:t>API</a:t>
+            </a:r>
+            <a:endParaRPr lang="zh-TW" altLang="en-US" dirty="0"/>
+          </a:p>
+        </p:txBody>
+      </p:sp>
+      <p:sp>
+        <p:nvSpPr>
+          <p:cNvPr id="4" name="投影片編號版面配置區 3">
+            <a:extLst>
+              <a:ext uri="{FF2B5EF4-FFF2-40B4-BE49-F238E27FC236}">
+                <a16:creationId xmlns:a16="http://schemas.microsoft.com/office/drawing/2014/main" id="{CC364F06-FBAE-41F1-9123-C093E43ADC15}"/>
+              </a:ext>
+            </a:extLst>
+          </p:cNvPr>
+          <p:cNvSpPr>
+            <a:spLocks noGrp="1"/>
+          </p:cNvSpPr>
+          <p:nvPr>
+            <p:ph type="sldNum" sz="quarter" idx="12"/>
+          </p:nvPr>
+        </p:nvSpPr>
+        <p:spPr/>
+        <p:txBody>
+          <a:bodyPr/>
+          <a:lstStyle/>
+          <a:p>
+            <a:fld id="{90F9E983-480B-48C5-9E0F-D21C0DFBB5C0}" type="slidenum">
+              <a:rPr lang="zh-TW" altLang="en-US" smtClean="0"/>
+              <a:t>24</a:t>
+            </a:fld>
+            <a:endParaRPr lang="zh-TW" altLang="en-US"/>
+          </a:p>
+        </p:txBody>
+      </p:sp>
+      <p:pic>
+        <p:nvPicPr>
+          <p:cNvPr id="11" name="圖片 10">
+            <a:extLst>
+              <a:ext uri="{FF2B5EF4-FFF2-40B4-BE49-F238E27FC236}">
+                <a16:creationId xmlns:a16="http://schemas.microsoft.com/office/drawing/2014/main" id="{EB56A050-8896-80E7-D822-4839304C218D}"/>
+              </a:ext>
+            </a:extLst>
+          </p:cNvPr>
+          <p:cNvPicPr>
+            <a:picLocks noChangeAspect="1"/>
+          </p:cNvPicPr>
+          <p:nvPr/>
+        </p:nvPicPr>
+        <p:blipFill>
+          <a:blip r:embed="rId2"/>
+          <a:stretch>
+            <a:fillRect/>
+          </a:stretch>
+        </p:blipFill>
+        <p:spPr>
+          <a:xfrm>
+            <a:off x="877015" y="2006609"/>
+            <a:ext cx="3723665" cy="1807072"/>
+          </a:xfrm>
+          <a:prstGeom prst="rect">
+            <a:avLst/>
+          </a:prstGeom>
+        </p:spPr>
+      </p:pic>
+      <p:pic>
+        <p:nvPicPr>
+          <p:cNvPr id="13" name="圖片 12">
+            <a:extLst>
+              <a:ext uri="{FF2B5EF4-FFF2-40B4-BE49-F238E27FC236}">
+                <a16:creationId xmlns:a16="http://schemas.microsoft.com/office/drawing/2014/main" id="{0D060D33-F4B5-BB49-D129-5D40D53A586C}"/>
+              </a:ext>
+            </a:extLst>
+          </p:cNvPr>
+          <p:cNvPicPr>
+            <a:picLocks noChangeAspect="1"/>
+          </p:cNvPicPr>
+          <p:nvPr/>
+        </p:nvPicPr>
+        <p:blipFill>
+          <a:blip r:embed="rId3"/>
+          <a:stretch>
+            <a:fillRect/>
+          </a:stretch>
+        </p:blipFill>
+        <p:spPr>
+          <a:xfrm>
+            <a:off x="1275658" y="3813681"/>
+            <a:ext cx="2926377" cy="1679549"/>
+          </a:xfrm>
+          <a:prstGeom prst="rect">
+            <a:avLst/>
+          </a:prstGeom>
+        </p:spPr>
+      </p:pic>
+      <p:pic>
+        <p:nvPicPr>
+          <p:cNvPr id="20" name="圖片 19">
+            <a:extLst>
+              <a:ext uri="{FF2B5EF4-FFF2-40B4-BE49-F238E27FC236}">
+                <a16:creationId xmlns:a16="http://schemas.microsoft.com/office/drawing/2014/main" id="{CABD51A3-910E-F2E0-DE84-6237FD47FB5E}"/>
+              </a:ext>
+            </a:extLst>
+          </p:cNvPr>
+          <p:cNvPicPr>
+            <a:picLocks noChangeAspect="1"/>
+          </p:cNvPicPr>
+          <p:nvPr/>
+        </p:nvPicPr>
+        <p:blipFill rotWithShape="1">
+          <a:blip r:embed="rId4"/>
+          <a:srcRect l="10848" r="12195" b="375"/>
+          <a:stretch/>
+        </p:blipFill>
+        <p:spPr>
+          <a:xfrm>
+            <a:off x="5082655" y="2062336"/>
+            <a:ext cx="6470468" cy="3502690"/>
+          </a:xfrm>
+          <a:prstGeom prst="rect">
+            <a:avLst/>
+          </a:prstGeom>
+        </p:spPr>
+      </p:pic>
+      <p:sp>
+        <p:nvSpPr>
+          <p:cNvPr id="25" name="圓形: 空心 24">
+            <a:hlinkClick r:id="rId5" action="ppaction://hlinksldjump"/>
+            <a:extLst>
+              <a:ext uri="{FF2B5EF4-FFF2-40B4-BE49-F238E27FC236}">
+                <a16:creationId xmlns:a16="http://schemas.microsoft.com/office/drawing/2014/main" id="{33DA35DA-1449-DB78-21F0-A5D5F61C0812}"/>
+              </a:ext>
+            </a:extLst>
+          </p:cNvPr>
+          <p:cNvSpPr/>
+          <p:nvPr/>
+        </p:nvSpPr>
+        <p:spPr>
+          <a:xfrm flipV="1">
+            <a:off x="838200" y="1116125"/>
+            <a:ext cx="57150" cy="57150"/>
+          </a:xfrm>
+          <a:prstGeom prst="donut">
+            <a:avLst/>
+          </a:prstGeom>
+          <a:solidFill>
+            <a:srgbClr val="FF0000"/>
+          </a:solidFill>
+          <a:ln>
+            <a:solidFill>
+              <a:schemeClr val="tx1"/>
+            </a:solidFill>
+          </a:ln>
+        </p:spPr>
+        <p:style>
+          <a:lnRef idx="2">
+            <a:schemeClr val="accent1">
+              <a:shade val="15000"/>
+            </a:schemeClr>
+          </a:lnRef>
+          <a:fillRef idx="1">
+            <a:schemeClr val="accent1"/>
+          </a:fillRef>
+          <a:effectRef idx="0">
+            <a:schemeClr val="accent1"/>
+          </a:effectRef>
+          <a:fontRef idx="minor">
+            <a:schemeClr val="lt1"/>
+          </a:fontRef>
+        </p:style>
+        <p:txBody>
+          <a:bodyPr rtlCol="0" anchor="ctr"/>
+          <a:lstStyle/>
+          <a:p>
+            <a:pPr algn="ctr"/>
+            <a:endParaRPr lang="zh-TW" altLang="en-US">
+              <a:solidFill>
+                <a:schemeClr val="tx1"/>
+              </a:solidFill>
+            </a:endParaRPr>
+          </a:p>
+        </p:txBody>
+      </p:sp>
+    </p:spTree>
+    <p:extLst>
+      <p:ext uri="{BB962C8B-B14F-4D97-AF65-F5344CB8AC3E}">
+        <p14:creationId xmlns:p14="http://schemas.microsoft.com/office/powerpoint/2010/main" val="2838430738"/>
+      </p:ext>
+    </p:extLst>
+  </p:cSld>
+  <p:clrMapOvr>
+    <a:masterClrMapping/>
+  </p:clrMapOvr>
+  <mc:AlternateContent xmlns:mc="http://schemas.openxmlformats.org/markup-compatibility/2006" xmlns:p14="http://schemas.microsoft.com/office/powerpoint/2010/main">
+    <mc:Choice Requires="p14">
+      <p:transition spd="slow">
+        <p14:reveal/>
+      </p:transition>
+    </mc:Choice>
+    <mc:Fallback xmlns="">
+      <p:transition spd="slow">
+        <p:fade/>
+      </p:transition>
+    </mc:Fallback>
+  </mc:AlternateContent>
+</p:sld>
+</file>
+
+<file path=ppt/slides/slide25.xml><?xml version="1.0" encoding="utf-8"?>
+<p:sld xmlns:a="http://schemas.openxmlformats.org/drawingml/2006/main" xmlns:r="http://schemas.openxmlformats.org/officeDocument/2006/relationships" xmlns:p="http://schemas.openxmlformats.org/presentationml/2006/main">
+  <p:cSld>
+    <p:spTree>
+      <p:nvGrpSpPr>
+        <p:cNvPr id="1" name=""/>
+        <p:cNvGrpSpPr/>
+        <p:nvPr/>
+      </p:nvGrpSpPr>
+      <p:grpSpPr>
+        <a:xfrm>
+          <a:off x="0" y="0"/>
+          <a:ext cx="0" cy="0"/>
+          <a:chOff x="0" y="0"/>
+          <a:chExt cx="0" cy="0"/>
+        </a:xfrm>
+      </p:grpSpPr>
+      <p:sp>
+        <p:nvSpPr>
+          <p:cNvPr id="2" name="內容版面配置區 1">
+            <a:extLst>
+              <a:ext uri="{FF2B5EF4-FFF2-40B4-BE49-F238E27FC236}">
+                <a16:creationId xmlns:a16="http://schemas.microsoft.com/office/drawing/2014/main" id="{8B9255F6-E79B-4294-834D-6D4140D1CF07}"/>
+              </a:ext>
+            </a:extLst>
+          </p:cNvPr>
+          <p:cNvSpPr>
+            <a:spLocks noGrp="1"/>
+          </p:cNvSpPr>
+          <p:nvPr>
+            <p:ph idx="1"/>
+          </p:nvPr>
+        </p:nvSpPr>
+        <p:spPr/>
+        <p:txBody>
+          <a:bodyPr/>
+          <a:lstStyle/>
+          <a:p>
+            <a:r>
+              <a:rPr lang="en-US" altLang="zh-TW" sz="2400" b="1" dirty="0"/>
+              <a:t>PL</a:t>
+            </a:r>
+            <a:r>
+              <a:rPr lang="zh-TW" altLang="en-US" sz="2400" b="1" dirty="0"/>
+              <a:t>端</a:t>
+            </a:r>
+            <a:endParaRPr lang="en-US" altLang="zh-TW" sz="2400" b="1" dirty="0"/>
+          </a:p>
+          <a:p>
+            <a:r>
+              <a:rPr lang="en-US" altLang="zh-TW" sz="1800" kern="100" dirty="0">
+                <a:effectLst/>
+                <a:latin typeface="Times New Roman" panose="02020603050405020304" pitchFamily="18" charset="0"/>
+                <a:ea typeface="標楷體" panose="03000509000000000000" pitchFamily="65" charset="-120"/>
+                <a:cs typeface="Times New Roman" panose="02020603050405020304" pitchFamily="18" charset="0"/>
+              </a:rPr>
+              <a:t>Soft </a:t>
+            </a:r>
+            <a:r>
+              <a:rPr lang="en-US" altLang="zh-TW" sz="1800" kern="100" dirty="0" err="1">
+                <a:effectLst/>
+                <a:latin typeface="Times New Roman" panose="02020603050405020304" pitchFamily="18" charset="0"/>
+                <a:ea typeface="標楷體" panose="03000509000000000000" pitchFamily="65" charset="-120"/>
+                <a:cs typeface="Times New Roman" panose="02020603050405020304" pitchFamily="18" charset="0"/>
+              </a:rPr>
+              <a:t>IP_GaussianFilter</a:t>
+            </a:r>
+            <a:r>
+              <a:rPr lang="en-US" altLang="zh-TW" sz="1800" kern="100" dirty="0">
+                <a:effectLst/>
+                <a:latin typeface="Times New Roman" panose="02020603050405020304" pitchFamily="18" charset="0"/>
+                <a:ea typeface="標楷體" panose="03000509000000000000" pitchFamily="65" charset="-120"/>
+                <a:cs typeface="Times New Roman" panose="02020603050405020304" pitchFamily="18" charset="0"/>
+              </a:rPr>
+              <a:t>:</a:t>
+            </a:r>
+          </a:p>
+          <a:p>
+            <a:endParaRPr lang="zh-TW" altLang="en-US" b="1" dirty="0"/>
+          </a:p>
+        </p:txBody>
+      </p:sp>
+      <p:sp>
+        <p:nvSpPr>
+          <p:cNvPr id="3" name="標題 2">
+            <a:extLst>
+              <a:ext uri="{FF2B5EF4-FFF2-40B4-BE49-F238E27FC236}">
+                <a16:creationId xmlns:a16="http://schemas.microsoft.com/office/drawing/2014/main" id="{D7232380-22D4-47E6-A40E-ABF38AB200C3}"/>
+              </a:ext>
+            </a:extLst>
+          </p:cNvPr>
+          <p:cNvSpPr>
+            <a:spLocks noGrp="1"/>
+          </p:cNvSpPr>
+          <p:nvPr>
+            <p:ph type="title"/>
+          </p:nvPr>
+        </p:nvSpPr>
+        <p:spPr/>
+        <p:txBody>
+          <a:bodyPr/>
+          <a:lstStyle/>
+          <a:p>
+            <a:r>
+              <a:rPr lang="en-US" altLang="zh-TW" dirty="0"/>
+              <a:t>API</a:t>
+            </a:r>
+            <a:endParaRPr lang="zh-TW" altLang="en-US" dirty="0"/>
+          </a:p>
+        </p:txBody>
+      </p:sp>
+      <p:sp>
+        <p:nvSpPr>
+          <p:cNvPr id="4" name="投影片編號版面配置區 3">
+            <a:extLst>
+              <a:ext uri="{FF2B5EF4-FFF2-40B4-BE49-F238E27FC236}">
+                <a16:creationId xmlns:a16="http://schemas.microsoft.com/office/drawing/2014/main" id="{CC364F06-FBAE-41F1-9123-C093E43ADC15}"/>
+              </a:ext>
+            </a:extLst>
+          </p:cNvPr>
+          <p:cNvSpPr>
+            <a:spLocks noGrp="1"/>
+          </p:cNvSpPr>
+          <p:nvPr>
+            <p:ph type="sldNum" sz="quarter" idx="12"/>
+          </p:nvPr>
+        </p:nvSpPr>
+        <p:spPr/>
+        <p:txBody>
+          <a:bodyPr/>
+          <a:lstStyle/>
+          <a:p>
+            <a:fld id="{90F9E983-480B-48C5-9E0F-D21C0DFBB5C0}" type="slidenum">
+              <a:rPr lang="zh-TW" altLang="en-US" smtClean="0"/>
+              <a:t>25</a:t>
+            </a:fld>
+            <a:endParaRPr lang="zh-TW" altLang="en-US"/>
+          </a:p>
+        </p:txBody>
+      </p:sp>
+      <p:pic>
+        <p:nvPicPr>
+          <p:cNvPr id="5" name="圖片 4">
+            <a:extLst>
+              <a:ext uri="{FF2B5EF4-FFF2-40B4-BE49-F238E27FC236}">
+                <a16:creationId xmlns:a16="http://schemas.microsoft.com/office/drawing/2014/main" id="{65190A4D-F52F-7C6C-9784-73C67F4B7062}"/>
+              </a:ext>
+            </a:extLst>
+          </p:cNvPr>
+          <p:cNvPicPr>
+            <a:picLocks noChangeAspect="1"/>
+          </p:cNvPicPr>
+          <p:nvPr/>
+        </p:nvPicPr>
+        <p:blipFill>
+          <a:blip r:embed="rId2"/>
+          <a:stretch>
+            <a:fillRect/>
+          </a:stretch>
+        </p:blipFill>
+        <p:spPr>
+          <a:xfrm>
+            <a:off x="838200" y="1958179"/>
+            <a:ext cx="3626352" cy="1807072"/>
+          </a:xfrm>
+          <a:prstGeom prst="rect">
+            <a:avLst/>
+          </a:prstGeom>
+        </p:spPr>
+      </p:pic>
+      <p:pic>
+        <p:nvPicPr>
+          <p:cNvPr id="12" name="圖片 11">
+            <a:extLst>
+              <a:ext uri="{FF2B5EF4-FFF2-40B4-BE49-F238E27FC236}">
+                <a16:creationId xmlns:a16="http://schemas.microsoft.com/office/drawing/2014/main" id="{6F6BE1E9-7BF2-11EB-343D-86E9F1C64DC6}"/>
+              </a:ext>
+            </a:extLst>
+          </p:cNvPr>
+          <p:cNvPicPr>
+            <a:picLocks noChangeAspect="1"/>
+          </p:cNvPicPr>
+          <p:nvPr/>
+        </p:nvPicPr>
+        <p:blipFill rotWithShape="1">
+          <a:blip r:embed="rId3"/>
+          <a:srcRect l="11539" r="12838" b="4567"/>
+          <a:stretch/>
+        </p:blipFill>
+        <p:spPr>
+          <a:xfrm>
+            <a:off x="5147393" y="2062336"/>
+            <a:ext cx="6358410" cy="2977134"/>
+          </a:xfrm>
+          <a:prstGeom prst="rect">
+            <a:avLst/>
+          </a:prstGeom>
+        </p:spPr>
+      </p:pic>
+      <p:pic>
+        <p:nvPicPr>
+          <p:cNvPr id="14" name="圖片 13">
+            <a:extLst>
+              <a:ext uri="{FF2B5EF4-FFF2-40B4-BE49-F238E27FC236}">
+                <a16:creationId xmlns:a16="http://schemas.microsoft.com/office/drawing/2014/main" id="{0E4EA6C0-0FFC-FF56-0CE8-D02CA5FB867B}"/>
+              </a:ext>
+            </a:extLst>
+          </p:cNvPr>
+          <p:cNvPicPr>
+            <a:picLocks noChangeAspect="1"/>
+          </p:cNvPicPr>
+          <p:nvPr/>
+        </p:nvPicPr>
+        <p:blipFill>
+          <a:blip r:embed="rId4"/>
+          <a:stretch>
+            <a:fillRect/>
+          </a:stretch>
+        </p:blipFill>
+        <p:spPr>
+          <a:xfrm>
+            <a:off x="1275658" y="3807870"/>
+            <a:ext cx="2612453" cy="1034096"/>
+          </a:xfrm>
+          <a:prstGeom prst="rect">
+            <a:avLst/>
+          </a:prstGeom>
+        </p:spPr>
+      </p:pic>
+      <p:sp>
+        <p:nvSpPr>
+          <p:cNvPr id="15" name="圓形: 空心 14">
+            <a:hlinkClick r:id="rId5" action="ppaction://hlinksldjump"/>
+            <a:extLst>
+              <a:ext uri="{FF2B5EF4-FFF2-40B4-BE49-F238E27FC236}">
+                <a16:creationId xmlns:a16="http://schemas.microsoft.com/office/drawing/2014/main" id="{8DB987DF-E231-9E0B-680A-45C0BFF1F6C4}"/>
+              </a:ext>
+            </a:extLst>
+          </p:cNvPr>
+          <p:cNvSpPr/>
+          <p:nvPr/>
+        </p:nvSpPr>
+        <p:spPr>
+          <a:xfrm flipV="1">
+            <a:off x="838200" y="1116125"/>
+            <a:ext cx="57150" cy="57150"/>
+          </a:xfrm>
+          <a:prstGeom prst="donut">
+            <a:avLst/>
+          </a:prstGeom>
+          <a:solidFill>
+            <a:srgbClr val="FF0000"/>
+          </a:solidFill>
+          <a:ln>
+            <a:solidFill>
+              <a:schemeClr val="tx1"/>
+            </a:solidFill>
+          </a:ln>
+        </p:spPr>
+        <p:style>
+          <a:lnRef idx="2">
+            <a:schemeClr val="accent1">
+              <a:shade val="15000"/>
+            </a:schemeClr>
+          </a:lnRef>
+          <a:fillRef idx="1">
+            <a:schemeClr val="accent1"/>
+          </a:fillRef>
+          <a:effectRef idx="0">
+            <a:schemeClr val="accent1"/>
+          </a:effectRef>
+          <a:fontRef idx="minor">
+            <a:schemeClr val="lt1"/>
+          </a:fontRef>
+        </p:style>
+        <p:txBody>
+          <a:bodyPr rtlCol="0" anchor="ctr"/>
+          <a:lstStyle/>
+          <a:p>
+            <a:pPr algn="ctr"/>
+            <a:endParaRPr lang="zh-TW" altLang="en-US">
+              <a:solidFill>
+                <a:schemeClr val="tx1"/>
+              </a:solidFill>
+            </a:endParaRPr>
+          </a:p>
+        </p:txBody>
+      </p:sp>
+    </p:spTree>
+    <p:extLst>
+      <p:ext uri="{BB962C8B-B14F-4D97-AF65-F5344CB8AC3E}">
+        <p14:creationId xmlns:p14="http://schemas.microsoft.com/office/powerpoint/2010/main" val="2368077550"/>
+      </p:ext>
+    </p:extLst>
+  </p:cSld>
+  <p:clrMapOvr>
+    <a:masterClrMapping/>
+  </p:clrMapOvr>
+  <mc:AlternateContent xmlns:mc="http://schemas.openxmlformats.org/markup-compatibility/2006" xmlns:p14="http://schemas.microsoft.com/office/powerpoint/2010/main">
+    <mc:Choice Requires="p14">
+      <p:transition spd="slow">
+        <p14:reveal/>
+      </p:transition>
+    </mc:Choice>
+    <mc:Fallback xmlns="">
+      <p:transition spd="slow">
+        <p:fade/>
+      </p:transition>
+    </mc:Fallback>
+  </mc:AlternateContent>
+</p:sld>
+</file>
+
+<file path=ppt/slides/slide26.xml><?xml version="1.0" encoding="utf-8"?>
+<p:sld xmlns:a="http://schemas.openxmlformats.org/drawingml/2006/main" xmlns:r="http://schemas.openxmlformats.org/officeDocument/2006/relationships" xmlns:p="http://schemas.openxmlformats.org/presentationml/2006/main">
+  <p:cSld>
+    <p:spTree>
+      <p:nvGrpSpPr>
+        <p:cNvPr id="1" name=""/>
+        <p:cNvGrpSpPr/>
+        <p:nvPr/>
+      </p:nvGrpSpPr>
+      <p:grpSpPr>
+        <a:xfrm>
+          <a:off x="0" y="0"/>
+          <a:ext cx="0" cy="0"/>
+          <a:chOff x="0" y="0"/>
+          <a:chExt cx="0" cy="0"/>
+        </a:xfrm>
+      </p:grpSpPr>
+      <p:sp>
+        <p:nvSpPr>
+          <p:cNvPr id="2" name="內容版面配置區 1">
+            <a:extLst>
+              <a:ext uri="{FF2B5EF4-FFF2-40B4-BE49-F238E27FC236}">
+                <a16:creationId xmlns:a16="http://schemas.microsoft.com/office/drawing/2014/main" id="{8B9255F6-E79B-4294-834D-6D4140D1CF07}"/>
+              </a:ext>
+            </a:extLst>
+          </p:cNvPr>
+          <p:cNvSpPr>
+            <a:spLocks noGrp="1"/>
+          </p:cNvSpPr>
+          <p:nvPr>
+            <p:ph idx="1"/>
+          </p:nvPr>
+        </p:nvSpPr>
+        <p:spPr/>
+        <p:txBody>
+          <a:bodyPr/>
+          <a:lstStyle/>
+          <a:p>
+            <a:r>
+              <a:rPr lang="en-US" altLang="zh-TW" sz="2400" b="1" dirty="0"/>
+              <a:t>PL</a:t>
+            </a:r>
+            <a:r>
+              <a:rPr lang="zh-TW" altLang="en-US" sz="2400" b="1" dirty="0"/>
+              <a:t>端</a:t>
+            </a:r>
+            <a:endParaRPr lang="en-US" altLang="zh-TW" sz="2400" b="1" dirty="0"/>
+          </a:p>
+          <a:p>
+            <a:r>
+              <a:rPr lang="en-US" altLang="zh-TW" sz="1800" kern="100" dirty="0">
+                <a:effectLst/>
+                <a:latin typeface="Times New Roman" panose="02020603050405020304" pitchFamily="18" charset="0"/>
+                <a:ea typeface="標楷體" panose="03000509000000000000" pitchFamily="65" charset="-120"/>
+                <a:cs typeface="Times New Roman" panose="02020603050405020304" pitchFamily="18" charset="0"/>
+              </a:rPr>
+              <a:t>Soft </a:t>
+            </a:r>
+            <a:r>
+              <a:rPr lang="en-US" altLang="zh-TW" sz="1800" kern="100" dirty="0" err="1">
+                <a:effectLst/>
+                <a:latin typeface="Times New Roman" panose="02020603050405020304" pitchFamily="18" charset="0"/>
+                <a:ea typeface="標楷體" panose="03000509000000000000" pitchFamily="65" charset="-120"/>
+                <a:cs typeface="Times New Roman" panose="02020603050405020304" pitchFamily="18" charset="0"/>
+              </a:rPr>
+              <a:t>IP_Canny</a:t>
+            </a:r>
+            <a:r>
+              <a:rPr lang="en-US" altLang="zh-TW" sz="1800" kern="100" dirty="0">
+                <a:effectLst/>
+                <a:latin typeface="Times New Roman" panose="02020603050405020304" pitchFamily="18" charset="0"/>
+                <a:ea typeface="標楷體" panose="03000509000000000000" pitchFamily="65" charset="-120"/>
+                <a:cs typeface="Times New Roman" panose="02020603050405020304" pitchFamily="18" charset="0"/>
+              </a:rPr>
+              <a:t>:</a:t>
+            </a:r>
+          </a:p>
+          <a:p>
+            <a:endParaRPr lang="zh-TW" altLang="en-US" b="1" dirty="0"/>
+          </a:p>
+        </p:txBody>
+      </p:sp>
+      <p:sp>
+        <p:nvSpPr>
+          <p:cNvPr id="3" name="標題 2">
+            <a:extLst>
+              <a:ext uri="{FF2B5EF4-FFF2-40B4-BE49-F238E27FC236}">
+                <a16:creationId xmlns:a16="http://schemas.microsoft.com/office/drawing/2014/main" id="{D7232380-22D4-47E6-A40E-ABF38AB200C3}"/>
+              </a:ext>
+            </a:extLst>
+          </p:cNvPr>
+          <p:cNvSpPr>
+            <a:spLocks noGrp="1"/>
+          </p:cNvSpPr>
+          <p:nvPr>
+            <p:ph type="title"/>
+          </p:nvPr>
+        </p:nvSpPr>
+        <p:spPr/>
+        <p:txBody>
+          <a:bodyPr/>
+          <a:lstStyle/>
+          <a:p>
+            <a:r>
+              <a:rPr lang="en-US" altLang="zh-TW" dirty="0"/>
+              <a:t>API</a:t>
+            </a:r>
+            <a:endParaRPr lang="zh-TW" altLang="en-US" dirty="0"/>
+          </a:p>
+        </p:txBody>
+      </p:sp>
+      <p:sp>
+        <p:nvSpPr>
+          <p:cNvPr id="4" name="投影片編號版面配置區 3">
+            <a:extLst>
+              <a:ext uri="{FF2B5EF4-FFF2-40B4-BE49-F238E27FC236}">
+                <a16:creationId xmlns:a16="http://schemas.microsoft.com/office/drawing/2014/main" id="{CC364F06-FBAE-41F1-9123-C093E43ADC15}"/>
+              </a:ext>
+            </a:extLst>
+          </p:cNvPr>
+          <p:cNvSpPr>
+            <a:spLocks noGrp="1"/>
+          </p:cNvSpPr>
+          <p:nvPr>
+            <p:ph type="sldNum" sz="quarter" idx="12"/>
+          </p:nvPr>
+        </p:nvSpPr>
+        <p:spPr/>
+        <p:txBody>
+          <a:bodyPr/>
+          <a:lstStyle/>
+          <a:p>
+            <a:fld id="{90F9E983-480B-48C5-9E0F-D21C0DFBB5C0}" type="slidenum">
+              <a:rPr lang="zh-TW" altLang="en-US" smtClean="0"/>
+              <a:t>26</a:t>
+            </a:fld>
+            <a:endParaRPr lang="zh-TW" altLang="en-US"/>
+          </a:p>
+        </p:txBody>
+      </p:sp>
+      <p:pic>
+        <p:nvPicPr>
+          <p:cNvPr id="7" name="圖片 6">
+            <a:extLst>
+              <a:ext uri="{FF2B5EF4-FFF2-40B4-BE49-F238E27FC236}">
+                <a16:creationId xmlns:a16="http://schemas.microsoft.com/office/drawing/2014/main" id="{90D0BA3E-B46D-D2E3-7085-DB8DC5825564}"/>
+              </a:ext>
+            </a:extLst>
+          </p:cNvPr>
+          <p:cNvPicPr>
+            <a:picLocks noChangeAspect="1"/>
+          </p:cNvPicPr>
+          <p:nvPr/>
+        </p:nvPicPr>
+        <p:blipFill>
+          <a:blip r:embed="rId2"/>
+          <a:stretch>
+            <a:fillRect/>
+          </a:stretch>
+        </p:blipFill>
+        <p:spPr>
+          <a:xfrm>
+            <a:off x="838200" y="2261558"/>
+            <a:ext cx="3995785" cy="1921470"/>
+          </a:xfrm>
+          <a:prstGeom prst="rect">
+            <a:avLst/>
+          </a:prstGeom>
+        </p:spPr>
+      </p:pic>
+      <p:pic>
+        <p:nvPicPr>
+          <p:cNvPr id="10" name="圖片 9">
+            <a:extLst>
+              <a:ext uri="{FF2B5EF4-FFF2-40B4-BE49-F238E27FC236}">
+                <a16:creationId xmlns:a16="http://schemas.microsoft.com/office/drawing/2014/main" id="{5E38EA0A-FCD2-E262-AA36-8595B4150D4B}"/>
+              </a:ext>
+            </a:extLst>
+          </p:cNvPr>
+          <p:cNvPicPr>
+            <a:picLocks noChangeAspect="1"/>
+          </p:cNvPicPr>
+          <p:nvPr/>
+        </p:nvPicPr>
+        <p:blipFill>
+          <a:blip r:embed="rId3"/>
+          <a:stretch>
+            <a:fillRect/>
+          </a:stretch>
+        </p:blipFill>
+        <p:spPr>
+          <a:xfrm>
+            <a:off x="1395952" y="4596442"/>
+            <a:ext cx="2880280" cy="718238"/>
+          </a:xfrm>
+          <a:prstGeom prst="rect">
+            <a:avLst/>
+          </a:prstGeom>
+        </p:spPr>
+      </p:pic>
+      <p:pic>
+        <p:nvPicPr>
+          <p:cNvPr id="13" name="圖片 12">
+            <a:extLst>
+              <a:ext uri="{FF2B5EF4-FFF2-40B4-BE49-F238E27FC236}">
+                <a16:creationId xmlns:a16="http://schemas.microsoft.com/office/drawing/2014/main" id="{78C1A28B-AB96-528E-EBAB-C9401E1FEE38}"/>
+              </a:ext>
+            </a:extLst>
+          </p:cNvPr>
+          <p:cNvPicPr>
+            <a:picLocks noChangeAspect="1"/>
+          </p:cNvPicPr>
+          <p:nvPr/>
+        </p:nvPicPr>
+        <p:blipFill rotWithShape="1">
+          <a:blip r:embed="rId4"/>
+          <a:srcRect l="13308" r="13464" b="7522"/>
+          <a:stretch/>
+        </p:blipFill>
+        <p:spPr>
+          <a:xfrm>
+            <a:off x="5294810" y="2059637"/>
+            <a:ext cx="6156961" cy="2433986"/>
+          </a:xfrm>
+          <a:prstGeom prst="rect">
+            <a:avLst/>
+          </a:prstGeom>
+        </p:spPr>
+      </p:pic>
+      <p:sp>
+        <p:nvSpPr>
+          <p:cNvPr id="14" name="圓形: 空心 13">
+            <a:hlinkClick r:id="rId5" action="ppaction://hlinksldjump"/>
+            <a:extLst>
+              <a:ext uri="{FF2B5EF4-FFF2-40B4-BE49-F238E27FC236}">
+                <a16:creationId xmlns:a16="http://schemas.microsoft.com/office/drawing/2014/main" id="{5441C21A-5738-83E4-5209-8449B017C222}"/>
+              </a:ext>
+            </a:extLst>
+          </p:cNvPr>
+          <p:cNvSpPr/>
+          <p:nvPr/>
+        </p:nvSpPr>
+        <p:spPr>
+          <a:xfrm flipV="1">
+            <a:off x="838200" y="1116125"/>
+            <a:ext cx="57150" cy="57150"/>
+          </a:xfrm>
+          <a:prstGeom prst="donut">
+            <a:avLst/>
+          </a:prstGeom>
+          <a:solidFill>
+            <a:srgbClr val="FF0000"/>
+          </a:solidFill>
+          <a:ln>
+            <a:solidFill>
+              <a:schemeClr val="tx1"/>
+            </a:solidFill>
+          </a:ln>
+        </p:spPr>
+        <p:style>
+          <a:lnRef idx="2">
+            <a:schemeClr val="accent1">
+              <a:shade val="15000"/>
+            </a:schemeClr>
+          </a:lnRef>
+          <a:fillRef idx="1">
+            <a:schemeClr val="accent1"/>
+          </a:fillRef>
+          <a:effectRef idx="0">
+            <a:schemeClr val="accent1"/>
+          </a:effectRef>
+          <a:fontRef idx="minor">
+            <a:schemeClr val="lt1"/>
+          </a:fontRef>
+        </p:style>
+        <p:txBody>
+          <a:bodyPr rtlCol="0" anchor="ctr"/>
+          <a:lstStyle/>
+          <a:p>
+            <a:pPr algn="ctr"/>
+            <a:endParaRPr lang="zh-TW" altLang="en-US">
+              <a:solidFill>
+                <a:schemeClr val="tx1"/>
+              </a:solidFill>
+            </a:endParaRPr>
+          </a:p>
+        </p:txBody>
+      </p:sp>
+    </p:spTree>
+    <p:extLst>
+      <p:ext uri="{BB962C8B-B14F-4D97-AF65-F5344CB8AC3E}">
+        <p14:creationId xmlns:p14="http://schemas.microsoft.com/office/powerpoint/2010/main" val="2884792296"/>
+      </p:ext>
+    </p:extLst>
+  </p:cSld>
+  <p:clrMapOvr>
+    <a:masterClrMapping/>
+  </p:clrMapOvr>
+  <mc:AlternateContent xmlns:mc="http://schemas.openxmlformats.org/markup-compatibility/2006" xmlns:p14="http://schemas.microsoft.com/office/powerpoint/2010/main">
+    <mc:Choice Requires="p14">
+      <p:transition spd="slow">
+        <p14:reveal/>
+      </p:transition>
+    </mc:Choice>
+    <mc:Fallback xmlns="">
+      <p:transition spd="slow">
+        <p:fade/>
+      </p:transition>
+    </mc:Fallback>
+  </mc:AlternateContent>
+</p:sld>
+</file>
+
+<file path=ppt/slides/slide27.xml><?xml version="1.0" encoding="utf-8"?>
+<p:sld xmlns:a="http://schemas.openxmlformats.org/drawingml/2006/main" xmlns:r="http://schemas.openxmlformats.org/officeDocument/2006/relationships" xmlns:p="http://schemas.openxmlformats.org/presentationml/2006/main">
+  <p:cSld>
+    <p:spTree>
+      <p:nvGrpSpPr>
+        <p:cNvPr id="1" name=""/>
+        <p:cNvGrpSpPr/>
+        <p:nvPr/>
+      </p:nvGrpSpPr>
+      <p:grpSpPr>
+        <a:xfrm>
+          <a:off x="0" y="0"/>
+          <a:ext cx="0" cy="0"/>
+          <a:chOff x="0" y="0"/>
+          <a:chExt cx="0" cy="0"/>
+        </a:xfrm>
+      </p:grpSpPr>
+      <p:sp>
+        <p:nvSpPr>
+          <p:cNvPr id="2" name="內容版面配置區 1">
+            <a:extLst>
+              <a:ext uri="{FF2B5EF4-FFF2-40B4-BE49-F238E27FC236}">
+                <a16:creationId xmlns:a16="http://schemas.microsoft.com/office/drawing/2014/main" id="{8B9255F6-E79B-4294-834D-6D4140D1CF07}"/>
+              </a:ext>
+            </a:extLst>
+          </p:cNvPr>
+          <p:cNvSpPr>
+            <a:spLocks noGrp="1"/>
+          </p:cNvSpPr>
+          <p:nvPr>
+            <p:ph idx="1"/>
+          </p:nvPr>
+        </p:nvSpPr>
+        <p:spPr/>
+        <p:txBody>
+          <a:bodyPr/>
+          <a:lstStyle/>
+          <a:p>
+            <a:r>
+              <a:rPr lang="en-US" altLang="zh-TW" sz="2400" b="1" dirty="0"/>
+              <a:t>ADV7511 :</a:t>
+            </a:r>
+            <a:endParaRPr lang="en-US" altLang="zh-TW" sz="1800" kern="100" dirty="0">
+              <a:effectLst/>
+              <a:latin typeface="Times New Roman" panose="02020603050405020304" pitchFamily="18" charset="0"/>
+              <a:ea typeface="標楷體" panose="03000509000000000000" pitchFamily="65" charset="-120"/>
+              <a:cs typeface="Times New Roman" panose="02020603050405020304" pitchFamily="18" charset="0"/>
+            </a:endParaRPr>
+          </a:p>
+          <a:p>
+            <a:endParaRPr lang="zh-TW" altLang="en-US" b="1" dirty="0"/>
+          </a:p>
+        </p:txBody>
+      </p:sp>
+      <p:sp>
+        <p:nvSpPr>
+          <p:cNvPr id="3" name="標題 2">
+            <a:extLst>
+              <a:ext uri="{FF2B5EF4-FFF2-40B4-BE49-F238E27FC236}">
+                <a16:creationId xmlns:a16="http://schemas.microsoft.com/office/drawing/2014/main" id="{D7232380-22D4-47E6-A40E-ABF38AB200C3}"/>
+              </a:ext>
+            </a:extLst>
+          </p:cNvPr>
+          <p:cNvSpPr>
+            <a:spLocks noGrp="1"/>
+          </p:cNvSpPr>
+          <p:nvPr>
+            <p:ph type="title"/>
+          </p:nvPr>
+        </p:nvSpPr>
+        <p:spPr/>
+        <p:txBody>
+          <a:bodyPr/>
+          <a:lstStyle/>
+          <a:p>
+            <a:r>
+              <a:rPr lang="en-US" altLang="zh-TW" dirty="0"/>
+              <a:t>Driver</a:t>
+            </a:r>
+            <a:endParaRPr lang="zh-TW" altLang="en-US" dirty="0"/>
+          </a:p>
+        </p:txBody>
+      </p:sp>
+      <p:sp>
+        <p:nvSpPr>
+          <p:cNvPr id="4" name="投影片編號版面配置區 3">
+            <a:extLst>
+              <a:ext uri="{FF2B5EF4-FFF2-40B4-BE49-F238E27FC236}">
+                <a16:creationId xmlns:a16="http://schemas.microsoft.com/office/drawing/2014/main" id="{CC364F06-FBAE-41F1-9123-C093E43ADC15}"/>
+              </a:ext>
+            </a:extLst>
+          </p:cNvPr>
+          <p:cNvSpPr>
+            <a:spLocks noGrp="1"/>
+          </p:cNvSpPr>
+          <p:nvPr>
+            <p:ph type="sldNum" sz="quarter" idx="12"/>
+          </p:nvPr>
+        </p:nvSpPr>
+        <p:spPr/>
+        <p:txBody>
+          <a:bodyPr/>
+          <a:lstStyle/>
+          <a:p>
+            <a:fld id="{90F9E983-480B-48C5-9E0F-D21C0DFBB5C0}" type="slidenum">
+              <a:rPr lang="zh-TW" altLang="en-US" smtClean="0"/>
+              <a:t>27</a:t>
+            </a:fld>
+            <a:endParaRPr lang="zh-TW" altLang="en-US"/>
+          </a:p>
+        </p:txBody>
+      </p:sp>
+    </p:spTree>
+    <p:extLst>
+      <p:ext uri="{BB962C8B-B14F-4D97-AF65-F5344CB8AC3E}">
+        <p14:creationId xmlns:p14="http://schemas.microsoft.com/office/powerpoint/2010/main" val="2231971606"/>
+      </p:ext>
+    </p:extLst>
+  </p:cSld>
+  <p:clrMapOvr>
+    <a:masterClrMapping/>
+  </p:clrMapOvr>
+  <mc:AlternateContent xmlns:mc="http://schemas.openxmlformats.org/markup-compatibility/2006" xmlns:p14="http://schemas.microsoft.com/office/powerpoint/2010/main">
+    <mc:Choice Requires="p14">
+      <p:transition spd="slow">
+        <p14:reveal/>
+      </p:transition>
+    </mc:Choice>
+    <mc:Fallback xmlns="">
+      <p:transition spd="slow">
+        <p:fade/>
+      </p:transition>
+    </mc:Fallback>
+  </mc:AlternateContent>
+</p:sld>
+</file>
+
+<file path=ppt/slides/slide28.xml><?xml version="1.0" encoding="utf-8"?>
+<p:sld xmlns:a="http://schemas.openxmlformats.org/drawingml/2006/main" xmlns:r="http://schemas.openxmlformats.org/officeDocument/2006/relationships" xmlns:p="http://schemas.openxmlformats.org/presentationml/2006/main">
+  <p:cSld>
+    <p:spTree>
+      <p:nvGrpSpPr>
+        <p:cNvPr id="1" name=""/>
+        <p:cNvGrpSpPr/>
+        <p:nvPr/>
+      </p:nvGrpSpPr>
+      <p:grpSpPr>
+        <a:xfrm>
+          <a:off x="0" y="0"/>
+          <a:ext cx="0" cy="0"/>
+          <a:chOff x="0" y="0"/>
+          <a:chExt cx="0" cy="0"/>
+        </a:xfrm>
+      </p:grpSpPr>
+      <p:sp>
+        <p:nvSpPr>
+          <p:cNvPr id="2" name="內容版面配置區 1">
+            <a:extLst>
+              <a:ext uri="{FF2B5EF4-FFF2-40B4-BE49-F238E27FC236}">
+                <a16:creationId xmlns:a16="http://schemas.microsoft.com/office/drawing/2014/main" id="{8B9255F6-E79B-4294-834D-6D4140D1CF07}"/>
+              </a:ext>
+            </a:extLst>
+          </p:cNvPr>
+          <p:cNvSpPr>
+            <a:spLocks noGrp="1"/>
+          </p:cNvSpPr>
+          <p:nvPr>
+            <p:ph idx="1"/>
+          </p:nvPr>
+        </p:nvSpPr>
+        <p:spPr/>
+        <p:txBody>
+          <a:bodyPr>
+            <a:normAutofit/>
+          </a:bodyPr>
+          <a:lstStyle/>
+          <a:p>
+            <a:pPr marL="372600" indent="-457200"/>
+            <a:r>
+              <a:rPr lang="zh-TW" altLang="en-US" sz="2400" b="1" dirty="0"/>
+              <a:t>開發</a:t>
+            </a:r>
+            <a:r>
+              <a:rPr lang="en-US" altLang="zh-TW" sz="2400" b="1" dirty="0"/>
+              <a:t>CCL</a:t>
+            </a:r>
+            <a:r>
+              <a:rPr lang="zh-TW" altLang="en-US" sz="2400" b="1" dirty="0"/>
+              <a:t> </a:t>
+            </a:r>
+            <a:r>
+              <a:rPr lang="en-US" altLang="zh-TW" sz="2400" b="1" dirty="0"/>
+              <a:t>:</a:t>
+            </a:r>
+            <a:r>
+              <a:rPr lang="zh-TW" altLang="en-US" sz="2400" b="1" dirty="0"/>
+              <a:t> </a:t>
+            </a:r>
+            <a:endParaRPr lang="en-US" altLang="zh-TW" sz="2400" b="1" dirty="0"/>
+          </a:p>
+          <a:p>
+            <a:pPr marL="914400" lvl="1" indent="-457200">
+              <a:buFont typeface="+mj-lt"/>
+              <a:buAutoNum type="arabicPeriod"/>
+            </a:pPr>
+            <a:r>
+              <a:rPr lang="en-US" altLang="zh-TW" sz="1800" dirty="0"/>
+              <a:t>contours label </a:t>
+            </a:r>
+          </a:p>
+          <a:p>
+            <a:pPr marL="914400" lvl="1" indent="-457200">
+              <a:buFont typeface="+mj-lt"/>
+              <a:buAutoNum type="arabicPeriod"/>
+            </a:pPr>
+            <a:r>
+              <a:rPr lang="en-US" altLang="zh-TW" sz="1800" dirty="0"/>
+              <a:t>contours stats(Top</a:t>
+            </a:r>
+            <a:r>
+              <a:rPr lang="zh-TW" altLang="en-US" sz="1800" dirty="0"/>
+              <a:t>、</a:t>
+            </a:r>
+            <a:r>
+              <a:rPr lang="en-US" altLang="zh-TW" sz="1800" dirty="0"/>
+              <a:t>Bottom</a:t>
+            </a:r>
+            <a:r>
+              <a:rPr lang="zh-TW" altLang="en-US" sz="1800" dirty="0"/>
+              <a:t>、</a:t>
+            </a:r>
+            <a:r>
+              <a:rPr lang="en-US" altLang="zh-TW" sz="1800" dirty="0"/>
+              <a:t>Left</a:t>
+            </a:r>
+            <a:r>
+              <a:rPr lang="zh-TW" altLang="en-US" sz="1800" dirty="0"/>
+              <a:t>、</a:t>
+            </a:r>
+            <a:r>
+              <a:rPr lang="en-US" altLang="zh-TW" sz="1800" dirty="0"/>
+              <a:t>Right</a:t>
+            </a:r>
+            <a:r>
+              <a:rPr lang="zh-TW" altLang="en-US" sz="1800" dirty="0"/>
+              <a:t>、</a:t>
+            </a:r>
+            <a:r>
+              <a:rPr lang="en-US" altLang="zh-TW" sz="1800" dirty="0"/>
+              <a:t>Area)</a:t>
+            </a:r>
+          </a:p>
+          <a:p>
+            <a:pPr marL="0" indent="0">
+              <a:buNone/>
+            </a:pPr>
+            <a:endParaRPr lang="zh-TW" altLang="en-US" sz="2400" dirty="0"/>
+          </a:p>
+        </p:txBody>
+      </p:sp>
+      <p:sp>
+        <p:nvSpPr>
+          <p:cNvPr id="3" name="標題 2">
+            <a:extLst>
+              <a:ext uri="{FF2B5EF4-FFF2-40B4-BE49-F238E27FC236}">
+                <a16:creationId xmlns:a16="http://schemas.microsoft.com/office/drawing/2014/main" id="{D7232380-22D4-47E6-A40E-ABF38AB200C3}"/>
+              </a:ext>
+            </a:extLst>
+          </p:cNvPr>
+          <p:cNvSpPr>
+            <a:spLocks noGrp="1"/>
+          </p:cNvSpPr>
+          <p:nvPr>
+            <p:ph type="title"/>
+          </p:nvPr>
+        </p:nvSpPr>
+        <p:spPr/>
+        <p:txBody>
+          <a:bodyPr/>
+          <a:lstStyle/>
+          <a:p>
+            <a:r>
+              <a:rPr lang="zh-TW" altLang="en-US" dirty="0"/>
+              <a:t>當週進度</a:t>
+            </a:r>
+          </a:p>
+        </p:txBody>
+      </p:sp>
+      <p:sp>
+        <p:nvSpPr>
+          <p:cNvPr id="4" name="投影片編號版面配置區 3">
+            <a:extLst>
+              <a:ext uri="{FF2B5EF4-FFF2-40B4-BE49-F238E27FC236}">
+                <a16:creationId xmlns:a16="http://schemas.microsoft.com/office/drawing/2014/main" id="{CC364F06-FBAE-41F1-9123-C093E43ADC15}"/>
+              </a:ext>
+            </a:extLst>
+          </p:cNvPr>
+          <p:cNvSpPr>
+            <a:spLocks noGrp="1"/>
+          </p:cNvSpPr>
+          <p:nvPr>
+            <p:ph type="sldNum" sz="quarter" idx="12"/>
+          </p:nvPr>
+        </p:nvSpPr>
+        <p:spPr/>
+        <p:txBody>
+          <a:bodyPr/>
+          <a:lstStyle/>
+          <a:p>
+            <a:fld id="{90F9E983-480B-48C5-9E0F-D21C0DFBB5C0}" type="slidenum">
+              <a:rPr lang="zh-TW" altLang="en-US" smtClean="0"/>
+              <a:t>28</a:t>
+            </a:fld>
+            <a:endParaRPr lang="zh-TW" altLang="en-US"/>
+          </a:p>
+        </p:txBody>
+      </p:sp>
+    </p:spTree>
+    <p:extLst>
+      <p:ext uri="{BB962C8B-B14F-4D97-AF65-F5344CB8AC3E}">
+        <p14:creationId xmlns:p14="http://schemas.microsoft.com/office/powerpoint/2010/main" val="1138845298"/>
+      </p:ext>
+    </p:extLst>
+  </p:cSld>
+  <p:clrMapOvr>
+    <a:masterClrMapping/>
+  </p:clrMapOvr>
+  <mc:AlternateContent xmlns:mc="http://schemas.openxmlformats.org/markup-compatibility/2006" xmlns:p14="http://schemas.microsoft.com/office/powerpoint/2010/main">
+    <mc:Choice Requires="p14">
+      <p:transition spd="slow">
+        <p14:reveal/>
+      </p:transition>
+    </mc:Choice>
+    <mc:Fallback xmlns="">
+      <p:transition spd="slow">
+        <p:fade/>
+      </p:transition>
+    </mc:Fallback>
+  </mc:AlternateContent>
+</p:sld>
+</file>
+
+<file path=ppt/slides/slide29.xml><?xml version="1.0" encoding="utf-8"?>
+<p:sld xmlns:a="http://schemas.openxmlformats.org/drawingml/2006/main" xmlns:r="http://schemas.openxmlformats.org/officeDocument/2006/relationships" xmlns:p="http://schemas.openxmlformats.org/presentationml/2006/main">
+  <p:cSld>
+    <p:spTree>
+      <p:nvGrpSpPr>
+        <p:cNvPr id="1" name=""/>
+        <p:cNvGrpSpPr/>
+        <p:nvPr/>
+      </p:nvGrpSpPr>
+      <p:grpSpPr>
+        <a:xfrm>
+          <a:off x="0" y="0"/>
+          <a:ext cx="0" cy="0"/>
+          <a:chOff x="0" y="0"/>
+          <a:chExt cx="0" cy="0"/>
+        </a:xfrm>
+      </p:grpSpPr>
+      <p:sp>
+        <p:nvSpPr>
+          <p:cNvPr id="2" name="內容版面配置區 1">
+            <a:extLst>
+              <a:ext uri="{FF2B5EF4-FFF2-40B4-BE49-F238E27FC236}">
+                <a16:creationId xmlns:a16="http://schemas.microsoft.com/office/drawing/2014/main" id="{8B9255F6-E79B-4294-834D-6D4140D1CF07}"/>
+              </a:ext>
+            </a:extLst>
+          </p:cNvPr>
+          <p:cNvSpPr>
+            <a:spLocks noGrp="1"/>
+          </p:cNvSpPr>
+          <p:nvPr>
+            <p:ph idx="1"/>
+          </p:nvPr>
+        </p:nvSpPr>
+        <p:spPr/>
+        <p:txBody>
+          <a:bodyPr>
+            <a:normAutofit/>
+          </a:bodyPr>
+          <a:lstStyle/>
+          <a:p>
+            <a:pPr marL="372600" indent="-457200">
+              <a:buFont typeface="+mj-lt"/>
+              <a:buAutoNum type="arabicPeriod"/>
+            </a:pPr>
+            <a:r>
+              <a:rPr lang="en-US" altLang="zh-TW" sz="2400" b="1" dirty="0"/>
+              <a:t>Contours label</a:t>
+            </a:r>
+          </a:p>
+          <a:p>
+            <a:r>
+              <a:rPr lang="zh-TW" altLang="en-US" sz="1800" b="1" dirty="0"/>
+              <a:t>測試方法 </a:t>
+            </a:r>
+            <a:r>
+              <a:rPr lang="en-US" altLang="zh-TW" sz="1800" b="1" dirty="0"/>
+              <a:t>:</a:t>
+            </a:r>
+            <a:r>
+              <a:rPr lang="zh-TW" altLang="en-US" sz="1800" b="1" dirty="0"/>
+              <a:t> </a:t>
+            </a:r>
+            <a:endParaRPr lang="en-US" altLang="zh-TW" sz="1800" b="1" dirty="0"/>
+          </a:p>
+          <a:p>
+            <a:pPr marL="457200" lvl="1" indent="0">
+              <a:buNone/>
+            </a:pPr>
+            <a:r>
+              <a:rPr lang="zh-TW" altLang="en-US" sz="1800" dirty="0"/>
+              <a:t>使用</a:t>
+            </a:r>
+            <a:r>
+              <a:rPr lang="en-US" altLang="zh-TW" sz="1800" dirty="0"/>
+              <a:t>Vivado</a:t>
+            </a:r>
+            <a:r>
+              <a:rPr lang="zh-TW" altLang="en-US" sz="1800" dirty="0"/>
+              <a:t>於</a:t>
+            </a:r>
+            <a:r>
+              <a:rPr lang="en-US" altLang="zh-TW" sz="1800" dirty="0"/>
+              <a:t>simulation</a:t>
+            </a:r>
+            <a:r>
+              <a:rPr lang="zh-TW" altLang="en-US" sz="1800" dirty="0"/>
+              <a:t>中讀取</a:t>
+            </a:r>
+            <a:r>
+              <a:rPr lang="en-US" altLang="zh-TW" sz="1800" dirty="0"/>
+              <a:t>txt</a:t>
+            </a:r>
+            <a:r>
+              <a:rPr lang="zh-TW" altLang="en-US" sz="1800" dirty="0"/>
+              <a:t>資料當成輸入影像，接著將模擬結果寫回</a:t>
+            </a:r>
+            <a:r>
+              <a:rPr lang="en-US" altLang="zh-TW" sz="1800" dirty="0"/>
+              <a:t>txt</a:t>
+            </a:r>
+            <a:r>
+              <a:rPr lang="zh-TW" altLang="en-US" sz="1800" dirty="0"/>
+              <a:t>觀察結果，並和軟體進行比較</a:t>
+            </a:r>
+            <a:endParaRPr lang="en-US" altLang="zh-TW" sz="1800" dirty="0"/>
+          </a:p>
+        </p:txBody>
+      </p:sp>
+      <p:sp>
+        <p:nvSpPr>
+          <p:cNvPr id="3" name="標題 2">
+            <a:extLst>
+              <a:ext uri="{FF2B5EF4-FFF2-40B4-BE49-F238E27FC236}">
+                <a16:creationId xmlns:a16="http://schemas.microsoft.com/office/drawing/2014/main" id="{D7232380-22D4-47E6-A40E-ABF38AB200C3}"/>
+              </a:ext>
+            </a:extLst>
+          </p:cNvPr>
+          <p:cNvSpPr>
+            <a:spLocks noGrp="1"/>
+          </p:cNvSpPr>
+          <p:nvPr>
+            <p:ph type="title"/>
+          </p:nvPr>
+        </p:nvSpPr>
+        <p:spPr/>
+        <p:txBody>
+          <a:bodyPr/>
+          <a:lstStyle/>
+          <a:p>
+            <a:r>
+              <a:rPr lang="zh-TW" altLang="en-US" dirty="0"/>
+              <a:t>當週進度</a:t>
+            </a:r>
+          </a:p>
+        </p:txBody>
+      </p:sp>
+      <p:sp>
+        <p:nvSpPr>
+          <p:cNvPr id="4" name="投影片編號版面配置區 3">
+            <a:extLst>
+              <a:ext uri="{FF2B5EF4-FFF2-40B4-BE49-F238E27FC236}">
+                <a16:creationId xmlns:a16="http://schemas.microsoft.com/office/drawing/2014/main" id="{CC364F06-FBAE-41F1-9123-C093E43ADC15}"/>
+              </a:ext>
+            </a:extLst>
+          </p:cNvPr>
+          <p:cNvSpPr>
+            <a:spLocks noGrp="1"/>
+          </p:cNvSpPr>
+          <p:nvPr>
+            <p:ph type="sldNum" sz="quarter" idx="12"/>
+          </p:nvPr>
+        </p:nvSpPr>
+        <p:spPr/>
+        <p:txBody>
+          <a:bodyPr/>
+          <a:lstStyle/>
+          <a:p>
+            <a:fld id="{90F9E983-480B-48C5-9E0F-D21C0DFBB5C0}" type="slidenum">
+              <a:rPr lang="zh-TW" altLang="en-US" smtClean="0"/>
+              <a:t>29</a:t>
             </a:fld>
             <a:endParaRPr lang="zh-TW" altLang="en-US"/>
           </a:p>
@@ -6641,13 +12510,13 @@
   <p:clrMapOvr>
     <a:masterClrMapping/>
   </p:clrMapOvr>
-  <mc:AlternateContent xmlns:mc="http://schemas.openxmlformats.org/markup-compatibility/2006">
-    <mc:Choice xmlns:p14="http://schemas.microsoft.com/office/powerpoint/2010/main" Requires="p14">
+  <mc:AlternateContent xmlns:mc="http://schemas.openxmlformats.org/markup-compatibility/2006" xmlns:p14="http://schemas.microsoft.com/office/powerpoint/2010/main">
+    <mc:Choice Requires="p14">
       <p:transition spd="slow">
         <p14:reveal/>
       </p:transition>
     </mc:Choice>
-    <mc:Fallback>
+    <mc:Fallback xmlns="">
       <p:transition spd="slow">
         <p:fade/>
       </p:transition>
@@ -6656,7 +12525,7 @@
 </p:sld>
 </file>
 
-<file path=ppt/slides/slide18.xml><?xml version="1.0" encoding="utf-8"?>
+<file path=ppt/slides/slide3.xml><?xml version="1.0" encoding="utf-8"?>
 <p:sld xmlns:a="http://schemas.openxmlformats.org/drawingml/2006/main" xmlns:r="http://schemas.openxmlformats.org/officeDocument/2006/relationships" xmlns:p="http://schemas.openxmlformats.org/presentationml/2006/main">
   <p:cSld>
     <p:spTree>
@@ -6696,40 +12565,13 @@
           </a:bodyPr>
           <a:lstStyle/>
           <a:p>
-            <a:pPr marL="372600" indent="-457200">
-              <a:buFont typeface="+mj-lt"/>
-              <a:buAutoNum type="arabicPeriod"/>
-            </a:pPr>
-            <a:r>
-              <a:rPr lang="en-US" altLang="zh-TW" sz="2400" b="1" dirty="0"/>
-              <a:t>contours label</a:t>
-            </a:r>
-          </a:p>
-          <a:p>
-            <a:r>
-              <a:rPr lang="zh-TW" altLang="en-US" sz="1800" b="1" dirty="0"/>
-              <a:t>實驗結果 </a:t>
-            </a:r>
-            <a:r>
-              <a:rPr lang="en-US" altLang="zh-TW" sz="1800" b="1" dirty="0"/>
-              <a:t>: Test_1</a:t>
-            </a:r>
-            <a:r>
-              <a:rPr lang="zh-TW" altLang="en-US" sz="1800" b="1" dirty="0"/>
-              <a:t> </a:t>
-            </a:r>
-            <a:r>
-              <a:rPr lang="en-US" altLang="zh-TW" sz="1800" b="1" dirty="0"/>
-              <a:t>:</a:t>
-            </a:r>
-            <a:r>
-              <a:rPr lang="zh-TW" altLang="en-US" sz="1800" b="1" dirty="0"/>
-              <a:t> </a:t>
-            </a:r>
-            <a:r>
-              <a:rPr lang="en-US" altLang="zh-TW" sz="1800" b="1" dirty="0"/>
-              <a:t>input image : 17x9</a:t>
-            </a:r>
+            <a:r>
+              <a:rPr lang="en-US" altLang="zh-TW" sz="1800" b="1" dirty="0">
+                <a:hlinkClick r:id="rId2" action="ppaction://hlinksldjump"/>
+              </a:rPr>
+              <a:t>2023/11/09~2023/11/16</a:t>
+            </a:r>
+            <a:endParaRPr lang="zh-TW" altLang="en-US" sz="1800" b="1" dirty="0"/>
           </a:p>
         </p:txBody>
       </p:sp>
@@ -6756,7 +12598,7 @@
           <a:p>
             <a:r>
               <a:rPr lang="zh-TW" altLang="en-US" dirty="0"/>
-              <a:t>當週進度</a:t>
+              <a:t>進度統整</a:t>
             </a:r>
           </a:p>
         </p:txBody>
@@ -6784,7 +12626,166 @@
           <a:p>
             <a:fld id="{90F9E983-480B-48C5-9E0F-D21C0DFBB5C0}" type="slidenum">
               <a:rPr lang="zh-TW" altLang="en-US" smtClean="0"/>
-              <a:t>18</a:t>
+              <a:t>3</a:t>
+            </a:fld>
+            <a:endParaRPr lang="zh-TW" altLang="en-US"/>
+          </a:p>
+        </p:txBody>
+      </p:sp>
+    </p:spTree>
+    <p:extLst>
+      <p:ext uri="{BB962C8B-B14F-4D97-AF65-F5344CB8AC3E}">
+        <p14:creationId xmlns:p14="http://schemas.microsoft.com/office/powerpoint/2010/main" val="1409560699"/>
+      </p:ext>
+    </p:extLst>
+  </p:cSld>
+  <p:clrMapOvr>
+    <a:masterClrMapping/>
+  </p:clrMapOvr>
+  <mc:AlternateContent xmlns:mc="http://schemas.openxmlformats.org/markup-compatibility/2006" xmlns:p14="http://schemas.microsoft.com/office/powerpoint/2010/main">
+    <mc:Choice Requires="p14">
+      <p:transition spd="slow">
+        <p14:reveal/>
+      </p:transition>
+    </mc:Choice>
+    <mc:Fallback xmlns="">
+      <p:transition spd="slow">
+        <p:fade/>
+      </p:transition>
+    </mc:Fallback>
+  </mc:AlternateContent>
+</p:sld>
+</file>
+
+<file path=ppt/slides/slide30.xml><?xml version="1.0" encoding="utf-8"?>
+<p:sld xmlns:a="http://schemas.openxmlformats.org/drawingml/2006/main" xmlns:r="http://schemas.openxmlformats.org/officeDocument/2006/relationships" xmlns:p="http://schemas.openxmlformats.org/presentationml/2006/main">
+  <p:cSld>
+    <p:spTree>
+      <p:nvGrpSpPr>
+        <p:cNvPr id="1" name=""/>
+        <p:cNvGrpSpPr/>
+        <p:nvPr/>
+      </p:nvGrpSpPr>
+      <p:grpSpPr>
+        <a:xfrm>
+          <a:off x="0" y="0"/>
+          <a:ext cx="0" cy="0"/>
+          <a:chOff x="0" y="0"/>
+          <a:chExt cx="0" cy="0"/>
+        </a:xfrm>
+      </p:grpSpPr>
+      <p:sp>
+        <p:nvSpPr>
+          <p:cNvPr id="2" name="內容版面配置區 1">
+            <a:extLst>
+              <a:ext uri="{FF2B5EF4-FFF2-40B4-BE49-F238E27FC236}">
+                <a16:creationId xmlns:a16="http://schemas.microsoft.com/office/drawing/2014/main" id="{8B9255F6-E79B-4294-834D-6D4140D1CF07}"/>
+              </a:ext>
+            </a:extLst>
+          </p:cNvPr>
+          <p:cNvSpPr>
+            <a:spLocks noGrp="1"/>
+          </p:cNvSpPr>
+          <p:nvPr>
+            <p:ph idx="1"/>
+          </p:nvPr>
+        </p:nvSpPr>
+        <p:spPr/>
+        <p:txBody>
+          <a:bodyPr>
+            <a:normAutofit/>
+          </a:bodyPr>
+          <a:lstStyle/>
+          <a:p>
+            <a:pPr marL="372600" indent="-457200">
+              <a:buFont typeface="+mj-lt"/>
+              <a:buAutoNum type="arabicPeriod"/>
+            </a:pPr>
+            <a:r>
+              <a:rPr lang="en-US" altLang="zh-TW" sz="2400" b="1" dirty="0"/>
+              <a:t>contours label</a:t>
+            </a:r>
+          </a:p>
+          <a:p>
+            <a:r>
+              <a:rPr lang="zh-TW" altLang="en-US" sz="1800" b="1" dirty="0"/>
+              <a:t>實驗結果 </a:t>
+            </a:r>
+            <a:r>
+              <a:rPr lang="en-US" altLang="zh-TW" sz="1800" b="1" dirty="0"/>
+              <a:t>: Test_1</a:t>
+            </a:r>
+            <a:r>
+              <a:rPr lang="zh-TW" altLang="en-US" sz="1800" b="1" dirty="0"/>
+              <a:t> </a:t>
+            </a:r>
+            <a:r>
+              <a:rPr lang="en-US" altLang="zh-TW" sz="1800" b="1" dirty="0"/>
+              <a:t>:</a:t>
+            </a:r>
+            <a:r>
+              <a:rPr lang="zh-TW" altLang="en-US" sz="1800" b="1" dirty="0"/>
+              <a:t> </a:t>
+            </a:r>
+            <a:r>
+              <a:rPr lang="en-US" altLang="zh-TW" sz="1800" b="1" dirty="0"/>
+              <a:t>input image : 17x9</a:t>
+            </a:r>
+          </a:p>
+        </p:txBody>
+      </p:sp>
+      <p:sp>
+        <p:nvSpPr>
+          <p:cNvPr id="3" name="標題 2">
+            <a:extLst>
+              <a:ext uri="{FF2B5EF4-FFF2-40B4-BE49-F238E27FC236}">
+                <a16:creationId xmlns:a16="http://schemas.microsoft.com/office/drawing/2014/main" id="{D7232380-22D4-47E6-A40E-ABF38AB200C3}"/>
+              </a:ext>
+            </a:extLst>
+          </p:cNvPr>
+          <p:cNvSpPr>
+            <a:spLocks noGrp="1"/>
+          </p:cNvSpPr>
+          <p:nvPr>
+            <p:ph type="title"/>
+          </p:nvPr>
+        </p:nvSpPr>
+        <p:spPr/>
+        <p:txBody>
+          <a:bodyPr/>
+          <a:lstStyle/>
+          <a:p>
+            <a:r>
+              <a:rPr lang="zh-TW" altLang="en-US" dirty="0"/>
+              <a:t>當週進度</a:t>
+            </a:r>
+          </a:p>
+        </p:txBody>
+      </p:sp>
+      <p:sp>
+        <p:nvSpPr>
+          <p:cNvPr id="4" name="投影片編號版面配置區 3">
+            <a:extLst>
+              <a:ext uri="{FF2B5EF4-FFF2-40B4-BE49-F238E27FC236}">
+                <a16:creationId xmlns:a16="http://schemas.microsoft.com/office/drawing/2014/main" id="{CC364F06-FBAE-41F1-9123-C093E43ADC15}"/>
+              </a:ext>
+            </a:extLst>
+          </p:cNvPr>
+          <p:cNvSpPr>
+            <a:spLocks noGrp="1"/>
+          </p:cNvSpPr>
+          <p:nvPr>
+            <p:ph type="sldNum" sz="quarter" idx="12"/>
+          </p:nvPr>
+        </p:nvSpPr>
+        <p:spPr/>
+        <p:txBody>
+          <a:bodyPr/>
+          <a:lstStyle/>
+          <a:p>
+            <a:fld id="{90F9E983-480B-48C5-9E0F-D21C0DFBB5C0}" type="slidenum">
+              <a:rPr lang="zh-TW" altLang="en-US" smtClean="0"/>
+              <a:t>30</a:t>
             </a:fld>
             <a:endParaRPr lang="zh-TW" altLang="en-US"/>
           </a:p>
@@ -7053,13 +13054,13 @@
   <p:clrMapOvr>
     <a:masterClrMapping/>
   </p:clrMapOvr>
-  <mc:AlternateContent xmlns:mc="http://schemas.openxmlformats.org/markup-compatibility/2006">
-    <mc:Choice xmlns:p14="http://schemas.microsoft.com/office/powerpoint/2010/main" Requires="p14">
+  <mc:AlternateContent xmlns:mc="http://schemas.openxmlformats.org/markup-compatibility/2006" xmlns:p14="http://schemas.microsoft.com/office/powerpoint/2010/main">
+    <mc:Choice Requires="p14">
       <p:transition spd="slow">
         <p14:reveal/>
       </p:transition>
     </mc:Choice>
-    <mc:Fallback>
+    <mc:Fallback xmlns="">
       <p:transition spd="slow">
         <p:fade/>
       </p:transition>
@@ -7068,7 +13069,7 @@
 </p:sld>
 </file>
 
-<file path=ppt/slides/slide19.xml><?xml version="1.0" encoding="utf-8"?>
+<file path=ppt/slides/slide31.xml><?xml version="1.0" encoding="utf-8"?>
 <p:sld xmlns:a="http://schemas.openxmlformats.org/drawingml/2006/main" xmlns:r="http://schemas.openxmlformats.org/officeDocument/2006/relationships" xmlns:p="http://schemas.openxmlformats.org/presentationml/2006/main">
   <p:cSld>
     <p:spTree>
@@ -7326,7 +13327,7 @@
           <a:p>
             <a:fld id="{90F9E983-480B-48C5-9E0F-D21C0DFBB5C0}" type="slidenum">
               <a:rPr lang="zh-TW" altLang="en-US" smtClean="0"/>
-              <a:t>19</a:t>
+              <a:t>31</a:t>
             </a:fld>
             <a:endParaRPr lang="zh-TW" altLang="en-US"/>
           </a:p>
@@ -7465,13 +13466,13 @@
   <p:clrMapOvr>
     <a:masterClrMapping/>
   </p:clrMapOvr>
-  <mc:AlternateContent xmlns:mc="http://schemas.openxmlformats.org/markup-compatibility/2006">
-    <mc:Choice xmlns:p14="http://schemas.microsoft.com/office/powerpoint/2010/main" Requires="p14">
+  <mc:AlternateContent xmlns:mc="http://schemas.openxmlformats.org/markup-compatibility/2006" xmlns:p14="http://schemas.microsoft.com/office/powerpoint/2010/main">
+    <mc:Choice Requires="p14">
       <p:transition spd="slow">
         <p14:reveal/>
       </p:transition>
     </mc:Choice>
-    <mc:Fallback>
+    <mc:Fallback xmlns="">
       <p:transition spd="slow">
         <p:fade/>
       </p:transition>
@@ -7480,426 +13481,7 @@
 </p:sld>
 </file>
 
-<file path=ppt/slides/slide2.xml><?xml version="1.0" encoding="utf-8"?>
-<p:sld xmlns:a="http://schemas.openxmlformats.org/drawingml/2006/main" xmlns:r="http://schemas.openxmlformats.org/officeDocument/2006/relationships" xmlns:p="http://schemas.openxmlformats.org/presentationml/2006/main">
-  <p:cSld>
-    <p:spTree>
-      <p:nvGrpSpPr>
-        <p:cNvPr id="1" name=""/>
-        <p:cNvGrpSpPr/>
-        <p:nvPr/>
-      </p:nvGrpSpPr>
-      <p:grpSpPr>
-        <a:xfrm>
-          <a:off x="0" y="0"/>
-          <a:ext cx="0" cy="0"/>
-          <a:chOff x="0" y="0"/>
-          <a:chExt cx="0" cy="0"/>
-        </a:xfrm>
-      </p:grpSpPr>
-      <p:sp>
-        <p:nvSpPr>
-          <p:cNvPr id="2" name="內容版面配置區 1">
-            <a:extLst>
-              <a:ext uri="{FF2B5EF4-FFF2-40B4-BE49-F238E27FC236}">
-                <a16:creationId xmlns:a16="http://schemas.microsoft.com/office/drawing/2014/main" id="{8B9255F6-E79B-4294-834D-6D4140D1CF07}"/>
-              </a:ext>
-            </a:extLst>
-          </p:cNvPr>
-          <p:cNvSpPr>
-            <a:spLocks noGrp="1"/>
-          </p:cNvSpPr>
-          <p:nvPr>
-            <p:ph idx="1"/>
-          </p:nvPr>
-        </p:nvSpPr>
-        <p:spPr/>
-        <p:txBody>
-          <a:bodyPr/>
-          <a:lstStyle/>
-          <a:p>
-            <a:r>
-              <a:rPr lang="en-US" altLang="zh-TW" sz="1800" b="1" dirty="0"/>
-              <a:t>2023/11/09~2023/11/16</a:t>
-            </a:r>
-          </a:p>
-          <a:p>
-            <a:pPr lvl="1"/>
-            <a:r>
-              <a:rPr lang="zh-TW" altLang="en-US" dirty="0"/>
-              <a:t>專案需求分析 </a:t>
-            </a:r>
-            <a:r>
-              <a:rPr lang="en-US" altLang="zh-TW" dirty="0"/>
-              <a:t>:</a:t>
-            </a:r>
-            <a:r>
-              <a:rPr lang="zh-TW" altLang="en-US" dirty="0"/>
-              <a:t> </a:t>
-            </a:r>
-            <a:r>
-              <a:rPr lang="en-US" altLang="zh-TW" dirty="0"/>
-              <a:t>(1)</a:t>
-            </a:r>
-            <a:r>
-              <a:rPr lang="zh-TW" altLang="en-US" dirty="0"/>
-              <a:t>功能 </a:t>
-            </a:r>
-            <a:r>
-              <a:rPr lang="en-US" altLang="zh-TW" dirty="0"/>
-              <a:t>(2)</a:t>
-            </a:r>
-            <a:r>
-              <a:rPr lang="zh-TW" altLang="en-US" dirty="0"/>
-              <a:t>效能 </a:t>
-            </a:r>
-            <a:r>
-              <a:rPr lang="en-US" altLang="zh-TW" dirty="0"/>
-              <a:t>(3)</a:t>
-            </a:r>
-            <a:r>
-              <a:rPr lang="zh-TW" altLang="en-US" dirty="0"/>
-              <a:t>介面 </a:t>
-            </a:r>
-            <a:r>
-              <a:rPr lang="en-US" altLang="zh-TW" dirty="0"/>
-              <a:t>(4)</a:t>
-            </a:r>
-            <a:r>
-              <a:rPr lang="zh-TW" altLang="en-US" dirty="0"/>
-              <a:t>限制 </a:t>
-            </a:r>
-            <a:r>
-              <a:rPr lang="en-US" altLang="zh-TW" dirty="0"/>
-              <a:t>(5)</a:t>
-            </a:r>
-            <a:r>
-              <a:rPr lang="zh-TW" altLang="en-US" dirty="0"/>
-              <a:t>驗收方法</a:t>
-            </a:r>
-            <a:endParaRPr lang="en-US" altLang="zh-TW" dirty="0"/>
-          </a:p>
-          <a:p>
-            <a:pPr lvl="1"/>
-            <a:r>
-              <a:rPr lang="zh-TW" altLang="en-US" dirty="0"/>
-              <a:t>專案系統分析 </a:t>
-            </a:r>
-            <a:r>
-              <a:rPr lang="en-US" altLang="zh-TW" dirty="0"/>
-              <a:t>:</a:t>
-            </a:r>
-            <a:r>
-              <a:rPr lang="zh-TW" altLang="en-US" dirty="0"/>
-              <a:t> </a:t>
-            </a:r>
-            <a:r>
-              <a:rPr lang="en-US" altLang="zh-TW" dirty="0"/>
-              <a:t>(1)Breakdown</a:t>
-            </a:r>
-          </a:p>
-          <a:p>
-            <a:pPr lvl="1"/>
-            <a:r>
-              <a:rPr lang="zh-TW" altLang="en-US" dirty="0"/>
-              <a:t>設計</a:t>
-            </a:r>
-            <a:r>
-              <a:rPr lang="en-US" altLang="zh-TW" dirty="0"/>
-              <a:t>IP(CCL)</a:t>
-            </a:r>
-          </a:p>
-          <a:p>
-            <a:pPr lvl="1"/>
-            <a:endParaRPr lang="en-US" altLang="zh-TW" dirty="0"/>
-          </a:p>
-          <a:p>
-            <a:r>
-              <a:rPr lang="en-US" altLang="zh-TW" sz="1800" b="1" dirty="0"/>
-              <a:t>2023/11/17~2023/11/23</a:t>
-            </a:r>
-          </a:p>
-          <a:p>
-            <a:pPr lvl="1"/>
-            <a:r>
-              <a:rPr lang="zh-TW" altLang="en-US" dirty="0"/>
-              <a:t>專案需求分析 </a:t>
-            </a:r>
-            <a:r>
-              <a:rPr lang="en-US" altLang="zh-TW" dirty="0"/>
-              <a:t>:</a:t>
-            </a:r>
-            <a:r>
-              <a:rPr lang="zh-TW" altLang="en-US" dirty="0"/>
-              <a:t> </a:t>
-            </a:r>
-            <a:r>
-              <a:rPr lang="en-US" altLang="zh-TW" dirty="0"/>
-              <a:t>(1)</a:t>
-            </a:r>
-            <a:r>
-              <a:rPr lang="zh-TW" altLang="en-US" dirty="0"/>
-              <a:t>功能 </a:t>
-            </a:r>
-            <a:r>
-              <a:rPr lang="en-US" altLang="zh-TW" dirty="0"/>
-              <a:t>(2)</a:t>
-            </a:r>
-            <a:r>
-              <a:rPr lang="zh-TW" altLang="en-US" dirty="0"/>
-              <a:t>效能 </a:t>
-            </a:r>
-            <a:r>
-              <a:rPr lang="en-US" altLang="zh-TW" dirty="0"/>
-              <a:t>(3)</a:t>
-            </a:r>
-            <a:r>
-              <a:rPr lang="zh-TW" altLang="en-US" dirty="0"/>
-              <a:t>介面 </a:t>
-            </a:r>
-            <a:r>
-              <a:rPr lang="en-US" altLang="zh-TW" dirty="0"/>
-              <a:t>(4)</a:t>
-            </a:r>
-            <a:r>
-              <a:rPr lang="zh-TW" altLang="en-US" dirty="0"/>
-              <a:t>限制 </a:t>
-            </a:r>
-            <a:r>
-              <a:rPr lang="en-US" altLang="zh-TW" dirty="0"/>
-              <a:t>(5)</a:t>
-            </a:r>
-            <a:r>
-              <a:rPr lang="zh-TW" altLang="en-US" dirty="0"/>
-              <a:t>驗收方法</a:t>
-            </a:r>
-            <a:endParaRPr lang="en-US" altLang="zh-TW" dirty="0"/>
-          </a:p>
-          <a:p>
-            <a:pPr lvl="1"/>
-            <a:r>
-              <a:rPr lang="zh-TW" altLang="en-US" dirty="0"/>
-              <a:t>專案系統分析 </a:t>
-            </a:r>
-            <a:r>
-              <a:rPr lang="en-US" altLang="zh-TW" dirty="0"/>
-              <a:t>:</a:t>
-            </a:r>
-            <a:r>
-              <a:rPr lang="zh-TW" altLang="en-US" dirty="0"/>
-              <a:t> </a:t>
-            </a:r>
-            <a:r>
-              <a:rPr lang="en-US" altLang="zh-TW" dirty="0"/>
-              <a:t>(1)Workflow</a:t>
-            </a:r>
-          </a:p>
-          <a:p>
-            <a:pPr lvl="1"/>
-            <a:r>
-              <a:rPr lang="zh-TW" altLang="en-US" dirty="0"/>
-              <a:t>設計</a:t>
-            </a:r>
-            <a:r>
-              <a:rPr lang="en-US" altLang="zh-TW" dirty="0"/>
-              <a:t>IP(CCL)</a:t>
-            </a:r>
-          </a:p>
-          <a:p>
-            <a:pPr marL="457200" lvl="1" indent="0">
-              <a:buNone/>
-            </a:pPr>
-            <a:endParaRPr lang="en-US" altLang="zh-TW" dirty="0"/>
-          </a:p>
-          <a:p>
-            <a:r>
-              <a:rPr lang="en-US" altLang="zh-TW" sz="1800" b="1" dirty="0"/>
-              <a:t>2023/11/24~2023/11/30</a:t>
-            </a:r>
-          </a:p>
-          <a:p>
-            <a:pPr lvl="1"/>
-            <a:r>
-              <a:rPr lang="zh-TW" altLang="en-US" dirty="0"/>
-              <a:t>專案需求分析 </a:t>
-            </a:r>
-            <a:r>
-              <a:rPr lang="en-US" altLang="zh-TW" dirty="0"/>
-              <a:t>:</a:t>
-            </a:r>
-            <a:r>
-              <a:rPr lang="zh-TW" altLang="en-US" dirty="0"/>
-              <a:t> </a:t>
-            </a:r>
-            <a:r>
-              <a:rPr lang="en-US" altLang="zh-TW" dirty="0"/>
-              <a:t>(1)</a:t>
-            </a:r>
-            <a:r>
-              <a:rPr lang="zh-TW" altLang="en-US" dirty="0"/>
-              <a:t>功能 </a:t>
-            </a:r>
-            <a:r>
-              <a:rPr lang="en-US" altLang="zh-TW" dirty="0"/>
-              <a:t>(2)</a:t>
-            </a:r>
-            <a:r>
-              <a:rPr lang="zh-TW" altLang="en-US" dirty="0"/>
-              <a:t>效能 </a:t>
-            </a:r>
-            <a:r>
-              <a:rPr lang="en-US" altLang="zh-TW" dirty="0"/>
-              <a:t>(3)</a:t>
-            </a:r>
-            <a:r>
-              <a:rPr lang="zh-TW" altLang="en-US" dirty="0"/>
-              <a:t>介面 </a:t>
-            </a:r>
-            <a:r>
-              <a:rPr lang="en-US" altLang="zh-TW" dirty="0"/>
-              <a:t>(4)</a:t>
-            </a:r>
-            <a:r>
-              <a:rPr lang="zh-TW" altLang="en-US" dirty="0"/>
-              <a:t>限制 </a:t>
-            </a:r>
-            <a:r>
-              <a:rPr lang="en-US" altLang="zh-TW" dirty="0"/>
-              <a:t>(5)</a:t>
-            </a:r>
-            <a:r>
-              <a:rPr lang="zh-TW" altLang="en-US" dirty="0"/>
-              <a:t>驗收方法</a:t>
-            </a:r>
-            <a:endParaRPr lang="en-US" altLang="zh-TW" dirty="0"/>
-          </a:p>
-          <a:p>
-            <a:pPr lvl="1"/>
-            <a:r>
-              <a:rPr lang="zh-TW" altLang="en-US" dirty="0"/>
-              <a:t>專案系統分析 </a:t>
-            </a:r>
-            <a:r>
-              <a:rPr lang="en-US" altLang="zh-TW" dirty="0"/>
-              <a:t>:</a:t>
-            </a:r>
-            <a:r>
-              <a:rPr lang="zh-TW" altLang="en-US" dirty="0"/>
-              <a:t> </a:t>
-            </a:r>
-            <a:r>
-              <a:rPr lang="en-US" altLang="zh-TW" dirty="0"/>
-              <a:t>(1)Breakdown (2)Architecture(3)Workflow</a:t>
-            </a:r>
-          </a:p>
-          <a:p>
-            <a:pPr lvl="1"/>
-            <a:r>
-              <a:rPr lang="zh-TW" altLang="en-US" dirty="0"/>
-              <a:t>設計</a:t>
-            </a:r>
-            <a:r>
-              <a:rPr lang="en-US" altLang="zh-TW" dirty="0"/>
-              <a:t>IP(CCL)</a:t>
-            </a:r>
-            <a:endParaRPr lang="zh-TW" altLang="en-US" dirty="0"/>
-          </a:p>
-          <a:p>
-            <a:pPr marL="0" indent="-84600">
-              <a:buNone/>
-            </a:pPr>
-            <a:endParaRPr lang="zh-TW" altLang="en-US" dirty="0"/>
-          </a:p>
-          <a:p>
-            <a:pPr lvl="1"/>
-            <a:endParaRPr lang="en-US" altLang="zh-TW" dirty="0"/>
-          </a:p>
-        </p:txBody>
-      </p:sp>
-      <p:sp>
-        <p:nvSpPr>
-          <p:cNvPr id="3" name="標題 2">
-            <a:extLst>
-              <a:ext uri="{FF2B5EF4-FFF2-40B4-BE49-F238E27FC236}">
-                <a16:creationId xmlns:a16="http://schemas.microsoft.com/office/drawing/2014/main" id="{D7232380-22D4-47E6-A40E-ABF38AB200C3}"/>
-              </a:ext>
-            </a:extLst>
-          </p:cNvPr>
-          <p:cNvSpPr>
-            <a:spLocks noGrp="1"/>
-          </p:cNvSpPr>
-          <p:nvPr>
-            <p:ph type="title"/>
-          </p:nvPr>
-        </p:nvSpPr>
-        <p:spPr/>
-        <p:txBody>
-          <a:bodyPr/>
-          <a:lstStyle/>
-          <a:p>
-            <a:r>
-              <a:rPr lang="en-US" altLang="zh-TW" dirty="0"/>
-              <a:t>To Do List</a:t>
-            </a:r>
-            <a:endParaRPr lang="zh-TW" altLang="en-US" dirty="0"/>
-          </a:p>
-        </p:txBody>
-      </p:sp>
-      <p:sp>
-        <p:nvSpPr>
-          <p:cNvPr id="4" name="投影片編號版面配置區 3">
-            <a:extLst>
-              <a:ext uri="{FF2B5EF4-FFF2-40B4-BE49-F238E27FC236}">
-                <a16:creationId xmlns:a16="http://schemas.microsoft.com/office/drawing/2014/main" id="{CC364F06-FBAE-41F1-9123-C093E43ADC15}"/>
-              </a:ext>
-            </a:extLst>
-          </p:cNvPr>
-          <p:cNvSpPr>
-            <a:spLocks noGrp="1"/>
-          </p:cNvSpPr>
-          <p:nvPr>
-            <p:ph type="sldNum" sz="quarter" idx="12"/>
-          </p:nvPr>
-        </p:nvSpPr>
-        <p:spPr/>
-        <p:txBody>
-          <a:bodyPr/>
-          <a:lstStyle/>
-          <a:p>
-            <a:fld id="{90F9E983-480B-48C5-9E0F-D21C0DFBB5C0}" type="slidenum">
-              <a:rPr lang="zh-TW" altLang="en-US" smtClean="0"/>
-              <a:t>2</a:t>
-            </a:fld>
-            <a:endParaRPr lang="zh-TW" altLang="en-US"/>
-          </a:p>
-        </p:txBody>
-      </p:sp>
-    </p:spTree>
-    <p:extLst>
-      <p:ext uri="{BB962C8B-B14F-4D97-AF65-F5344CB8AC3E}">
-        <p14:creationId xmlns:p14="http://schemas.microsoft.com/office/powerpoint/2010/main" val="532258986"/>
-      </p:ext>
-    </p:extLst>
-  </p:cSld>
-  <p:clrMapOvr>
-    <a:masterClrMapping/>
-  </p:clrMapOvr>
-  <mc:AlternateContent xmlns:mc="http://schemas.openxmlformats.org/markup-compatibility/2006">
-    <mc:Choice xmlns:p14="http://schemas.microsoft.com/office/powerpoint/2010/main" Requires="p14">
-      <p:transition spd="slow">
-        <p14:reveal/>
-      </p:transition>
-    </mc:Choice>
-    <mc:Fallback>
-      <p:transition spd="slow">
-        <p:fade/>
-      </p:transition>
-    </mc:Fallback>
-  </mc:AlternateContent>
-</p:sld>
-</file>
-
-<file path=ppt/slides/slide20.xml><?xml version="1.0" encoding="utf-8"?>
+<file path=ppt/slides/slide32.xml><?xml version="1.0" encoding="utf-8"?>
 <p:sld xmlns:a="http://schemas.openxmlformats.org/drawingml/2006/main" xmlns:r="http://schemas.openxmlformats.org/officeDocument/2006/relationships" xmlns:p="http://schemas.openxmlformats.org/presentationml/2006/main">
   <p:cSld>
     <p:spTree>
@@ -8027,7 +13609,7 @@
           <a:p>
             <a:fld id="{90F9E983-480B-48C5-9E0F-D21C0DFBB5C0}" type="slidenum">
               <a:rPr lang="zh-TW" altLang="en-US" smtClean="0"/>
-              <a:t>20</a:t>
+              <a:t>32</a:t>
             </a:fld>
             <a:endParaRPr lang="zh-TW" altLang="en-US"/>
           </a:p>
@@ -8296,13 +13878,13 @@
   <p:clrMapOvr>
     <a:masterClrMapping/>
   </p:clrMapOvr>
-  <mc:AlternateContent xmlns:mc="http://schemas.openxmlformats.org/markup-compatibility/2006">
-    <mc:Choice xmlns:p14="http://schemas.microsoft.com/office/powerpoint/2010/main" Requires="p14">
+  <mc:AlternateContent xmlns:mc="http://schemas.openxmlformats.org/markup-compatibility/2006" xmlns:p14="http://schemas.microsoft.com/office/powerpoint/2010/main">
+    <mc:Choice Requires="p14">
       <p:transition spd="slow">
         <p14:reveal/>
       </p:transition>
     </mc:Choice>
-    <mc:Fallback>
+    <mc:Fallback xmlns="">
       <p:transition spd="slow">
         <p:fade/>
       </p:transition>
@@ -8311,7 +13893,7 @@
 </p:sld>
 </file>
 
-<file path=ppt/slides/slide21.xml><?xml version="1.0" encoding="utf-8"?>
+<file path=ppt/slides/slide33.xml><?xml version="1.0" encoding="utf-8"?>
 <p:sld xmlns:a="http://schemas.openxmlformats.org/drawingml/2006/main" xmlns:r="http://schemas.openxmlformats.org/officeDocument/2006/relationships" xmlns:p="http://schemas.openxmlformats.org/presentationml/2006/main">
   <p:cSld>
     <p:spTree>
@@ -8491,7 +14073,7 @@
           <a:p>
             <a:fld id="{90F9E983-480B-48C5-9E0F-D21C0DFBB5C0}" type="slidenum">
               <a:rPr lang="zh-TW" altLang="en-US" smtClean="0"/>
-              <a:t>21</a:t>
+              <a:t>33</a:t>
             </a:fld>
             <a:endParaRPr lang="zh-TW" altLang="en-US"/>
           </a:p>
@@ -8787,13 +14369,13 @@
   <p:clrMapOvr>
     <a:masterClrMapping/>
   </p:clrMapOvr>
-  <mc:AlternateContent xmlns:mc="http://schemas.openxmlformats.org/markup-compatibility/2006">
-    <mc:Choice xmlns:p14="http://schemas.microsoft.com/office/powerpoint/2010/main" Requires="p14">
+  <mc:AlternateContent xmlns:mc="http://schemas.openxmlformats.org/markup-compatibility/2006" xmlns:p14="http://schemas.microsoft.com/office/powerpoint/2010/main">
+    <mc:Choice Requires="p14">
       <p:transition spd="slow">
         <p14:reveal/>
       </p:transition>
     </mc:Choice>
-    <mc:Fallback>
+    <mc:Fallback xmlns="">
       <p:transition spd="slow">
         <p:fade/>
       </p:transition>
@@ -8802,7 +14384,7 @@
 </p:sld>
 </file>
 
-<file path=ppt/slides/slide22.xml><?xml version="1.0" encoding="utf-8"?>
+<file path=ppt/slides/slide34.xml><?xml version="1.0" encoding="utf-8"?>
 <p:sld xmlns:a="http://schemas.openxmlformats.org/drawingml/2006/main" xmlns:r="http://schemas.openxmlformats.org/officeDocument/2006/relationships" xmlns:p="http://schemas.openxmlformats.org/presentationml/2006/main">
   <p:cSld>
     <p:spTree>
@@ -8929,7 +14511,7 @@
           <a:p>
             <a:fld id="{90F9E983-480B-48C5-9E0F-D21C0DFBB5C0}" type="slidenum">
               <a:rPr lang="zh-TW" altLang="en-US" smtClean="0"/>
-              <a:t>22</a:t>
+              <a:t>34</a:t>
             </a:fld>
             <a:endParaRPr lang="zh-TW" altLang="en-US"/>
           </a:p>
@@ -9198,13 +14780,13 @@
   <p:clrMapOvr>
     <a:masterClrMapping/>
   </p:clrMapOvr>
-  <mc:AlternateContent xmlns:mc="http://schemas.openxmlformats.org/markup-compatibility/2006">
-    <mc:Choice xmlns:p14="http://schemas.microsoft.com/office/powerpoint/2010/main" Requires="p14">
+  <mc:AlternateContent xmlns:mc="http://schemas.openxmlformats.org/markup-compatibility/2006" xmlns:p14="http://schemas.microsoft.com/office/powerpoint/2010/main">
+    <mc:Choice Requires="p14">
       <p:transition spd="slow">
         <p14:reveal/>
       </p:transition>
     </mc:Choice>
-    <mc:Fallback>
+    <mc:Fallback xmlns="">
       <p:transition spd="slow">
         <p:fade/>
       </p:transition>
@@ -9213,7 +14795,7 @@
 </p:sld>
 </file>
 
-<file path=ppt/slides/slide23.xml><?xml version="1.0" encoding="utf-8"?>
+<file path=ppt/slides/slide35.xml><?xml version="1.0" encoding="utf-8"?>
 <p:sld xmlns:a="http://schemas.openxmlformats.org/drawingml/2006/main" xmlns:r="http://schemas.openxmlformats.org/officeDocument/2006/relationships" xmlns:p="http://schemas.openxmlformats.org/presentationml/2006/main">
   <p:cSld>
     <p:spTree>
@@ -9462,7 +15044,7 @@
           <a:p>
             <a:fld id="{90F9E983-480B-48C5-9E0F-D21C0DFBB5C0}" type="slidenum">
               <a:rPr lang="zh-TW" altLang="en-US" smtClean="0"/>
-              <a:t>23</a:t>
+              <a:t>35</a:t>
             </a:fld>
             <a:endParaRPr lang="zh-TW" altLang="en-US"/>
           </a:p>
@@ -9601,13 +15183,13 @@
   <p:clrMapOvr>
     <a:masterClrMapping/>
   </p:clrMapOvr>
-  <mc:AlternateContent xmlns:mc="http://schemas.openxmlformats.org/markup-compatibility/2006">
-    <mc:Choice xmlns:p14="http://schemas.microsoft.com/office/powerpoint/2010/main" Requires="p14">
+  <mc:AlternateContent xmlns:mc="http://schemas.openxmlformats.org/markup-compatibility/2006" xmlns:p14="http://schemas.microsoft.com/office/powerpoint/2010/main">
+    <mc:Choice Requires="p14">
       <p:transition spd="slow">
         <p14:reveal/>
       </p:transition>
     </mc:Choice>
-    <mc:Fallback>
+    <mc:Fallback xmlns="">
       <p:transition spd="slow">
         <p:fade/>
       </p:transition>
@@ -9616,7 +15198,7 @@
 </p:sld>
 </file>
 
-<file path=ppt/slides/slide24.xml><?xml version="1.0" encoding="utf-8"?>
+<file path=ppt/slides/slide36.xml><?xml version="1.0" encoding="utf-8"?>
 <p:sld xmlns:a="http://schemas.openxmlformats.org/drawingml/2006/main" xmlns:r="http://schemas.openxmlformats.org/officeDocument/2006/relationships" xmlns:p="http://schemas.openxmlformats.org/presentationml/2006/main">
   <p:cSld>
     <p:spTree>
@@ -9743,7 +15325,7 @@
           <a:p>
             <a:fld id="{90F9E983-480B-48C5-9E0F-D21C0DFBB5C0}" type="slidenum">
               <a:rPr lang="zh-TW" altLang="en-US" smtClean="0"/>
-              <a:t>24</a:t>
+              <a:t>36</a:t>
             </a:fld>
             <a:endParaRPr lang="zh-TW" altLang="en-US"/>
           </a:p>
@@ -10012,13 +15594,13 @@
   <p:clrMapOvr>
     <a:masterClrMapping/>
   </p:clrMapOvr>
-  <mc:AlternateContent xmlns:mc="http://schemas.openxmlformats.org/markup-compatibility/2006">
-    <mc:Choice xmlns:p14="http://schemas.microsoft.com/office/powerpoint/2010/main" Requires="p14">
+  <mc:AlternateContent xmlns:mc="http://schemas.openxmlformats.org/markup-compatibility/2006" xmlns:p14="http://schemas.microsoft.com/office/powerpoint/2010/main">
+    <mc:Choice Requires="p14">
       <p:transition spd="slow">
         <p14:reveal/>
       </p:transition>
     </mc:Choice>
-    <mc:Fallback>
+    <mc:Fallback xmlns="">
       <p:transition spd="slow">
         <p:fade/>
       </p:transition>
@@ -10027,7 +15609,7 @@
 </p:sld>
 </file>
 
-<file path=ppt/slides/slide25.xml><?xml version="1.0" encoding="utf-8"?>
+<file path=ppt/slides/slide37.xml><?xml version="1.0" encoding="utf-8"?>
 <p:sld xmlns:a="http://schemas.openxmlformats.org/drawingml/2006/main" xmlns:r="http://schemas.openxmlformats.org/officeDocument/2006/relationships" xmlns:p="http://schemas.openxmlformats.org/presentationml/2006/main">
   <p:cSld>
     <p:spTree>
@@ -10175,7 +15757,7 @@
           <a:p>
             <a:fld id="{90F9E983-480B-48C5-9E0F-D21C0DFBB5C0}" type="slidenum">
               <a:rPr lang="zh-TW" altLang="en-US" smtClean="0"/>
-              <a:t>25</a:t>
+              <a:t>37</a:t>
             </a:fld>
             <a:endParaRPr lang="zh-TW" altLang="en-US"/>
           </a:p>
@@ -10191,13 +15773,13 @@
   <p:clrMapOvr>
     <a:masterClrMapping/>
   </p:clrMapOvr>
-  <mc:AlternateContent xmlns:mc="http://schemas.openxmlformats.org/markup-compatibility/2006">
-    <mc:Choice xmlns:p14="http://schemas.microsoft.com/office/powerpoint/2010/main" Requires="p14">
+  <mc:AlternateContent xmlns:mc="http://schemas.openxmlformats.org/markup-compatibility/2006" xmlns:p14="http://schemas.microsoft.com/office/powerpoint/2010/main">
+    <mc:Choice Requires="p14">
       <p:transition spd="slow">
         <p14:reveal/>
       </p:transition>
     </mc:Choice>
-    <mc:Fallback>
+    <mc:Fallback xmlns="">
       <p:transition spd="slow">
         <p:fade/>
       </p:transition>
@@ -10206,7 +15788,7 @@
 </p:sld>
 </file>
 
-<file path=ppt/slides/slide3.xml><?xml version="1.0" encoding="utf-8"?>
+<file path=ppt/slides/slide38.xml><?xml version="1.0" encoding="utf-8"?>
 <p:sld xmlns:a="http://schemas.openxmlformats.org/drawingml/2006/main" xmlns:r="http://schemas.openxmlformats.org/officeDocument/2006/relationships" xmlns:p="http://schemas.openxmlformats.org/presentationml/2006/main">
   <p:cSld>
     <p:spTree>
@@ -10246,13 +15828,63 @@
           </a:bodyPr>
           <a:lstStyle/>
           <a:p>
-            <a:r>
-              <a:rPr lang="en-US" altLang="zh-TW" sz="1800" b="1" dirty="0">
-                <a:hlinkClick r:id="rId2" action="ppaction://hlinksldjump"/>
+            <a:pPr marL="342900" indent="-342900">
+              <a:buFont typeface="+mj-lt"/>
+              <a:buAutoNum type="arabicPeriod"/>
+            </a:pPr>
+            <a:r>
+              <a:rPr lang="en-US" altLang="zh-TW" sz="1800" dirty="0">
+                <a:hlinkClick r:id="rId2"/>
               </a:rPr>
-              <a:t>2023/11/09~2023/11/16</a:t>
-            </a:r>
-            <a:endParaRPr lang="zh-TW" altLang="en-US" sz="1800" b="1" dirty="0"/>
+              <a:t>https://blog.csdn.net/taowei1314520/article/details/88622264?spm=1001.2014.3001.5502</a:t>
+            </a:r>
+            <a:endParaRPr lang="en-US" altLang="zh-TW" sz="1800" dirty="0"/>
+          </a:p>
+          <a:p>
+            <a:pPr marL="342900" indent="-342900">
+              <a:buFont typeface="+mj-lt"/>
+              <a:buAutoNum type="arabicPeriod"/>
+            </a:pPr>
+            <a:r>
+              <a:rPr lang="en-US" altLang="zh-TW" sz="1800" dirty="0">
+                <a:hlinkClick r:id="rId3"/>
+              </a:rPr>
+              <a:t>https://blog.csdn.net/weixin_41445387/article/details/116275486?spm=1001.2014.3001.5501</a:t>
+            </a:r>
+            <a:endParaRPr lang="en-US" altLang="zh-TW" sz="1800" dirty="0"/>
+          </a:p>
+          <a:p>
+            <a:pPr marL="342900" indent="-342900">
+              <a:buFont typeface="+mj-lt"/>
+              <a:buAutoNum type="arabicPeriod"/>
+            </a:pPr>
+            <a:r>
+              <a:rPr lang="en-US" altLang="zh-TW" sz="1800" dirty="0">
+                <a:hlinkClick r:id="rId4"/>
+              </a:rPr>
+              <a:t>https://www.analog.com/media/en/technical-documentation/user-guides/ADV7511_Programming_Guide.pdf</a:t>
+            </a:r>
+            <a:endParaRPr lang="en-US" altLang="zh-TW" sz="1800" dirty="0"/>
+          </a:p>
+          <a:p>
+            <a:pPr marL="342900" indent="-342900">
+              <a:buFont typeface="+mj-lt"/>
+              <a:buAutoNum type="arabicPeriod"/>
+            </a:pPr>
+            <a:r>
+              <a:rPr lang="en-US" altLang="zh-TW" sz="1800" dirty="0">
+                <a:hlinkClick r:id="rId5"/>
+              </a:rPr>
+              <a:t>https://www.analog.com/media/en/technical-documentation/user-guides/ADV7511_Hardware_Users_Guide.pdf</a:t>
+            </a:r>
+            <a:endParaRPr lang="en-US" altLang="zh-TW" sz="1800" dirty="0"/>
+          </a:p>
+          <a:p>
+            <a:pPr marL="342900" indent="-342900">
+              <a:buFont typeface="+mj-lt"/>
+              <a:buAutoNum type="arabicPeriod"/>
+            </a:pPr>
+            <a:endParaRPr lang="zh-TW" altLang="en-US" sz="1800" dirty="0"/>
           </a:p>
         </p:txBody>
       </p:sp>
@@ -10279,7 +15911,7 @@
           <a:p>
             <a:r>
               <a:rPr lang="zh-TW" altLang="en-US" dirty="0"/>
-              <a:t>進度統整</a:t>
+              <a:t>參考資料</a:t>
             </a:r>
           </a:p>
         </p:txBody>
@@ -10307,7 +15939,7 @@
           <a:p>
             <a:fld id="{90F9E983-480B-48C5-9E0F-D21C0DFBB5C0}" type="slidenum">
               <a:rPr lang="zh-TW" altLang="en-US" smtClean="0"/>
-              <a:t>3</a:t>
+              <a:t>38</a:t>
             </a:fld>
             <a:endParaRPr lang="zh-TW" altLang="en-US"/>
           </a:p>
@@ -10316,20 +15948,20 @@
     </p:spTree>
     <p:extLst>
       <p:ext uri="{BB962C8B-B14F-4D97-AF65-F5344CB8AC3E}">
-        <p14:creationId xmlns:p14="http://schemas.microsoft.com/office/powerpoint/2010/main" val="1409560699"/>
+        <p14:creationId xmlns:p14="http://schemas.microsoft.com/office/powerpoint/2010/main" val="2501211002"/>
       </p:ext>
     </p:extLst>
   </p:cSld>
   <p:clrMapOvr>
     <a:masterClrMapping/>
   </p:clrMapOvr>
-  <mc:AlternateContent xmlns:mc="http://schemas.openxmlformats.org/markup-compatibility/2006">
-    <mc:Choice xmlns:p14="http://schemas.microsoft.com/office/powerpoint/2010/main" Requires="p14">
+  <mc:AlternateContent xmlns:mc="http://schemas.openxmlformats.org/markup-compatibility/2006" xmlns:p14="http://schemas.microsoft.com/office/powerpoint/2010/main">
+    <mc:Choice Requires="p14">
       <p:transition spd="slow">
         <p14:reveal/>
       </p:transition>
     </mc:Choice>
-    <mc:Fallback>
+    <mc:Fallback xmlns="">
       <p:transition spd="slow">
         <p:fade/>
       </p:transition>
@@ -10846,23 +16478,7 @@
                   <a:prstClr val="black"/>
                 </a:solidFill>
               </a:rPr>
-              <a:t>硬體實現影像前處理、連通域分析，並由</a:t>
-            </a:r>
-            <a:r>
-              <a:rPr lang="en-US" altLang="zh-TW" sz="1800" dirty="0">
-                <a:solidFill>
-                  <a:prstClr val="black"/>
-                </a:solidFill>
-              </a:rPr>
-              <a:t>VGA</a:t>
-            </a:r>
-            <a:r>
-              <a:rPr lang="zh-TW" altLang="en-US" sz="1800" dirty="0">
-                <a:solidFill>
-                  <a:prstClr val="black"/>
-                </a:solidFill>
-              </a:rPr>
-              <a:t>同步顯示結果</a:t>
+              <a:t>硬體實現影像前處理、連通域分析，並由顯示器同步顯示結果</a:t>
             </a:r>
             <a:endParaRPr lang="en-US" altLang="zh-TW" sz="1800" dirty="0">
               <a:solidFill>
@@ -11218,13 +16834,13 @@
   <p:clrMapOvr>
     <a:masterClrMapping/>
   </p:clrMapOvr>
-  <mc:AlternateContent xmlns:mc="http://schemas.openxmlformats.org/markup-compatibility/2006">
-    <mc:Choice xmlns:p14="http://schemas.microsoft.com/office/powerpoint/2010/main" Requires="p14">
+  <mc:AlternateContent xmlns:mc="http://schemas.openxmlformats.org/markup-compatibility/2006" xmlns:p14="http://schemas.microsoft.com/office/powerpoint/2010/main">
+    <mc:Choice Requires="p14">
       <p:transition spd="slow">
         <p14:reveal/>
       </p:transition>
     </mc:Choice>
-    <mc:Fallback>
+    <mc:Fallback xmlns="">
       <p:transition spd="slow">
         <p:fade/>
       </p:transition>
@@ -12023,13 +17639,13 @@
   <p:clrMapOvr>
     <a:masterClrMapping/>
   </p:clrMapOvr>
-  <mc:AlternateContent xmlns:mc="http://schemas.openxmlformats.org/markup-compatibility/2006">
-    <mc:Choice xmlns:p14="http://schemas.microsoft.com/office/powerpoint/2010/main" Requires="p14">
+  <mc:AlternateContent xmlns:mc="http://schemas.openxmlformats.org/markup-compatibility/2006" xmlns:p14="http://schemas.microsoft.com/office/powerpoint/2010/main">
+    <mc:Choice Requires="p14">
       <p:transition spd="slow">
         <p14:reveal/>
       </p:transition>
     </mc:Choice>
-    <mc:Fallback>
+    <mc:Fallback xmlns="">
       <p:transition spd="slow">
         <p:fade/>
       </p:transition>
@@ -12725,13 +18341,13 @@
   <p:clrMapOvr>
     <a:masterClrMapping/>
   </p:clrMapOvr>
-  <mc:AlternateContent xmlns:mc="http://schemas.openxmlformats.org/markup-compatibility/2006">
-    <mc:Choice xmlns:p14="http://schemas.microsoft.com/office/powerpoint/2010/main" Requires="p14">
+  <mc:AlternateContent xmlns:mc="http://schemas.openxmlformats.org/markup-compatibility/2006" xmlns:p14="http://schemas.microsoft.com/office/powerpoint/2010/main">
+    <mc:Choice Requires="p14">
       <p:transition spd="slow">
         <p14:reveal/>
       </p:transition>
     </mc:Choice>
-    <mc:Fallback>
+    <mc:Fallback xmlns="">
       <p:transition spd="slow">
         <p:fade/>
       </p:transition>
@@ -13416,13 +19032,13 @@
   <p:clrMapOvr>
     <a:masterClrMapping/>
   </p:clrMapOvr>
-  <mc:AlternateContent xmlns:mc="http://schemas.openxmlformats.org/markup-compatibility/2006">
-    <mc:Choice xmlns:p14="http://schemas.microsoft.com/office/powerpoint/2010/main" Requires="p14">
+  <mc:AlternateContent xmlns:mc="http://schemas.openxmlformats.org/markup-compatibility/2006" xmlns:p14="http://schemas.microsoft.com/office/powerpoint/2010/main">
+    <mc:Choice Requires="p14">
       <p:transition spd="slow">
         <p14:reveal/>
       </p:transition>
     </mc:Choice>
-    <mc:Fallback>
+    <mc:Fallback xmlns="">
       <p:transition spd="slow">
         <p:fade/>
       </p:transition>
@@ -14054,13 +19670,13 @@
   <p:clrMapOvr>
     <a:masterClrMapping/>
   </p:clrMapOvr>
-  <mc:AlternateContent xmlns:mc="http://schemas.openxmlformats.org/markup-compatibility/2006">
-    <mc:Choice xmlns:p14="http://schemas.microsoft.com/office/powerpoint/2010/main" Requires="p14">
+  <mc:AlternateContent xmlns:mc="http://schemas.openxmlformats.org/markup-compatibility/2006" xmlns:p14="http://schemas.microsoft.com/office/powerpoint/2010/main">
+    <mc:Choice Requires="p14">
       <p:transition spd="slow">
         <p14:reveal/>
       </p:transition>
     </mc:Choice>
-    <mc:Fallback>
+    <mc:Fallback xmlns="">
       <p:transition spd="slow">
         <p:fade/>
       </p:transition>
@@ -14623,13 +20239,13 @@
   <p:clrMapOvr>
     <a:masterClrMapping/>
   </p:clrMapOvr>
-  <mc:AlternateContent xmlns:mc="http://schemas.openxmlformats.org/markup-compatibility/2006">
-    <mc:Choice xmlns:p14="http://schemas.microsoft.com/office/powerpoint/2010/main" Requires="p14">
+  <mc:AlternateContent xmlns:mc="http://schemas.openxmlformats.org/markup-compatibility/2006" xmlns:p14="http://schemas.microsoft.com/office/powerpoint/2010/main">
+    <mc:Choice Requires="p14">
       <p:transition spd="slow">
         <p14:reveal/>
       </p:transition>
     </mc:Choice>
-    <mc:Fallback>
+    <mc:Fallback xmlns="">
       <p:transition spd="slow">
         <p:fade/>
       </p:transition>
